--- a/EDA_Presentation.pptx
+++ b/EDA_Presentation.pptx
@@ -13,6 +13,7 @@
     <p:sldId id="261" r:id="rId7"/>
     <p:sldId id="262" r:id="rId8"/>
     <p:sldId id="263" r:id="rId9"/>
+    <p:sldId id="264" r:id="rId10"/>
   </p:sldIdLst>
   <p:sldSz cx="12192000" cy="6858000"/>
   <p:notesSz cx="6858000" cy="9144000"/>
@@ -111,6 +112,11 @@
       </a:defRPr>
     </a:lvl9pPr>
   </p:defaultTextStyle>
+  <p:extLst>
+    <p:ext uri="{EFAFB233-063F-42B5-8137-9DF3F51BA10A}">
+      <p15:sldGuideLst xmlns:p15="http://schemas.microsoft.com/office/powerpoint/2012/main"/>
+    </p:ext>
+  </p:extLst>
 </p:presentation>
 </file>
 
@@ -3683,7 +3689,7 @@
           <a:p>
             <a:r>
               <a:rPr lang="en-US" dirty="0"/>
-              <a:t>s</a:t>
+              <a:t>Insights (X states make up Y% of breweries..)</a:t>
             </a:r>
           </a:p>
         </p:txBody>
@@ -3739,8 +3745,8 @@
         </p:blipFill>
         <p:spPr>
           <a:xfrm>
-            <a:off x="7459579" y="1589507"/>
-            <a:ext cx="4372620" cy="5117240"/>
+            <a:off x="7661339" y="1825625"/>
+            <a:ext cx="4170860" cy="4881122"/>
           </a:xfrm>
           <a:prstGeom prst="rect">
             <a:avLst/>
@@ -5150,7 +5156,7 @@
         </p:blipFill>
         <p:spPr>
           <a:xfrm>
-            <a:off x="5186079" y="577666"/>
+            <a:off x="5186079" y="419537"/>
             <a:ext cx="6553545" cy="4046813"/>
           </a:xfrm>
           <a:prstGeom prst="rect">
@@ -5173,13 +5179,13 @@
           <p:nvPr>
             <p:extLst>
               <p:ext uri="{D42A27DB-BD31-4B8C-83A1-F6EECF244321}">
-                <p14:modId xmlns:p14="http://schemas.microsoft.com/office/powerpoint/2010/main" val="3991121632"/>
+                <p14:modId xmlns:p14="http://schemas.microsoft.com/office/powerpoint/2010/main" val="3806364622"/>
               </p:ext>
             </p:extLst>
           </p:nvPr>
         </p:nvGraphicFramePr>
         <p:xfrm>
-          <a:off x="5000177" y="5101545"/>
+          <a:off x="5000177" y="4610071"/>
           <a:ext cx="6925348" cy="741680"/>
         </p:xfrm>
         <a:graphic>
@@ -5252,7 +5258,13 @@
                       </a:r>
                     </a:p>
                   </a:txBody>
-                  <a:tcPr/>
+                  <a:tcPr>
+                    <a:solidFill>
+                      <a:schemeClr val="accent6">
+                        <a:lumMod val="75000"/>
+                      </a:schemeClr>
+                    </a:solidFill>
+                  </a:tcPr>
                 </a:tc>
                 <a:tc>
                   <a:txBody>
@@ -5274,7 +5286,13 @@
                       </a:r>
                     </a:p>
                   </a:txBody>
-                  <a:tcPr/>
+                  <a:tcPr>
+                    <a:solidFill>
+                      <a:schemeClr val="accent6">
+                        <a:lumMod val="75000"/>
+                      </a:schemeClr>
+                    </a:solidFill>
+                  </a:tcPr>
                 </a:tc>
                 <a:tc>
                   <a:txBody>
@@ -5288,7 +5306,13 @@
                       </a:r>
                     </a:p>
                   </a:txBody>
-                  <a:tcPr/>
+                  <a:tcPr>
+                    <a:solidFill>
+                      <a:schemeClr val="accent6">
+                        <a:lumMod val="75000"/>
+                      </a:schemeClr>
+                    </a:solidFill>
+                  </a:tcPr>
                 </a:tc>
                 <a:tc>
                   <a:txBody>
@@ -5302,7 +5326,13 @@
                       </a:r>
                     </a:p>
                   </a:txBody>
-                  <a:tcPr/>
+                  <a:tcPr>
+                    <a:solidFill>
+                      <a:schemeClr val="accent6">
+                        <a:lumMod val="75000"/>
+                      </a:schemeClr>
+                    </a:solidFill>
+                  </a:tcPr>
                 </a:tc>
                 <a:tc>
                   <a:txBody>
@@ -5316,7 +5346,13 @@
                       </a:r>
                     </a:p>
                   </a:txBody>
-                  <a:tcPr/>
+                  <a:tcPr>
+                    <a:solidFill>
+                      <a:schemeClr val="accent6">
+                        <a:lumMod val="75000"/>
+                      </a:schemeClr>
+                    </a:solidFill>
+                  </a:tcPr>
                 </a:tc>
                 <a:tc>
                   <a:txBody>
@@ -5338,7 +5374,13 @@
                       </a:r>
                     </a:p>
                   </a:txBody>
-                  <a:tcPr/>
+                  <a:tcPr>
+                    <a:solidFill>
+                      <a:schemeClr val="accent6">
+                        <a:lumMod val="75000"/>
+                      </a:schemeClr>
+                    </a:solidFill>
+                  </a:tcPr>
                 </a:tc>
                 <a:tc>
                   <a:txBody>
@@ -5352,7 +5394,13 @@
                       </a:r>
                     </a:p>
                   </a:txBody>
-                  <a:tcPr/>
+                  <a:tcPr>
+                    <a:solidFill>
+                      <a:schemeClr val="accent6">
+                        <a:lumMod val="75000"/>
+                      </a:schemeClr>
+                    </a:solidFill>
+                  </a:tcPr>
                 </a:tc>
                 <a:extLst>
                   <a:ext uri="{0D108BD9-81ED-4DB2-BD59-A6C34878D82A}">
@@ -5373,7 +5421,14 @@
                       </a:r>
                     </a:p>
                   </a:txBody>
-                  <a:tcPr/>
+                  <a:tcPr>
+                    <a:solidFill>
+                      <a:schemeClr val="accent6">
+                        <a:lumMod val="60000"/>
+                        <a:lumOff val="40000"/>
+                      </a:schemeClr>
+                    </a:solidFill>
+                  </a:tcPr>
                 </a:tc>
                 <a:tc>
                   <a:txBody>
@@ -5387,7 +5442,14 @@
                       </a:r>
                     </a:p>
                   </a:txBody>
-                  <a:tcPr/>
+                  <a:tcPr>
+                    <a:solidFill>
+                      <a:schemeClr val="accent6">
+                        <a:lumMod val="60000"/>
+                        <a:lumOff val="40000"/>
+                      </a:schemeClr>
+                    </a:solidFill>
+                  </a:tcPr>
                 </a:tc>
                 <a:tc>
                   <a:txBody>
@@ -5401,7 +5463,14 @@
                       </a:r>
                     </a:p>
                   </a:txBody>
-                  <a:tcPr/>
+                  <a:tcPr>
+                    <a:solidFill>
+                      <a:schemeClr val="accent6">
+                        <a:lumMod val="60000"/>
+                        <a:lumOff val="40000"/>
+                      </a:schemeClr>
+                    </a:solidFill>
+                  </a:tcPr>
                 </a:tc>
                 <a:tc>
                   <a:txBody>
@@ -5415,7 +5484,14 @@
                       </a:r>
                     </a:p>
                   </a:txBody>
-                  <a:tcPr/>
+                  <a:tcPr>
+                    <a:solidFill>
+                      <a:schemeClr val="accent6">
+                        <a:lumMod val="60000"/>
+                        <a:lumOff val="40000"/>
+                      </a:schemeClr>
+                    </a:solidFill>
+                  </a:tcPr>
                 </a:tc>
                 <a:tc>
                   <a:txBody>
@@ -5429,7 +5505,14 @@
                       </a:r>
                     </a:p>
                   </a:txBody>
-                  <a:tcPr/>
+                  <a:tcPr>
+                    <a:solidFill>
+                      <a:schemeClr val="accent6">
+                        <a:lumMod val="60000"/>
+                        <a:lumOff val="40000"/>
+                      </a:schemeClr>
+                    </a:solidFill>
+                  </a:tcPr>
                 </a:tc>
                 <a:tc>
                   <a:txBody>
@@ -5443,7 +5526,14 @@
                       </a:r>
                     </a:p>
                   </a:txBody>
-                  <a:tcPr/>
+                  <a:tcPr>
+                    <a:solidFill>
+                      <a:schemeClr val="accent6">
+                        <a:lumMod val="60000"/>
+                        <a:lumOff val="40000"/>
+                      </a:schemeClr>
+                    </a:solidFill>
+                  </a:tcPr>
                 </a:tc>
                 <a:tc>
                   <a:txBody>
@@ -5457,7 +5547,14 @@
                       </a:r>
                     </a:p>
                   </a:txBody>
-                  <a:tcPr/>
+                  <a:tcPr>
+                    <a:solidFill>
+                      <a:schemeClr val="accent6">
+                        <a:lumMod val="60000"/>
+                        <a:lumOff val="40000"/>
+                      </a:schemeClr>
+                    </a:solidFill>
+                  </a:tcPr>
                 </a:tc>
                 <a:extLst>
                   <a:ext uri="{0D108BD9-81ED-4DB2-BD59-A6C34878D82A}">
@@ -5469,6 +5566,485 @@
           </a:graphicData>
         </a:graphic>
       </p:graphicFrame>
+      <p:graphicFrame>
+        <p:nvGraphicFramePr>
+          <p:cNvPr id="7" name="Table 6">
+            <a:extLst>
+              <a:ext uri="{FF2B5EF4-FFF2-40B4-BE49-F238E27FC236}">
+                <a16:creationId xmlns:a16="http://schemas.microsoft.com/office/drawing/2014/main" id="{4297668C-2186-4E9D-B92C-48135954A462}"/>
+              </a:ext>
+            </a:extLst>
+          </p:cNvPr>
+          <p:cNvGraphicFramePr>
+            <a:graphicFrameLocks noGrp="1"/>
+          </p:cNvGraphicFramePr>
+          <p:nvPr>
+            <p:extLst>
+              <p:ext uri="{D42A27DB-BD31-4B8C-83A1-F6EECF244321}">
+                <p14:modId xmlns:p14="http://schemas.microsoft.com/office/powerpoint/2010/main" val="3705015380"/>
+              </p:ext>
+            </p:extLst>
+          </p:nvPr>
+        </p:nvGraphicFramePr>
+        <p:xfrm>
+          <a:off x="5000177" y="5837044"/>
+          <a:ext cx="6925348" cy="741680"/>
+        </p:xfrm>
+        <a:graphic>
+          <a:graphicData uri="http://schemas.openxmlformats.org/drawingml/2006/table">
+            <a:tbl>
+              <a:tblPr firstRow="1" bandRow="1">
+                <a:tableStyleId>{93296810-A885-4BE3-A3E7-6D5BEEA58F35}</a:tableStyleId>
+              </a:tblPr>
+              <a:tblGrid>
+                <a:gridCol w="697449">
+                  <a:extLst>
+                    <a:ext uri="{9D8B030D-6E8A-4147-A177-3AD203B41FA5}">
+                      <a16:colId xmlns:a16="http://schemas.microsoft.com/office/drawing/2014/main" val="819411853"/>
+                    </a:ext>
+                  </a:extLst>
+                </a:gridCol>
+                <a:gridCol w="1264013">
+                  <a:extLst>
+                    <a:ext uri="{9D8B030D-6E8A-4147-A177-3AD203B41FA5}">
+                      <a16:colId xmlns:a16="http://schemas.microsoft.com/office/drawing/2014/main" val="3496864432"/>
+                    </a:ext>
+                  </a:extLst>
+                </a:gridCol>
+                <a:gridCol w="1038154">
+                  <a:extLst>
+                    <a:ext uri="{9D8B030D-6E8A-4147-A177-3AD203B41FA5}">
+                      <a16:colId xmlns:a16="http://schemas.microsoft.com/office/drawing/2014/main" val="548960430"/>
+                    </a:ext>
+                  </a:extLst>
+                </a:gridCol>
+                <a:gridCol w="886899">
+                  <a:extLst>
+                    <a:ext uri="{9D8B030D-6E8A-4147-A177-3AD203B41FA5}">
+                      <a16:colId xmlns:a16="http://schemas.microsoft.com/office/drawing/2014/main" val="1352677794"/>
+                    </a:ext>
+                  </a:extLst>
+                </a:gridCol>
+                <a:gridCol w="983152">
+                  <a:extLst>
+                    <a:ext uri="{9D8B030D-6E8A-4147-A177-3AD203B41FA5}">
+                      <a16:colId xmlns:a16="http://schemas.microsoft.com/office/drawing/2014/main" val="2609831439"/>
+                    </a:ext>
+                  </a:extLst>
+                </a:gridCol>
+                <a:gridCol w="1423164">
+                  <a:extLst>
+                    <a:ext uri="{9D8B030D-6E8A-4147-A177-3AD203B41FA5}">
+                      <a16:colId xmlns:a16="http://schemas.microsoft.com/office/drawing/2014/main" val="4294260443"/>
+                    </a:ext>
+                  </a:extLst>
+                </a:gridCol>
+                <a:gridCol w="632517">
+                  <a:extLst>
+                    <a:ext uri="{9D8B030D-6E8A-4147-A177-3AD203B41FA5}">
+                      <a16:colId xmlns:a16="http://schemas.microsoft.com/office/drawing/2014/main" val="1610410939"/>
+                    </a:ext>
+                  </a:extLst>
+                </a:gridCol>
+              </a:tblGrid>
+              <a:tr h="370840">
+                <a:tc>
+                  <a:txBody>
+                    <a:bodyPr/>
+                    <a:lstStyle/>
+                    <a:p>
+                      <a:pPr algn="ctr"/>
+                      <a:r>
+                        <a:rPr lang="en-US" sz="1600" dirty="0"/>
+                        <a:t>Min</a:t>
+                      </a:r>
+                    </a:p>
+                  </a:txBody>
+                  <a:tcPr>
+                    <a:solidFill>
+                      <a:schemeClr val="accent6">
+                        <a:lumMod val="60000"/>
+                        <a:lumOff val="40000"/>
+                      </a:schemeClr>
+                    </a:solidFill>
+                  </a:tcPr>
+                </a:tc>
+                <a:tc>
+                  <a:txBody>
+                    <a:bodyPr/>
+                    <a:lstStyle/>
+                    <a:p>
+                      <a:pPr algn="ctr"/>
+                      <a:r>
+                        <a:rPr lang="en-US" sz="1600" dirty="0"/>
+                        <a:t>1</a:t>
+                      </a:r>
+                      <a:r>
+                        <a:rPr lang="en-US" sz="1600" baseline="30000" dirty="0"/>
+                        <a:t>st</a:t>
+                      </a:r>
+                      <a:r>
+                        <a:rPr lang="en-US" sz="1600" dirty="0"/>
+                        <a:t> Quartile</a:t>
+                      </a:r>
+                    </a:p>
+                  </a:txBody>
+                  <a:tcPr>
+                    <a:solidFill>
+                      <a:schemeClr val="accent6">
+                        <a:lumMod val="60000"/>
+                        <a:lumOff val="40000"/>
+                      </a:schemeClr>
+                    </a:solidFill>
+                  </a:tcPr>
+                </a:tc>
+                <a:tc>
+                  <a:txBody>
+                    <a:bodyPr/>
+                    <a:lstStyle/>
+                    <a:p>
+                      <a:pPr algn="ctr"/>
+                      <a:r>
+                        <a:rPr lang="en-US" sz="1600" dirty="0"/>
+                        <a:t>Median</a:t>
+                      </a:r>
+                    </a:p>
+                  </a:txBody>
+                  <a:tcPr>
+                    <a:solidFill>
+                      <a:schemeClr val="accent6">
+                        <a:lumMod val="60000"/>
+                        <a:lumOff val="40000"/>
+                      </a:schemeClr>
+                    </a:solidFill>
+                  </a:tcPr>
+                </a:tc>
+                <a:tc>
+                  <a:txBody>
+                    <a:bodyPr/>
+                    <a:lstStyle/>
+                    <a:p>
+                      <a:pPr algn="ctr"/>
+                      <a:r>
+                        <a:rPr lang="en-US" sz="1600" dirty="0"/>
+                        <a:t>Mean</a:t>
+                      </a:r>
+                    </a:p>
+                  </a:txBody>
+                  <a:tcPr>
+                    <a:solidFill>
+                      <a:schemeClr val="accent6">
+                        <a:lumMod val="60000"/>
+                        <a:lumOff val="40000"/>
+                      </a:schemeClr>
+                    </a:solidFill>
+                  </a:tcPr>
+                </a:tc>
+                <a:tc>
+                  <a:txBody>
+                    <a:bodyPr/>
+                    <a:lstStyle/>
+                    <a:p>
+                      <a:pPr algn="ctr"/>
+                      <a:r>
+                        <a:rPr lang="en-US" sz="1600" dirty="0"/>
+                        <a:t>St. Dev.</a:t>
+                      </a:r>
+                    </a:p>
+                  </a:txBody>
+                  <a:tcPr>
+                    <a:solidFill>
+                      <a:schemeClr val="accent6">
+                        <a:lumMod val="60000"/>
+                        <a:lumOff val="40000"/>
+                      </a:schemeClr>
+                    </a:solidFill>
+                  </a:tcPr>
+                </a:tc>
+                <a:tc>
+                  <a:txBody>
+                    <a:bodyPr/>
+                    <a:lstStyle/>
+                    <a:p>
+                      <a:pPr algn="ctr"/>
+                      <a:r>
+                        <a:rPr lang="en-US" sz="1600" dirty="0"/>
+                        <a:t>3</a:t>
+                      </a:r>
+                      <a:r>
+                        <a:rPr lang="en-US" sz="1600" baseline="30000" dirty="0"/>
+                        <a:t>rd</a:t>
+                      </a:r>
+                      <a:r>
+                        <a:rPr lang="en-US" sz="1600" dirty="0"/>
+                        <a:t> Quartile</a:t>
+                      </a:r>
+                    </a:p>
+                  </a:txBody>
+                  <a:tcPr>
+                    <a:solidFill>
+                      <a:schemeClr val="accent6">
+                        <a:lumMod val="60000"/>
+                        <a:lumOff val="40000"/>
+                      </a:schemeClr>
+                    </a:solidFill>
+                  </a:tcPr>
+                </a:tc>
+                <a:tc>
+                  <a:txBody>
+                    <a:bodyPr/>
+                    <a:lstStyle/>
+                    <a:p>
+                      <a:pPr algn="ctr"/>
+                      <a:r>
+                        <a:rPr lang="en-US" sz="1600" dirty="0"/>
+                        <a:t>Max</a:t>
+                      </a:r>
+                    </a:p>
+                  </a:txBody>
+                  <a:tcPr>
+                    <a:solidFill>
+                      <a:schemeClr val="accent6">
+                        <a:lumMod val="60000"/>
+                        <a:lumOff val="40000"/>
+                      </a:schemeClr>
+                    </a:solidFill>
+                  </a:tcPr>
+                </a:tc>
+                <a:extLst>
+                  <a:ext uri="{0D108BD9-81ED-4DB2-BD59-A6C34878D82A}">
+                    <a16:rowId xmlns:a16="http://schemas.microsoft.com/office/drawing/2014/main" val="3122196041"/>
+                  </a:ext>
+                </a:extLst>
+              </a:tr>
+              <a:tr h="370840">
+                <a:tc>
+                  <a:txBody>
+                    <a:bodyPr/>
+                    <a:lstStyle/>
+                    <a:p>
+                      <a:pPr algn="ctr"/>
+                      <a:r>
+                        <a:rPr lang="en-US" dirty="0"/>
+                        <a:t>.001</a:t>
+                      </a:r>
+                    </a:p>
+                  </a:txBody>
+                  <a:tcPr>
+                    <a:solidFill>
+                      <a:schemeClr val="accent6">
+                        <a:lumMod val="20000"/>
+                        <a:lumOff val="80000"/>
+                      </a:schemeClr>
+                    </a:solidFill>
+                  </a:tcPr>
+                </a:tc>
+                <a:tc>
+                  <a:txBody>
+                    <a:bodyPr/>
+                    <a:lstStyle/>
+                    <a:p>
+                      <a:pPr algn="ctr"/>
+                      <a:r>
+                        <a:rPr lang="en-US" dirty="0"/>
+                        <a:t>.05</a:t>
+                      </a:r>
+                    </a:p>
+                  </a:txBody>
+                  <a:tcPr>
+                    <a:solidFill>
+                      <a:schemeClr val="accent6">
+                        <a:lumMod val="20000"/>
+                        <a:lumOff val="80000"/>
+                      </a:schemeClr>
+                    </a:solidFill>
+                  </a:tcPr>
+                </a:tc>
+                <a:tc>
+                  <a:txBody>
+                    <a:bodyPr/>
+                    <a:lstStyle/>
+                    <a:p>
+                      <a:pPr algn="ctr"/>
+                      <a:r>
+                        <a:rPr lang="en-US" dirty="0"/>
+                        <a:t>.056</a:t>
+                      </a:r>
+                    </a:p>
+                  </a:txBody>
+                  <a:tcPr>
+                    <a:solidFill>
+                      <a:schemeClr val="accent6">
+                        <a:lumMod val="20000"/>
+                        <a:lumOff val="80000"/>
+                      </a:schemeClr>
+                    </a:solidFill>
+                  </a:tcPr>
+                </a:tc>
+                <a:tc>
+                  <a:txBody>
+                    <a:bodyPr/>
+                    <a:lstStyle/>
+                    <a:p>
+                      <a:pPr algn="ctr"/>
+                      <a:r>
+                        <a:rPr lang="en-US" dirty="0"/>
+                        <a:t>.06</a:t>
+                      </a:r>
+                    </a:p>
+                  </a:txBody>
+                  <a:tcPr>
+                    <a:solidFill>
+                      <a:schemeClr val="accent6">
+                        <a:lumMod val="20000"/>
+                        <a:lumOff val="80000"/>
+                      </a:schemeClr>
+                    </a:solidFill>
+                  </a:tcPr>
+                </a:tc>
+                <a:tc>
+                  <a:txBody>
+                    <a:bodyPr/>
+                    <a:lstStyle/>
+                    <a:p>
+                      <a:pPr algn="ctr"/>
+                      <a:r>
+                        <a:rPr lang="en-US" dirty="0"/>
+                        <a:t>.014</a:t>
+                      </a:r>
+                    </a:p>
+                  </a:txBody>
+                  <a:tcPr>
+                    <a:solidFill>
+                      <a:schemeClr val="accent6">
+                        <a:lumMod val="20000"/>
+                        <a:lumOff val="80000"/>
+                      </a:schemeClr>
+                    </a:solidFill>
+                  </a:tcPr>
+                </a:tc>
+                <a:tc>
+                  <a:txBody>
+                    <a:bodyPr/>
+                    <a:lstStyle/>
+                    <a:p>
+                      <a:pPr algn="ctr"/>
+                      <a:r>
+                        <a:rPr lang="en-US" dirty="0"/>
+                        <a:t>.067</a:t>
+                      </a:r>
+                    </a:p>
+                  </a:txBody>
+                  <a:tcPr>
+                    <a:solidFill>
+                      <a:schemeClr val="accent6">
+                        <a:lumMod val="20000"/>
+                        <a:lumOff val="80000"/>
+                      </a:schemeClr>
+                    </a:solidFill>
+                  </a:tcPr>
+                </a:tc>
+                <a:tc>
+                  <a:txBody>
+                    <a:bodyPr/>
+                    <a:lstStyle/>
+                    <a:p>
+                      <a:pPr algn="ctr"/>
+                      <a:r>
+                        <a:rPr lang="en-US" dirty="0"/>
+                        <a:t>.128</a:t>
+                      </a:r>
+                    </a:p>
+                  </a:txBody>
+                  <a:tcPr>
+                    <a:solidFill>
+                      <a:schemeClr val="accent6">
+                        <a:lumMod val="20000"/>
+                        <a:lumOff val="80000"/>
+                      </a:schemeClr>
+                    </a:solidFill>
+                  </a:tcPr>
+                </a:tc>
+                <a:extLst>
+                  <a:ext uri="{0D108BD9-81ED-4DB2-BD59-A6C34878D82A}">
+                    <a16:rowId xmlns:a16="http://schemas.microsoft.com/office/drawing/2014/main" val="523112149"/>
+                  </a:ext>
+                </a:extLst>
+              </a:tr>
+            </a:tbl>
+          </a:graphicData>
+        </a:graphic>
+      </p:graphicFrame>
+      <p:sp>
+        <p:nvSpPr>
+          <p:cNvPr id="3" name="TextBox 2">
+            <a:extLst>
+              <a:ext uri="{FF2B5EF4-FFF2-40B4-BE49-F238E27FC236}">
+                <a16:creationId xmlns:a16="http://schemas.microsoft.com/office/drawing/2014/main" id="{1FF5C6B4-8825-4D6B-A75A-C1AF7C5BACD6}"/>
+              </a:ext>
+            </a:extLst>
+          </p:cNvPr>
+          <p:cNvSpPr txBox="1"/>
+          <p:nvPr/>
+        </p:nvSpPr>
+        <p:spPr>
+          <a:xfrm>
+            <a:off x="4954380" y="4311916"/>
+            <a:ext cx="1443789" cy="338554"/>
+          </a:xfrm>
+          <a:prstGeom prst="rect">
+            <a:avLst/>
+          </a:prstGeom>
+          <a:noFill/>
+        </p:spPr>
+        <p:txBody>
+          <a:bodyPr wrap="square" rtlCol="0">
+            <a:spAutoFit/>
+          </a:bodyPr>
+          <a:lstStyle/>
+          <a:p>
+            <a:r>
+              <a:rPr lang="en-US" sz="1600" b="1" dirty="0"/>
+              <a:t>Full Dataset</a:t>
+            </a:r>
+          </a:p>
+        </p:txBody>
+      </p:sp>
+      <p:sp>
+        <p:nvSpPr>
+          <p:cNvPr id="9" name="TextBox 8">
+            <a:extLst>
+              <a:ext uri="{FF2B5EF4-FFF2-40B4-BE49-F238E27FC236}">
+                <a16:creationId xmlns:a16="http://schemas.microsoft.com/office/drawing/2014/main" id="{6AB1E4BF-F502-46DC-ABF6-3E107FFF028D}"/>
+              </a:ext>
+            </a:extLst>
+          </p:cNvPr>
+          <p:cNvSpPr txBox="1"/>
+          <p:nvPr/>
+        </p:nvSpPr>
+        <p:spPr>
+          <a:xfrm>
+            <a:off x="5000177" y="5551132"/>
+            <a:ext cx="1628742" cy="338554"/>
+          </a:xfrm>
+          <a:prstGeom prst="rect">
+            <a:avLst/>
+          </a:prstGeom>
+          <a:noFill/>
+        </p:spPr>
+        <p:txBody>
+          <a:bodyPr wrap="square" rtlCol="0">
+            <a:spAutoFit/>
+          </a:bodyPr>
+          <a:lstStyle/>
+          <a:p>
+            <a:r>
+              <a:rPr lang="en-US" sz="1600" b="1" dirty="0"/>
+              <a:t>Alcoholic Only</a:t>
+            </a:r>
+          </a:p>
+        </p:txBody>
+      </p:sp>
     </p:spTree>
     <p:extLst>
       <p:ext uri="{BB962C8B-B14F-4D97-AF65-F5344CB8AC3E}">
@@ -5729,11 +6305,36 @@
           </a:bodyPr>
           <a:lstStyle/>
           <a:p>
-            <a:endParaRPr lang="en-US" sz="2200">
-              <a:solidFill>
-                <a:schemeClr val="bg1"/>
-              </a:solidFill>
-            </a:endParaRPr>
+            <a:r>
+              <a:rPr lang="en-US" sz="2200" dirty="0">
+                <a:solidFill>
+                  <a:schemeClr val="bg1"/>
+                </a:solidFill>
+              </a:rPr>
+              <a:t>After filtering out beers with 0 IBU and/or ABV, the correlation between IBU &amp; ABV increases by 78%.</a:t>
+            </a:r>
+          </a:p>
+          <a:p>
+            <a:pPr lvl="1"/>
+            <a:r>
+              <a:rPr lang="en-US" sz="1800" dirty="0">
+                <a:solidFill>
+                  <a:schemeClr val="bg1"/>
+                </a:solidFill>
+              </a:rPr>
+              <a:t>Full dataset has a weak positive correlation.</a:t>
+            </a:r>
+          </a:p>
+          <a:p>
+            <a:pPr lvl="1"/>
+            <a:r>
+              <a:rPr lang="en-US" sz="1800" dirty="0">
+                <a:solidFill>
+                  <a:schemeClr val="bg1"/>
+                </a:solidFill>
+              </a:rPr>
+              <a:t>Alcoholic dataset has a moderate positive correlation.</a:t>
+            </a:r>
           </a:p>
         </p:txBody>
       </p:sp>
@@ -5801,6 +6402,358 @@
     <p:extLst>
       <p:ext uri="{BB962C8B-B14F-4D97-AF65-F5344CB8AC3E}">
         <p14:creationId xmlns:p14="http://schemas.microsoft.com/office/powerpoint/2010/main" val="2613469178"/>
+      </p:ext>
+    </p:extLst>
+  </p:cSld>
+  <p:clrMapOvr>
+    <a:masterClrMapping/>
+  </p:clrMapOvr>
+</p:sld>
+</file>
+
+<file path=ppt/slides/slide9.xml><?xml version="1.0" encoding="utf-8"?>
+<p:sld xmlns:a="http://schemas.openxmlformats.org/drawingml/2006/main" xmlns:r="http://schemas.openxmlformats.org/officeDocument/2006/relationships" xmlns:p="http://schemas.openxmlformats.org/presentationml/2006/main">
+  <p:cSld>
+    <p:bg>
+      <p:bgPr>
+        <a:solidFill>
+          <a:schemeClr val="bg1"/>
+        </a:solidFill>
+        <a:effectLst/>
+      </p:bgPr>
+    </p:bg>
+    <p:spTree>
+      <p:nvGrpSpPr>
+        <p:cNvPr id="1" name=""/>
+        <p:cNvGrpSpPr/>
+        <p:nvPr/>
+      </p:nvGrpSpPr>
+      <p:grpSpPr>
+        <a:xfrm>
+          <a:off x="0" y="0"/>
+          <a:ext cx="0" cy="0"/>
+          <a:chOff x="0" y="0"/>
+          <a:chExt cx="0" cy="0"/>
+        </a:xfrm>
+      </p:grpSpPr>
+      <p:sp>
+        <p:nvSpPr>
+          <p:cNvPr id="8" name="Rectangle 7">
+            <a:extLst>
+              <a:ext uri="{FF2B5EF4-FFF2-40B4-BE49-F238E27FC236}">
+                <a16:creationId xmlns:a16="http://schemas.microsoft.com/office/drawing/2014/main" id="{5FB946D7-1CA4-446E-8795-007CACFDEB88}"/>
+              </a:ext>
+              <a:ext uri="{C183D7F6-B498-43B3-948B-1728B52AA6E4}">
+                <adec:decorative xmlns:adec="http://schemas.microsoft.com/office/drawing/2017/decorative" val="1"/>
+              </a:ext>
+            </a:extLst>
+          </p:cNvPr>
+          <p:cNvSpPr>
+            <a:spLocks noGrp="1" noRot="1" noChangeAspect="1" noMove="1" noResize="1" noEditPoints="1" noAdjustHandles="1" noChangeArrowheads="1" noChangeShapeType="1" noTextEdit="1"/>
+          </p:cNvSpPr>
+          <p:nvPr>
+            <p:extLst>
+              <p:ext uri="{386F3935-93C4-4BCD-93E2-E3B085C9AB24}">
+                <p16:designElem xmlns:p16="http://schemas.microsoft.com/office/powerpoint/2015/main" val="1"/>
+              </p:ext>
+            </p:extLst>
+          </p:nvPr>
+        </p:nvSpPr>
+        <p:spPr>
+          <a:xfrm>
+            <a:off x="0" y="-3324"/>
+            <a:ext cx="12192000" cy="6861324"/>
+          </a:xfrm>
+          <a:prstGeom prst="rect">
+            <a:avLst/>
+          </a:prstGeom>
+          <a:solidFill>
+            <a:schemeClr val="tx1">
+              <a:lumMod val="75000"/>
+              <a:lumOff val="25000"/>
+            </a:schemeClr>
+          </a:solidFill>
+          <a:ln>
+            <a:noFill/>
+          </a:ln>
+        </p:spPr>
+        <p:style>
+          <a:lnRef idx="2">
+            <a:schemeClr val="accent1">
+              <a:shade val="50000"/>
+            </a:schemeClr>
+          </a:lnRef>
+          <a:fillRef idx="1">
+            <a:schemeClr val="accent1"/>
+          </a:fillRef>
+          <a:effectRef idx="0">
+            <a:schemeClr val="accent1"/>
+          </a:effectRef>
+          <a:fontRef idx="minor">
+            <a:schemeClr val="lt1"/>
+          </a:fontRef>
+        </p:style>
+        <p:txBody>
+          <a:bodyPr rtlCol="0" anchor="ctr"/>
+          <a:lstStyle/>
+          <a:p>
+            <a:pPr marL="0" marR="0" lvl="0" indent="0" algn="ctr" defTabSz="914400" rtl="0" eaLnBrk="1" fontAlgn="auto" latinLnBrk="0" hangingPunct="1">
+              <a:lnSpc>
+                <a:spcPct val="100000"/>
+              </a:lnSpc>
+              <a:spcBef>
+                <a:spcPts val="0"/>
+              </a:spcBef>
+              <a:spcAft>
+                <a:spcPts val="0"/>
+              </a:spcAft>
+              <a:buClrTx/>
+              <a:buSzTx/>
+              <a:buFontTx/>
+              <a:buNone/>
+              <a:tabLst/>
+              <a:defRPr/>
+            </a:pPr>
+            <a:endParaRPr kumimoji="0" lang="en-US" sz="1800" b="0" i="0" u="none" strike="noStrike" kern="1200" cap="none" spc="0" normalizeH="0" baseline="0" noProof="0">
+              <a:ln>
+                <a:noFill/>
+              </a:ln>
+              <a:solidFill>
+                <a:prstClr val="white"/>
+              </a:solidFill>
+              <a:effectLst/>
+              <a:uLnTx/>
+              <a:uFillTx/>
+              <a:latin typeface="Calibri" panose="020F0502020204030204"/>
+              <a:ea typeface="+mn-ea"/>
+              <a:cs typeface="+mn-cs"/>
+            </a:endParaRPr>
+          </a:p>
+        </p:txBody>
+      </p:sp>
+      <p:sp>
+        <p:nvSpPr>
+          <p:cNvPr id="10" name="Rectangle 9">
+            <a:extLst>
+              <a:ext uri="{FF2B5EF4-FFF2-40B4-BE49-F238E27FC236}">
+                <a16:creationId xmlns:a16="http://schemas.microsoft.com/office/drawing/2014/main" id="{192416F2-BC84-4D7C-80C6-6296C10C3819}"/>
+              </a:ext>
+              <a:ext uri="{C183D7F6-B498-43B3-948B-1728B52AA6E4}">
+                <adec:decorative xmlns:adec="http://schemas.microsoft.com/office/drawing/2017/decorative" val="1"/>
+              </a:ext>
+            </a:extLst>
+          </p:cNvPr>
+          <p:cNvSpPr>
+            <a:spLocks noGrp="1" noRot="1" noChangeAspect="1" noMove="1" noResize="1" noEditPoints="1" noAdjustHandles="1" noChangeArrowheads="1" noChangeShapeType="1" noTextEdit="1"/>
+          </p:cNvSpPr>
+          <p:nvPr>
+            <p:extLst>
+              <p:ext uri="{386F3935-93C4-4BCD-93E2-E3B085C9AB24}">
+                <p16:designElem xmlns:p16="http://schemas.microsoft.com/office/powerpoint/2015/main" val="1"/>
+              </p:ext>
+            </p:extLst>
+          </p:nvPr>
+        </p:nvSpPr>
+        <p:spPr bwMode="ltGray">
+          <a:xfrm>
+            <a:off x="795338" y="981075"/>
+            <a:ext cx="10601325" cy="4552949"/>
+          </a:xfrm>
+          <a:prstGeom prst="rect">
+            <a:avLst/>
+          </a:prstGeom>
+          <a:solidFill>
+            <a:schemeClr val="bg1"/>
+          </a:solidFill>
+          <a:ln w="127000" cap="sq" cmpd="thinThick">
+            <a:solidFill>
+              <a:schemeClr val="bg1"/>
+            </a:solidFill>
+          </a:ln>
+        </p:spPr>
+        <p:style>
+          <a:lnRef idx="2">
+            <a:schemeClr val="accent1">
+              <a:shade val="50000"/>
+            </a:schemeClr>
+          </a:lnRef>
+          <a:fillRef idx="1">
+            <a:schemeClr val="accent1"/>
+          </a:fillRef>
+          <a:effectRef idx="0">
+            <a:schemeClr val="accent1"/>
+          </a:effectRef>
+          <a:fontRef idx="minor">
+            <a:schemeClr val="lt1"/>
+          </a:fontRef>
+        </p:style>
+        <p:txBody>
+          <a:bodyPr rtlCol="0" anchor="ctr"/>
+          <a:lstStyle/>
+          <a:p>
+            <a:pPr marL="0" marR="0" lvl="0" indent="0" algn="ctr" defTabSz="914400" rtl="0" eaLnBrk="1" fontAlgn="auto" latinLnBrk="0" hangingPunct="1">
+              <a:lnSpc>
+                <a:spcPct val="100000"/>
+              </a:lnSpc>
+              <a:spcBef>
+                <a:spcPts val="0"/>
+              </a:spcBef>
+              <a:spcAft>
+                <a:spcPts val="0"/>
+              </a:spcAft>
+              <a:buClrTx/>
+              <a:buSzTx/>
+              <a:buFontTx/>
+              <a:buNone/>
+              <a:tabLst/>
+              <a:defRPr/>
+            </a:pPr>
+            <a:endParaRPr kumimoji="0" lang="en-US" sz="1800" b="0" i="0" u="none" strike="noStrike" kern="1200" cap="none" spc="0" normalizeH="0" baseline="0" noProof="0" dirty="0">
+              <a:ln>
+                <a:noFill/>
+              </a:ln>
+              <a:solidFill>
+                <a:prstClr val="white"/>
+              </a:solidFill>
+              <a:effectLst/>
+              <a:uLnTx/>
+              <a:uFillTx/>
+              <a:latin typeface="Calibri" panose="020F0502020204030204"/>
+              <a:ea typeface="+mn-ea"/>
+              <a:cs typeface="+mn-cs"/>
+            </a:endParaRPr>
+          </a:p>
+        </p:txBody>
+      </p:sp>
+      <p:sp>
+        <p:nvSpPr>
+          <p:cNvPr id="2" name="Title 1">
+            <a:extLst>
+              <a:ext uri="{FF2B5EF4-FFF2-40B4-BE49-F238E27FC236}">
+                <a16:creationId xmlns:a16="http://schemas.microsoft.com/office/drawing/2014/main" id="{DADD0C5F-6A48-4722-B44E-EFC29C420CD5}"/>
+              </a:ext>
+            </a:extLst>
+          </p:cNvPr>
+          <p:cNvSpPr>
+            <a:spLocks noGrp="1"/>
+          </p:cNvSpPr>
+          <p:nvPr>
+            <p:ph type="ctrTitle"/>
+          </p:nvPr>
+        </p:nvSpPr>
+        <p:spPr>
+          <a:xfrm>
+            <a:off x="1537097" y="1428750"/>
+            <a:ext cx="9117807" cy="2105026"/>
+          </a:xfrm>
+        </p:spPr>
+        <p:txBody>
+          <a:bodyPr>
+            <a:normAutofit/>
+          </a:bodyPr>
+          <a:lstStyle/>
+          <a:p>
+            <a:r>
+              <a:rPr lang="en-US" dirty="0"/>
+              <a:t>Thank you for your attention.</a:t>
+            </a:r>
+          </a:p>
+        </p:txBody>
+      </p:sp>
+      <p:sp>
+        <p:nvSpPr>
+          <p:cNvPr id="3" name="Subtitle 2">
+            <a:extLst>
+              <a:ext uri="{FF2B5EF4-FFF2-40B4-BE49-F238E27FC236}">
+                <a16:creationId xmlns:a16="http://schemas.microsoft.com/office/drawing/2014/main" id="{E85CE01E-4027-4898-AECC-3F01F889AF49}"/>
+              </a:ext>
+            </a:extLst>
+          </p:cNvPr>
+          <p:cNvSpPr>
+            <a:spLocks noGrp="1"/>
+          </p:cNvSpPr>
+          <p:nvPr>
+            <p:ph type="subTitle" idx="1"/>
+          </p:nvPr>
+        </p:nvSpPr>
+        <p:spPr>
+          <a:xfrm>
+            <a:off x="1537097" y="3960557"/>
+            <a:ext cx="9117807" cy="1097215"/>
+          </a:xfrm>
+        </p:spPr>
+        <p:txBody>
+          <a:bodyPr>
+            <a:normAutofit/>
+          </a:bodyPr>
+          <a:lstStyle/>
+          <a:p>
+            <a:r>
+              <a:rPr lang="en-US" dirty="0"/>
+              <a:t>Any questions or comments?</a:t>
+            </a:r>
+          </a:p>
+        </p:txBody>
+      </p:sp>
+      <p:cxnSp>
+        <p:nvCxnSpPr>
+          <p:cNvPr id="12" name="Straight Connector 11">
+            <a:extLst>
+              <a:ext uri="{FF2B5EF4-FFF2-40B4-BE49-F238E27FC236}">
+                <a16:creationId xmlns:a16="http://schemas.microsoft.com/office/drawing/2014/main" id="{2330623A-AB89-4E04-AC9A-2BAFBF85AE3A}"/>
+              </a:ext>
+              <a:ext uri="{C183D7F6-B498-43B3-948B-1728B52AA6E4}">
+                <adec:decorative xmlns:adec="http://schemas.microsoft.com/office/drawing/2017/decorative" val="1"/>
+              </a:ext>
+            </a:extLst>
+          </p:cNvPr>
+          <p:cNvCxnSpPr>
+            <a:cxnSpLocks noGrp="1" noRot="1" noChangeAspect="1" noMove="1" noResize="1" noEditPoints="1" noAdjustHandles="1" noChangeArrowheads="1" noChangeShapeType="1"/>
+          </p:cNvCxnSpPr>
+          <p:nvPr>
+            <p:extLst>
+              <p:ext uri="{386F3935-93C4-4BCD-93E2-E3B085C9AB24}">
+                <p16:designElem xmlns:p16="http://schemas.microsoft.com/office/powerpoint/2015/main" val="1"/>
+              </p:ext>
+            </p:extLst>
+          </p:nvPr>
+        </p:nvCxnSpPr>
+        <p:spPr>
+          <a:xfrm>
+            <a:off x="3352800" y="3771366"/>
+            <a:ext cx="5486400" cy="0"/>
+          </a:xfrm>
+          <a:prstGeom prst="line">
+            <a:avLst/>
+          </a:prstGeom>
+          <a:ln w="22225">
+            <a:solidFill>
+              <a:schemeClr val="tx1">
+                <a:lumMod val="50000"/>
+                <a:lumOff val="50000"/>
+              </a:schemeClr>
+            </a:solidFill>
+          </a:ln>
+        </p:spPr>
+        <p:style>
+          <a:lnRef idx="1">
+            <a:schemeClr val="accent1"/>
+          </a:lnRef>
+          <a:fillRef idx="0">
+            <a:schemeClr val="accent1"/>
+          </a:fillRef>
+          <a:effectRef idx="0">
+            <a:schemeClr val="accent1"/>
+          </a:effectRef>
+          <a:fontRef idx="minor">
+            <a:schemeClr val="tx1"/>
+          </a:fontRef>
+        </p:style>
+      </p:cxnSp>
+    </p:spTree>
+    <p:extLst>
+      <p:ext uri="{BB962C8B-B14F-4D97-AF65-F5344CB8AC3E}">
+        <p14:creationId xmlns:p14="http://schemas.microsoft.com/office/powerpoint/2010/main" val="1144187996"/>
       </p:ext>
     </p:extLst>
   </p:cSld>

--- a/EDA_Presentation.pptx
+++ b/EDA_Presentation.pptx
@@ -4,6 +4,9 @@
   <p:sldMasterIdLst>
     <p:sldMasterId id="2147483648" r:id="rId1"/>
   </p:sldMasterIdLst>
+  <p:notesMasterIdLst>
+    <p:notesMasterId r:id="rId11"/>
+  </p:notesMasterIdLst>
   <p:sldIdLst>
     <p:sldId id="256" r:id="rId2"/>
     <p:sldId id="257" r:id="rId3"/>
@@ -118,6 +121,355 @@
     </p:ext>
   </p:extLst>
 </p:presentation>
+</file>
+
+<file path=ppt/notesMasters/notesMaster1.xml><?xml version="1.0" encoding="utf-8"?>
+<p:notesMaster xmlns:a="http://schemas.openxmlformats.org/drawingml/2006/main" xmlns:r="http://schemas.openxmlformats.org/officeDocument/2006/relationships" xmlns:p="http://schemas.openxmlformats.org/presentationml/2006/main">
+  <p:cSld>
+    <p:bg>
+      <p:bgRef idx="1001">
+        <a:schemeClr val="bg1"/>
+      </p:bgRef>
+    </p:bg>
+    <p:spTree>
+      <p:nvGrpSpPr>
+        <p:cNvPr id="1" name=""/>
+        <p:cNvGrpSpPr/>
+        <p:nvPr/>
+      </p:nvGrpSpPr>
+      <p:grpSpPr>
+        <a:xfrm>
+          <a:off x="0" y="0"/>
+          <a:ext cx="0" cy="0"/>
+          <a:chOff x="0" y="0"/>
+          <a:chExt cx="0" cy="0"/>
+        </a:xfrm>
+      </p:grpSpPr>
+      <p:sp>
+        <p:nvSpPr>
+          <p:cNvPr id="2" name="Header Placeholder 1"/>
+          <p:cNvSpPr>
+            <a:spLocks noGrp="1"/>
+          </p:cNvSpPr>
+          <p:nvPr>
+            <p:ph type="hdr" sz="quarter"/>
+          </p:nvPr>
+        </p:nvSpPr>
+        <p:spPr>
+          <a:xfrm>
+            <a:off x="0" y="0"/>
+            <a:ext cx="2971800" cy="458788"/>
+          </a:xfrm>
+          <a:prstGeom prst="rect">
+            <a:avLst/>
+          </a:prstGeom>
+        </p:spPr>
+        <p:txBody>
+          <a:bodyPr vert="horz" lIns="91440" tIns="45720" rIns="91440" bIns="45720" rtlCol="0"/>
+          <a:lstStyle>
+            <a:lvl1pPr algn="l">
+              <a:defRPr sz="1200"/>
+            </a:lvl1pPr>
+          </a:lstStyle>
+          <a:p>
+            <a:endParaRPr lang="en-US"/>
+          </a:p>
+        </p:txBody>
+      </p:sp>
+      <p:sp>
+        <p:nvSpPr>
+          <p:cNvPr id="3" name="Date Placeholder 2"/>
+          <p:cNvSpPr>
+            <a:spLocks noGrp="1"/>
+          </p:cNvSpPr>
+          <p:nvPr>
+            <p:ph type="dt" idx="1"/>
+          </p:nvPr>
+        </p:nvSpPr>
+        <p:spPr>
+          <a:xfrm>
+            <a:off x="3884613" y="0"/>
+            <a:ext cx="2971800" cy="458788"/>
+          </a:xfrm>
+          <a:prstGeom prst="rect">
+            <a:avLst/>
+          </a:prstGeom>
+        </p:spPr>
+        <p:txBody>
+          <a:bodyPr vert="horz" lIns="91440" tIns="45720" rIns="91440" bIns="45720" rtlCol="0"/>
+          <a:lstStyle>
+            <a:lvl1pPr algn="r">
+              <a:defRPr sz="1200"/>
+            </a:lvl1pPr>
+          </a:lstStyle>
+          <a:p>
+            <a:fld id="{19553C96-C507-48DD-9B82-D32AAE9F79FE}" type="datetimeFigureOut">
+              <a:rPr lang="en-US" smtClean="0"/>
+              <a:t>10/11/2021</a:t>
+            </a:fld>
+            <a:endParaRPr lang="en-US"/>
+          </a:p>
+        </p:txBody>
+      </p:sp>
+      <p:sp>
+        <p:nvSpPr>
+          <p:cNvPr id="4" name="Slide Image Placeholder 3"/>
+          <p:cNvSpPr>
+            <a:spLocks noGrp="1" noRot="1" noChangeAspect="1"/>
+          </p:cNvSpPr>
+          <p:nvPr>
+            <p:ph type="sldImg" idx="2"/>
+          </p:nvPr>
+        </p:nvSpPr>
+        <p:spPr>
+          <a:xfrm>
+            <a:off x="685800" y="1143000"/>
+            <a:ext cx="5486400" cy="3086100"/>
+          </a:xfrm>
+          <a:prstGeom prst="rect">
+            <a:avLst/>
+          </a:prstGeom>
+          <a:noFill/>
+          <a:ln w="12700">
+            <a:solidFill>
+              <a:prstClr val="black"/>
+            </a:solidFill>
+          </a:ln>
+        </p:spPr>
+        <p:txBody>
+          <a:bodyPr vert="horz" lIns="91440" tIns="45720" rIns="91440" bIns="45720" rtlCol="0" anchor="ctr"/>
+          <a:lstStyle/>
+          <a:p>
+            <a:endParaRPr lang="en-US"/>
+          </a:p>
+        </p:txBody>
+      </p:sp>
+      <p:sp>
+        <p:nvSpPr>
+          <p:cNvPr id="5" name="Notes Placeholder 4"/>
+          <p:cNvSpPr>
+            <a:spLocks noGrp="1"/>
+          </p:cNvSpPr>
+          <p:nvPr>
+            <p:ph type="body" sz="quarter" idx="3"/>
+          </p:nvPr>
+        </p:nvSpPr>
+        <p:spPr>
+          <a:xfrm>
+            <a:off x="685800" y="4400550"/>
+            <a:ext cx="5486400" cy="3600450"/>
+          </a:xfrm>
+          <a:prstGeom prst="rect">
+            <a:avLst/>
+          </a:prstGeom>
+        </p:spPr>
+        <p:txBody>
+          <a:bodyPr vert="horz" lIns="91440" tIns="45720" rIns="91440" bIns="45720" rtlCol="0"/>
+          <a:lstStyle/>
+          <a:p>
+            <a:pPr lvl="0"/>
+            <a:r>
+              <a:rPr lang="en-US"/>
+              <a:t>Click to edit Master text styles</a:t>
+            </a:r>
+          </a:p>
+          <a:p>
+            <a:pPr lvl="1"/>
+            <a:r>
+              <a:rPr lang="en-US"/>
+              <a:t>Second level</a:t>
+            </a:r>
+          </a:p>
+          <a:p>
+            <a:pPr lvl="2"/>
+            <a:r>
+              <a:rPr lang="en-US"/>
+              <a:t>Third level</a:t>
+            </a:r>
+          </a:p>
+          <a:p>
+            <a:pPr lvl="3"/>
+            <a:r>
+              <a:rPr lang="en-US"/>
+              <a:t>Fourth level</a:t>
+            </a:r>
+          </a:p>
+          <a:p>
+            <a:pPr lvl="4"/>
+            <a:r>
+              <a:rPr lang="en-US"/>
+              <a:t>Fifth level</a:t>
+            </a:r>
+          </a:p>
+        </p:txBody>
+      </p:sp>
+      <p:sp>
+        <p:nvSpPr>
+          <p:cNvPr id="6" name="Footer Placeholder 5"/>
+          <p:cNvSpPr>
+            <a:spLocks noGrp="1"/>
+          </p:cNvSpPr>
+          <p:nvPr>
+            <p:ph type="ftr" sz="quarter" idx="4"/>
+          </p:nvPr>
+        </p:nvSpPr>
+        <p:spPr>
+          <a:xfrm>
+            <a:off x="0" y="8685213"/>
+            <a:ext cx="2971800" cy="458787"/>
+          </a:xfrm>
+          <a:prstGeom prst="rect">
+            <a:avLst/>
+          </a:prstGeom>
+        </p:spPr>
+        <p:txBody>
+          <a:bodyPr vert="horz" lIns="91440" tIns="45720" rIns="91440" bIns="45720" rtlCol="0" anchor="b"/>
+          <a:lstStyle>
+            <a:lvl1pPr algn="l">
+              <a:defRPr sz="1200"/>
+            </a:lvl1pPr>
+          </a:lstStyle>
+          <a:p>
+            <a:endParaRPr lang="en-US"/>
+          </a:p>
+        </p:txBody>
+      </p:sp>
+      <p:sp>
+        <p:nvSpPr>
+          <p:cNvPr id="7" name="Slide Number Placeholder 6"/>
+          <p:cNvSpPr>
+            <a:spLocks noGrp="1"/>
+          </p:cNvSpPr>
+          <p:nvPr>
+            <p:ph type="sldNum" sz="quarter" idx="5"/>
+          </p:nvPr>
+        </p:nvSpPr>
+        <p:spPr>
+          <a:xfrm>
+            <a:off x="3884613" y="8685213"/>
+            <a:ext cx="2971800" cy="458787"/>
+          </a:xfrm>
+          <a:prstGeom prst="rect">
+            <a:avLst/>
+          </a:prstGeom>
+        </p:spPr>
+        <p:txBody>
+          <a:bodyPr vert="horz" lIns="91440" tIns="45720" rIns="91440" bIns="45720" rtlCol="0" anchor="b"/>
+          <a:lstStyle>
+            <a:lvl1pPr algn="r">
+              <a:defRPr sz="1200"/>
+            </a:lvl1pPr>
+          </a:lstStyle>
+          <a:p>
+            <a:fld id="{C3B036FF-7924-4268-A947-30CD2A6A0A22}" type="slidenum">
+              <a:rPr lang="en-US" smtClean="0"/>
+              <a:t>‹#›</a:t>
+            </a:fld>
+            <a:endParaRPr lang="en-US"/>
+          </a:p>
+        </p:txBody>
+      </p:sp>
+    </p:spTree>
+    <p:extLst>
+      <p:ext uri="{BB962C8B-B14F-4D97-AF65-F5344CB8AC3E}">
+        <p14:creationId xmlns:p14="http://schemas.microsoft.com/office/powerpoint/2010/main" val="2502514332"/>
+      </p:ext>
+    </p:extLst>
+  </p:cSld>
+  <p:clrMap bg1="lt1" tx1="dk1" bg2="lt2" tx2="dk2" accent1="accent1" accent2="accent2" accent3="accent3" accent4="accent4" accent5="accent5" accent6="accent6" hlink="hlink" folHlink="folHlink"/>
+  <p:notesStyle>
+    <a:lvl1pPr marL="0" algn="l" defTabSz="914400" rtl="0" eaLnBrk="1" latinLnBrk="0" hangingPunct="1">
+      <a:defRPr sz="1200" kern="1200">
+        <a:solidFill>
+          <a:schemeClr val="tx1"/>
+        </a:solidFill>
+        <a:latin typeface="+mn-lt"/>
+        <a:ea typeface="+mn-ea"/>
+        <a:cs typeface="+mn-cs"/>
+      </a:defRPr>
+    </a:lvl1pPr>
+    <a:lvl2pPr marL="457200" algn="l" defTabSz="914400" rtl="0" eaLnBrk="1" latinLnBrk="0" hangingPunct="1">
+      <a:defRPr sz="1200" kern="1200">
+        <a:solidFill>
+          <a:schemeClr val="tx1"/>
+        </a:solidFill>
+        <a:latin typeface="+mn-lt"/>
+        <a:ea typeface="+mn-ea"/>
+        <a:cs typeface="+mn-cs"/>
+      </a:defRPr>
+    </a:lvl2pPr>
+    <a:lvl3pPr marL="914400" algn="l" defTabSz="914400" rtl="0" eaLnBrk="1" latinLnBrk="0" hangingPunct="1">
+      <a:defRPr sz="1200" kern="1200">
+        <a:solidFill>
+          <a:schemeClr val="tx1"/>
+        </a:solidFill>
+        <a:latin typeface="+mn-lt"/>
+        <a:ea typeface="+mn-ea"/>
+        <a:cs typeface="+mn-cs"/>
+      </a:defRPr>
+    </a:lvl3pPr>
+    <a:lvl4pPr marL="1371600" algn="l" defTabSz="914400" rtl="0" eaLnBrk="1" latinLnBrk="0" hangingPunct="1">
+      <a:defRPr sz="1200" kern="1200">
+        <a:solidFill>
+          <a:schemeClr val="tx1"/>
+        </a:solidFill>
+        <a:latin typeface="+mn-lt"/>
+        <a:ea typeface="+mn-ea"/>
+        <a:cs typeface="+mn-cs"/>
+      </a:defRPr>
+    </a:lvl4pPr>
+    <a:lvl5pPr marL="1828800" algn="l" defTabSz="914400" rtl="0" eaLnBrk="1" latinLnBrk="0" hangingPunct="1">
+      <a:defRPr sz="1200" kern="1200">
+        <a:solidFill>
+          <a:schemeClr val="tx1"/>
+        </a:solidFill>
+        <a:latin typeface="+mn-lt"/>
+        <a:ea typeface="+mn-ea"/>
+        <a:cs typeface="+mn-cs"/>
+      </a:defRPr>
+    </a:lvl5pPr>
+    <a:lvl6pPr marL="2286000" algn="l" defTabSz="914400" rtl="0" eaLnBrk="1" latinLnBrk="0" hangingPunct="1">
+      <a:defRPr sz="1200" kern="1200">
+        <a:solidFill>
+          <a:schemeClr val="tx1"/>
+        </a:solidFill>
+        <a:latin typeface="+mn-lt"/>
+        <a:ea typeface="+mn-ea"/>
+        <a:cs typeface="+mn-cs"/>
+      </a:defRPr>
+    </a:lvl6pPr>
+    <a:lvl7pPr marL="2743200" algn="l" defTabSz="914400" rtl="0" eaLnBrk="1" latinLnBrk="0" hangingPunct="1">
+      <a:defRPr sz="1200" kern="1200">
+        <a:solidFill>
+          <a:schemeClr val="tx1"/>
+        </a:solidFill>
+        <a:latin typeface="+mn-lt"/>
+        <a:ea typeface="+mn-ea"/>
+        <a:cs typeface="+mn-cs"/>
+      </a:defRPr>
+    </a:lvl7pPr>
+    <a:lvl8pPr marL="3200400" algn="l" defTabSz="914400" rtl="0" eaLnBrk="1" latinLnBrk="0" hangingPunct="1">
+      <a:defRPr sz="1200" kern="1200">
+        <a:solidFill>
+          <a:schemeClr val="tx1"/>
+        </a:solidFill>
+        <a:latin typeface="+mn-lt"/>
+        <a:ea typeface="+mn-ea"/>
+        <a:cs typeface="+mn-cs"/>
+      </a:defRPr>
+    </a:lvl8pPr>
+    <a:lvl9pPr marL="3657600" algn="l" defTabSz="914400" rtl="0" eaLnBrk="1" latinLnBrk="0" hangingPunct="1">
+      <a:defRPr sz="1200" kern="1200">
+        <a:solidFill>
+          <a:schemeClr val="tx1"/>
+        </a:solidFill>
+        <a:latin typeface="+mn-lt"/>
+        <a:ea typeface="+mn-ea"/>
+        <a:cs typeface="+mn-cs"/>
+      </a:defRPr>
+    </a:lvl9pPr>
+  </p:notesStyle>
+</p:notesMaster>
 </file>
 
 <file path=ppt/slideLayouts/slideLayout1.xml><?xml version="1.0" encoding="utf-8"?>
@@ -4571,7 +4923,7 @@
           </a:bodyPr>
           <a:lstStyle/>
           <a:p>
-            <a:endParaRPr lang="en-US" sz="2200">
+            <a:endParaRPr lang="en-US" sz="2200" dirty="0">
               <a:solidFill>
                 <a:schemeClr val="bg1"/>
               </a:solidFill>
@@ -4872,28 +5224,28 @@
           <a:lstStyle/>
           <a:p>
             <a:r>
-              <a:rPr lang="en-US" sz="2200"/>
+              <a:rPr lang="en-US" sz="2200" dirty="0"/>
               <a:t>The maximum ABV is .128.</a:t>
             </a:r>
           </a:p>
           <a:p>
             <a:pPr lvl="1"/>
             <a:r>
-              <a:rPr lang="en-US" sz="2200"/>
+              <a:rPr lang="en-US" sz="2200" dirty="0"/>
               <a:t>Brewery : Upslope Brewing Company, Boulder, CO.</a:t>
             </a:r>
           </a:p>
           <a:p>
             <a:pPr lvl="1"/>
             <a:r>
-              <a:rPr lang="en-US" sz="2200"/>
+              <a:rPr lang="en-US" sz="2200" dirty="0"/>
               <a:t>Beer : Lee Hill Series Vol. 5 - Belgian Style Quadrupel Ale.</a:t>
             </a:r>
           </a:p>
           <a:p>
             <a:pPr lvl="1"/>
             <a:r>
-              <a:rPr lang="en-US" sz="2200"/>
+              <a:rPr lang="en-US" sz="2200" dirty="0"/>
               <a:t>Notes : This beer is of the Style ‘Quadrupel’ and has an IBU of 0.</a:t>
             </a:r>
           </a:p>
@@ -4901,32 +5253,32 @@
             <a:pPr marL="457200" lvl="1" indent="0">
               <a:buNone/>
             </a:pPr>
-            <a:endParaRPr lang="en-US" sz="2200"/>
-          </a:p>
-          <a:p>
-            <a:r>
-              <a:rPr lang="en-US" sz="2200"/>
+            <a:endParaRPr lang="en-US" sz="2200" dirty="0"/>
+          </a:p>
+          <a:p>
+            <a:r>
+              <a:rPr lang="en-US" sz="2200" dirty="0"/>
               <a:t>The maximum IBU is 138.</a:t>
             </a:r>
           </a:p>
           <a:p>
             <a:pPr lvl="1"/>
             <a:r>
-              <a:rPr lang="en-US" sz="2200"/>
+              <a:rPr lang="en-US" sz="2200" dirty="0"/>
               <a:t>Brewery : Astoria Brewing Company, Astoria, OR.</a:t>
             </a:r>
           </a:p>
           <a:p>
             <a:pPr lvl="1"/>
             <a:r>
-              <a:rPr lang="en-US" sz="2200"/>
+              <a:rPr lang="en-US" sz="2200" dirty="0"/>
               <a:t>Beer : Bitter Bitch Imperial IPA.</a:t>
             </a:r>
           </a:p>
           <a:p>
             <a:pPr lvl="1"/>
             <a:r>
-              <a:rPr lang="en-US" sz="2200"/>
+              <a:rPr lang="en-US" sz="2200" dirty="0"/>
               <a:t>Notes : This beer is of the Style ‘American Double / Imperial IPA’ and has an ABV of .082.</a:t>
             </a:r>
           </a:p>
@@ -4972,10 +5324,10 @@
       </p:grpSpPr>
       <p:sp>
         <p:nvSpPr>
-          <p:cNvPr id="20" name="Rectangle 19">
-            <a:extLst>
-              <a:ext uri="{FF2B5EF4-FFF2-40B4-BE49-F238E27FC236}">
-                <a16:creationId xmlns:a16="http://schemas.microsoft.com/office/drawing/2014/main" id="{AB45A142-4255-493C-8284-5D566C121B10}"/>
+          <p:cNvPr id="27" name="Rectangle 26">
+            <a:extLst>
+              <a:ext uri="{FF2B5EF4-FFF2-40B4-BE49-F238E27FC236}">
+                <a16:creationId xmlns:a16="http://schemas.microsoft.com/office/drawing/2014/main" id="{5E52985E-2553-471E-82AA-5ED7A329890A}"/>
               </a:ext>
               <a:ext uri="{C183D7F6-B498-43B3-948B-1728B52AA6E4}">
                 <adec:decorative xmlns:adec="http://schemas.microsoft.com/office/drawing/2017/decorative" val="1"/>
@@ -4995,22 +5347,24 @@
         </p:nvSpPr>
         <p:spPr bwMode="ltGray">
           <a:xfrm>
-            <a:off x="336884" y="321177"/>
-            <a:ext cx="4332307" cy="6179552"/>
+            <a:off x="393308" y="352931"/>
+            <a:ext cx="11438793" cy="1844256"/>
           </a:xfrm>
           <a:prstGeom prst="rect">
             <a:avLst/>
           </a:prstGeom>
           <a:solidFill>
-            <a:srgbClr val="404040">
-              <a:alpha val="89804"/>
-            </a:srgbClr>
+            <a:schemeClr val="tx1">
+              <a:lumMod val="75000"/>
+              <a:lumOff val="25000"/>
+            </a:schemeClr>
           </a:solidFill>
           <a:ln w="127000" cap="sq" cmpd="thinThick">
             <a:solidFill>
-              <a:srgbClr val="595959">
-                <a:alpha val="80000"/>
-              </a:srgbClr>
+              <a:schemeClr val="tx1">
+                <a:lumMod val="75000"/>
+                <a:lumOff val="25000"/>
+              </a:schemeClr>
             </a:solidFill>
           </a:ln>
         </p:spPr>
@@ -5034,8 +5388,37 @@
           <a:bodyPr rtlCol="0" anchor="ctr"/>
           <a:lstStyle/>
           <a:p>
-            <a:pPr algn="ctr"/>
-            <a:endParaRPr lang="en-US"/>
+            <a:pPr marL="0" marR="0" lvl="0" indent="0" algn="ctr" defTabSz="914400" rtl="0" eaLnBrk="1" fontAlgn="auto" latinLnBrk="0" hangingPunct="1">
+              <a:lnSpc>
+                <a:spcPct val="100000"/>
+              </a:lnSpc>
+              <a:spcBef>
+                <a:spcPts val="0"/>
+              </a:spcBef>
+              <a:spcAft>
+                <a:spcPts val="0"/>
+              </a:spcAft>
+              <a:buClrTx/>
+              <a:buSzTx/>
+              <a:buFontTx/>
+              <a:buNone/>
+              <a:tabLst/>
+              <a:defRPr/>
+            </a:pPr>
+            <a:endParaRPr kumimoji="0" lang="en-US" sz="1800" b="0" i="0" u="none" strike="noStrike" kern="1200" cap="none" spc="0" normalizeH="0" baseline="0" noProof="0">
+              <a:ln>
+                <a:noFill/>
+              </a:ln>
+              <a:solidFill>
+                <a:prstClr val="white"/>
+              </a:solidFill>
+              <a:effectLst/>
+              <a:uLnTx/>
+              <a:uFillTx/>
+              <a:latin typeface="Calibri" panose="020F0502020204030204"/>
+              <a:ea typeface="+mn-ea"/>
+              <a:cs typeface="+mn-cs"/>
+            </a:endParaRPr>
           </a:p>
         </p:txBody>
       </p:sp>
@@ -5057,25 +5440,22 @@
         </p:nvSpPr>
         <p:spPr>
           <a:xfrm>
-            <a:off x="674237" y="914400"/>
-            <a:ext cx="3657600" cy="2887579"/>
+            <a:off x="649270" y="506727"/>
+            <a:ext cx="3885141" cy="1526741"/>
           </a:xfrm>
         </p:spPr>
         <p:txBody>
-          <a:bodyPr vert="horz" lIns="91440" tIns="45720" rIns="91440" bIns="45720" rtlCol="0" anchor="b">
+          <a:bodyPr vert="horz" lIns="91440" tIns="45720" rIns="91440" bIns="45720" rtlCol="0" anchor="ctr">
             <a:normAutofit/>
           </a:bodyPr>
           <a:lstStyle/>
           <a:p>
-            <a:pPr algn="ctr"/>
-            <a:r>
-              <a:rPr lang="en-US" sz="4800" kern="1200">
+            <a:pPr algn="r"/>
+            <a:r>
+              <a:rPr lang="en-US" sz="3000" dirty="0">
                 <a:solidFill>
-                  <a:srgbClr val="FFFFFF"/>
+                  <a:schemeClr val="bg1"/>
                 </a:solidFill>
-                <a:latin typeface="+mj-lt"/>
-                <a:ea typeface="+mj-ea"/>
-                <a:cs typeface="+mj-cs"/>
               </a:rPr>
               <a:t>ABV Distribution</a:t>
             </a:r>
@@ -5084,10 +5464,10 @@
       </p:sp>
       <p:cxnSp>
         <p:nvCxnSpPr>
-          <p:cNvPr id="22" name="Straight Connector 21">
-            <a:extLst>
-              <a:ext uri="{FF2B5EF4-FFF2-40B4-BE49-F238E27FC236}">
-                <a16:creationId xmlns:a16="http://schemas.microsoft.com/office/drawing/2014/main" id="{38FB9660-F42F-4313-BBC4-47C007FE484C}"/>
+          <p:cNvPr id="29" name="Straight Connector 28">
+            <a:extLst>
+              <a:ext uri="{FF2B5EF4-FFF2-40B4-BE49-F238E27FC236}">
+                <a16:creationId xmlns:a16="http://schemas.microsoft.com/office/drawing/2014/main" id="{DAE3ABC6-4042-4293-A7DF-F01181363B7E}"/>
               </a:ext>
               <a:ext uri="{C183D7F6-B498-43B3-948B-1728B52AA6E4}">
                 <adec:decorative xmlns:adec="http://schemas.microsoft.com/office/drawing/2017/decorative" val="1"/>
@@ -5106,16 +5486,18 @@
           </p:nvPr>
         </p:nvCxnSpPr>
         <p:spPr>
-          <a:xfrm>
-            <a:off x="1191126" y="3910267"/>
-            <a:ext cx="2586790" cy="0"/>
+          <a:xfrm flipV="1">
+            <a:off x="4739873" y="580963"/>
+            <a:ext cx="0" cy="1371600"/>
           </a:xfrm>
           <a:prstGeom prst="line">
             <a:avLst/>
           </a:prstGeom>
-          <a:ln w="22225">
+          <a:ln w="19050">
             <a:solidFill>
-              <a:srgbClr val="D9D9D9"/>
+              <a:schemeClr val="bg1">
+                <a:alpha val="75000"/>
+              </a:schemeClr>
             </a:solidFill>
           </a:ln>
         </p:spPr>
@@ -5134,12 +5516,117 @@
           </a:fontRef>
         </p:style>
       </p:cxnSp>
+      <p:sp>
+        <p:nvSpPr>
+          <p:cNvPr id="6" name="TextBox 5">
+            <a:extLst>
+              <a:ext uri="{FF2B5EF4-FFF2-40B4-BE49-F238E27FC236}">
+                <a16:creationId xmlns:a16="http://schemas.microsoft.com/office/drawing/2014/main" id="{ED1FFA1F-B23F-4082-ABD3-D20ADEF58886}"/>
+              </a:ext>
+            </a:extLst>
+          </p:cNvPr>
+          <p:cNvSpPr txBox="1"/>
+          <p:nvPr/>
+        </p:nvSpPr>
+        <p:spPr>
+          <a:xfrm>
+            <a:off x="4945336" y="506727"/>
+            <a:ext cx="6609921" cy="1526741"/>
+          </a:xfrm>
+          <a:prstGeom prst="rect">
+            <a:avLst/>
+          </a:prstGeom>
+        </p:spPr>
+        <p:txBody>
+          <a:bodyPr vert="horz" lIns="91440" tIns="45720" rIns="91440" bIns="45720" rtlCol="0" anchor="t">
+            <a:normAutofit lnSpcReduction="10000"/>
+          </a:bodyPr>
+          <a:lstStyle/>
+          <a:p>
+            <a:pPr indent="-228600">
+              <a:lnSpc>
+                <a:spcPct val="90000"/>
+              </a:lnSpc>
+              <a:spcAft>
+                <a:spcPts val="600"/>
+              </a:spcAft>
+              <a:buFont typeface="Arial" panose="020B0604020202020204" pitchFamily="34" charset="0"/>
+              <a:buChar char="•"/>
+            </a:pPr>
+            <a:r>
+              <a:rPr lang="en-US" sz="2200" dirty="0">
+                <a:solidFill>
+                  <a:schemeClr val="bg1"/>
+                </a:solidFill>
+              </a:rPr>
+              <a:t>The ABV distribution is skewed right.</a:t>
+            </a:r>
+          </a:p>
+          <a:p>
+            <a:pPr lvl="1" indent="-228600">
+              <a:lnSpc>
+                <a:spcPct val="90000"/>
+              </a:lnSpc>
+              <a:spcAft>
+                <a:spcPts val="600"/>
+              </a:spcAft>
+              <a:buFont typeface="Arial" panose="020B0604020202020204" pitchFamily="34" charset="0"/>
+              <a:buChar char="•"/>
+            </a:pPr>
+            <a:r>
+              <a:rPr lang="en-US" sz="1700" dirty="0">
+                <a:solidFill>
+                  <a:schemeClr val="bg1"/>
+                </a:solidFill>
+              </a:rPr>
+              <a:t>While there are ~50 beers at ABV=0, there is a long tail of high-ABV beers.</a:t>
+            </a:r>
+          </a:p>
+          <a:p>
+            <a:pPr lvl="1" indent="-228600">
+              <a:lnSpc>
+                <a:spcPct val="90000"/>
+              </a:lnSpc>
+              <a:spcAft>
+                <a:spcPts val="600"/>
+              </a:spcAft>
+              <a:buFont typeface="Arial" panose="020B0604020202020204" pitchFamily="34" charset="0"/>
+              <a:buChar char="•"/>
+            </a:pPr>
+            <a:r>
+              <a:rPr lang="en-US" sz="1700" dirty="0">
+                <a:solidFill>
+                  <a:schemeClr val="bg1"/>
+                </a:solidFill>
+              </a:rPr>
+              <a:t>The Shapiro-Wilke Normality Test gives us a p-value of &lt;2.2e-16. This supports the conclusion of non-normality.</a:t>
+            </a:r>
+          </a:p>
+          <a:p>
+            <a:pPr indent="-228600">
+              <a:lnSpc>
+                <a:spcPct val="90000"/>
+              </a:lnSpc>
+              <a:spcAft>
+                <a:spcPts val="600"/>
+              </a:spcAft>
+              <a:buFont typeface="Arial" panose="020B0604020202020204" pitchFamily="34" charset="0"/>
+              <a:buChar char="•"/>
+            </a:pPr>
+            <a:endParaRPr lang="en-US" sz="2200" dirty="0">
+              <a:solidFill>
+                <a:schemeClr val="bg1"/>
+              </a:solidFill>
+            </a:endParaRPr>
+          </a:p>
+        </p:txBody>
+      </p:sp>
       <p:pic>
         <p:nvPicPr>
-          <p:cNvPr id="4" name="Picture 3" descr="Chart, bar chart, histogram&#10;&#10;Description automatically generated">
-            <a:extLst>
-              <a:ext uri="{FF2B5EF4-FFF2-40B4-BE49-F238E27FC236}">
-                <a16:creationId xmlns:a16="http://schemas.microsoft.com/office/drawing/2014/main" id="{6F397130-4A77-4FA4-A171-95B2129F400E}"/>
+          <p:cNvPr id="5" name="Picture 4" descr="Chart, bar chart, histogram&#10;&#10;Description automatically generated">
+            <a:extLst>
+              <a:ext uri="{FF2B5EF4-FFF2-40B4-BE49-F238E27FC236}">
+                <a16:creationId xmlns:a16="http://schemas.microsoft.com/office/drawing/2014/main" id="{3A09E736-D7A4-4783-98D4-09BB08CE0C9F}"/>
               </a:ext>
             </a:extLst>
           </p:cNvPr>
@@ -5156,8 +5643,38 @@
         </p:blipFill>
         <p:spPr>
           <a:xfrm>
-            <a:off x="5186079" y="419537"/>
-            <a:ext cx="6553545" cy="4046813"/>
+            <a:off x="393308" y="2439566"/>
+            <a:ext cx="5559480" cy="3432978"/>
+          </a:xfrm>
+          <a:prstGeom prst="rect">
+            <a:avLst/>
+          </a:prstGeom>
+        </p:spPr>
+      </p:pic>
+      <p:pic>
+        <p:nvPicPr>
+          <p:cNvPr id="8" name="Picture 7" descr="Chart, line chart&#10;&#10;Description automatically generated">
+            <a:extLst>
+              <a:ext uri="{FF2B5EF4-FFF2-40B4-BE49-F238E27FC236}">
+                <a16:creationId xmlns:a16="http://schemas.microsoft.com/office/drawing/2014/main" id="{5285A350-421F-4A63-95B4-34F43214E5A5}"/>
+              </a:ext>
+            </a:extLst>
+          </p:cNvPr>
+          <p:cNvPicPr>
+            <a:picLocks noChangeAspect="1"/>
+          </p:cNvPicPr>
+          <p:nvPr/>
+        </p:nvPicPr>
+        <p:blipFill>
+          <a:blip r:embed="rId3"/>
+          <a:stretch>
+            <a:fillRect/>
+          </a:stretch>
+        </p:blipFill>
+        <p:spPr>
+          <a:xfrm>
+            <a:off x="6251737" y="2525961"/>
+            <a:ext cx="5546955" cy="3425244"/>
           </a:xfrm>
           <a:prstGeom prst="rect">
             <a:avLst/>
@@ -5166,10 +5683,10 @@
       </p:pic>
       <p:graphicFrame>
         <p:nvGraphicFramePr>
-          <p:cNvPr id="12" name="Table 11">
-            <a:extLst>
-              <a:ext uri="{FF2B5EF4-FFF2-40B4-BE49-F238E27FC236}">
-                <a16:creationId xmlns:a16="http://schemas.microsoft.com/office/drawing/2014/main" id="{C606F1B7-F18D-4181-95B5-10ACF2AEAA58}"/>
+          <p:cNvPr id="15" name="Table 14">
+            <a:extLst>
+              <a:ext uri="{FF2B5EF4-FFF2-40B4-BE49-F238E27FC236}">
+                <a16:creationId xmlns:a16="http://schemas.microsoft.com/office/drawing/2014/main" id="{3B62F764-3880-49ED-8C95-A01D00B7EB95}"/>
               </a:ext>
             </a:extLst>
           </p:cNvPr>
@@ -5179,13 +5696,13 @@
           <p:nvPr>
             <p:extLst>
               <p:ext uri="{D42A27DB-BD31-4B8C-83A1-F6EECF244321}">
-                <p14:modId xmlns:p14="http://schemas.microsoft.com/office/powerpoint/2010/main" val="3806364622"/>
+                <p14:modId xmlns:p14="http://schemas.microsoft.com/office/powerpoint/2010/main" val="905084121"/>
               </p:ext>
             </p:extLst>
           </p:nvPr>
         </p:nvGraphicFramePr>
         <p:xfrm>
-          <a:off x="5000177" y="4610071"/>
+          <a:off x="2633326" y="5980433"/>
           <a:ext cx="6925348" cy="741680"/>
         </p:xfrm>
         <a:graphic>
@@ -5566,485 +6083,6 @@
           </a:graphicData>
         </a:graphic>
       </p:graphicFrame>
-      <p:graphicFrame>
-        <p:nvGraphicFramePr>
-          <p:cNvPr id="7" name="Table 6">
-            <a:extLst>
-              <a:ext uri="{FF2B5EF4-FFF2-40B4-BE49-F238E27FC236}">
-                <a16:creationId xmlns:a16="http://schemas.microsoft.com/office/drawing/2014/main" id="{4297668C-2186-4E9D-B92C-48135954A462}"/>
-              </a:ext>
-            </a:extLst>
-          </p:cNvPr>
-          <p:cNvGraphicFramePr>
-            <a:graphicFrameLocks noGrp="1"/>
-          </p:cNvGraphicFramePr>
-          <p:nvPr>
-            <p:extLst>
-              <p:ext uri="{D42A27DB-BD31-4B8C-83A1-F6EECF244321}">
-                <p14:modId xmlns:p14="http://schemas.microsoft.com/office/powerpoint/2010/main" val="3705015380"/>
-              </p:ext>
-            </p:extLst>
-          </p:nvPr>
-        </p:nvGraphicFramePr>
-        <p:xfrm>
-          <a:off x="5000177" y="5837044"/>
-          <a:ext cx="6925348" cy="741680"/>
-        </p:xfrm>
-        <a:graphic>
-          <a:graphicData uri="http://schemas.openxmlformats.org/drawingml/2006/table">
-            <a:tbl>
-              <a:tblPr firstRow="1" bandRow="1">
-                <a:tableStyleId>{93296810-A885-4BE3-A3E7-6D5BEEA58F35}</a:tableStyleId>
-              </a:tblPr>
-              <a:tblGrid>
-                <a:gridCol w="697449">
-                  <a:extLst>
-                    <a:ext uri="{9D8B030D-6E8A-4147-A177-3AD203B41FA5}">
-                      <a16:colId xmlns:a16="http://schemas.microsoft.com/office/drawing/2014/main" val="819411853"/>
-                    </a:ext>
-                  </a:extLst>
-                </a:gridCol>
-                <a:gridCol w="1264013">
-                  <a:extLst>
-                    <a:ext uri="{9D8B030D-6E8A-4147-A177-3AD203B41FA5}">
-                      <a16:colId xmlns:a16="http://schemas.microsoft.com/office/drawing/2014/main" val="3496864432"/>
-                    </a:ext>
-                  </a:extLst>
-                </a:gridCol>
-                <a:gridCol w="1038154">
-                  <a:extLst>
-                    <a:ext uri="{9D8B030D-6E8A-4147-A177-3AD203B41FA5}">
-                      <a16:colId xmlns:a16="http://schemas.microsoft.com/office/drawing/2014/main" val="548960430"/>
-                    </a:ext>
-                  </a:extLst>
-                </a:gridCol>
-                <a:gridCol w="886899">
-                  <a:extLst>
-                    <a:ext uri="{9D8B030D-6E8A-4147-A177-3AD203B41FA5}">
-                      <a16:colId xmlns:a16="http://schemas.microsoft.com/office/drawing/2014/main" val="1352677794"/>
-                    </a:ext>
-                  </a:extLst>
-                </a:gridCol>
-                <a:gridCol w="983152">
-                  <a:extLst>
-                    <a:ext uri="{9D8B030D-6E8A-4147-A177-3AD203B41FA5}">
-                      <a16:colId xmlns:a16="http://schemas.microsoft.com/office/drawing/2014/main" val="2609831439"/>
-                    </a:ext>
-                  </a:extLst>
-                </a:gridCol>
-                <a:gridCol w="1423164">
-                  <a:extLst>
-                    <a:ext uri="{9D8B030D-6E8A-4147-A177-3AD203B41FA5}">
-                      <a16:colId xmlns:a16="http://schemas.microsoft.com/office/drawing/2014/main" val="4294260443"/>
-                    </a:ext>
-                  </a:extLst>
-                </a:gridCol>
-                <a:gridCol w="632517">
-                  <a:extLst>
-                    <a:ext uri="{9D8B030D-6E8A-4147-A177-3AD203B41FA5}">
-                      <a16:colId xmlns:a16="http://schemas.microsoft.com/office/drawing/2014/main" val="1610410939"/>
-                    </a:ext>
-                  </a:extLst>
-                </a:gridCol>
-              </a:tblGrid>
-              <a:tr h="370840">
-                <a:tc>
-                  <a:txBody>
-                    <a:bodyPr/>
-                    <a:lstStyle/>
-                    <a:p>
-                      <a:pPr algn="ctr"/>
-                      <a:r>
-                        <a:rPr lang="en-US" sz="1600" dirty="0"/>
-                        <a:t>Min</a:t>
-                      </a:r>
-                    </a:p>
-                  </a:txBody>
-                  <a:tcPr>
-                    <a:solidFill>
-                      <a:schemeClr val="accent6">
-                        <a:lumMod val="60000"/>
-                        <a:lumOff val="40000"/>
-                      </a:schemeClr>
-                    </a:solidFill>
-                  </a:tcPr>
-                </a:tc>
-                <a:tc>
-                  <a:txBody>
-                    <a:bodyPr/>
-                    <a:lstStyle/>
-                    <a:p>
-                      <a:pPr algn="ctr"/>
-                      <a:r>
-                        <a:rPr lang="en-US" sz="1600" dirty="0"/>
-                        <a:t>1</a:t>
-                      </a:r>
-                      <a:r>
-                        <a:rPr lang="en-US" sz="1600" baseline="30000" dirty="0"/>
-                        <a:t>st</a:t>
-                      </a:r>
-                      <a:r>
-                        <a:rPr lang="en-US" sz="1600" dirty="0"/>
-                        <a:t> Quartile</a:t>
-                      </a:r>
-                    </a:p>
-                  </a:txBody>
-                  <a:tcPr>
-                    <a:solidFill>
-                      <a:schemeClr val="accent6">
-                        <a:lumMod val="60000"/>
-                        <a:lumOff val="40000"/>
-                      </a:schemeClr>
-                    </a:solidFill>
-                  </a:tcPr>
-                </a:tc>
-                <a:tc>
-                  <a:txBody>
-                    <a:bodyPr/>
-                    <a:lstStyle/>
-                    <a:p>
-                      <a:pPr algn="ctr"/>
-                      <a:r>
-                        <a:rPr lang="en-US" sz="1600" dirty="0"/>
-                        <a:t>Median</a:t>
-                      </a:r>
-                    </a:p>
-                  </a:txBody>
-                  <a:tcPr>
-                    <a:solidFill>
-                      <a:schemeClr val="accent6">
-                        <a:lumMod val="60000"/>
-                        <a:lumOff val="40000"/>
-                      </a:schemeClr>
-                    </a:solidFill>
-                  </a:tcPr>
-                </a:tc>
-                <a:tc>
-                  <a:txBody>
-                    <a:bodyPr/>
-                    <a:lstStyle/>
-                    <a:p>
-                      <a:pPr algn="ctr"/>
-                      <a:r>
-                        <a:rPr lang="en-US" sz="1600" dirty="0"/>
-                        <a:t>Mean</a:t>
-                      </a:r>
-                    </a:p>
-                  </a:txBody>
-                  <a:tcPr>
-                    <a:solidFill>
-                      <a:schemeClr val="accent6">
-                        <a:lumMod val="60000"/>
-                        <a:lumOff val="40000"/>
-                      </a:schemeClr>
-                    </a:solidFill>
-                  </a:tcPr>
-                </a:tc>
-                <a:tc>
-                  <a:txBody>
-                    <a:bodyPr/>
-                    <a:lstStyle/>
-                    <a:p>
-                      <a:pPr algn="ctr"/>
-                      <a:r>
-                        <a:rPr lang="en-US" sz="1600" dirty="0"/>
-                        <a:t>St. Dev.</a:t>
-                      </a:r>
-                    </a:p>
-                  </a:txBody>
-                  <a:tcPr>
-                    <a:solidFill>
-                      <a:schemeClr val="accent6">
-                        <a:lumMod val="60000"/>
-                        <a:lumOff val="40000"/>
-                      </a:schemeClr>
-                    </a:solidFill>
-                  </a:tcPr>
-                </a:tc>
-                <a:tc>
-                  <a:txBody>
-                    <a:bodyPr/>
-                    <a:lstStyle/>
-                    <a:p>
-                      <a:pPr algn="ctr"/>
-                      <a:r>
-                        <a:rPr lang="en-US" sz="1600" dirty="0"/>
-                        <a:t>3</a:t>
-                      </a:r>
-                      <a:r>
-                        <a:rPr lang="en-US" sz="1600" baseline="30000" dirty="0"/>
-                        <a:t>rd</a:t>
-                      </a:r>
-                      <a:r>
-                        <a:rPr lang="en-US" sz="1600" dirty="0"/>
-                        <a:t> Quartile</a:t>
-                      </a:r>
-                    </a:p>
-                  </a:txBody>
-                  <a:tcPr>
-                    <a:solidFill>
-                      <a:schemeClr val="accent6">
-                        <a:lumMod val="60000"/>
-                        <a:lumOff val="40000"/>
-                      </a:schemeClr>
-                    </a:solidFill>
-                  </a:tcPr>
-                </a:tc>
-                <a:tc>
-                  <a:txBody>
-                    <a:bodyPr/>
-                    <a:lstStyle/>
-                    <a:p>
-                      <a:pPr algn="ctr"/>
-                      <a:r>
-                        <a:rPr lang="en-US" sz="1600" dirty="0"/>
-                        <a:t>Max</a:t>
-                      </a:r>
-                    </a:p>
-                  </a:txBody>
-                  <a:tcPr>
-                    <a:solidFill>
-                      <a:schemeClr val="accent6">
-                        <a:lumMod val="60000"/>
-                        <a:lumOff val="40000"/>
-                      </a:schemeClr>
-                    </a:solidFill>
-                  </a:tcPr>
-                </a:tc>
-                <a:extLst>
-                  <a:ext uri="{0D108BD9-81ED-4DB2-BD59-A6C34878D82A}">
-                    <a16:rowId xmlns:a16="http://schemas.microsoft.com/office/drawing/2014/main" val="3122196041"/>
-                  </a:ext>
-                </a:extLst>
-              </a:tr>
-              <a:tr h="370840">
-                <a:tc>
-                  <a:txBody>
-                    <a:bodyPr/>
-                    <a:lstStyle/>
-                    <a:p>
-                      <a:pPr algn="ctr"/>
-                      <a:r>
-                        <a:rPr lang="en-US" dirty="0"/>
-                        <a:t>.001</a:t>
-                      </a:r>
-                    </a:p>
-                  </a:txBody>
-                  <a:tcPr>
-                    <a:solidFill>
-                      <a:schemeClr val="accent6">
-                        <a:lumMod val="20000"/>
-                        <a:lumOff val="80000"/>
-                      </a:schemeClr>
-                    </a:solidFill>
-                  </a:tcPr>
-                </a:tc>
-                <a:tc>
-                  <a:txBody>
-                    <a:bodyPr/>
-                    <a:lstStyle/>
-                    <a:p>
-                      <a:pPr algn="ctr"/>
-                      <a:r>
-                        <a:rPr lang="en-US" dirty="0"/>
-                        <a:t>.05</a:t>
-                      </a:r>
-                    </a:p>
-                  </a:txBody>
-                  <a:tcPr>
-                    <a:solidFill>
-                      <a:schemeClr val="accent6">
-                        <a:lumMod val="20000"/>
-                        <a:lumOff val="80000"/>
-                      </a:schemeClr>
-                    </a:solidFill>
-                  </a:tcPr>
-                </a:tc>
-                <a:tc>
-                  <a:txBody>
-                    <a:bodyPr/>
-                    <a:lstStyle/>
-                    <a:p>
-                      <a:pPr algn="ctr"/>
-                      <a:r>
-                        <a:rPr lang="en-US" dirty="0"/>
-                        <a:t>.056</a:t>
-                      </a:r>
-                    </a:p>
-                  </a:txBody>
-                  <a:tcPr>
-                    <a:solidFill>
-                      <a:schemeClr val="accent6">
-                        <a:lumMod val="20000"/>
-                        <a:lumOff val="80000"/>
-                      </a:schemeClr>
-                    </a:solidFill>
-                  </a:tcPr>
-                </a:tc>
-                <a:tc>
-                  <a:txBody>
-                    <a:bodyPr/>
-                    <a:lstStyle/>
-                    <a:p>
-                      <a:pPr algn="ctr"/>
-                      <a:r>
-                        <a:rPr lang="en-US" dirty="0"/>
-                        <a:t>.06</a:t>
-                      </a:r>
-                    </a:p>
-                  </a:txBody>
-                  <a:tcPr>
-                    <a:solidFill>
-                      <a:schemeClr val="accent6">
-                        <a:lumMod val="20000"/>
-                        <a:lumOff val="80000"/>
-                      </a:schemeClr>
-                    </a:solidFill>
-                  </a:tcPr>
-                </a:tc>
-                <a:tc>
-                  <a:txBody>
-                    <a:bodyPr/>
-                    <a:lstStyle/>
-                    <a:p>
-                      <a:pPr algn="ctr"/>
-                      <a:r>
-                        <a:rPr lang="en-US" dirty="0"/>
-                        <a:t>.014</a:t>
-                      </a:r>
-                    </a:p>
-                  </a:txBody>
-                  <a:tcPr>
-                    <a:solidFill>
-                      <a:schemeClr val="accent6">
-                        <a:lumMod val="20000"/>
-                        <a:lumOff val="80000"/>
-                      </a:schemeClr>
-                    </a:solidFill>
-                  </a:tcPr>
-                </a:tc>
-                <a:tc>
-                  <a:txBody>
-                    <a:bodyPr/>
-                    <a:lstStyle/>
-                    <a:p>
-                      <a:pPr algn="ctr"/>
-                      <a:r>
-                        <a:rPr lang="en-US" dirty="0"/>
-                        <a:t>.067</a:t>
-                      </a:r>
-                    </a:p>
-                  </a:txBody>
-                  <a:tcPr>
-                    <a:solidFill>
-                      <a:schemeClr val="accent6">
-                        <a:lumMod val="20000"/>
-                        <a:lumOff val="80000"/>
-                      </a:schemeClr>
-                    </a:solidFill>
-                  </a:tcPr>
-                </a:tc>
-                <a:tc>
-                  <a:txBody>
-                    <a:bodyPr/>
-                    <a:lstStyle/>
-                    <a:p>
-                      <a:pPr algn="ctr"/>
-                      <a:r>
-                        <a:rPr lang="en-US" dirty="0"/>
-                        <a:t>.128</a:t>
-                      </a:r>
-                    </a:p>
-                  </a:txBody>
-                  <a:tcPr>
-                    <a:solidFill>
-                      <a:schemeClr val="accent6">
-                        <a:lumMod val="20000"/>
-                        <a:lumOff val="80000"/>
-                      </a:schemeClr>
-                    </a:solidFill>
-                  </a:tcPr>
-                </a:tc>
-                <a:extLst>
-                  <a:ext uri="{0D108BD9-81ED-4DB2-BD59-A6C34878D82A}">
-                    <a16:rowId xmlns:a16="http://schemas.microsoft.com/office/drawing/2014/main" val="523112149"/>
-                  </a:ext>
-                </a:extLst>
-              </a:tr>
-            </a:tbl>
-          </a:graphicData>
-        </a:graphic>
-      </p:graphicFrame>
-      <p:sp>
-        <p:nvSpPr>
-          <p:cNvPr id="3" name="TextBox 2">
-            <a:extLst>
-              <a:ext uri="{FF2B5EF4-FFF2-40B4-BE49-F238E27FC236}">
-                <a16:creationId xmlns:a16="http://schemas.microsoft.com/office/drawing/2014/main" id="{1FF5C6B4-8825-4D6B-A75A-C1AF7C5BACD6}"/>
-              </a:ext>
-            </a:extLst>
-          </p:cNvPr>
-          <p:cNvSpPr txBox="1"/>
-          <p:nvPr/>
-        </p:nvSpPr>
-        <p:spPr>
-          <a:xfrm>
-            <a:off x="4954380" y="4311916"/>
-            <a:ext cx="1443789" cy="338554"/>
-          </a:xfrm>
-          <a:prstGeom prst="rect">
-            <a:avLst/>
-          </a:prstGeom>
-          <a:noFill/>
-        </p:spPr>
-        <p:txBody>
-          <a:bodyPr wrap="square" rtlCol="0">
-            <a:spAutoFit/>
-          </a:bodyPr>
-          <a:lstStyle/>
-          <a:p>
-            <a:r>
-              <a:rPr lang="en-US" sz="1600" b="1" dirty="0"/>
-              <a:t>Full Dataset</a:t>
-            </a:r>
-          </a:p>
-        </p:txBody>
-      </p:sp>
-      <p:sp>
-        <p:nvSpPr>
-          <p:cNvPr id="9" name="TextBox 8">
-            <a:extLst>
-              <a:ext uri="{FF2B5EF4-FFF2-40B4-BE49-F238E27FC236}">
-                <a16:creationId xmlns:a16="http://schemas.microsoft.com/office/drawing/2014/main" id="{6AB1E4BF-F502-46DC-ABF6-3E107FFF028D}"/>
-              </a:ext>
-            </a:extLst>
-          </p:cNvPr>
-          <p:cNvSpPr txBox="1"/>
-          <p:nvPr/>
-        </p:nvSpPr>
-        <p:spPr>
-          <a:xfrm>
-            <a:off x="5000177" y="5551132"/>
-            <a:ext cx="1628742" cy="338554"/>
-          </a:xfrm>
-          <a:prstGeom prst="rect">
-            <a:avLst/>
-          </a:prstGeom>
-          <a:noFill/>
-        </p:spPr>
-        <p:txBody>
-          <a:bodyPr wrap="square" rtlCol="0">
-            <a:spAutoFit/>
-          </a:bodyPr>
-          <a:lstStyle/>
-          <a:p>
-            <a:r>
-              <a:rPr lang="en-US" sz="1600" b="1" dirty="0"/>
-              <a:t>Alcoholic Only</a:t>
-            </a:r>
-          </a:p>
-        </p:txBody>
-      </p:sp>
     </p:spTree>
     <p:extLst>
       <p:ext uri="{BB962C8B-B14F-4D97-AF65-F5344CB8AC3E}">
@@ -7056,4 +7094,299 @@
     </a:ext>
   </a:extLst>
 </a:theme>
+</file>
+
+<file path=ppt/theme/theme2.xml><?xml version="1.0" encoding="utf-8"?>
+<a:theme xmlns:a="http://schemas.openxmlformats.org/drawingml/2006/main" name="Office Theme">
+  <a:themeElements>
+    <a:clrScheme name="Office">
+      <a:dk1>
+        <a:sysClr val="windowText" lastClr="000000"/>
+      </a:dk1>
+      <a:lt1>
+        <a:sysClr val="window" lastClr="FFFFFF"/>
+      </a:lt1>
+      <a:dk2>
+        <a:srgbClr val="44546A"/>
+      </a:dk2>
+      <a:lt2>
+        <a:srgbClr val="E7E6E6"/>
+      </a:lt2>
+      <a:accent1>
+        <a:srgbClr val="4472C4"/>
+      </a:accent1>
+      <a:accent2>
+        <a:srgbClr val="ED7D31"/>
+      </a:accent2>
+      <a:accent3>
+        <a:srgbClr val="A5A5A5"/>
+      </a:accent3>
+      <a:accent4>
+        <a:srgbClr val="FFC000"/>
+      </a:accent4>
+      <a:accent5>
+        <a:srgbClr val="5B9BD5"/>
+      </a:accent5>
+      <a:accent6>
+        <a:srgbClr val="70AD47"/>
+      </a:accent6>
+      <a:hlink>
+        <a:srgbClr val="0563C1"/>
+      </a:hlink>
+      <a:folHlink>
+        <a:srgbClr val="954F72"/>
+      </a:folHlink>
+    </a:clrScheme>
+    <a:fontScheme name="Office">
+      <a:majorFont>
+        <a:latin typeface="Calibri Light" panose="020F0302020204030204"/>
+        <a:ea typeface=""/>
+        <a:cs typeface=""/>
+        <a:font script="Jpan" typeface="游ゴシック Light"/>
+        <a:font script="Hang" typeface="맑은 고딕"/>
+        <a:font script="Hans" typeface="等线 Light"/>
+        <a:font script="Hant" typeface="新細明體"/>
+        <a:font script="Arab" typeface="Times New Roman"/>
+        <a:font script="Hebr" typeface="Times New Roman"/>
+        <a:font script="Thai" typeface="Angsana New"/>
+        <a:font script="Ethi" typeface="Nyala"/>
+        <a:font script="Beng" typeface="Vrinda"/>
+        <a:font script="Gujr" typeface="Shruti"/>
+        <a:font script="Khmr" typeface="MoolBoran"/>
+        <a:font script="Knda" typeface="Tunga"/>
+        <a:font script="Guru" typeface="Raavi"/>
+        <a:font script="Cans" typeface="Euphemia"/>
+        <a:font script="Cher" typeface="Plantagenet Cherokee"/>
+        <a:font script="Yiii" typeface="Microsoft Yi Baiti"/>
+        <a:font script="Tibt" typeface="Microsoft Himalaya"/>
+        <a:font script="Thaa" typeface="MV Boli"/>
+        <a:font script="Deva" typeface="Mangal"/>
+        <a:font script="Telu" typeface="Gautami"/>
+        <a:font script="Taml" typeface="Latha"/>
+        <a:font script="Syrc" typeface="Estrangelo Edessa"/>
+        <a:font script="Orya" typeface="Kalinga"/>
+        <a:font script="Mlym" typeface="Kartika"/>
+        <a:font script="Laoo" typeface="DokChampa"/>
+        <a:font script="Sinh" typeface="Iskoola Pota"/>
+        <a:font script="Mong" typeface="Mongolian Baiti"/>
+        <a:font script="Viet" typeface="Times New Roman"/>
+        <a:font script="Uigh" typeface="Microsoft Uighur"/>
+        <a:font script="Geor" typeface="Sylfaen"/>
+        <a:font script="Armn" typeface="Arial"/>
+        <a:font script="Bugi" typeface="Leelawadee UI"/>
+        <a:font script="Bopo" typeface="Microsoft JhengHei"/>
+        <a:font script="Java" typeface="Javanese Text"/>
+        <a:font script="Lisu" typeface="Segoe UI"/>
+        <a:font script="Mymr" typeface="Myanmar Text"/>
+        <a:font script="Nkoo" typeface="Ebrima"/>
+        <a:font script="Olck" typeface="Nirmala UI"/>
+        <a:font script="Osma" typeface="Ebrima"/>
+        <a:font script="Phag" typeface="Phagspa"/>
+        <a:font script="Syrn" typeface="Estrangelo Edessa"/>
+        <a:font script="Syrj" typeface="Estrangelo Edessa"/>
+        <a:font script="Syre" typeface="Estrangelo Edessa"/>
+        <a:font script="Sora" typeface="Nirmala UI"/>
+        <a:font script="Tale" typeface="Microsoft Tai Le"/>
+        <a:font script="Talu" typeface="Microsoft New Tai Lue"/>
+        <a:font script="Tfng" typeface="Ebrima"/>
+      </a:majorFont>
+      <a:minorFont>
+        <a:latin typeface="Calibri" panose="020F0502020204030204"/>
+        <a:ea typeface=""/>
+        <a:cs typeface=""/>
+        <a:font script="Jpan" typeface="游ゴシック"/>
+        <a:font script="Hang" typeface="맑은 고딕"/>
+        <a:font script="Hans" typeface="等线"/>
+        <a:font script="Hant" typeface="新細明體"/>
+        <a:font script="Arab" typeface="Arial"/>
+        <a:font script="Hebr" typeface="Arial"/>
+        <a:font script="Thai" typeface="Cordia New"/>
+        <a:font script="Ethi" typeface="Nyala"/>
+        <a:font script="Beng" typeface="Vrinda"/>
+        <a:font script="Gujr" typeface="Shruti"/>
+        <a:font script="Khmr" typeface="DaunPenh"/>
+        <a:font script="Knda" typeface="Tunga"/>
+        <a:font script="Guru" typeface="Raavi"/>
+        <a:font script="Cans" typeface="Euphemia"/>
+        <a:font script="Cher" typeface="Plantagenet Cherokee"/>
+        <a:font script="Yiii" typeface="Microsoft Yi Baiti"/>
+        <a:font script="Tibt" typeface="Microsoft Himalaya"/>
+        <a:font script="Thaa" typeface="MV Boli"/>
+        <a:font script="Deva" typeface="Mangal"/>
+        <a:font script="Telu" typeface="Gautami"/>
+        <a:font script="Taml" typeface="Latha"/>
+        <a:font script="Syrc" typeface="Estrangelo Edessa"/>
+        <a:font script="Orya" typeface="Kalinga"/>
+        <a:font script="Mlym" typeface="Kartika"/>
+        <a:font script="Laoo" typeface="DokChampa"/>
+        <a:font script="Sinh" typeface="Iskoola Pota"/>
+        <a:font script="Mong" typeface="Mongolian Baiti"/>
+        <a:font script="Viet" typeface="Arial"/>
+        <a:font script="Uigh" typeface="Microsoft Uighur"/>
+        <a:font script="Geor" typeface="Sylfaen"/>
+        <a:font script="Armn" typeface="Arial"/>
+        <a:font script="Bugi" typeface="Leelawadee UI"/>
+        <a:font script="Bopo" typeface="Microsoft JhengHei"/>
+        <a:font script="Java" typeface="Javanese Text"/>
+        <a:font script="Lisu" typeface="Segoe UI"/>
+        <a:font script="Mymr" typeface="Myanmar Text"/>
+        <a:font script="Nkoo" typeface="Ebrima"/>
+        <a:font script="Olck" typeface="Nirmala UI"/>
+        <a:font script="Osma" typeface="Ebrima"/>
+        <a:font script="Phag" typeface="Phagspa"/>
+        <a:font script="Syrn" typeface="Estrangelo Edessa"/>
+        <a:font script="Syrj" typeface="Estrangelo Edessa"/>
+        <a:font script="Syre" typeface="Estrangelo Edessa"/>
+        <a:font script="Sora" typeface="Nirmala UI"/>
+        <a:font script="Tale" typeface="Microsoft Tai Le"/>
+        <a:font script="Talu" typeface="Microsoft New Tai Lue"/>
+        <a:font script="Tfng" typeface="Ebrima"/>
+      </a:minorFont>
+    </a:fontScheme>
+    <a:fmtScheme name="Office">
+      <a:fillStyleLst>
+        <a:solidFill>
+          <a:schemeClr val="phClr"/>
+        </a:solidFill>
+        <a:gradFill rotWithShape="1">
+          <a:gsLst>
+            <a:gs pos="0">
+              <a:schemeClr val="phClr">
+                <a:lumMod val="110000"/>
+                <a:satMod val="105000"/>
+                <a:tint val="67000"/>
+              </a:schemeClr>
+            </a:gs>
+            <a:gs pos="50000">
+              <a:schemeClr val="phClr">
+                <a:lumMod val="105000"/>
+                <a:satMod val="103000"/>
+                <a:tint val="73000"/>
+              </a:schemeClr>
+            </a:gs>
+            <a:gs pos="100000">
+              <a:schemeClr val="phClr">
+                <a:lumMod val="105000"/>
+                <a:satMod val="109000"/>
+                <a:tint val="81000"/>
+              </a:schemeClr>
+            </a:gs>
+          </a:gsLst>
+          <a:lin ang="5400000" scaled="0"/>
+        </a:gradFill>
+        <a:gradFill rotWithShape="1">
+          <a:gsLst>
+            <a:gs pos="0">
+              <a:schemeClr val="phClr">
+                <a:satMod val="103000"/>
+                <a:lumMod val="102000"/>
+                <a:tint val="94000"/>
+              </a:schemeClr>
+            </a:gs>
+            <a:gs pos="50000">
+              <a:schemeClr val="phClr">
+                <a:satMod val="110000"/>
+                <a:lumMod val="100000"/>
+                <a:shade val="100000"/>
+              </a:schemeClr>
+            </a:gs>
+            <a:gs pos="100000">
+              <a:schemeClr val="phClr">
+                <a:lumMod val="99000"/>
+                <a:satMod val="120000"/>
+                <a:shade val="78000"/>
+              </a:schemeClr>
+            </a:gs>
+          </a:gsLst>
+          <a:lin ang="5400000" scaled="0"/>
+        </a:gradFill>
+      </a:fillStyleLst>
+      <a:lnStyleLst>
+        <a:ln w="6350" cap="flat" cmpd="sng" algn="ctr">
+          <a:solidFill>
+            <a:schemeClr val="phClr"/>
+          </a:solidFill>
+          <a:prstDash val="solid"/>
+          <a:miter lim="800000"/>
+        </a:ln>
+        <a:ln w="12700" cap="flat" cmpd="sng" algn="ctr">
+          <a:solidFill>
+            <a:schemeClr val="phClr"/>
+          </a:solidFill>
+          <a:prstDash val="solid"/>
+          <a:miter lim="800000"/>
+        </a:ln>
+        <a:ln w="19050" cap="flat" cmpd="sng" algn="ctr">
+          <a:solidFill>
+            <a:schemeClr val="phClr"/>
+          </a:solidFill>
+          <a:prstDash val="solid"/>
+          <a:miter lim="800000"/>
+        </a:ln>
+      </a:lnStyleLst>
+      <a:effectStyleLst>
+        <a:effectStyle>
+          <a:effectLst/>
+        </a:effectStyle>
+        <a:effectStyle>
+          <a:effectLst/>
+        </a:effectStyle>
+        <a:effectStyle>
+          <a:effectLst>
+            <a:outerShdw blurRad="57150" dist="19050" dir="5400000" algn="ctr" rotWithShape="0">
+              <a:srgbClr val="000000">
+                <a:alpha val="63000"/>
+              </a:srgbClr>
+            </a:outerShdw>
+          </a:effectLst>
+        </a:effectStyle>
+      </a:effectStyleLst>
+      <a:bgFillStyleLst>
+        <a:solidFill>
+          <a:schemeClr val="phClr"/>
+        </a:solidFill>
+        <a:solidFill>
+          <a:schemeClr val="phClr">
+            <a:tint val="95000"/>
+            <a:satMod val="170000"/>
+          </a:schemeClr>
+        </a:solidFill>
+        <a:gradFill rotWithShape="1">
+          <a:gsLst>
+            <a:gs pos="0">
+              <a:schemeClr val="phClr">
+                <a:tint val="93000"/>
+                <a:satMod val="150000"/>
+                <a:shade val="98000"/>
+                <a:lumMod val="102000"/>
+              </a:schemeClr>
+            </a:gs>
+            <a:gs pos="50000">
+              <a:schemeClr val="phClr">
+                <a:tint val="98000"/>
+                <a:satMod val="130000"/>
+                <a:shade val="90000"/>
+                <a:lumMod val="103000"/>
+              </a:schemeClr>
+            </a:gs>
+            <a:gs pos="100000">
+              <a:schemeClr val="phClr">
+                <a:shade val="63000"/>
+                <a:satMod val="120000"/>
+              </a:schemeClr>
+            </a:gs>
+          </a:gsLst>
+          <a:lin ang="5400000" scaled="0"/>
+        </a:gradFill>
+      </a:bgFillStyleLst>
+    </a:fmtScheme>
+  </a:themeElements>
+  <a:objectDefaults/>
+  <a:extraClrSchemeLst/>
+  <a:extLst>
+    <a:ext uri="{05A4C25C-085E-4340-85A3-A5531E510DB2}">
+      <thm15:themeFamily xmlns:thm15="http://schemas.microsoft.com/office/thememl/2012/main" name="Office Theme" id="{62F939B6-93AF-4DB8-9C6B-D6C7DFDC589F}" vid="{4A3C46E8-61CC-4603-A589-7422A47A8E4A}"/>
+    </a:ext>
+  </a:extLst>
+</a:theme>
 </file>
--- a/EDA_Presentation.pptx
+++ b/EDA_Presentation.pptx
@@ -5,18 +5,19 @@
     <p:sldMasterId id="2147483648" r:id="rId1"/>
   </p:sldMasterIdLst>
   <p:notesMasterIdLst>
-    <p:notesMasterId r:id="rId11"/>
+    <p:notesMasterId r:id="rId12"/>
   </p:notesMasterIdLst>
   <p:sldIdLst>
     <p:sldId id="256" r:id="rId2"/>
-    <p:sldId id="257" r:id="rId3"/>
-    <p:sldId id="258" r:id="rId4"/>
-    <p:sldId id="259" r:id="rId5"/>
-    <p:sldId id="260" r:id="rId6"/>
-    <p:sldId id="261" r:id="rId7"/>
-    <p:sldId id="262" r:id="rId8"/>
-    <p:sldId id="263" r:id="rId9"/>
-    <p:sldId id="264" r:id="rId10"/>
+    <p:sldId id="265" r:id="rId3"/>
+    <p:sldId id="266" r:id="rId4"/>
+    <p:sldId id="267" r:id="rId5"/>
+    <p:sldId id="268" r:id="rId6"/>
+    <p:sldId id="269" r:id="rId7"/>
+    <p:sldId id="261" r:id="rId8"/>
+    <p:sldId id="262" r:id="rId9"/>
+    <p:sldId id="263" r:id="rId10"/>
+    <p:sldId id="264" r:id="rId11"/>
   </p:sldIdLst>
   <p:sldSz cx="12192000" cy="6858000"/>
   <p:notesSz cx="6858000" cy="9144000"/>
@@ -205,7 +206,7 @@
           <a:p>
             <a:fld id="{19553C96-C507-48DD-9B82-D32AAE9F79FE}" type="datetimeFigureOut">
               <a:rPr lang="en-US" smtClean="0"/>
-              <a:t>10/11/2021</a:t>
+              <a:t>10/11/21</a:t>
             </a:fld>
             <a:endParaRPr lang="en-US"/>
           </a:p>
@@ -619,7 +620,7 @@
           <a:p>
             <a:fld id="{AB7F5EDC-EE88-4A1F-BCD4-A74576B5EBDA}" type="datetimeFigureOut">
               <a:rPr lang="en-US" smtClean="0"/>
-              <a:t>10/11/2021</a:t>
+              <a:t>10/11/21</a:t>
             </a:fld>
             <a:endParaRPr lang="en-US"/>
           </a:p>
@@ -817,7 +818,7 @@
           <a:p>
             <a:fld id="{AB7F5EDC-EE88-4A1F-BCD4-A74576B5EBDA}" type="datetimeFigureOut">
               <a:rPr lang="en-US" smtClean="0"/>
-              <a:t>10/11/2021</a:t>
+              <a:t>10/11/21</a:t>
             </a:fld>
             <a:endParaRPr lang="en-US"/>
           </a:p>
@@ -1025,7 +1026,7 @@
           <a:p>
             <a:fld id="{AB7F5EDC-EE88-4A1F-BCD4-A74576B5EBDA}" type="datetimeFigureOut">
               <a:rPr lang="en-US" smtClean="0"/>
-              <a:t>10/11/2021</a:t>
+              <a:t>10/11/21</a:t>
             </a:fld>
             <a:endParaRPr lang="en-US"/>
           </a:p>
@@ -1223,7 +1224,7 @@
           <a:p>
             <a:fld id="{AB7F5EDC-EE88-4A1F-BCD4-A74576B5EBDA}" type="datetimeFigureOut">
               <a:rPr lang="en-US" smtClean="0"/>
-              <a:t>10/11/2021</a:t>
+              <a:t>10/11/21</a:t>
             </a:fld>
             <a:endParaRPr lang="en-US"/>
           </a:p>
@@ -1498,7 +1499,7 @@
           <a:p>
             <a:fld id="{AB7F5EDC-EE88-4A1F-BCD4-A74576B5EBDA}" type="datetimeFigureOut">
               <a:rPr lang="en-US" smtClean="0"/>
-              <a:t>10/11/2021</a:t>
+              <a:t>10/11/21</a:t>
             </a:fld>
             <a:endParaRPr lang="en-US"/>
           </a:p>
@@ -1763,7 +1764,7 @@
           <a:p>
             <a:fld id="{AB7F5EDC-EE88-4A1F-BCD4-A74576B5EBDA}" type="datetimeFigureOut">
               <a:rPr lang="en-US" smtClean="0"/>
-              <a:t>10/11/2021</a:t>
+              <a:t>10/11/21</a:t>
             </a:fld>
             <a:endParaRPr lang="en-US"/>
           </a:p>
@@ -2175,7 +2176,7 @@
           <a:p>
             <a:fld id="{AB7F5EDC-EE88-4A1F-BCD4-A74576B5EBDA}" type="datetimeFigureOut">
               <a:rPr lang="en-US" smtClean="0"/>
-              <a:t>10/11/2021</a:t>
+              <a:t>10/11/21</a:t>
             </a:fld>
             <a:endParaRPr lang="en-US"/>
           </a:p>
@@ -2316,7 +2317,7 @@
           <a:p>
             <a:fld id="{AB7F5EDC-EE88-4A1F-BCD4-A74576B5EBDA}" type="datetimeFigureOut">
               <a:rPr lang="en-US" smtClean="0"/>
-              <a:t>10/11/2021</a:t>
+              <a:t>10/11/21</a:t>
             </a:fld>
             <a:endParaRPr lang="en-US"/>
           </a:p>
@@ -2429,7 +2430,7 @@
           <a:p>
             <a:fld id="{AB7F5EDC-EE88-4A1F-BCD4-A74576B5EBDA}" type="datetimeFigureOut">
               <a:rPr lang="en-US" smtClean="0"/>
-              <a:t>10/11/2021</a:t>
+              <a:t>10/11/21</a:t>
             </a:fld>
             <a:endParaRPr lang="en-US"/>
           </a:p>
@@ -2740,7 +2741,7 @@
           <a:p>
             <a:fld id="{AB7F5EDC-EE88-4A1F-BCD4-A74576B5EBDA}" type="datetimeFigureOut">
               <a:rPr lang="en-US" smtClean="0"/>
-              <a:t>10/11/2021</a:t>
+              <a:t>10/11/21</a:t>
             </a:fld>
             <a:endParaRPr lang="en-US"/>
           </a:p>
@@ -3028,7 +3029,7 @@
           <a:p>
             <a:fld id="{AB7F5EDC-EE88-4A1F-BCD4-A74576B5EBDA}" type="datetimeFigureOut">
               <a:rPr lang="en-US" smtClean="0"/>
-              <a:t>10/11/2021</a:t>
+              <a:t>10/11/21</a:t>
             </a:fld>
             <a:endParaRPr lang="en-US"/>
           </a:p>
@@ -3269,7 +3270,7 @@
           <a:p>
             <a:fld id="{AB7F5EDC-EE88-4A1F-BCD4-A74576B5EBDA}" type="datetimeFigureOut">
               <a:rPr lang="en-US" smtClean="0"/>
-              <a:t>10/11/2021</a:t>
+              <a:t>10/11/21</a:t>
             </a:fld>
             <a:endParaRPr lang="en-US"/>
           </a:p>
@@ -3972,9 +3973,17 @@
 </p:sld>
 </file>
 
-<file path=ppt/slides/slide2.xml><?xml version="1.0" encoding="utf-8"?>
+<file path=ppt/slides/slide10.xml><?xml version="1.0" encoding="utf-8"?>
 <p:sld xmlns:a="http://schemas.openxmlformats.org/drawingml/2006/main" xmlns:r="http://schemas.openxmlformats.org/officeDocument/2006/relationships" xmlns:p="http://schemas.openxmlformats.org/presentationml/2006/main">
   <p:cSld>
+    <p:bg>
+      <p:bgPr>
+        <a:solidFill>
+          <a:schemeClr val="bg1"/>
+        </a:solidFill>
+        <a:effectLst/>
+      </p:bgPr>
+    </p:bg>
     <p:spTree>
       <p:nvGrpSpPr>
         <p:cNvPr id="1" name=""/>
@@ -3991,9 +4000,455 @@
       </p:grpSpPr>
       <p:sp>
         <p:nvSpPr>
+          <p:cNvPr id="8" name="Rectangle 7">
+            <a:extLst>
+              <a:ext uri="{FF2B5EF4-FFF2-40B4-BE49-F238E27FC236}">
+                <a16:creationId xmlns:a16="http://schemas.microsoft.com/office/drawing/2014/main" id="{5FB946D7-1CA4-446E-8795-007CACFDEB88}"/>
+              </a:ext>
+              <a:ext uri="{C183D7F6-B498-43B3-948B-1728B52AA6E4}">
+                <adec:decorative xmlns:adec="http://schemas.microsoft.com/office/drawing/2017/decorative" val="1"/>
+              </a:ext>
+            </a:extLst>
+          </p:cNvPr>
+          <p:cNvSpPr>
+            <a:spLocks noGrp="1" noRot="1" noChangeAspect="1" noMove="1" noResize="1" noEditPoints="1" noAdjustHandles="1" noChangeArrowheads="1" noChangeShapeType="1" noTextEdit="1"/>
+          </p:cNvSpPr>
+          <p:nvPr>
+            <p:extLst>
+              <p:ext uri="{386F3935-93C4-4BCD-93E2-E3B085C9AB24}">
+                <p16:designElem xmlns:p16="http://schemas.microsoft.com/office/powerpoint/2015/main" val="1"/>
+              </p:ext>
+            </p:extLst>
+          </p:nvPr>
+        </p:nvSpPr>
+        <p:spPr>
+          <a:xfrm>
+            <a:off x="0" y="-3324"/>
+            <a:ext cx="12192000" cy="6861324"/>
+          </a:xfrm>
+          <a:prstGeom prst="rect">
+            <a:avLst/>
+          </a:prstGeom>
+          <a:solidFill>
+            <a:schemeClr val="tx1">
+              <a:lumMod val="75000"/>
+              <a:lumOff val="25000"/>
+            </a:schemeClr>
+          </a:solidFill>
+          <a:ln>
+            <a:noFill/>
+          </a:ln>
+        </p:spPr>
+        <p:style>
+          <a:lnRef idx="2">
+            <a:schemeClr val="accent1">
+              <a:shade val="50000"/>
+            </a:schemeClr>
+          </a:lnRef>
+          <a:fillRef idx="1">
+            <a:schemeClr val="accent1"/>
+          </a:fillRef>
+          <a:effectRef idx="0">
+            <a:schemeClr val="accent1"/>
+          </a:effectRef>
+          <a:fontRef idx="minor">
+            <a:schemeClr val="lt1"/>
+          </a:fontRef>
+        </p:style>
+        <p:txBody>
+          <a:bodyPr rtlCol="0" anchor="ctr"/>
+          <a:lstStyle/>
+          <a:p>
+            <a:pPr marL="0" marR="0" lvl="0" indent="0" algn="ctr" defTabSz="914400" rtl="0" eaLnBrk="1" fontAlgn="auto" latinLnBrk="0" hangingPunct="1">
+              <a:lnSpc>
+                <a:spcPct val="100000"/>
+              </a:lnSpc>
+              <a:spcBef>
+                <a:spcPts val="0"/>
+              </a:spcBef>
+              <a:spcAft>
+                <a:spcPts val="0"/>
+              </a:spcAft>
+              <a:buClrTx/>
+              <a:buSzTx/>
+              <a:buFontTx/>
+              <a:buNone/>
+              <a:tabLst/>
+              <a:defRPr/>
+            </a:pPr>
+            <a:endParaRPr kumimoji="0" lang="en-US" sz="1800" b="0" i="0" u="none" strike="noStrike" kern="1200" cap="none" spc="0" normalizeH="0" baseline="0" noProof="0">
+              <a:ln>
+                <a:noFill/>
+              </a:ln>
+              <a:solidFill>
+                <a:prstClr val="white"/>
+              </a:solidFill>
+              <a:effectLst/>
+              <a:uLnTx/>
+              <a:uFillTx/>
+              <a:latin typeface="Calibri" panose="020F0502020204030204"/>
+              <a:ea typeface="+mn-ea"/>
+              <a:cs typeface="+mn-cs"/>
+            </a:endParaRPr>
+          </a:p>
+        </p:txBody>
+      </p:sp>
+      <p:sp>
+        <p:nvSpPr>
+          <p:cNvPr id="10" name="Rectangle 9">
+            <a:extLst>
+              <a:ext uri="{FF2B5EF4-FFF2-40B4-BE49-F238E27FC236}">
+                <a16:creationId xmlns:a16="http://schemas.microsoft.com/office/drawing/2014/main" id="{192416F2-BC84-4D7C-80C6-6296C10C3819}"/>
+              </a:ext>
+              <a:ext uri="{C183D7F6-B498-43B3-948B-1728B52AA6E4}">
+                <adec:decorative xmlns:adec="http://schemas.microsoft.com/office/drawing/2017/decorative" val="1"/>
+              </a:ext>
+            </a:extLst>
+          </p:cNvPr>
+          <p:cNvSpPr>
+            <a:spLocks noGrp="1" noRot="1" noChangeAspect="1" noMove="1" noResize="1" noEditPoints="1" noAdjustHandles="1" noChangeArrowheads="1" noChangeShapeType="1" noTextEdit="1"/>
+          </p:cNvSpPr>
+          <p:nvPr>
+            <p:extLst>
+              <p:ext uri="{386F3935-93C4-4BCD-93E2-E3B085C9AB24}">
+                <p16:designElem xmlns:p16="http://schemas.microsoft.com/office/powerpoint/2015/main" val="1"/>
+              </p:ext>
+            </p:extLst>
+          </p:nvPr>
+        </p:nvSpPr>
+        <p:spPr bwMode="ltGray">
+          <a:xfrm>
+            <a:off x="795338" y="981075"/>
+            <a:ext cx="10601325" cy="4552949"/>
+          </a:xfrm>
+          <a:prstGeom prst="rect">
+            <a:avLst/>
+          </a:prstGeom>
+          <a:solidFill>
+            <a:schemeClr val="bg1"/>
+          </a:solidFill>
+          <a:ln w="127000" cap="sq" cmpd="thinThick">
+            <a:solidFill>
+              <a:schemeClr val="bg1"/>
+            </a:solidFill>
+          </a:ln>
+        </p:spPr>
+        <p:style>
+          <a:lnRef idx="2">
+            <a:schemeClr val="accent1">
+              <a:shade val="50000"/>
+            </a:schemeClr>
+          </a:lnRef>
+          <a:fillRef idx="1">
+            <a:schemeClr val="accent1"/>
+          </a:fillRef>
+          <a:effectRef idx="0">
+            <a:schemeClr val="accent1"/>
+          </a:effectRef>
+          <a:fontRef idx="minor">
+            <a:schemeClr val="lt1"/>
+          </a:fontRef>
+        </p:style>
+        <p:txBody>
+          <a:bodyPr rtlCol="0" anchor="ctr"/>
+          <a:lstStyle/>
+          <a:p>
+            <a:pPr marL="0" marR="0" lvl="0" indent="0" algn="ctr" defTabSz="914400" rtl="0" eaLnBrk="1" fontAlgn="auto" latinLnBrk="0" hangingPunct="1">
+              <a:lnSpc>
+                <a:spcPct val="100000"/>
+              </a:lnSpc>
+              <a:spcBef>
+                <a:spcPts val="0"/>
+              </a:spcBef>
+              <a:spcAft>
+                <a:spcPts val="0"/>
+              </a:spcAft>
+              <a:buClrTx/>
+              <a:buSzTx/>
+              <a:buFontTx/>
+              <a:buNone/>
+              <a:tabLst/>
+              <a:defRPr/>
+            </a:pPr>
+            <a:endParaRPr kumimoji="0" lang="en-US" sz="1800" b="0" i="0" u="none" strike="noStrike" kern="1200" cap="none" spc="0" normalizeH="0" baseline="0" noProof="0" dirty="0">
+              <a:ln>
+                <a:noFill/>
+              </a:ln>
+              <a:solidFill>
+                <a:prstClr val="white"/>
+              </a:solidFill>
+              <a:effectLst/>
+              <a:uLnTx/>
+              <a:uFillTx/>
+              <a:latin typeface="Calibri" panose="020F0502020204030204"/>
+              <a:ea typeface="+mn-ea"/>
+              <a:cs typeface="+mn-cs"/>
+            </a:endParaRPr>
+          </a:p>
+        </p:txBody>
+      </p:sp>
+      <p:sp>
+        <p:nvSpPr>
           <p:cNvPr id="2" name="Title 1">
             <a:extLst>
               <a:ext uri="{FF2B5EF4-FFF2-40B4-BE49-F238E27FC236}">
+                <a16:creationId xmlns:a16="http://schemas.microsoft.com/office/drawing/2014/main" id="{DADD0C5F-6A48-4722-B44E-EFC29C420CD5}"/>
+              </a:ext>
+            </a:extLst>
+          </p:cNvPr>
+          <p:cNvSpPr>
+            <a:spLocks noGrp="1"/>
+          </p:cNvSpPr>
+          <p:nvPr>
+            <p:ph type="ctrTitle"/>
+          </p:nvPr>
+        </p:nvSpPr>
+        <p:spPr>
+          <a:xfrm>
+            <a:off x="1537097" y="1428750"/>
+            <a:ext cx="9117807" cy="2105026"/>
+          </a:xfrm>
+        </p:spPr>
+        <p:txBody>
+          <a:bodyPr>
+            <a:normAutofit/>
+          </a:bodyPr>
+          <a:lstStyle/>
+          <a:p>
+            <a:r>
+              <a:rPr lang="en-US" dirty="0"/>
+              <a:t>Thank you for your attention.</a:t>
+            </a:r>
+          </a:p>
+        </p:txBody>
+      </p:sp>
+      <p:sp>
+        <p:nvSpPr>
+          <p:cNvPr id="3" name="Subtitle 2">
+            <a:extLst>
+              <a:ext uri="{FF2B5EF4-FFF2-40B4-BE49-F238E27FC236}">
+                <a16:creationId xmlns:a16="http://schemas.microsoft.com/office/drawing/2014/main" id="{E85CE01E-4027-4898-AECC-3F01F889AF49}"/>
+              </a:ext>
+            </a:extLst>
+          </p:cNvPr>
+          <p:cNvSpPr>
+            <a:spLocks noGrp="1"/>
+          </p:cNvSpPr>
+          <p:nvPr>
+            <p:ph type="subTitle" idx="1"/>
+          </p:nvPr>
+        </p:nvSpPr>
+        <p:spPr>
+          <a:xfrm>
+            <a:off x="1537097" y="3960557"/>
+            <a:ext cx="9117807" cy="1097215"/>
+          </a:xfrm>
+        </p:spPr>
+        <p:txBody>
+          <a:bodyPr>
+            <a:normAutofit/>
+          </a:bodyPr>
+          <a:lstStyle/>
+          <a:p>
+            <a:r>
+              <a:rPr lang="en-US" dirty="0"/>
+              <a:t>Any questions or comments?</a:t>
+            </a:r>
+          </a:p>
+        </p:txBody>
+      </p:sp>
+      <p:cxnSp>
+        <p:nvCxnSpPr>
+          <p:cNvPr id="12" name="Straight Connector 11">
+            <a:extLst>
+              <a:ext uri="{FF2B5EF4-FFF2-40B4-BE49-F238E27FC236}">
+                <a16:creationId xmlns:a16="http://schemas.microsoft.com/office/drawing/2014/main" id="{2330623A-AB89-4E04-AC9A-2BAFBF85AE3A}"/>
+              </a:ext>
+              <a:ext uri="{C183D7F6-B498-43B3-948B-1728B52AA6E4}">
+                <adec:decorative xmlns:adec="http://schemas.microsoft.com/office/drawing/2017/decorative" val="1"/>
+              </a:ext>
+            </a:extLst>
+          </p:cNvPr>
+          <p:cNvCxnSpPr>
+            <a:cxnSpLocks noGrp="1" noRot="1" noChangeAspect="1" noMove="1" noResize="1" noEditPoints="1" noAdjustHandles="1" noChangeArrowheads="1" noChangeShapeType="1"/>
+          </p:cNvCxnSpPr>
+          <p:nvPr>
+            <p:extLst>
+              <p:ext uri="{386F3935-93C4-4BCD-93E2-E3B085C9AB24}">
+                <p16:designElem xmlns:p16="http://schemas.microsoft.com/office/powerpoint/2015/main" val="1"/>
+              </p:ext>
+            </p:extLst>
+          </p:nvPr>
+        </p:nvCxnSpPr>
+        <p:spPr>
+          <a:xfrm>
+            <a:off x="3352800" y="3771366"/>
+            <a:ext cx="5486400" cy="0"/>
+          </a:xfrm>
+          <a:prstGeom prst="line">
+            <a:avLst/>
+          </a:prstGeom>
+          <a:ln w="22225">
+            <a:solidFill>
+              <a:schemeClr val="tx1">
+                <a:lumMod val="50000"/>
+                <a:lumOff val="50000"/>
+              </a:schemeClr>
+            </a:solidFill>
+          </a:ln>
+        </p:spPr>
+        <p:style>
+          <a:lnRef idx="1">
+            <a:schemeClr val="accent1"/>
+          </a:lnRef>
+          <a:fillRef idx="0">
+            <a:schemeClr val="accent1"/>
+          </a:fillRef>
+          <a:effectRef idx="0">
+            <a:schemeClr val="accent1"/>
+          </a:effectRef>
+          <a:fontRef idx="minor">
+            <a:schemeClr val="tx1"/>
+          </a:fontRef>
+        </p:style>
+      </p:cxnSp>
+    </p:spTree>
+    <p:extLst>
+      <p:ext uri="{BB962C8B-B14F-4D97-AF65-F5344CB8AC3E}">
+        <p14:creationId xmlns:p14="http://schemas.microsoft.com/office/powerpoint/2010/main" val="1144187996"/>
+      </p:ext>
+    </p:extLst>
+  </p:cSld>
+  <p:clrMapOvr>
+    <a:masterClrMapping/>
+  </p:clrMapOvr>
+</p:sld>
+</file>
+
+<file path=ppt/slides/slide2.xml><?xml version="1.0" encoding="utf-8"?>
+<p:sld xmlns:a="http://schemas.openxmlformats.org/drawingml/2006/main" xmlns:r="http://schemas.openxmlformats.org/officeDocument/2006/relationships" xmlns:p="http://schemas.openxmlformats.org/presentationml/2006/main">
+  <p:cSld>
+    <p:bg>
+      <p:bgPr>
+        <a:solidFill>
+          <a:schemeClr val="bg1"/>
+        </a:solidFill>
+        <a:effectLst/>
+      </p:bgPr>
+    </p:bg>
+    <p:spTree>
+      <p:nvGrpSpPr>
+        <p:cNvPr id="1" name=""/>
+        <p:cNvGrpSpPr/>
+        <p:nvPr/>
+      </p:nvGrpSpPr>
+      <p:grpSpPr>
+        <a:xfrm>
+          <a:off x="0" y="0"/>
+          <a:ext cx="0" cy="0"/>
+          <a:chOff x="0" y="0"/>
+          <a:chExt cx="0" cy="0"/>
+        </a:xfrm>
+      </p:grpSpPr>
+      <p:sp>
+        <p:nvSpPr>
+          <p:cNvPr id="15" name="Rectangle 14">
+            <a:extLst>
+              <a:ext uri="{FF2B5EF4-FFF2-40B4-BE49-F238E27FC236}">
+                <a16:creationId xmlns:a16="http://schemas.microsoft.com/office/drawing/2014/main" id="{823AC064-BC96-4F32-8AE1-B2FD38754823}"/>
+              </a:ext>
+              <a:ext uri="{C183D7F6-B498-43B3-948B-1728B52AA6E4}">
+                <adec:decorative xmlns:adec="http://schemas.microsoft.com/office/drawing/2017/decorative" val="1"/>
+              </a:ext>
+            </a:extLst>
+          </p:cNvPr>
+          <p:cNvSpPr>
+            <a:spLocks noGrp="1" noRot="1" noChangeAspect="1" noMove="1" noResize="1" noEditPoints="1" noAdjustHandles="1" noChangeArrowheads="1" noChangeShapeType="1" noTextEdit="1"/>
+          </p:cNvSpPr>
+          <p:nvPr>
+            <p:extLst>
+              <p:ext uri="{386F3935-93C4-4BCD-93E2-E3B085C9AB24}">
+                <p16:designElem xmlns:p16="http://schemas.microsoft.com/office/powerpoint/2015/main" val="1"/>
+              </p:ext>
+            </p:extLst>
+          </p:nvPr>
+        </p:nvSpPr>
+        <p:spPr bwMode="ltGray">
+          <a:xfrm>
+            <a:off x="378068" y="343486"/>
+            <a:ext cx="11438793" cy="1844256"/>
+          </a:xfrm>
+          <a:prstGeom prst="rect">
+            <a:avLst/>
+          </a:prstGeom>
+          <a:solidFill>
+            <a:srgbClr val="404040"/>
+          </a:solidFill>
+          <a:ln w="127000" cap="sq" cmpd="thinThick">
+            <a:solidFill>
+              <a:srgbClr val="404040"/>
+            </a:solidFill>
+          </a:ln>
+        </p:spPr>
+        <p:style>
+          <a:lnRef idx="2">
+            <a:schemeClr val="accent1">
+              <a:shade val="50000"/>
+            </a:schemeClr>
+          </a:lnRef>
+          <a:fillRef idx="1">
+            <a:schemeClr val="accent1"/>
+          </a:fillRef>
+          <a:effectRef idx="0">
+            <a:schemeClr val="accent1"/>
+          </a:effectRef>
+          <a:fontRef idx="minor">
+            <a:schemeClr val="lt1"/>
+          </a:fontRef>
+        </p:style>
+        <p:txBody>
+          <a:bodyPr rtlCol="0" anchor="ctr"/>
+          <a:lstStyle/>
+          <a:p>
+            <a:pPr marL="0" marR="0" lvl="0" indent="0" algn="ctr" defTabSz="914400" rtl="0" eaLnBrk="1" fontAlgn="auto" latinLnBrk="0" hangingPunct="1">
+              <a:lnSpc>
+                <a:spcPct val="100000"/>
+              </a:lnSpc>
+              <a:spcBef>
+                <a:spcPts val="0"/>
+              </a:spcBef>
+              <a:spcAft>
+                <a:spcPts val="0"/>
+              </a:spcAft>
+              <a:buClrTx/>
+              <a:buSzTx/>
+              <a:buFontTx/>
+              <a:buNone/>
+              <a:tabLst/>
+              <a:defRPr/>
+            </a:pPr>
+            <a:endParaRPr kumimoji="0" lang="en-US" sz="1800" b="0" i="0" u="none" strike="noStrike" kern="1200" cap="none" spc="0" normalizeH="0" baseline="0" noProof="0">
+              <a:ln>
+                <a:noFill/>
+              </a:ln>
+              <a:solidFill>
+                <a:prstClr val="white"/>
+              </a:solidFill>
+              <a:effectLst/>
+              <a:uLnTx/>
+              <a:uFillTx/>
+              <a:latin typeface="Calibri" panose="020F0502020204030204"/>
+              <a:ea typeface="+mn-ea"/>
+              <a:cs typeface="+mn-cs"/>
+            </a:endParaRPr>
+          </a:p>
+        </p:txBody>
+      </p:sp>
+      <p:sp>
+        <p:nvSpPr>
+          <p:cNvPr id="2" name="Title 1">
+            <a:extLst>
+              <a:ext uri="{FF2B5EF4-FFF2-40B4-BE49-F238E27FC236}">
                 <a16:creationId xmlns:a16="http://schemas.microsoft.com/office/drawing/2014/main" id="{40D1E89E-00EE-4002-92E2-E411B74BCF75}"/>
               </a:ext>
             </a:extLst>
@@ -4005,16 +4460,30 @@
             <p:ph type="title"/>
           </p:nvPr>
         </p:nvSpPr>
-        <p:spPr/>
-        <p:txBody>
-          <a:bodyPr/>
-          <a:lstStyle/>
-          <a:p>
-            <a:r>
-              <a:rPr lang="en-US"/>
+        <p:spPr>
+          <a:xfrm>
+            <a:off x="526073" y="466578"/>
+            <a:ext cx="11139854" cy="930447"/>
+          </a:xfrm>
+        </p:spPr>
+        <p:txBody>
+          <a:bodyPr vert="horz" lIns="91440" tIns="45720" rIns="91440" bIns="45720" rtlCol="0" anchor="b">
+            <a:normAutofit/>
+          </a:bodyPr>
+          <a:lstStyle/>
+          <a:p>
+            <a:pPr algn="ctr"/>
+            <a:r>
+              <a:rPr lang="en-US" sz="5400" kern="1200">
+                <a:solidFill>
+                  <a:srgbClr val="FFFFFF"/>
+                </a:solidFill>
+                <a:latin typeface="+mj-lt"/>
+                <a:ea typeface="+mj-ea"/>
+                <a:cs typeface="+mj-cs"/>
+              </a:rPr>
               <a:t>Breweries by State</a:t>
             </a:r>
-            <a:endParaRPr lang="en-US" dirty="0"/>
           </a:p>
         </p:txBody>
       </p:sp>
@@ -4034,24 +4503,93 @@
             <p:ph idx="1"/>
           </p:nvPr>
         </p:nvSpPr>
-        <p:spPr/>
-        <p:txBody>
-          <a:bodyPr/>
-          <a:lstStyle/>
-          <a:p>
-            <a:r>
-              <a:rPr lang="en-US" dirty="0"/>
-              <a:t>Insights (X states make up Y% of breweries..)</a:t>
-            </a:r>
-          </a:p>
-        </p:txBody>
-      </p:sp>
+        <p:spPr>
+          <a:xfrm>
+            <a:off x="1524000" y="1525638"/>
+            <a:ext cx="9144000" cy="420001"/>
+          </a:xfrm>
+        </p:spPr>
+        <p:txBody>
+          <a:bodyPr vert="horz" lIns="91440" tIns="45720" rIns="91440" bIns="45720" rtlCol="0">
+            <a:normAutofit/>
+          </a:bodyPr>
+          <a:lstStyle/>
+          <a:p>
+            <a:pPr marL="0" indent="0" algn="ctr">
+              <a:buNone/>
+            </a:pPr>
+            <a:r>
+              <a:rPr lang="en-US" sz="2000" kern="1200">
+                <a:solidFill>
+                  <a:srgbClr val="E7E6E6"/>
+                </a:solidFill>
+                <a:latin typeface="+mn-lt"/>
+                <a:ea typeface="+mn-ea"/>
+                <a:cs typeface="+mn-cs"/>
+              </a:rPr>
+              <a:t>Insight – top 5 states make up over 30% of breweries</a:t>
+            </a:r>
+          </a:p>
+        </p:txBody>
+      </p:sp>
+      <p:cxnSp>
+        <p:nvCxnSpPr>
+          <p:cNvPr id="17" name="Straight Connector 16">
+            <a:extLst>
+              <a:ext uri="{FF2B5EF4-FFF2-40B4-BE49-F238E27FC236}">
+                <a16:creationId xmlns:a16="http://schemas.microsoft.com/office/drawing/2014/main" id="{7E7C77BC-7138-40B1-A15B-20F57A494629}"/>
+              </a:ext>
+              <a:ext uri="{C183D7F6-B498-43B3-948B-1728B52AA6E4}">
+                <adec:decorative xmlns:adec="http://schemas.microsoft.com/office/drawing/2017/decorative" val="1"/>
+              </a:ext>
+            </a:extLst>
+          </p:cNvPr>
+          <p:cNvCxnSpPr>
+            <a:cxnSpLocks noGrp="1" noRot="1" noChangeAspect="1" noMove="1" noResize="1" noEditPoints="1" noAdjustHandles="1" noChangeArrowheads="1" noChangeShapeType="1"/>
+          </p:cNvCxnSpPr>
+          <p:nvPr>
+            <p:extLst>
+              <p:ext uri="{386F3935-93C4-4BCD-93E2-E3B085C9AB24}">
+                <p16:designElem xmlns:p16="http://schemas.microsoft.com/office/powerpoint/2015/main" val="1"/>
+              </p:ext>
+            </p:extLst>
+          </p:nvPr>
+        </p:nvCxnSpPr>
+        <p:spPr>
+          <a:xfrm>
+            <a:off x="2209800" y="1448631"/>
+            <a:ext cx="7772400" cy="0"/>
+          </a:xfrm>
+          <a:prstGeom prst="line">
+            <a:avLst/>
+          </a:prstGeom>
+          <a:ln w="22225">
+            <a:solidFill>
+              <a:srgbClr val="D9D9D9"/>
+            </a:solidFill>
+          </a:ln>
+        </p:spPr>
+        <p:style>
+          <a:lnRef idx="1">
+            <a:schemeClr val="accent1"/>
+          </a:lnRef>
+          <a:fillRef idx="0">
+            <a:schemeClr val="accent1"/>
+          </a:fillRef>
+          <a:effectRef idx="0">
+            <a:schemeClr val="accent1"/>
+          </a:effectRef>
+          <a:fontRef idx="minor">
+            <a:schemeClr val="tx1"/>
+          </a:fontRef>
+        </p:style>
+      </p:cxnSp>
       <p:pic>
         <p:nvPicPr>
-          <p:cNvPr id="5" name="Picture 4">
-            <a:extLst>
-              <a:ext uri="{FF2B5EF4-FFF2-40B4-BE49-F238E27FC236}">
-                <a16:creationId xmlns:a16="http://schemas.microsoft.com/office/drawing/2014/main" id="{6C1350B5-A275-489E-965E-C22D04C455B2}"/>
+          <p:cNvPr id="10" name="Picture 9">
+            <a:extLst>
+              <a:ext uri="{FF2B5EF4-FFF2-40B4-BE49-F238E27FC236}">
+                <a16:creationId xmlns:a16="http://schemas.microsoft.com/office/drawing/2014/main" id="{27DE53A4-A061-7D4E-9962-91B0F6F57BC7}"/>
               </a:ext>
             </a:extLst>
           </p:cNvPr>
@@ -4061,44 +4599,21 @@
           <p:nvPr/>
         </p:nvPicPr>
         <p:blipFill>
-          <a:blip r:embed="rId2"/>
+          <a:blip r:embed="rId2">
+            <a:extLst>
+              <a:ext uri="{28A0092B-C50C-407E-A947-70E740481C1C}">
+                <a14:useLocalDpi xmlns:a14="http://schemas.microsoft.com/office/drawing/2010/main" val="0"/>
+              </a:ext>
+            </a:extLst>
+          </a:blip>
           <a:stretch>
             <a:fillRect/>
           </a:stretch>
         </p:blipFill>
         <p:spPr>
           <a:xfrm>
-            <a:off x="254382" y="2536605"/>
-            <a:ext cx="6827062" cy="4220507"/>
-          </a:xfrm>
-          <a:prstGeom prst="rect">
-            <a:avLst/>
-          </a:prstGeom>
-        </p:spPr>
-      </p:pic>
-      <p:pic>
-        <p:nvPicPr>
-          <p:cNvPr id="7" name="Picture 6">
-            <a:extLst>
-              <a:ext uri="{FF2B5EF4-FFF2-40B4-BE49-F238E27FC236}">
-                <a16:creationId xmlns:a16="http://schemas.microsoft.com/office/drawing/2014/main" id="{0780A965-C20C-47FC-817D-C746A49EC5EA}"/>
-              </a:ext>
-            </a:extLst>
-          </p:cNvPr>
-          <p:cNvPicPr>
-            <a:picLocks noChangeAspect="1"/>
-          </p:cNvPicPr>
-          <p:nvPr/>
-        </p:nvPicPr>
-        <p:blipFill rotWithShape="1">
-          <a:blip r:embed="rId3"/>
-          <a:srcRect l="14219" r="14574"/>
-          <a:stretch/>
-        </p:blipFill>
-        <p:spPr>
-          <a:xfrm>
-            <a:off x="7661339" y="1825625"/>
-            <a:ext cx="4170860" cy="4881122"/>
+            <a:off x="2129890" y="2509911"/>
+            <a:ext cx="7877120" cy="3997637"/>
           </a:xfrm>
           <a:prstGeom prst="rect">
             <a:avLst/>
@@ -4108,7 +4623,7 @@
     </p:spTree>
     <p:extLst>
       <p:ext uri="{BB962C8B-B14F-4D97-AF65-F5344CB8AC3E}">
-        <p14:creationId xmlns:p14="http://schemas.microsoft.com/office/powerpoint/2010/main" val="3916286915"/>
+        <p14:creationId xmlns:p14="http://schemas.microsoft.com/office/powerpoint/2010/main" val="1005634221"/>
       </p:ext>
     </p:extLst>
   </p:cSld>
@@ -4145,7 +4660,7 @@
       </p:grpSpPr>
       <p:sp>
         <p:nvSpPr>
-          <p:cNvPr id="16" name="Rectangle 15">
+          <p:cNvPr id="11" name="Rectangle 10">
             <a:extLst>
               <a:ext uri="{FF2B5EF4-FFF2-40B4-BE49-F238E27FC236}">
                 <a16:creationId xmlns:a16="http://schemas.microsoft.com/office/drawing/2014/main" id="{823AC064-BC96-4F32-8AE1-B2FD38754823}"/>
@@ -4168,24 +4683,18 @@
         </p:nvSpPr>
         <p:spPr bwMode="ltGray">
           <a:xfrm>
-            <a:off x="378068" y="4633546"/>
+            <a:off x="378068" y="343486"/>
             <a:ext cx="11438793" cy="1844256"/>
           </a:xfrm>
           <a:prstGeom prst="rect">
             <a:avLst/>
           </a:prstGeom>
           <a:solidFill>
-            <a:schemeClr val="tx1">
-              <a:lumMod val="75000"/>
-              <a:lumOff val="25000"/>
-            </a:schemeClr>
+            <a:srgbClr val="404040"/>
           </a:solidFill>
           <a:ln w="127000" cap="sq" cmpd="thinThick">
             <a:solidFill>
-              <a:schemeClr val="tx1">
-                <a:lumMod val="75000"/>
-                <a:lumOff val="25000"/>
-              </a:schemeClr>
+              <a:srgbClr val="404040"/>
             </a:solidFill>
           </a:ln>
         </p:spPr>
@@ -4261,7 +4770,7 @@
         </p:nvSpPr>
         <p:spPr>
           <a:xfrm>
-            <a:off x="526073" y="4756638"/>
+            <a:off x="526073" y="466578"/>
             <a:ext cx="11139854" cy="930447"/>
           </a:xfrm>
         </p:spPr>
@@ -4275,50 +4784,20 @@
             <a:r>
               <a:rPr lang="en-US" sz="5400" kern="1200">
                 <a:solidFill>
-                  <a:schemeClr val="bg1"/>
+                  <a:srgbClr val="FFFFFF"/>
                 </a:solidFill>
                 <a:latin typeface="+mj-lt"/>
                 <a:ea typeface="+mj-ea"/>
                 <a:cs typeface="+mj-cs"/>
               </a:rPr>
-              <a:t>Brewery Choropleth</a:t>
-            </a:r>
-          </a:p>
-        </p:txBody>
-      </p:sp>
-      <p:pic>
-        <p:nvPicPr>
-          <p:cNvPr id="6" name="Picture 5" descr="Map&#10;&#10;Description automatically generated">
-            <a:extLst>
-              <a:ext uri="{FF2B5EF4-FFF2-40B4-BE49-F238E27FC236}">
-                <a16:creationId xmlns:a16="http://schemas.microsoft.com/office/drawing/2014/main" id="{8A66B6FC-C6AC-48BE-9FD1-BA18ADAD9A4C}"/>
-              </a:ext>
-            </a:extLst>
-          </p:cNvPr>
-          <p:cNvPicPr>
-            <a:picLocks noChangeAspect="1"/>
-          </p:cNvPicPr>
-          <p:nvPr/>
-        </p:nvPicPr>
-        <p:blipFill>
-          <a:blip r:embed="rId2"/>
-          <a:stretch>
-            <a:fillRect/>
-          </a:stretch>
-        </p:blipFill>
-        <p:spPr>
-          <a:xfrm>
-            <a:off x="2831497" y="307731"/>
-            <a:ext cx="6473906" cy="3997637"/>
-          </a:xfrm>
-          <a:prstGeom prst="rect">
-            <a:avLst/>
-          </a:prstGeom>
-        </p:spPr>
-      </p:pic>
+              <a:t>Breweries by State Map</a:t>
+            </a:r>
+          </a:p>
+        </p:txBody>
+      </p:sp>
       <p:cxnSp>
         <p:nvCxnSpPr>
-          <p:cNvPr id="18" name="Straight Connector 17">
+          <p:cNvPr id="13" name="Straight Connector 12">
             <a:extLst>
               <a:ext uri="{FF2B5EF4-FFF2-40B4-BE49-F238E27FC236}">
                 <a16:creationId xmlns:a16="http://schemas.microsoft.com/office/drawing/2014/main" id="{7E7C77BC-7138-40B1-A15B-20F57A494629}"/>
@@ -4341,7 +4820,7 @@
         </p:nvCxnSpPr>
         <p:spPr>
           <a:xfrm>
-            <a:off x="2209800" y="5738691"/>
+            <a:off x="2209800" y="1448631"/>
             <a:ext cx="7772400" cy="0"/>
           </a:xfrm>
           <a:prstGeom prst="line">
@@ -4368,10 +4847,40 @@
           </a:fontRef>
         </p:style>
       </p:cxnSp>
+      <p:pic>
+        <p:nvPicPr>
+          <p:cNvPr id="6" name="Picture 5" descr="Map&#10;&#10;Description automatically generated">
+            <a:extLst>
+              <a:ext uri="{FF2B5EF4-FFF2-40B4-BE49-F238E27FC236}">
+                <a16:creationId xmlns:a16="http://schemas.microsoft.com/office/drawing/2014/main" id="{8A66B6FC-C6AC-48BE-9FD1-BA18ADAD9A4C}"/>
+              </a:ext>
+            </a:extLst>
+          </p:cNvPr>
+          <p:cNvPicPr>
+            <a:picLocks noChangeAspect="1"/>
+          </p:cNvPicPr>
+          <p:nvPr/>
+        </p:nvPicPr>
+        <p:blipFill>
+          <a:blip r:embed="rId2"/>
+          <a:stretch>
+            <a:fillRect/>
+          </a:stretch>
+        </p:blipFill>
+        <p:spPr>
+          <a:xfrm>
+            <a:off x="2831498" y="2509911"/>
+            <a:ext cx="6473905" cy="3997637"/>
+          </a:xfrm>
+          <a:prstGeom prst="rect">
+            <a:avLst/>
+          </a:prstGeom>
+        </p:spPr>
+      </p:pic>
     </p:spTree>
     <p:extLst>
       <p:ext uri="{BB962C8B-B14F-4D97-AF65-F5344CB8AC3E}">
-        <p14:creationId xmlns:p14="http://schemas.microsoft.com/office/powerpoint/2010/main" val="3932058958"/>
+        <p14:creationId xmlns:p14="http://schemas.microsoft.com/office/powerpoint/2010/main" val="1712699954"/>
       </p:ext>
     </p:extLst>
   </p:cSld>
@@ -4566,9 +5075,10 @@
           <a:lstStyle/>
           <a:p>
             <a:r>
-              <a:rPr lang="en-US" dirty="0"/>
+              <a:rPr lang="en-US"/>
               <a:t>Null / Missing Values</a:t>
             </a:r>
+            <a:endParaRPr lang="en-US" dirty="0"/>
           </a:p>
         </p:txBody>
       </p:sp>
@@ -4601,28 +5111,28 @@
           <a:lstStyle/>
           <a:p>
             <a:r>
-              <a:rPr lang="en-US" sz="2000" dirty="0"/>
-              <a:t>There are missing values in both ABV (alcohol by volume) and IBU (international bitterness unit)</a:t>
+              <a:rPr lang="en-US" sz="1700"/>
+              <a:t>There are large amounts of missing values in both ABV (alcohol by volume) and IBU (international bitterness unit)</a:t>
             </a:r>
           </a:p>
           <a:p>
             <a:pPr lvl="1"/>
             <a:r>
-              <a:rPr lang="en-US" sz="2000" dirty="0"/>
+              <a:rPr lang="en-US" sz="1700"/>
               <a:t>62 NA values for ABV (62/2410 = 3%)</a:t>
             </a:r>
           </a:p>
           <a:p>
             <a:pPr lvl="1"/>
             <a:r>
-              <a:rPr lang="en-US" sz="2000" dirty="0"/>
+              <a:rPr lang="en-US" sz="1700"/>
               <a:t>1005 NA values for IBU (1005/2410 = 42%)</a:t>
             </a:r>
           </a:p>
           <a:p>
             <a:pPr lvl="1"/>
             <a:r>
-              <a:rPr lang="en-US" sz="2000" dirty="0"/>
+              <a:rPr lang="en-US" sz="1700"/>
               <a:t>Note: All missing ABV’s also have a missing IBU.</a:t>
             </a:r>
           </a:p>
@@ -4630,35 +5140,35 @@
             <a:pPr marL="457200" lvl="1" indent="0">
               <a:buNone/>
             </a:pPr>
-            <a:endParaRPr lang="en-US" sz="2000" dirty="0"/>
-          </a:p>
-          <a:p>
-            <a:r>
-              <a:rPr lang="en-US" sz="2000" dirty="0"/>
+            <a:endParaRPr lang="en-US" sz="1700"/>
+          </a:p>
+          <a:p>
+            <a:r>
+              <a:rPr lang="en-US" sz="1700"/>
               <a:t>However, it is possible for beers to have 0 ABV or IBU.</a:t>
             </a:r>
           </a:p>
           <a:p>
             <a:pPr lvl="1"/>
             <a:r>
-              <a:rPr lang="en-US" sz="2000" dirty="0"/>
+              <a:rPr lang="en-US" sz="1700"/>
               <a:t>Therefore, we can assume NA values are equal to 0 to avoid removing approx. 40% of data.</a:t>
             </a:r>
           </a:p>
           <a:p>
-            <a:endParaRPr lang="en-US" sz="2000" dirty="0"/>
-          </a:p>
-          <a:p>
-            <a:r>
-              <a:rPr lang="en-US" sz="2000" dirty="0"/>
-              <a:t>Lastly, there are 5 NA values in the Style column</a:t>
+            <a:endParaRPr lang="en-US" sz="1700"/>
+          </a:p>
+          <a:p>
+            <a:r>
+              <a:rPr lang="en-US" sz="1700"/>
+              <a:t>Lastly, there are 5 NA values in the Style column (5/2410 = 0.2%) </a:t>
             </a:r>
           </a:p>
           <a:p>
             <a:pPr lvl="1"/>
             <a:r>
-              <a:rPr lang="en-US" sz="2000" dirty="0"/>
-              <a:t>Since there are only 5 NA values (5/2410 = 0.2%), observations will be dropped.</a:t>
+              <a:rPr lang="en-US" sz="1700"/>
+              <a:t>Since there is no simple way to impute the Style of a beer, these 5 observations with values of NA will be dropped.</a:t>
             </a:r>
           </a:p>
         </p:txBody>
@@ -4666,7 +5176,7 @@
     </p:spTree>
     <p:extLst>
       <p:ext uri="{BB962C8B-B14F-4D97-AF65-F5344CB8AC3E}">
-        <p14:creationId xmlns:p14="http://schemas.microsoft.com/office/powerpoint/2010/main" val="2813603110"/>
+        <p14:creationId xmlns:p14="http://schemas.microsoft.com/office/powerpoint/2010/main" val="1944856946"/>
       </p:ext>
     </p:extLst>
   </p:cSld>
@@ -4831,7 +5341,7 @@
           <a:p>
             <a:pPr algn="r"/>
             <a:r>
-              <a:rPr lang="en-US" sz="3000">
+              <a:rPr lang="en-US" sz="3000" dirty="0">
                 <a:solidFill>
                   <a:schemeClr val="bg1"/>
                 </a:solidFill>
@@ -4923,11 +5433,24 @@
           </a:bodyPr>
           <a:lstStyle/>
           <a:p>
-            <a:endParaRPr lang="en-US" sz="2200" dirty="0">
-              <a:solidFill>
-                <a:schemeClr val="bg1"/>
-              </a:solidFill>
-            </a:endParaRPr>
+            <a:r>
+              <a:rPr lang="en-US" sz="2200" dirty="0">
+                <a:solidFill>
+                  <a:schemeClr val="bg1"/>
+                </a:solidFill>
+              </a:rPr>
+              <a:t>&gt;40% of IBU observations are 0 so many states have median = 0 </a:t>
+            </a:r>
+          </a:p>
+          <a:p>
+            <a:r>
+              <a:rPr lang="en-US" sz="2200" dirty="0">
+                <a:solidFill>
+                  <a:schemeClr val="bg1"/>
+                </a:solidFill>
+              </a:rPr>
+              <a:t>State IBU Avg gives better insight</a:t>
+            </a:r>
           </a:p>
         </p:txBody>
       </p:sp>
@@ -4953,8 +5476,8 @@
         </p:blipFill>
         <p:spPr>
           <a:xfrm>
-            <a:off x="6272621" y="2918295"/>
-            <a:ext cx="5559480" cy="3432978"/>
+            <a:off x="393308" y="2681945"/>
+            <a:ext cx="5559480" cy="3432979"/>
           </a:xfrm>
           <a:prstGeom prst="rect">
             <a:avLst/>
@@ -4983,7 +5506,7 @@
         </p:blipFill>
         <p:spPr>
           <a:xfrm>
-            <a:off x="359899" y="2851793"/>
+            <a:off x="6251736" y="2689895"/>
             <a:ext cx="5546955" cy="3425244"/>
           </a:xfrm>
           <a:prstGeom prst="rect">
@@ -4994,7 +5517,7 @@
     </p:spTree>
     <p:extLst>
       <p:ext uri="{BB962C8B-B14F-4D97-AF65-F5344CB8AC3E}">
-        <p14:creationId xmlns:p14="http://schemas.microsoft.com/office/powerpoint/2010/main" val="756963597"/>
+        <p14:creationId xmlns:p14="http://schemas.microsoft.com/office/powerpoint/2010/main" val="1230433324"/>
       </p:ext>
     </p:extLst>
   </p:cSld>
@@ -5031,6 +5554,277 @@
       </p:grpSpPr>
       <p:sp>
         <p:nvSpPr>
+          <p:cNvPr id="22" name="Rectangle 13">
+            <a:extLst>
+              <a:ext uri="{FF2B5EF4-FFF2-40B4-BE49-F238E27FC236}">
+                <a16:creationId xmlns:a16="http://schemas.microsoft.com/office/drawing/2014/main" id="{823AC064-BC96-4F32-8AE1-B2FD38754823}"/>
+              </a:ext>
+              <a:ext uri="{C183D7F6-B498-43B3-948B-1728B52AA6E4}">
+                <adec:decorative xmlns:adec="http://schemas.microsoft.com/office/drawing/2017/decorative" val="1"/>
+              </a:ext>
+            </a:extLst>
+          </p:cNvPr>
+          <p:cNvSpPr>
+            <a:spLocks noGrp="1" noRot="1" noChangeAspect="1" noMove="1" noResize="1" noEditPoints="1" noAdjustHandles="1" noChangeArrowheads="1" noChangeShapeType="1" noTextEdit="1"/>
+          </p:cNvSpPr>
+          <p:nvPr>
+            <p:extLst>
+              <p:ext uri="{386F3935-93C4-4BCD-93E2-E3B085C9AB24}">
+                <p16:designElem xmlns:p16="http://schemas.microsoft.com/office/powerpoint/2015/main" val="1"/>
+              </p:ext>
+            </p:extLst>
+          </p:nvPr>
+        </p:nvSpPr>
+        <p:spPr bwMode="ltGray">
+          <a:xfrm>
+            <a:off x="378068" y="343486"/>
+            <a:ext cx="11438793" cy="1844256"/>
+          </a:xfrm>
+          <a:prstGeom prst="rect">
+            <a:avLst/>
+          </a:prstGeom>
+          <a:solidFill>
+            <a:srgbClr val="404040"/>
+          </a:solidFill>
+          <a:ln w="127000" cap="sq" cmpd="thinThick">
+            <a:solidFill>
+              <a:srgbClr val="404040"/>
+            </a:solidFill>
+          </a:ln>
+        </p:spPr>
+        <p:style>
+          <a:lnRef idx="2">
+            <a:schemeClr val="accent1">
+              <a:shade val="50000"/>
+            </a:schemeClr>
+          </a:lnRef>
+          <a:fillRef idx="1">
+            <a:schemeClr val="accent1"/>
+          </a:fillRef>
+          <a:effectRef idx="0">
+            <a:schemeClr val="accent1"/>
+          </a:effectRef>
+          <a:fontRef idx="minor">
+            <a:schemeClr val="lt1"/>
+          </a:fontRef>
+        </p:style>
+        <p:txBody>
+          <a:bodyPr rtlCol="0" anchor="ctr"/>
+          <a:lstStyle/>
+          <a:p>
+            <a:pPr marL="0" marR="0" lvl="0" indent="0" algn="ctr" defTabSz="914400" rtl="0" eaLnBrk="1" fontAlgn="auto" latinLnBrk="0" hangingPunct="1">
+              <a:lnSpc>
+                <a:spcPct val="100000"/>
+              </a:lnSpc>
+              <a:spcBef>
+                <a:spcPts val="0"/>
+              </a:spcBef>
+              <a:spcAft>
+                <a:spcPts val="0"/>
+              </a:spcAft>
+              <a:buClrTx/>
+              <a:buSzTx/>
+              <a:buFontTx/>
+              <a:buNone/>
+              <a:tabLst/>
+              <a:defRPr/>
+            </a:pPr>
+            <a:endParaRPr kumimoji="0" lang="en-US" sz="1800" b="0" i="0" u="none" strike="noStrike" kern="1200" cap="none" spc="0" normalizeH="0" baseline="0" noProof="0">
+              <a:ln>
+                <a:noFill/>
+              </a:ln>
+              <a:solidFill>
+                <a:prstClr val="white"/>
+              </a:solidFill>
+              <a:effectLst/>
+              <a:uLnTx/>
+              <a:uFillTx/>
+              <a:latin typeface="Calibri" panose="020F0502020204030204"/>
+              <a:ea typeface="+mn-ea"/>
+              <a:cs typeface="+mn-cs"/>
+            </a:endParaRPr>
+          </a:p>
+        </p:txBody>
+      </p:sp>
+      <p:sp>
+        <p:nvSpPr>
+          <p:cNvPr id="2" name="Title 1">
+            <a:extLst>
+              <a:ext uri="{FF2B5EF4-FFF2-40B4-BE49-F238E27FC236}">
+                <a16:creationId xmlns:a16="http://schemas.microsoft.com/office/drawing/2014/main" id="{7BFF96D3-167E-4C17-81A1-1DCA31EB0B15}"/>
+              </a:ext>
+            </a:extLst>
+          </p:cNvPr>
+          <p:cNvSpPr>
+            <a:spLocks noGrp="1"/>
+          </p:cNvSpPr>
+          <p:nvPr>
+            <p:ph type="title"/>
+          </p:nvPr>
+        </p:nvSpPr>
+        <p:spPr>
+          <a:xfrm>
+            <a:off x="526073" y="466578"/>
+            <a:ext cx="11139854" cy="930447"/>
+          </a:xfrm>
+        </p:spPr>
+        <p:txBody>
+          <a:bodyPr vert="horz" lIns="91440" tIns="45720" rIns="91440" bIns="45720" rtlCol="0" anchor="b">
+            <a:normAutofit/>
+          </a:bodyPr>
+          <a:lstStyle/>
+          <a:p>
+            <a:pPr algn="ctr"/>
+            <a:r>
+              <a:rPr lang="en-US" sz="5400" kern="1200">
+                <a:solidFill>
+                  <a:srgbClr val="FFFFFF"/>
+                </a:solidFill>
+                <a:latin typeface="+mj-lt"/>
+                <a:ea typeface="+mj-ea"/>
+                <a:cs typeface="+mj-cs"/>
+              </a:rPr>
+              <a:t>Mean IBU by State</a:t>
+            </a:r>
+            <a:endParaRPr lang="en-US" sz="5400" kern="1200" dirty="0">
+              <a:solidFill>
+                <a:srgbClr val="FFFFFF"/>
+              </a:solidFill>
+              <a:latin typeface="+mj-lt"/>
+              <a:ea typeface="+mj-ea"/>
+              <a:cs typeface="+mj-cs"/>
+            </a:endParaRPr>
+          </a:p>
+        </p:txBody>
+      </p:sp>
+      <p:cxnSp>
+        <p:nvCxnSpPr>
+          <p:cNvPr id="23" name="Straight Connector 15">
+            <a:extLst>
+              <a:ext uri="{FF2B5EF4-FFF2-40B4-BE49-F238E27FC236}">
+                <a16:creationId xmlns:a16="http://schemas.microsoft.com/office/drawing/2014/main" id="{7E7C77BC-7138-40B1-A15B-20F57A494629}"/>
+              </a:ext>
+              <a:ext uri="{C183D7F6-B498-43B3-948B-1728B52AA6E4}">
+                <adec:decorative xmlns:adec="http://schemas.microsoft.com/office/drawing/2017/decorative" val="1"/>
+              </a:ext>
+            </a:extLst>
+          </p:cNvPr>
+          <p:cNvCxnSpPr>
+            <a:cxnSpLocks noGrp="1" noRot="1" noChangeAspect="1" noMove="1" noResize="1" noEditPoints="1" noAdjustHandles="1" noChangeArrowheads="1" noChangeShapeType="1"/>
+          </p:cNvCxnSpPr>
+          <p:nvPr>
+            <p:extLst>
+              <p:ext uri="{386F3935-93C4-4BCD-93E2-E3B085C9AB24}">
+                <p16:designElem xmlns:p16="http://schemas.microsoft.com/office/powerpoint/2015/main" val="1"/>
+              </p:ext>
+            </p:extLst>
+          </p:nvPr>
+        </p:nvCxnSpPr>
+        <p:spPr>
+          <a:xfrm>
+            <a:off x="2209800" y="1448631"/>
+            <a:ext cx="7772400" cy="0"/>
+          </a:xfrm>
+          <a:prstGeom prst="line">
+            <a:avLst/>
+          </a:prstGeom>
+          <a:ln w="22225">
+            <a:solidFill>
+              <a:srgbClr val="D9D9D9"/>
+            </a:solidFill>
+          </a:ln>
+        </p:spPr>
+        <p:style>
+          <a:lnRef idx="1">
+            <a:schemeClr val="accent1"/>
+          </a:lnRef>
+          <a:fillRef idx="0">
+            <a:schemeClr val="accent1"/>
+          </a:fillRef>
+          <a:effectRef idx="0">
+            <a:schemeClr val="accent1"/>
+          </a:effectRef>
+          <a:fontRef idx="minor">
+            <a:schemeClr val="tx1"/>
+          </a:fontRef>
+        </p:style>
+      </p:cxnSp>
+      <p:pic>
+        <p:nvPicPr>
+          <p:cNvPr id="9" name="Picture 8">
+            <a:extLst>
+              <a:ext uri="{FF2B5EF4-FFF2-40B4-BE49-F238E27FC236}">
+                <a16:creationId xmlns:a16="http://schemas.microsoft.com/office/drawing/2014/main" id="{597EB854-B189-2542-9C68-C16EEE797E49}"/>
+              </a:ext>
+            </a:extLst>
+          </p:cNvPr>
+          <p:cNvPicPr>
+            <a:picLocks noChangeAspect="1"/>
+          </p:cNvPicPr>
+          <p:nvPr/>
+        </p:nvPicPr>
+        <p:blipFill>
+          <a:blip r:embed="rId2">
+            <a:extLst>
+              <a:ext uri="{28A0092B-C50C-407E-A947-70E740481C1C}">
+                <a14:useLocalDpi xmlns:a14="http://schemas.microsoft.com/office/drawing/2010/main" val="0"/>
+              </a:ext>
+            </a:extLst>
+          </a:blip>
+          <a:stretch>
+            <a:fillRect/>
+          </a:stretch>
+        </p:blipFill>
+        <p:spPr>
+          <a:xfrm>
+            <a:off x="1699449" y="2509911"/>
+            <a:ext cx="8738003" cy="3997637"/>
+          </a:xfrm>
+          <a:prstGeom prst="rect">
+            <a:avLst/>
+          </a:prstGeom>
+        </p:spPr>
+      </p:pic>
+    </p:spTree>
+    <p:extLst>
+      <p:ext uri="{BB962C8B-B14F-4D97-AF65-F5344CB8AC3E}">
+        <p14:creationId xmlns:p14="http://schemas.microsoft.com/office/powerpoint/2010/main" val="416326155"/>
+      </p:ext>
+    </p:extLst>
+  </p:cSld>
+  <p:clrMapOvr>
+    <a:masterClrMapping/>
+  </p:clrMapOvr>
+</p:sld>
+</file>
+
+<file path=ppt/slides/slide7.xml><?xml version="1.0" encoding="utf-8"?>
+<p:sld xmlns:a="http://schemas.openxmlformats.org/drawingml/2006/main" xmlns:r="http://schemas.openxmlformats.org/officeDocument/2006/relationships" xmlns:p="http://schemas.openxmlformats.org/presentationml/2006/main">
+  <p:cSld>
+    <p:bg>
+      <p:bgPr>
+        <a:solidFill>
+          <a:schemeClr val="bg1"/>
+        </a:solidFill>
+        <a:effectLst/>
+      </p:bgPr>
+    </p:bg>
+    <p:spTree>
+      <p:nvGrpSpPr>
+        <p:cNvPr id="1" name=""/>
+        <p:cNvGrpSpPr/>
+        <p:nvPr/>
+      </p:nvGrpSpPr>
+      <p:grpSpPr>
+        <a:xfrm>
+          <a:off x="0" y="0"/>
+          <a:ext cx="0" cy="0"/>
+          <a:chOff x="0" y="0"/>
+          <a:chExt cx="0" cy="0"/>
+        </a:xfrm>
+      </p:grpSpPr>
+      <p:sp>
+        <p:nvSpPr>
           <p:cNvPr id="8" name="Rectangle 7">
             <a:extLst>
               <a:ext uri="{FF2B5EF4-FFF2-40B4-BE49-F238E27FC236}">
@@ -5297,7 +6091,7 @@
 </p:sld>
 </file>
 
-<file path=ppt/slides/slide7.xml><?xml version="1.0" encoding="utf-8"?>
+<file path=ppt/slides/slide8.xml><?xml version="1.0" encoding="utf-8"?>
 <p:sld xmlns:a="http://schemas.openxmlformats.org/drawingml/2006/main" xmlns:r="http://schemas.openxmlformats.org/officeDocument/2006/relationships" xmlns:p="http://schemas.openxmlformats.org/presentationml/2006/main">
   <p:cSld>
     <p:bg>
@@ -6096,7 +6890,7 @@
 </p:sld>
 </file>
 
-<file path=ppt/slides/slide8.xml><?xml version="1.0" encoding="utf-8"?>
+<file path=ppt/slides/slide9.xml><?xml version="1.0" encoding="utf-8"?>
 <p:sld xmlns:a="http://schemas.openxmlformats.org/drawingml/2006/main" xmlns:r="http://schemas.openxmlformats.org/officeDocument/2006/relationships" xmlns:p="http://schemas.openxmlformats.org/presentationml/2006/main">
   <p:cSld>
     <p:bg>
@@ -6440,358 +7234,6 @@
     <p:extLst>
       <p:ext uri="{BB962C8B-B14F-4D97-AF65-F5344CB8AC3E}">
         <p14:creationId xmlns:p14="http://schemas.microsoft.com/office/powerpoint/2010/main" val="2613469178"/>
-      </p:ext>
-    </p:extLst>
-  </p:cSld>
-  <p:clrMapOvr>
-    <a:masterClrMapping/>
-  </p:clrMapOvr>
-</p:sld>
-</file>
-
-<file path=ppt/slides/slide9.xml><?xml version="1.0" encoding="utf-8"?>
-<p:sld xmlns:a="http://schemas.openxmlformats.org/drawingml/2006/main" xmlns:r="http://schemas.openxmlformats.org/officeDocument/2006/relationships" xmlns:p="http://schemas.openxmlformats.org/presentationml/2006/main">
-  <p:cSld>
-    <p:bg>
-      <p:bgPr>
-        <a:solidFill>
-          <a:schemeClr val="bg1"/>
-        </a:solidFill>
-        <a:effectLst/>
-      </p:bgPr>
-    </p:bg>
-    <p:spTree>
-      <p:nvGrpSpPr>
-        <p:cNvPr id="1" name=""/>
-        <p:cNvGrpSpPr/>
-        <p:nvPr/>
-      </p:nvGrpSpPr>
-      <p:grpSpPr>
-        <a:xfrm>
-          <a:off x="0" y="0"/>
-          <a:ext cx="0" cy="0"/>
-          <a:chOff x="0" y="0"/>
-          <a:chExt cx="0" cy="0"/>
-        </a:xfrm>
-      </p:grpSpPr>
-      <p:sp>
-        <p:nvSpPr>
-          <p:cNvPr id="8" name="Rectangle 7">
-            <a:extLst>
-              <a:ext uri="{FF2B5EF4-FFF2-40B4-BE49-F238E27FC236}">
-                <a16:creationId xmlns:a16="http://schemas.microsoft.com/office/drawing/2014/main" id="{5FB946D7-1CA4-446E-8795-007CACFDEB88}"/>
-              </a:ext>
-              <a:ext uri="{C183D7F6-B498-43B3-948B-1728B52AA6E4}">
-                <adec:decorative xmlns:adec="http://schemas.microsoft.com/office/drawing/2017/decorative" val="1"/>
-              </a:ext>
-            </a:extLst>
-          </p:cNvPr>
-          <p:cNvSpPr>
-            <a:spLocks noGrp="1" noRot="1" noChangeAspect="1" noMove="1" noResize="1" noEditPoints="1" noAdjustHandles="1" noChangeArrowheads="1" noChangeShapeType="1" noTextEdit="1"/>
-          </p:cNvSpPr>
-          <p:nvPr>
-            <p:extLst>
-              <p:ext uri="{386F3935-93C4-4BCD-93E2-E3B085C9AB24}">
-                <p16:designElem xmlns:p16="http://schemas.microsoft.com/office/powerpoint/2015/main" val="1"/>
-              </p:ext>
-            </p:extLst>
-          </p:nvPr>
-        </p:nvSpPr>
-        <p:spPr>
-          <a:xfrm>
-            <a:off x="0" y="-3324"/>
-            <a:ext cx="12192000" cy="6861324"/>
-          </a:xfrm>
-          <a:prstGeom prst="rect">
-            <a:avLst/>
-          </a:prstGeom>
-          <a:solidFill>
-            <a:schemeClr val="tx1">
-              <a:lumMod val="75000"/>
-              <a:lumOff val="25000"/>
-            </a:schemeClr>
-          </a:solidFill>
-          <a:ln>
-            <a:noFill/>
-          </a:ln>
-        </p:spPr>
-        <p:style>
-          <a:lnRef idx="2">
-            <a:schemeClr val="accent1">
-              <a:shade val="50000"/>
-            </a:schemeClr>
-          </a:lnRef>
-          <a:fillRef idx="1">
-            <a:schemeClr val="accent1"/>
-          </a:fillRef>
-          <a:effectRef idx="0">
-            <a:schemeClr val="accent1"/>
-          </a:effectRef>
-          <a:fontRef idx="minor">
-            <a:schemeClr val="lt1"/>
-          </a:fontRef>
-        </p:style>
-        <p:txBody>
-          <a:bodyPr rtlCol="0" anchor="ctr"/>
-          <a:lstStyle/>
-          <a:p>
-            <a:pPr marL="0" marR="0" lvl="0" indent="0" algn="ctr" defTabSz="914400" rtl="0" eaLnBrk="1" fontAlgn="auto" latinLnBrk="0" hangingPunct="1">
-              <a:lnSpc>
-                <a:spcPct val="100000"/>
-              </a:lnSpc>
-              <a:spcBef>
-                <a:spcPts val="0"/>
-              </a:spcBef>
-              <a:spcAft>
-                <a:spcPts val="0"/>
-              </a:spcAft>
-              <a:buClrTx/>
-              <a:buSzTx/>
-              <a:buFontTx/>
-              <a:buNone/>
-              <a:tabLst/>
-              <a:defRPr/>
-            </a:pPr>
-            <a:endParaRPr kumimoji="0" lang="en-US" sz="1800" b="0" i="0" u="none" strike="noStrike" kern="1200" cap="none" spc="0" normalizeH="0" baseline="0" noProof="0">
-              <a:ln>
-                <a:noFill/>
-              </a:ln>
-              <a:solidFill>
-                <a:prstClr val="white"/>
-              </a:solidFill>
-              <a:effectLst/>
-              <a:uLnTx/>
-              <a:uFillTx/>
-              <a:latin typeface="Calibri" panose="020F0502020204030204"/>
-              <a:ea typeface="+mn-ea"/>
-              <a:cs typeface="+mn-cs"/>
-            </a:endParaRPr>
-          </a:p>
-        </p:txBody>
-      </p:sp>
-      <p:sp>
-        <p:nvSpPr>
-          <p:cNvPr id="10" name="Rectangle 9">
-            <a:extLst>
-              <a:ext uri="{FF2B5EF4-FFF2-40B4-BE49-F238E27FC236}">
-                <a16:creationId xmlns:a16="http://schemas.microsoft.com/office/drawing/2014/main" id="{192416F2-BC84-4D7C-80C6-6296C10C3819}"/>
-              </a:ext>
-              <a:ext uri="{C183D7F6-B498-43B3-948B-1728B52AA6E4}">
-                <adec:decorative xmlns:adec="http://schemas.microsoft.com/office/drawing/2017/decorative" val="1"/>
-              </a:ext>
-            </a:extLst>
-          </p:cNvPr>
-          <p:cNvSpPr>
-            <a:spLocks noGrp="1" noRot="1" noChangeAspect="1" noMove="1" noResize="1" noEditPoints="1" noAdjustHandles="1" noChangeArrowheads="1" noChangeShapeType="1" noTextEdit="1"/>
-          </p:cNvSpPr>
-          <p:nvPr>
-            <p:extLst>
-              <p:ext uri="{386F3935-93C4-4BCD-93E2-E3B085C9AB24}">
-                <p16:designElem xmlns:p16="http://schemas.microsoft.com/office/powerpoint/2015/main" val="1"/>
-              </p:ext>
-            </p:extLst>
-          </p:nvPr>
-        </p:nvSpPr>
-        <p:spPr bwMode="ltGray">
-          <a:xfrm>
-            <a:off x="795338" y="981075"/>
-            <a:ext cx="10601325" cy="4552949"/>
-          </a:xfrm>
-          <a:prstGeom prst="rect">
-            <a:avLst/>
-          </a:prstGeom>
-          <a:solidFill>
-            <a:schemeClr val="bg1"/>
-          </a:solidFill>
-          <a:ln w="127000" cap="sq" cmpd="thinThick">
-            <a:solidFill>
-              <a:schemeClr val="bg1"/>
-            </a:solidFill>
-          </a:ln>
-        </p:spPr>
-        <p:style>
-          <a:lnRef idx="2">
-            <a:schemeClr val="accent1">
-              <a:shade val="50000"/>
-            </a:schemeClr>
-          </a:lnRef>
-          <a:fillRef idx="1">
-            <a:schemeClr val="accent1"/>
-          </a:fillRef>
-          <a:effectRef idx="0">
-            <a:schemeClr val="accent1"/>
-          </a:effectRef>
-          <a:fontRef idx="minor">
-            <a:schemeClr val="lt1"/>
-          </a:fontRef>
-        </p:style>
-        <p:txBody>
-          <a:bodyPr rtlCol="0" anchor="ctr"/>
-          <a:lstStyle/>
-          <a:p>
-            <a:pPr marL="0" marR="0" lvl="0" indent="0" algn="ctr" defTabSz="914400" rtl="0" eaLnBrk="1" fontAlgn="auto" latinLnBrk="0" hangingPunct="1">
-              <a:lnSpc>
-                <a:spcPct val="100000"/>
-              </a:lnSpc>
-              <a:spcBef>
-                <a:spcPts val="0"/>
-              </a:spcBef>
-              <a:spcAft>
-                <a:spcPts val="0"/>
-              </a:spcAft>
-              <a:buClrTx/>
-              <a:buSzTx/>
-              <a:buFontTx/>
-              <a:buNone/>
-              <a:tabLst/>
-              <a:defRPr/>
-            </a:pPr>
-            <a:endParaRPr kumimoji="0" lang="en-US" sz="1800" b="0" i="0" u="none" strike="noStrike" kern="1200" cap="none" spc="0" normalizeH="0" baseline="0" noProof="0" dirty="0">
-              <a:ln>
-                <a:noFill/>
-              </a:ln>
-              <a:solidFill>
-                <a:prstClr val="white"/>
-              </a:solidFill>
-              <a:effectLst/>
-              <a:uLnTx/>
-              <a:uFillTx/>
-              <a:latin typeface="Calibri" panose="020F0502020204030204"/>
-              <a:ea typeface="+mn-ea"/>
-              <a:cs typeface="+mn-cs"/>
-            </a:endParaRPr>
-          </a:p>
-        </p:txBody>
-      </p:sp>
-      <p:sp>
-        <p:nvSpPr>
-          <p:cNvPr id="2" name="Title 1">
-            <a:extLst>
-              <a:ext uri="{FF2B5EF4-FFF2-40B4-BE49-F238E27FC236}">
-                <a16:creationId xmlns:a16="http://schemas.microsoft.com/office/drawing/2014/main" id="{DADD0C5F-6A48-4722-B44E-EFC29C420CD5}"/>
-              </a:ext>
-            </a:extLst>
-          </p:cNvPr>
-          <p:cNvSpPr>
-            <a:spLocks noGrp="1"/>
-          </p:cNvSpPr>
-          <p:nvPr>
-            <p:ph type="ctrTitle"/>
-          </p:nvPr>
-        </p:nvSpPr>
-        <p:spPr>
-          <a:xfrm>
-            <a:off x="1537097" y="1428750"/>
-            <a:ext cx="9117807" cy="2105026"/>
-          </a:xfrm>
-        </p:spPr>
-        <p:txBody>
-          <a:bodyPr>
-            <a:normAutofit/>
-          </a:bodyPr>
-          <a:lstStyle/>
-          <a:p>
-            <a:r>
-              <a:rPr lang="en-US" dirty="0"/>
-              <a:t>Thank you for your attention.</a:t>
-            </a:r>
-          </a:p>
-        </p:txBody>
-      </p:sp>
-      <p:sp>
-        <p:nvSpPr>
-          <p:cNvPr id="3" name="Subtitle 2">
-            <a:extLst>
-              <a:ext uri="{FF2B5EF4-FFF2-40B4-BE49-F238E27FC236}">
-                <a16:creationId xmlns:a16="http://schemas.microsoft.com/office/drawing/2014/main" id="{E85CE01E-4027-4898-AECC-3F01F889AF49}"/>
-              </a:ext>
-            </a:extLst>
-          </p:cNvPr>
-          <p:cNvSpPr>
-            <a:spLocks noGrp="1"/>
-          </p:cNvSpPr>
-          <p:nvPr>
-            <p:ph type="subTitle" idx="1"/>
-          </p:nvPr>
-        </p:nvSpPr>
-        <p:spPr>
-          <a:xfrm>
-            <a:off x="1537097" y="3960557"/>
-            <a:ext cx="9117807" cy="1097215"/>
-          </a:xfrm>
-        </p:spPr>
-        <p:txBody>
-          <a:bodyPr>
-            <a:normAutofit/>
-          </a:bodyPr>
-          <a:lstStyle/>
-          <a:p>
-            <a:r>
-              <a:rPr lang="en-US" dirty="0"/>
-              <a:t>Any questions or comments?</a:t>
-            </a:r>
-          </a:p>
-        </p:txBody>
-      </p:sp>
-      <p:cxnSp>
-        <p:nvCxnSpPr>
-          <p:cNvPr id="12" name="Straight Connector 11">
-            <a:extLst>
-              <a:ext uri="{FF2B5EF4-FFF2-40B4-BE49-F238E27FC236}">
-                <a16:creationId xmlns:a16="http://schemas.microsoft.com/office/drawing/2014/main" id="{2330623A-AB89-4E04-AC9A-2BAFBF85AE3A}"/>
-              </a:ext>
-              <a:ext uri="{C183D7F6-B498-43B3-948B-1728B52AA6E4}">
-                <adec:decorative xmlns:adec="http://schemas.microsoft.com/office/drawing/2017/decorative" val="1"/>
-              </a:ext>
-            </a:extLst>
-          </p:cNvPr>
-          <p:cNvCxnSpPr>
-            <a:cxnSpLocks noGrp="1" noRot="1" noChangeAspect="1" noMove="1" noResize="1" noEditPoints="1" noAdjustHandles="1" noChangeArrowheads="1" noChangeShapeType="1"/>
-          </p:cNvCxnSpPr>
-          <p:nvPr>
-            <p:extLst>
-              <p:ext uri="{386F3935-93C4-4BCD-93E2-E3B085C9AB24}">
-                <p16:designElem xmlns:p16="http://schemas.microsoft.com/office/powerpoint/2015/main" val="1"/>
-              </p:ext>
-            </p:extLst>
-          </p:nvPr>
-        </p:nvCxnSpPr>
-        <p:spPr>
-          <a:xfrm>
-            <a:off x="3352800" y="3771366"/>
-            <a:ext cx="5486400" cy="0"/>
-          </a:xfrm>
-          <a:prstGeom prst="line">
-            <a:avLst/>
-          </a:prstGeom>
-          <a:ln w="22225">
-            <a:solidFill>
-              <a:schemeClr val="tx1">
-                <a:lumMod val="50000"/>
-                <a:lumOff val="50000"/>
-              </a:schemeClr>
-            </a:solidFill>
-          </a:ln>
-        </p:spPr>
-        <p:style>
-          <a:lnRef idx="1">
-            <a:schemeClr val="accent1"/>
-          </a:lnRef>
-          <a:fillRef idx="0">
-            <a:schemeClr val="accent1"/>
-          </a:fillRef>
-          <a:effectRef idx="0">
-            <a:schemeClr val="accent1"/>
-          </a:effectRef>
-          <a:fontRef idx="minor">
-            <a:schemeClr val="tx1"/>
-          </a:fontRef>
-        </p:style>
-      </p:cxnSp>
-    </p:spTree>
-    <p:extLst>
-      <p:ext uri="{BB962C8B-B14F-4D97-AF65-F5344CB8AC3E}">
-        <p14:creationId xmlns:p14="http://schemas.microsoft.com/office/powerpoint/2010/main" val="1144187996"/>
       </p:ext>
     </p:extLst>
   </p:cSld>

--- a/EDA_Presentation.pptx
+++ b/EDA_Presentation.pptx
@@ -206,7 +206,7 @@
           <a:p>
             <a:fld id="{19553C96-C507-48DD-9B82-D32AAE9F79FE}" type="datetimeFigureOut">
               <a:rPr lang="en-US" smtClean="0"/>
-              <a:t>10/11/21</a:t>
+              <a:t>10/11/2021</a:t>
             </a:fld>
             <a:endParaRPr lang="en-US"/>
           </a:p>
@@ -620,7 +620,7 @@
           <a:p>
             <a:fld id="{AB7F5EDC-EE88-4A1F-BCD4-A74576B5EBDA}" type="datetimeFigureOut">
               <a:rPr lang="en-US" smtClean="0"/>
-              <a:t>10/11/21</a:t>
+              <a:t>10/11/2021</a:t>
             </a:fld>
             <a:endParaRPr lang="en-US"/>
           </a:p>
@@ -818,7 +818,7 @@
           <a:p>
             <a:fld id="{AB7F5EDC-EE88-4A1F-BCD4-A74576B5EBDA}" type="datetimeFigureOut">
               <a:rPr lang="en-US" smtClean="0"/>
-              <a:t>10/11/21</a:t>
+              <a:t>10/11/2021</a:t>
             </a:fld>
             <a:endParaRPr lang="en-US"/>
           </a:p>
@@ -1026,7 +1026,7 @@
           <a:p>
             <a:fld id="{AB7F5EDC-EE88-4A1F-BCD4-A74576B5EBDA}" type="datetimeFigureOut">
               <a:rPr lang="en-US" smtClean="0"/>
-              <a:t>10/11/21</a:t>
+              <a:t>10/11/2021</a:t>
             </a:fld>
             <a:endParaRPr lang="en-US"/>
           </a:p>
@@ -1224,7 +1224,7 @@
           <a:p>
             <a:fld id="{AB7F5EDC-EE88-4A1F-BCD4-A74576B5EBDA}" type="datetimeFigureOut">
               <a:rPr lang="en-US" smtClean="0"/>
-              <a:t>10/11/21</a:t>
+              <a:t>10/11/2021</a:t>
             </a:fld>
             <a:endParaRPr lang="en-US"/>
           </a:p>
@@ -1499,7 +1499,7 @@
           <a:p>
             <a:fld id="{AB7F5EDC-EE88-4A1F-BCD4-A74576B5EBDA}" type="datetimeFigureOut">
               <a:rPr lang="en-US" smtClean="0"/>
-              <a:t>10/11/21</a:t>
+              <a:t>10/11/2021</a:t>
             </a:fld>
             <a:endParaRPr lang="en-US"/>
           </a:p>
@@ -1764,7 +1764,7 @@
           <a:p>
             <a:fld id="{AB7F5EDC-EE88-4A1F-BCD4-A74576B5EBDA}" type="datetimeFigureOut">
               <a:rPr lang="en-US" smtClean="0"/>
-              <a:t>10/11/21</a:t>
+              <a:t>10/11/2021</a:t>
             </a:fld>
             <a:endParaRPr lang="en-US"/>
           </a:p>
@@ -2176,7 +2176,7 @@
           <a:p>
             <a:fld id="{AB7F5EDC-EE88-4A1F-BCD4-A74576B5EBDA}" type="datetimeFigureOut">
               <a:rPr lang="en-US" smtClean="0"/>
-              <a:t>10/11/21</a:t>
+              <a:t>10/11/2021</a:t>
             </a:fld>
             <a:endParaRPr lang="en-US"/>
           </a:p>
@@ -2317,7 +2317,7 @@
           <a:p>
             <a:fld id="{AB7F5EDC-EE88-4A1F-BCD4-A74576B5EBDA}" type="datetimeFigureOut">
               <a:rPr lang="en-US" smtClean="0"/>
-              <a:t>10/11/21</a:t>
+              <a:t>10/11/2021</a:t>
             </a:fld>
             <a:endParaRPr lang="en-US"/>
           </a:p>
@@ -2430,7 +2430,7 @@
           <a:p>
             <a:fld id="{AB7F5EDC-EE88-4A1F-BCD4-A74576B5EBDA}" type="datetimeFigureOut">
               <a:rPr lang="en-US" smtClean="0"/>
-              <a:t>10/11/21</a:t>
+              <a:t>10/11/2021</a:t>
             </a:fld>
             <a:endParaRPr lang="en-US"/>
           </a:p>
@@ -2741,7 +2741,7 @@
           <a:p>
             <a:fld id="{AB7F5EDC-EE88-4A1F-BCD4-A74576B5EBDA}" type="datetimeFigureOut">
               <a:rPr lang="en-US" smtClean="0"/>
-              <a:t>10/11/21</a:t>
+              <a:t>10/11/2021</a:t>
             </a:fld>
             <a:endParaRPr lang="en-US"/>
           </a:p>
@@ -3029,7 +3029,7 @@
           <a:p>
             <a:fld id="{AB7F5EDC-EE88-4A1F-BCD4-A74576B5EBDA}" type="datetimeFigureOut">
               <a:rPr lang="en-US" smtClean="0"/>
-              <a:t>10/11/21</a:t>
+              <a:t>10/11/2021</a:t>
             </a:fld>
             <a:endParaRPr lang="en-US"/>
           </a:p>
@@ -3270,7 +3270,7 @@
           <a:p>
             <a:fld id="{AB7F5EDC-EE88-4A1F-BCD4-A74576B5EBDA}" type="datetimeFigureOut">
               <a:rPr lang="en-US" smtClean="0"/>
-              <a:t>10/11/21</a:t>
+              <a:t>10/11/2021</a:t>
             </a:fld>
             <a:endParaRPr lang="en-US"/>
           </a:p>
@@ -4861,16 +4861,15 @@
           </p:cNvPicPr>
           <p:nvPr/>
         </p:nvPicPr>
-        <p:blipFill>
+        <p:blipFill rotWithShape="1">
           <a:blip r:embed="rId2"/>
-          <a:stretch>
-            <a:fillRect/>
-          </a:stretch>
+          <a:srcRect t="13059"/>
+          <a:stretch/>
         </p:blipFill>
         <p:spPr>
           <a:xfrm>
-            <a:off x="2831498" y="2509911"/>
-            <a:ext cx="6473905" cy="3997637"/>
+            <a:off x="2831498" y="3031958"/>
+            <a:ext cx="6473905" cy="3475590"/>
           </a:xfrm>
           <a:prstGeom prst="rect">
             <a:avLst/>
@@ -5506,7 +5505,7 @@
         </p:blipFill>
         <p:spPr>
           <a:xfrm>
-            <a:off x="6251736" y="2689895"/>
+            <a:off x="6251736" y="2683020"/>
             <a:ext cx="5546955" cy="3425244"/>
           </a:xfrm>
           <a:prstGeom prst="rect">
@@ -6040,7 +6039,7 @@
             <a:pPr lvl="1"/>
             <a:r>
               <a:rPr lang="en-US" sz="2200" dirty="0"/>
-              <a:t>Notes : This beer is of the Style ‘Quadrupel’ and has an IBU of 0.</a:t>
+              <a:t>Notes : This beer has an IBU of 0.</a:t>
             </a:r>
           </a:p>
           <a:p>

--- a/EDA_Presentation.pptx
+++ b/EDA_Presentation.pptx
@@ -5,7 +5,7 @@
     <p:sldMasterId id="2147483648" r:id="rId1"/>
   </p:sldMasterIdLst>
   <p:notesMasterIdLst>
-    <p:notesMasterId r:id="rId12"/>
+    <p:notesMasterId r:id="rId13"/>
   </p:notesMasterIdLst>
   <p:sldIdLst>
     <p:sldId id="256" r:id="rId2"/>
@@ -18,6 +18,7 @@
     <p:sldId id="262" r:id="rId9"/>
     <p:sldId id="263" r:id="rId10"/>
     <p:sldId id="264" r:id="rId11"/>
+    <p:sldId id="271" r:id="rId12"/>
   </p:sldIdLst>
   <p:sldSz cx="12192000" cy="6858000"/>
   <p:notesSz cx="6858000" cy="9144000"/>
@@ -206,7 +207,7 @@
           <a:p>
             <a:fld id="{19553C96-C507-48DD-9B82-D32AAE9F79FE}" type="datetimeFigureOut">
               <a:rPr lang="en-US" smtClean="0"/>
-              <a:t>10/11/2021</a:t>
+              <a:t>10/12/2021</a:t>
             </a:fld>
             <a:endParaRPr lang="en-US"/>
           </a:p>
@@ -620,7 +621,7 @@
           <a:p>
             <a:fld id="{AB7F5EDC-EE88-4A1F-BCD4-A74576B5EBDA}" type="datetimeFigureOut">
               <a:rPr lang="en-US" smtClean="0"/>
-              <a:t>10/11/2021</a:t>
+              <a:t>10/12/2021</a:t>
             </a:fld>
             <a:endParaRPr lang="en-US"/>
           </a:p>
@@ -818,7 +819,7 @@
           <a:p>
             <a:fld id="{AB7F5EDC-EE88-4A1F-BCD4-A74576B5EBDA}" type="datetimeFigureOut">
               <a:rPr lang="en-US" smtClean="0"/>
-              <a:t>10/11/2021</a:t>
+              <a:t>10/12/2021</a:t>
             </a:fld>
             <a:endParaRPr lang="en-US"/>
           </a:p>
@@ -1026,7 +1027,7 @@
           <a:p>
             <a:fld id="{AB7F5EDC-EE88-4A1F-BCD4-A74576B5EBDA}" type="datetimeFigureOut">
               <a:rPr lang="en-US" smtClean="0"/>
-              <a:t>10/11/2021</a:t>
+              <a:t>10/12/2021</a:t>
             </a:fld>
             <a:endParaRPr lang="en-US"/>
           </a:p>
@@ -1224,7 +1225,7 @@
           <a:p>
             <a:fld id="{AB7F5EDC-EE88-4A1F-BCD4-A74576B5EBDA}" type="datetimeFigureOut">
               <a:rPr lang="en-US" smtClean="0"/>
-              <a:t>10/11/2021</a:t>
+              <a:t>10/12/2021</a:t>
             </a:fld>
             <a:endParaRPr lang="en-US"/>
           </a:p>
@@ -1499,7 +1500,7 @@
           <a:p>
             <a:fld id="{AB7F5EDC-EE88-4A1F-BCD4-A74576B5EBDA}" type="datetimeFigureOut">
               <a:rPr lang="en-US" smtClean="0"/>
-              <a:t>10/11/2021</a:t>
+              <a:t>10/12/2021</a:t>
             </a:fld>
             <a:endParaRPr lang="en-US"/>
           </a:p>
@@ -1764,7 +1765,7 @@
           <a:p>
             <a:fld id="{AB7F5EDC-EE88-4A1F-BCD4-A74576B5EBDA}" type="datetimeFigureOut">
               <a:rPr lang="en-US" smtClean="0"/>
-              <a:t>10/11/2021</a:t>
+              <a:t>10/12/2021</a:t>
             </a:fld>
             <a:endParaRPr lang="en-US"/>
           </a:p>
@@ -2176,7 +2177,7 @@
           <a:p>
             <a:fld id="{AB7F5EDC-EE88-4A1F-BCD4-A74576B5EBDA}" type="datetimeFigureOut">
               <a:rPr lang="en-US" smtClean="0"/>
-              <a:t>10/11/2021</a:t>
+              <a:t>10/12/2021</a:t>
             </a:fld>
             <a:endParaRPr lang="en-US"/>
           </a:p>
@@ -2317,7 +2318,7 @@
           <a:p>
             <a:fld id="{AB7F5EDC-EE88-4A1F-BCD4-A74576B5EBDA}" type="datetimeFigureOut">
               <a:rPr lang="en-US" smtClean="0"/>
-              <a:t>10/11/2021</a:t>
+              <a:t>10/12/2021</a:t>
             </a:fld>
             <a:endParaRPr lang="en-US"/>
           </a:p>
@@ -2430,7 +2431,7 @@
           <a:p>
             <a:fld id="{AB7F5EDC-EE88-4A1F-BCD4-A74576B5EBDA}" type="datetimeFigureOut">
               <a:rPr lang="en-US" smtClean="0"/>
-              <a:t>10/11/2021</a:t>
+              <a:t>10/12/2021</a:t>
             </a:fld>
             <a:endParaRPr lang="en-US"/>
           </a:p>
@@ -2741,7 +2742,7 @@
           <a:p>
             <a:fld id="{AB7F5EDC-EE88-4A1F-BCD4-A74576B5EBDA}" type="datetimeFigureOut">
               <a:rPr lang="en-US" smtClean="0"/>
-              <a:t>10/11/2021</a:t>
+              <a:t>10/12/2021</a:t>
             </a:fld>
             <a:endParaRPr lang="en-US"/>
           </a:p>
@@ -3029,7 +3030,7 @@
           <a:p>
             <a:fld id="{AB7F5EDC-EE88-4A1F-BCD4-A74576B5EBDA}" type="datetimeFigureOut">
               <a:rPr lang="en-US" smtClean="0"/>
-              <a:t>10/11/2021</a:t>
+              <a:t>10/12/2021</a:t>
             </a:fld>
             <a:endParaRPr lang="en-US"/>
           </a:p>
@@ -3270,7 +3271,7 @@
           <a:p>
             <a:fld id="{AB7F5EDC-EE88-4A1F-BCD4-A74576B5EBDA}" type="datetimeFigureOut">
               <a:rPr lang="en-US" smtClean="0"/>
-              <a:t>10/11/2021</a:t>
+              <a:t>10/12/2021</a:t>
             </a:fld>
             <a:endParaRPr lang="en-US"/>
           </a:p>
@@ -4325,6 +4326,352 @@
 </p:sld>
 </file>
 
+<file path=ppt/slides/slide11.xml><?xml version="1.0" encoding="utf-8"?>
+<p:sld xmlns:a="http://schemas.openxmlformats.org/drawingml/2006/main" xmlns:r="http://schemas.openxmlformats.org/officeDocument/2006/relationships" xmlns:p="http://schemas.openxmlformats.org/presentationml/2006/main">
+  <p:cSld>
+    <p:bg>
+      <p:bgPr>
+        <a:solidFill>
+          <a:schemeClr val="bg1"/>
+        </a:solidFill>
+        <a:effectLst/>
+      </p:bgPr>
+    </p:bg>
+    <p:spTree>
+      <p:nvGrpSpPr>
+        <p:cNvPr id="1" name=""/>
+        <p:cNvGrpSpPr/>
+        <p:nvPr/>
+      </p:nvGrpSpPr>
+      <p:grpSpPr>
+        <a:xfrm>
+          <a:off x="0" y="0"/>
+          <a:ext cx="0" cy="0"/>
+          <a:chOff x="0" y="0"/>
+          <a:chExt cx="0" cy="0"/>
+        </a:xfrm>
+      </p:grpSpPr>
+      <p:sp>
+        <p:nvSpPr>
+          <p:cNvPr id="18" name="Rectangle 17">
+            <a:extLst>
+              <a:ext uri="{FF2B5EF4-FFF2-40B4-BE49-F238E27FC236}">
+                <a16:creationId xmlns:a16="http://schemas.microsoft.com/office/drawing/2014/main" id="{488333BA-AE6E-427A-9B16-A39C8073F4EB}"/>
+              </a:ext>
+              <a:ext uri="{C183D7F6-B498-43B3-948B-1728B52AA6E4}">
+                <adec:decorative xmlns:adec="http://schemas.microsoft.com/office/drawing/2017/decorative" val="1"/>
+              </a:ext>
+            </a:extLst>
+          </p:cNvPr>
+          <p:cNvSpPr>
+            <a:spLocks noGrp="1" noRot="1" noChangeAspect="1" noMove="1" noResize="1" noEditPoints="1" noAdjustHandles="1" noChangeArrowheads="1" noChangeShapeType="1" noTextEdit="1"/>
+          </p:cNvSpPr>
+          <p:nvPr>
+            <p:extLst>
+              <p:ext uri="{386F3935-93C4-4BCD-93E2-E3B085C9AB24}">
+                <p16:designElem xmlns:p16="http://schemas.microsoft.com/office/powerpoint/2015/main" val="1"/>
+              </p:ext>
+            </p:extLst>
+          </p:nvPr>
+        </p:nvSpPr>
+        <p:spPr>
+          <a:xfrm>
+            <a:off x="0" y="0"/>
+            <a:ext cx="12188952" cy="6858000"/>
+          </a:xfrm>
+          <a:prstGeom prst="rect">
+            <a:avLst/>
+          </a:prstGeom>
+          <a:solidFill>
+            <a:schemeClr val="tx1">
+              <a:lumMod val="75000"/>
+              <a:lumOff val="25000"/>
+            </a:schemeClr>
+          </a:solidFill>
+          <a:ln>
+            <a:noFill/>
+          </a:ln>
+        </p:spPr>
+        <p:style>
+          <a:lnRef idx="2">
+            <a:schemeClr val="accent1">
+              <a:shade val="50000"/>
+            </a:schemeClr>
+          </a:lnRef>
+          <a:fillRef idx="1">
+            <a:schemeClr val="accent1"/>
+          </a:fillRef>
+          <a:effectRef idx="0">
+            <a:schemeClr val="accent1"/>
+          </a:effectRef>
+          <a:fontRef idx="minor">
+            <a:schemeClr val="lt1"/>
+          </a:fontRef>
+        </p:style>
+        <p:txBody>
+          <a:bodyPr rtlCol="0" anchor="ctr"/>
+          <a:lstStyle/>
+          <a:p>
+            <a:pPr algn="ctr"/>
+            <a:endParaRPr lang="en-US"/>
+          </a:p>
+        </p:txBody>
+      </p:sp>
+      <p:sp>
+        <p:nvSpPr>
+          <p:cNvPr id="20" name="Rectangle 19">
+            <a:extLst>
+              <a:ext uri="{FF2B5EF4-FFF2-40B4-BE49-F238E27FC236}">
+                <a16:creationId xmlns:a16="http://schemas.microsoft.com/office/drawing/2014/main" id="{F98ED85F-DCEE-4B50-802E-71A6E3E12B04}"/>
+              </a:ext>
+              <a:ext uri="{C183D7F6-B498-43B3-948B-1728B52AA6E4}">
+                <adec:decorative xmlns:adec="http://schemas.microsoft.com/office/drawing/2017/decorative" val="1"/>
+              </a:ext>
+            </a:extLst>
+          </p:cNvPr>
+          <p:cNvSpPr>
+            <a:spLocks noGrp="1" noRot="1" noChangeAspect="1" noMove="1" noResize="1" noEditPoints="1" noAdjustHandles="1" noChangeArrowheads="1" noChangeShapeType="1" noTextEdit="1"/>
+          </p:cNvSpPr>
+          <p:nvPr>
+            <p:extLst>
+              <p:ext uri="{386F3935-93C4-4BCD-93E2-E3B085C9AB24}">
+                <p16:designElem xmlns:p16="http://schemas.microsoft.com/office/powerpoint/2015/main" val="1"/>
+              </p:ext>
+            </p:extLst>
+          </p:nvPr>
+        </p:nvSpPr>
+        <p:spPr bwMode="ltGray">
+          <a:xfrm>
+            <a:off x="321564" y="320040"/>
+            <a:ext cx="11548872" cy="6217920"/>
+          </a:xfrm>
+          <a:prstGeom prst="rect">
+            <a:avLst/>
+          </a:prstGeom>
+          <a:solidFill>
+            <a:schemeClr val="bg1"/>
+          </a:solidFill>
+          <a:ln w="127000" cap="sq" cmpd="thinThick">
+            <a:solidFill>
+              <a:schemeClr val="bg1"/>
+            </a:solidFill>
+          </a:ln>
+        </p:spPr>
+        <p:style>
+          <a:lnRef idx="2">
+            <a:schemeClr val="accent1">
+              <a:shade val="50000"/>
+            </a:schemeClr>
+          </a:lnRef>
+          <a:fillRef idx="1">
+            <a:schemeClr val="accent1"/>
+          </a:fillRef>
+          <a:effectRef idx="0">
+            <a:schemeClr val="accent1"/>
+          </a:effectRef>
+          <a:fontRef idx="minor">
+            <a:schemeClr val="lt1"/>
+          </a:fontRef>
+        </p:style>
+        <p:txBody>
+          <a:bodyPr rtlCol="0" anchor="ctr"/>
+          <a:lstStyle/>
+          <a:p>
+            <a:pPr algn="ctr"/>
+            <a:endParaRPr lang="en-US"/>
+          </a:p>
+        </p:txBody>
+      </p:sp>
+      <p:sp>
+        <p:nvSpPr>
+          <p:cNvPr id="2" name="Title 1">
+            <a:extLst>
+              <a:ext uri="{FF2B5EF4-FFF2-40B4-BE49-F238E27FC236}">
+                <a16:creationId xmlns:a16="http://schemas.microsoft.com/office/drawing/2014/main" id="{12881954-DB60-4972-A47B-D14161CB8D25}"/>
+              </a:ext>
+            </a:extLst>
+          </p:cNvPr>
+          <p:cNvSpPr>
+            <a:spLocks noGrp="1"/>
+          </p:cNvSpPr>
+          <p:nvPr>
+            <p:ph type="title"/>
+          </p:nvPr>
+        </p:nvSpPr>
+        <p:spPr>
+          <a:xfrm>
+            <a:off x="838200" y="631825"/>
+            <a:ext cx="10515600" cy="1325563"/>
+          </a:xfrm>
+        </p:spPr>
+        <p:txBody>
+          <a:bodyPr>
+            <a:normAutofit/>
+          </a:bodyPr>
+          <a:lstStyle/>
+          <a:p>
+            <a:r>
+              <a:rPr lang="en-US" dirty="0"/>
+              <a:t>Shapiro –Wilk Normality Test, Explained</a:t>
+            </a:r>
+          </a:p>
+        </p:txBody>
+      </p:sp>
+      <p:sp>
+        <p:nvSpPr>
+          <p:cNvPr id="3" name="Content Placeholder 2">
+            <a:extLst>
+              <a:ext uri="{FF2B5EF4-FFF2-40B4-BE49-F238E27FC236}">
+                <a16:creationId xmlns:a16="http://schemas.microsoft.com/office/drawing/2014/main" id="{D710C547-3AB5-4BD3-B1F3-879EF2DA9704}"/>
+              </a:ext>
+            </a:extLst>
+          </p:cNvPr>
+          <p:cNvSpPr>
+            <a:spLocks noGrp="1"/>
+          </p:cNvSpPr>
+          <p:nvPr>
+            <p:ph idx="1"/>
+          </p:nvPr>
+        </p:nvSpPr>
+        <p:spPr>
+          <a:xfrm>
+            <a:off x="838200" y="2057400"/>
+            <a:ext cx="10515600" cy="3871762"/>
+          </a:xfrm>
+        </p:spPr>
+        <p:txBody>
+          <a:bodyPr>
+            <a:normAutofit fontScale="70000" lnSpcReduction="20000"/>
+          </a:bodyPr>
+          <a:lstStyle/>
+          <a:p>
+            <a:r>
+              <a:rPr lang="en-US" sz="2400" dirty="0"/>
+              <a:t>Two Hypotheses:</a:t>
+            </a:r>
+          </a:p>
+          <a:p>
+            <a:pPr lvl="1">
+              <a:lnSpc>
+                <a:spcPct val="120000"/>
+              </a:lnSpc>
+            </a:pPr>
+            <a:r>
+              <a:rPr lang="en-US" sz="2000" dirty="0"/>
+              <a:t>Ho : The distribution is normal.</a:t>
+            </a:r>
+          </a:p>
+          <a:p>
+            <a:pPr lvl="1">
+              <a:lnSpc>
+                <a:spcPct val="120000"/>
+              </a:lnSpc>
+            </a:pPr>
+            <a:r>
+              <a:rPr lang="en-US" sz="2000" dirty="0"/>
+              <a:t>Ha : The distribution is not normal.</a:t>
+            </a:r>
+          </a:p>
+          <a:p>
+            <a:r>
+              <a:rPr lang="en-US" sz="2400" dirty="0"/>
+              <a:t>Significance level:</a:t>
+            </a:r>
+          </a:p>
+          <a:p>
+            <a:pPr lvl="1">
+              <a:lnSpc>
+                <a:spcPct val="120000"/>
+              </a:lnSpc>
+            </a:pPr>
+            <a:r>
+              <a:rPr lang="el-GR" sz="2000" dirty="0"/>
+              <a:t>α</a:t>
+            </a:r>
+            <a:r>
+              <a:rPr lang="en-US" sz="2000" dirty="0"/>
+              <a:t> = .05</a:t>
+            </a:r>
+          </a:p>
+          <a:p>
+            <a:r>
+              <a:rPr lang="en-US" sz="2400" dirty="0"/>
+              <a:t>P-value:</a:t>
+            </a:r>
+          </a:p>
+          <a:p>
+            <a:pPr lvl="1">
+              <a:lnSpc>
+                <a:spcPct val="120000"/>
+              </a:lnSpc>
+            </a:pPr>
+            <a:r>
+              <a:rPr lang="en-US" sz="2000" dirty="0"/>
+              <a:t>In the case of ABV, p-value = ~0.</a:t>
+            </a:r>
+          </a:p>
+          <a:p>
+            <a:pPr lvl="1">
+              <a:lnSpc>
+                <a:spcPct val="120000"/>
+              </a:lnSpc>
+            </a:pPr>
+            <a:r>
+              <a:rPr lang="en-US" sz="2000" dirty="0"/>
+              <a:t>This is the probability of observing an as-or-more extreme distribution.</a:t>
+            </a:r>
+          </a:p>
+          <a:p>
+            <a:r>
+              <a:rPr lang="en-US" sz="2400" dirty="0"/>
+              <a:t>Conclusion:</a:t>
+            </a:r>
+          </a:p>
+          <a:p>
+            <a:pPr lvl="1">
+              <a:lnSpc>
+                <a:spcPct val="120000"/>
+              </a:lnSpc>
+            </a:pPr>
+            <a:r>
+              <a:rPr lang="en-US" sz="2000" dirty="0"/>
+              <a:t>Since our p-value is lower than </a:t>
+            </a:r>
+            <a:r>
+              <a:rPr lang="el-GR" sz="2000" dirty="0"/>
+              <a:t>α</a:t>
+            </a:r>
+            <a:r>
+              <a:rPr lang="en-US" sz="2000" dirty="0"/>
+              <a:t>, we REJECT the Ho. We can conclude that there is sufficient evidence of non-normality in the distribution.</a:t>
+            </a:r>
+          </a:p>
+          <a:p>
+            <a:pPr lvl="1">
+              <a:lnSpc>
+                <a:spcPct val="120000"/>
+              </a:lnSpc>
+            </a:pPr>
+            <a:r>
+              <a:rPr lang="en-US" sz="2000" dirty="0"/>
+              <a:t>If the p-value was greater than .05, we would FAIL TO REJECT the Ho. In this case, we would say that there is not sufficient evidence of a non-normal distribution.</a:t>
+            </a:r>
+          </a:p>
+        </p:txBody>
+      </p:sp>
+    </p:spTree>
+    <p:extLst>
+      <p:ext uri="{BB962C8B-B14F-4D97-AF65-F5344CB8AC3E}">
+        <p14:creationId xmlns:p14="http://schemas.microsoft.com/office/powerpoint/2010/main" val="2113556102"/>
+      </p:ext>
+    </p:extLst>
+  </p:cSld>
+  <p:clrMapOvr>
+    <a:masterClrMapping/>
+  </p:clrMapOvr>
+</p:sld>
+</file>
+
 <file path=ppt/slides/slide2.xml><?xml version="1.0" encoding="utf-8"?>
 <p:sld xmlns:a="http://schemas.openxmlformats.org/drawingml/2006/main" xmlns:r="http://schemas.openxmlformats.org/officeDocument/2006/relationships" xmlns:p="http://schemas.openxmlformats.org/presentationml/2006/main">
   <p:cSld>
@@ -6392,7 +6739,7 @@
                   <a:schemeClr val="bg1"/>
                 </a:solidFill>
               </a:rPr>
-              <a:t>The Shapiro-Wilke Normality Test gives us a p-value of &lt;2.2e-16. This supports the conclusion of non-normality.</a:t>
+              <a:t>The Shapiro-Wilk Normality Test gives us a p-value of &lt;2.2e-16. This supports the conclusion of non-normality.</a:t>
             </a:r>
           </a:p>
           <a:p>

--- a/EDA_Presentation.pptx
+++ b/EDA_Presentation.pptx
@@ -5775,7 +5775,7 @@
         </p:spPr>
         <p:txBody>
           <a:bodyPr anchor="ctr">
-            <a:normAutofit/>
+            <a:normAutofit fontScale="92500"/>
           </a:bodyPr>
           <a:lstStyle/>
           <a:p>
@@ -5796,6 +5796,16 @@
                 </a:solidFill>
               </a:rPr>
               <a:t>State IBU Avg gives better insight</a:t>
+            </a:r>
+          </a:p>
+          <a:p>
+            <a:r>
+              <a:rPr lang="en-US" sz="2200" dirty="0">
+                <a:solidFill>
+                  <a:schemeClr val="bg1"/>
+                </a:solidFill>
+              </a:rPr>
+              <a:t>44 (88%) of states have a median ABV between .05 and .06.</a:t>
             </a:r>
           </a:p>
         </p:txBody>

--- a/EDA_Presentation.pptx
+++ b/EDA_Presentation.pptx
@@ -5,7 +5,7 @@
     <p:sldMasterId id="2147483648" r:id="rId1"/>
   </p:sldMasterIdLst>
   <p:notesMasterIdLst>
-    <p:notesMasterId r:id="rId13"/>
+    <p:notesMasterId r:id="rId14"/>
   </p:notesMasterIdLst>
   <p:sldIdLst>
     <p:sldId id="256" r:id="rId2"/>
@@ -13,12 +13,13 @@
     <p:sldId id="266" r:id="rId4"/>
     <p:sldId id="267" r:id="rId5"/>
     <p:sldId id="268" r:id="rId6"/>
-    <p:sldId id="269" r:id="rId7"/>
-    <p:sldId id="261" r:id="rId8"/>
-    <p:sldId id="262" r:id="rId9"/>
-    <p:sldId id="263" r:id="rId10"/>
-    <p:sldId id="264" r:id="rId11"/>
-    <p:sldId id="271" r:id="rId12"/>
+    <p:sldId id="261" r:id="rId7"/>
+    <p:sldId id="262" r:id="rId8"/>
+    <p:sldId id="263" r:id="rId9"/>
+    <p:sldId id="272" r:id="rId10"/>
+    <p:sldId id="273" r:id="rId11"/>
+    <p:sldId id="264" r:id="rId12"/>
+    <p:sldId id="271" r:id="rId13"/>
   </p:sldIdLst>
   <p:sldSz cx="12192000" cy="6858000"/>
   <p:notesSz cx="6858000" cy="9144000"/>
@@ -207,7 +208,7 @@
           <a:p>
             <a:fld id="{19553C96-C507-48DD-9B82-D32AAE9F79FE}" type="datetimeFigureOut">
               <a:rPr lang="en-US" smtClean="0"/>
-              <a:t>10/12/2021</a:t>
+              <a:t>10/20/2021</a:t>
             </a:fld>
             <a:endParaRPr lang="en-US"/>
           </a:p>
@@ -621,7 +622,7 @@
           <a:p>
             <a:fld id="{AB7F5EDC-EE88-4A1F-BCD4-A74576B5EBDA}" type="datetimeFigureOut">
               <a:rPr lang="en-US" smtClean="0"/>
-              <a:t>10/12/2021</a:t>
+              <a:t>10/20/2021</a:t>
             </a:fld>
             <a:endParaRPr lang="en-US"/>
           </a:p>
@@ -819,7 +820,7 @@
           <a:p>
             <a:fld id="{AB7F5EDC-EE88-4A1F-BCD4-A74576B5EBDA}" type="datetimeFigureOut">
               <a:rPr lang="en-US" smtClean="0"/>
-              <a:t>10/12/2021</a:t>
+              <a:t>10/20/2021</a:t>
             </a:fld>
             <a:endParaRPr lang="en-US"/>
           </a:p>
@@ -1027,7 +1028,7 @@
           <a:p>
             <a:fld id="{AB7F5EDC-EE88-4A1F-BCD4-A74576B5EBDA}" type="datetimeFigureOut">
               <a:rPr lang="en-US" smtClean="0"/>
-              <a:t>10/12/2021</a:t>
+              <a:t>10/20/2021</a:t>
             </a:fld>
             <a:endParaRPr lang="en-US"/>
           </a:p>
@@ -1225,7 +1226,7 @@
           <a:p>
             <a:fld id="{AB7F5EDC-EE88-4A1F-BCD4-A74576B5EBDA}" type="datetimeFigureOut">
               <a:rPr lang="en-US" smtClean="0"/>
-              <a:t>10/12/2021</a:t>
+              <a:t>10/20/2021</a:t>
             </a:fld>
             <a:endParaRPr lang="en-US"/>
           </a:p>
@@ -1500,7 +1501,7 @@
           <a:p>
             <a:fld id="{AB7F5EDC-EE88-4A1F-BCD4-A74576B5EBDA}" type="datetimeFigureOut">
               <a:rPr lang="en-US" smtClean="0"/>
-              <a:t>10/12/2021</a:t>
+              <a:t>10/20/2021</a:t>
             </a:fld>
             <a:endParaRPr lang="en-US"/>
           </a:p>
@@ -1765,7 +1766,7 @@
           <a:p>
             <a:fld id="{AB7F5EDC-EE88-4A1F-BCD4-A74576B5EBDA}" type="datetimeFigureOut">
               <a:rPr lang="en-US" smtClean="0"/>
-              <a:t>10/12/2021</a:t>
+              <a:t>10/20/2021</a:t>
             </a:fld>
             <a:endParaRPr lang="en-US"/>
           </a:p>
@@ -2177,7 +2178,7 @@
           <a:p>
             <a:fld id="{AB7F5EDC-EE88-4A1F-BCD4-A74576B5EBDA}" type="datetimeFigureOut">
               <a:rPr lang="en-US" smtClean="0"/>
-              <a:t>10/12/2021</a:t>
+              <a:t>10/20/2021</a:t>
             </a:fld>
             <a:endParaRPr lang="en-US"/>
           </a:p>
@@ -2318,7 +2319,7 @@
           <a:p>
             <a:fld id="{AB7F5EDC-EE88-4A1F-BCD4-A74576B5EBDA}" type="datetimeFigureOut">
               <a:rPr lang="en-US" smtClean="0"/>
-              <a:t>10/12/2021</a:t>
+              <a:t>10/20/2021</a:t>
             </a:fld>
             <a:endParaRPr lang="en-US"/>
           </a:p>
@@ -2431,7 +2432,7 @@
           <a:p>
             <a:fld id="{AB7F5EDC-EE88-4A1F-BCD4-A74576B5EBDA}" type="datetimeFigureOut">
               <a:rPr lang="en-US" smtClean="0"/>
-              <a:t>10/12/2021</a:t>
+              <a:t>10/20/2021</a:t>
             </a:fld>
             <a:endParaRPr lang="en-US"/>
           </a:p>
@@ -2742,7 +2743,7 @@
           <a:p>
             <a:fld id="{AB7F5EDC-EE88-4A1F-BCD4-A74576B5EBDA}" type="datetimeFigureOut">
               <a:rPr lang="en-US" smtClean="0"/>
-              <a:t>10/12/2021</a:t>
+              <a:t>10/20/2021</a:t>
             </a:fld>
             <a:endParaRPr lang="en-US"/>
           </a:p>
@@ -3030,7 +3031,7 @@
           <a:p>
             <a:fld id="{AB7F5EDC-EE88-4A1F-BCD4-A74576B5EBDA}" type="datetimeFigureOut">
               <a:rPr lang="en-US" smtClean="0"/>
-              <a:t>10/12/2021</a:t>
+              <a:t>10/20/2021</a:t>
             </a:fld>
             <a:endParaRPr lang="en-US"/>
           </a:p>
@@ -3271,7 +3272,7 @@
           <a:p>
             <a:fld id="{AB7F5EDC-EE88-4A1F-BCD4-A74576B5EBDA}" type="datetimeFigureOut">
               <a:rPr lang="en-US" smtClean="0"/>
-              <a:t>10/12/2021</a:t>
+              <a:t>10/20/2021</a:t>
             </a:fld>
             <a:endParaRPr lang="en-US"/>
           </a:p>
@@ -3977,6 +3978,89 @@
 <file path=ppt/slides/slide10.xml><?xml version="1.0" encoding="utf-8"?>
 <p:sld xmlns:a="http://schemas.openxmlformats.org/drawingml/2006/main" xmlns:r="http://schemas.openxmlformats.org/officeDocument/2006/relationships" xmlns:p="http://schemas.openxmlformats.org/presentationml/2006/main">
   <p:cSld>
+    <p:spTree>
+      <p:nvGrpSpPr>
+        <p:cNvPr id="1" name=""/>
+        <p:cNvGrpSpPr/>
+        <p:nvPr/>
+      </p:nvGrpSpPr>
+      <p:grpSpPr>
+        <a:xfrm>
+          <a:off x="0" y="0"/>
+          <a:ext cx="0" cy="0"/>
+          <a:chOff x="0" y="0"/>
+          <a:chExt cx="0" cy="0"/>
+        </a:xfrm>
+      </p:grpSpPr>
+      <p:sp>
+        <p:nvSpPr>
+          <p:cNvPr id="2" name="Title 1">
+            <a:extLst>
+              <a:ext uri="{FF2B5EF4-FFF2-40B4-BE49-F238E27FC236}">
+                <a16:creationId xmlns:a16="http://schemas.microsoft.com/office/drawing/2014/main" id="{2E0A7252-2608-4B86-A7CB-798804A33465}"/>
+              </a:ext>
+            </a:extLst>
+          </p:cNvPr>
+          <p:cNvSpPr>
+            <a:spLocks noGrp="1"/>
+          </p:cNvSpPr>
+          <p:nvPr>
+            <p:ph type="title"/>
+          </p:nvPr>
+        </p:nvSpPr>
+        <p:spPr/>
+        <p:txBody>
+          <a:bodyPr/>
+          <a:lstStyle/>
+          <a:p>
+            <a:r>
+              <a:rPr lang="en-US" dirty="0"/>
+              <a:t>Naïve Bayes Modeling</a:t>
+            </a:r>
+          </a:p>
+        </p:txBody>
+      </p:sp>
+      <p:sp>
+        <p:nvSpPr>
+          <p:cNvPr id="3" name="Content Placeholder 2">
+            <a:extLst>
+              <a:ext uri="{FF2B5EF4-FFF2-40B4-BE49-F238E27FC236}">
+                <a16:creationId xmlns:a16="http://schemas.microsoft.com/office/drawing/2014/main" id="{684B06DE-2CC5-4C0D-A13D-0BCB701FF5AF}"/>
+              </a:ext>
+            </a:extLst>
+          </p:cNvPr>
+          <p:cNvSpPr>
+            <a:spLocks noGrp="1"/>
+          </p:cNvSpPr>
+          <p:nvPr>
+            <p:ph idx="1"/>
+          </p:nvPr>
+        </p:nvSpPr>
+        <p:spPr/>
+        <p:txBody>
+          <a:bodyPr/>
+          <a:lstStyle/>
+          <a:p>
+            <a:endParaRPr lang="en-US" dirty="0"/>
+          </a:p>
+        </p:txBody>
+      </p:sp>
+    </p:spTree>
+    <p:extLst>
+      <p:ext uri="{BB962C8B-B14F-4D97-AF65-F5344CB8AC3E}">
+        <p14:creationId xmlns:p14="http://schemas.microsoft.com/office/powerpoint/2010/main" val="2921698211"/>
+      </p:ext>
+    </p:extLst>
+  </p:cSld>
+  <p:clrMapOvr>
+    <a:masterClrMapping/>
+  </p:clrMapOvr>
+</p:sld>
+</file>
+
+<file path=ppt/slides/slide11.xml><?xml version="1.0" encoding="utf-8"?>
+<p:sld xmlns:a="http://schemas.openxmlformats.org/drawingml/2006/main" xmlns:r="http://schemas.openxmlformats.org/officeDocument/2006/relationships" xmlns:p="http://schemas.openxmlformats.org/presentationml/2006/main">
+  <p:cSld>
     <p:bg>
       <p:bgPr>
         <a:solidFill>
@@ -4326,7 +4410,7 @@
 </p:sld>
 </file>
 
-<file path=ppt/slides/slide11.xml><?xml version="1.0" encoding="utf-8"?>
+<file path=ppt/slides/slide12.xml><?xml version="1.0" encoding="utf-8"?>
 <p:sld xmlns:a="http://schemas.openxmlformats.org/drawingml/2006/main" xmlns:r="http://schemas.openxmlformats.org/officeDocument/2006/relationships" xmlns:p="http://schemas.openxmlformats.org/presentationml/2006/main">
   <p:cSld>
     <p:bg>
@@ -5223,6 +5307,52 @@
           </a:prstGeom>
         </p:spPr>
       </p:pic>
+      <p:sp>
+        <p:nvSpPr>
+          <p:cNvPr id="3" name="TextBox 2">
+            <a:extLst>
+              <a:ext uri="{FF2B5EF4-FFF2-40B4-BE49-F238E27FC236}">
+                <a16:creationId xmlns:a16="http://schemas.microsoft.com/office/drawing/2014/main" id="{6DF5D229-2BAA-485B-AFEB-E90F44C92A1E}"/>
+              </a:ext>
+            </a:extLst>
+          </p:cNvPr>
+          <p:cNvSpPr txBox="1"/>
+          <p:nvPr/>
+        </p:nvSpPr>
+        <p:spPr>
+          <a:xfrm>
+            <a:off x="2831498" y="6118918"/>
+            <a:ext cx="6473905" cy="646331"/>
+          </a:xfrm>
+          <a:prstGeom prst="rect">
+            <a:avLst/>
+          </a:prstGeom>
+          <a:solidFill>
+            <a:schemeClr val="accent6">
+              <a:lumMod val="40000"/>
+              <a:lumOff val="60000"/>
+            </a:schemeClr>
+          </a:solidFill>
+          <a:ln w="19050">
+            <a:solidFill>
+              <a:schemeClr val="tx1"/>
+            </a:solidFill>
+          </a:ln>
+        </p:spPr>
+        <p:txBody>
+          <a:bodyPr wrap="square" rtlCol="0">
+            <a:spAutoFit/>
+          </a:bodyPr>
+          <a:lstStyle/>
+          <a:p>
+            <a:pPr algn="ctr"/>
+            <a:r>
+              <a:rPr lang="en-US" dirty="0"/>
+              <a:t>With many breweries already in high-population areas such as Texas &amp; California, expansion into Georgia &amp; Florida may be ideal.</a:t>
+            </a:r>
+          </a:p>
+        </p:txBody>
+      </p:sp>
     </p:spTree>
     <p:extLst>
       <p:ext uri="{BB962C8B-B14F-4D97-AF65-F5344CB8AC3E}">
@@ -5457,28 +5587,28 @@
           <a:lstStyle/>
           <a:p>
             <a:r>
-              <a:rPr lang="en-US" sz="1700"/>
+              <a:rPr lang="en-US" sz="1700" dirty="0"/>
               <a:t>There are large amounts of missing values in both ABV (alcohol by volume) and IBU (international bitterness unit)</a:t>
             </a:r>
           </a:p>
           <a:p>
             <a:pPr lvl="1"/>
             <a:r>
-              <a:rPr lang="en-US" sz="1700"/>
+              <a:rPr lang="en-US" sz="1700" dirty="0"/>
               <a:t>62 NA values for ABV (62/2410 = 3%)</a:t>
             </a:r>
           </a:p>
           <a:p>
             <a:pPr lvl="1"/>
             <a:r>
-              <a:rPr lang="en-US" sz="1700"/>
+              <a:rPr lang="en-US" sz="1700" dirty="0"/>
               <a:t>1005 NA values for IBU (1005/2410 = 42%)</a:t>
             </a:r>
           </a:p>
           <a:p>
             <a:pPr lvl="1"/>
             <a:r>
-              <a:rPr lang="en-US" sz="1700"/>
+              <a:rPr lang="en-US" sz="1700" dirty="0"/>
               <a:t>Note: All missing ABV’s also have a missing IBU.</a:t>
             </a:r>
           </a:p>
@@ -5486,34 +5616,41 @@
             <a:pPr marL="457200" lvl="1" indent="0">
               <a:buNone/>
             </a:pPr>
-            <a:endParaRPr lang="en-US" sz="1700"/>
-          </a:p>
-          <a:p>
-            <a:r>
-              <a:rPr lang="en-US" sz="1700"/>
-              <a:t>However, it is possible for beers to have 0 ABV or IBU.</a:t>
+            <a:endParaRPr lang="en-US" sz="1700" dirty="0"/>
+          </a:p>
+          <a:p>
+            <a:r>
+              <a:rPr lang="en-US" sz="1700" dirty="0"/>
+              <a:t>To avoid removing &gt;40% of the dataset, we can impute by mean ABV / IBU.</a:t>
             </a:r>
           </a:p>
           <a:p>
             <a:pPr lvl="1"/>
             <a:r>
-              <a:rPr lang="en-US" sz="1700"/>
-              <a:t>Therefore, we can assume NA values are equal to 0 to avoid removing approx. 40% of data.</a:t>
-            </a:r>
-          </a:p>
-          <a:p>
-            <a:endParaRPr lang="en-US" sz="1700"/>
-          </a:p>
-          <a:p>
-            <a:r>
-              <a:rPr lang="en-US" sz="1700"/>
+              <a:rPr lang="en-US" sz="1700" dirty="0"/>
+              <a:t>Splitting the dataset up by Style categories can give us a more accurate mean to impute.</a:t>
+            </a:r>
+          </a:p>
+          <a:p>
+            <a:pPr lvl="1"/>
+            <a:r>
+              <a:rPr lang="en-US" sz="1700" dirty="0"/>
+              <a:t>Style groups: (‘Ale’, ‘IPA’, ‘Stout’, ‘Lager’, ‘Other’).</a:t>
+            </a:r>
+          </a:p>
+          <a:p>
+            <a:endParaRPr lang="en-US" sz="1700" dirty="0"/>
+          </a:p>
+          <a:p>
+            <a:r>
+              <a:rPr lang="en-US" sz="1700" dirty="0"/>
               <a:t>Lastly, there are 5 NA values in the Style column (5/2410 = 0.2%) </a:t>
             </a:r>
           </a:p>
           <a:p>
             <a:pPr lvl="1"/>
             <a:r>
-              <a:rPr lang="en-US" sz="1700"/>
+              <a:rPr lang="en-US" sz="1700" dirty="0"/>
               <a:t>Since there is no simple way to impute the Style of a beer, these 5 observations with values of NA will be dropped.</a:t>
             </a:r>
           </a:p>
@@ -5559,7 +5696,7 @@
       </p:grpSpPr>
       <p:sp>
         <p:nvSpPr>
-          <p:cNvPr id="10" name="Rectangle 9">
+          <p:cNvPr id="17" name="Rectangle 16">
             <a:extLst>
               <a:ext uri="{FF2B5EF4-FFF2-40B4-BE49-F238E27FC236}">
                 <a16:creationId xmlns:a16="http://schemas.microsoft.com/office/drawing/2014/main" id="{5E52985E-2553-471E-82AA-5ED7A329890A}"/>
@@ -5685,21 +5822,21 @@
           </a:bodyPr>
           <a:lstStyle/>
           <a:p>
-            <a:pPr algn="r"/>
+            <a:pPr algn="ctr"/>
             <a:r>
               <a:rPr lang="en-US" sz="3000" dirty="0">
                 <a:solidFill>
                   <a:schemeClr val="bg1"/>
                 </a:solidFill>
               </a:rPr>
-              <a:t>Median ABV / IBU by State</a:t>
+              <a:t>Median IBU / ABV by State</a:t>
             </a:r>
           </a:p>
         </p:txBody>
       </p:sp>
       <p:cxnSp>
         <p:nvCxnSpPr>
-          <p:cNvPr id="12" name="Straight Connector 11">
+          <p:cNvPr id="19" name="Straight Connector 18">
             <a:extLst>
               <a:ext uri="{FF2B5EF4-FFF2-40B4-BE49-F238E27FC236}">
                 <a16:creationId xmlns:a16="http://schemas.microsoft.com/office/drawing/2014/main" id="{DAE3ABC6-4042-4293-A7DF-F01181363B7E}"/>
@@ -5775,32 +5912,22 @@
         </p:spPr>
         <p:txBody>
           <a:bodyPr anchor="ctr">
-            <a:normAutofit fontScale="92500"/>
+            <a:normAutofit/>
           </a:bodyPr>
           <a:lstStyle/>
           <a:p>
             <a:r>
-              <a:rPr lang="en-US" sz="2200" dirty="0">
+              <a:rPr lang="en-US" sz="2000" dirty="0">
                 <a:solidFill>
                   <a:schemeClr val="bg1"/>
                 </a:solidFill>
               </a:rPr>
-              <a:t>&gt;40% of IBU observations are 0 so many states have median = 0 </a:t>
-            </a:r>
-          </a:p>
-          <a:p>
-            <a:r>
-              <a:rPr lang="en-US" sz="2200" dirty="0">
-                <a:solidFill>
-                  <a:schemeClr val="bg1"/>
-                </a:solidFill>
-              </a:rPr>
-              <a:t>State IBU Avg gives better insight</a:t>
-            </a:r>
-          </a:p>
-          <a:p>
-            <a:r>
-              <a:rPr lang="en-US" sz="2200" dirty="0">
+              <a:t>While there is a large range of mean IBUs, the majority of states exist within 30-40 IBU.</a:t>
+            </a:r>
+          </a:p>
+          <a:p>
+            <a:r>
+              <a:rPr lang="en-US" sz="2000" dirty="0">
                 <a:solidFill>
                   <a:schemeClr val="bg1"/>
                 </a:solidFill>
@@ -5812,10 +5939,10 @@
       </p:sp>
       <p:pic>
         <p:nvPicPr>
-          <p:cNvPr id="5" name="Picture 4" descr="Chart&#10;&#10;Description automatically generated">
-            <a:extLst>
-              <a:ext uri="{FF2B5EF4-FFF2-40B4-BE49-F238E27FC236}">
-                <a16:creationId xmlns:a16="http://schemas.microsoft.com/office/drawing/2014/main" id="{0457FC5C-5B86-4F9B-A2CC-F99D522273D2}"/>
+          <p:cNvPr id="7" name="Picture 6" descr="Chart, bar chart&#10;&#10;Description automatically generated">
+            <a:extLst>
+              <a:ext uri="{FF2B5EF4-FFF2-40B4-BE49-F238E27FC236}">
+                <a16:creationId xmlns:a16="http://schemas.microsoft.com/office/drawing/2014/main" id="{8DD14245-C6ED-4939-94FC-B736162F118F}"/>
               </a:ext>
             </a:extLst>
           </p:cNvPr>
@@ -5832,8 +5959,8 @@
         </p:blipFill>
         <p:spPr>
           <a:xfrm>
-            <a:off x="393308" y="2681945"/>
-            <a:ext cx="5559480" cy="3432979"/>
+            <a:off x="393308" y="2681946"/>
+            <a:ext cx="5559480" cy="3432978"/>
           </a:xfrm>
           <a:prstGeom prst="rect">
             <a:avLst/>
@@ -5842,10 +5969,10 @@
       </p:pic>
       <p:pic>
         <p:nvPicPr>
-          <p:cNvPr id="4" name="Picture 3" descr="Chart, background pattern&#10;&#10;Description automatically generated">
-            <a:extLst>
-              <a:ext uri="{FF2B5EF4-FFF2-40B4-BE49-F238E27FC236}">
-                <a16:creationId xmlns:a16="http://schemas.microsoft.com/office/drawing/2014/main" id="{869EC84C-2932-49A1-AEB6-F28C07C4914E}"/>
+          <p:cNvPr id="6" name="Picture 5" descr="Chart, background pattern&#10;&#10;Description automatically generated">
+            <a:extLst>
+              <a:ext uri="{FF2B5EF4-FFF2-40B4-BE49-F238E27FC236}">
+                <a16:creationId xmlns:a16="http://schemas.microsoft.com/office/drawing/2014/main" id="{D240E897-16A0-4433-83DF-C35DFCE37418}"/>
               </a:ext>
             </a:extLst>
           </p:cNvPr>
@@ -5862,7 +5989,7 @@
         </p:blipFill>
         <p:spPr>
           <a:xfrm>
-            <a:off x="6251736" y="2683020"/>
+            <a:off x="6251736" y="2689895"/>
             <a:ext cx="5546955" cy="3425244"/>
           </a:xfrm>
           <a:prstGeom prst="rect">
@@ -5870,6 +5997,52 @@
           </a:prstGeom>
         </p:spPr>
       </p:pic>
+      <p:sp>
+        <p:nvSpPr>
+          <p:cNvPr id="8" name="TextBox 7">
+            <a:extLst>
+              <a:ext uri="{FF2B5EF4-FFF2-40B4-BE49-F238E27FC236}">
+                <a16:creationId xmlns:a16="http://schemas.microsoft.com/office/drawing/2014/main" id="{9D5F4C96-3837-4B5E-AAAC-1A06CEC3D997}"/>
+              </a:ext>
+            </a:extLst>
+          </p:cNvPr>
+          <p:cNvSpPr txBox="1"/>
+          <p:nvPr/>
+        </p:nvSpPr>
+        <p:spPr>
+          <a:xfrm>
+            <a:off x="3285215" y="6181903"/>
+            <a:ext cx="5335146" cy="646331"/>
+          </a:xfrm>
+          <a:prstGeom prst="rect">
+            <a:avLst/>
+          </a:prstGeom>
+          <a:solidFill>
+            <a:schemeClr val="accent6">
+              <a:lumMod val="40000"/>
+              <a:lumOff val="60000"/>
+            </a:schemeClr>
+          </a:solidFill>
+          <a:ln w="28575">
+            <a:solidFill>
+              <a:schemeClr val="tx1"/>
+            </a:solidFill>
+          </a:ln>
+        </p:spPr>
+        <p:txBody>
+          <a:bodyPr wrap="square" rtlCol="0">
+            <a:spAutoFit/>
+          </a:bodyPr>
+          <a:lstStyle/>
+          <a:p>
+            <a:pPr algn="ctr"/>
+            <a:r>
+              <a:rPr lang="en-US" dirty="0"/>
+              <a:t>Our mean IBU and ABV should ideally be within the range of 30-40 IBU and 5%-6% ABV.</a:t>
+            </a:r>
+          </a:p>
+        </p:txBody>
+      </p:sp>
     </p:spTree>
     <p:extLst>
       <p:ext uri="{BB962C8B-B14F-4D97-AF65-F5344CB8AC3E}">
@@ -5910,277 +6083,6 @@
       </p:grpSpPr>
       <p:sp>
         <p:nvSpPr>
-          <p:cNvPr id="22" name="Rectangle 13">
-            <a:extLst>
-              <a:ext uri="{FF2B5EF4-FFF2-40B4-BE49-F238E27FC236}">
-                <a16:creationId xmlns:a16="http://schemas.microsoft.com/office/drawing/2014/main" id="{823AC064-BC96-4F32-8AE1-B2FD38754823}"/>
-              </a:ext>
-              <a:ext uri="{C183D7F6-B498-43B3-948B-1728B52AA6E4}">
-                <adec:decorative xmlns:adec="http://schemas.microsoft.com/office/drawing/2017/decorative" val="1"/>
-              </a:ext>
-            </a:extLst>
-          </p:cNvPr>
-          <p:cNvSpPr>
-            <a:spLocks noGrp="1" noRot="1" noChangeAspect="1" noMove="1" noResize="1" noEditPoints="1" noAdjustHandles="1" noChangeArrowheads="1" noChangeShapeType="1" noTextEdit="1"/>
-          </p:cNvSpPr>
-          <p:nvPr>
-            <p:extLst>
-              <p:ext uri="{386F3935-93C4-4BCD-93E2-E3B085C9AB24}">
-                <p16:designElem xmlns:p16="http://schemas.microsoft.com/office/powerpoint/2015/main" val="1"/>
-              </p:ext>
-            </p:extLst>
-          </p:nvPr>
-        </p:nvSpPr>
-        <p:spPr bwMode="ltGray">
-          <a:xfrm>
-            <a:off x="378068" y="343486"/>
-            <a:ext cx="11438793" cy="1844256"/>
-          </a:xfrm>
-          <a:prstGeom prst="rect">
-            <a:avLst/>
-          </a:prstGeom>
-          <a:solidFill>
-            <a:srgbClr val="404040"/>
-          </a:solidFill>
-          <a:ln w="127000" cap="sq" cmpd="thinThick">
-            <a:solidFill>
-              <a:srgbClr val="404040"/>
-            </a:solidFill>
-          </a:ln>
-        </p:spPr>
-        <p:style>
-          <a:lnRef idx="2">
-            <a:schemeClr val="accent1">
-              <a:shade val="50000"/>
-            </a:schemeClr>
-          </a:lnRef>
-          <a:fillRef idx="1">
-            <a:schemeClr val="accent1"/>
-          </a:fillRef>
-          <a:effectRef idx="0">
-            <a:schemeClr val="accent1"/>
-          </a:effectRef>
-          <a:fontRef idx="minor">
-            <a:schemeClr val="lt1"/>
-          </a:fontRef>
-        </p:style>
-        <p:txBody>
-          <a:bodyPr rtlCol="0" anchor="ctr"/>
-          <a:lstStyle/>
-          <a:p>
-            <a:pPr marL="0" marR="0" lvl="0" indent="0" algn="ctr" defTabSz="914400" rtl="0" eaLnBrk="1" fontAlgn="auto" latinLnBrk="0" hangingPunct="1">
-              <a:lnSpc>
-                <a:spcPct val="100000"/>
-              </a:lnSpc>
-              <a:spcBef>
-                <a:spcPts val="0"/>
-              </a:spcBef>
-              <a:spcAft>
-                <a:spcPts val="0"/>
-              </a:spcAft>
-              <a:buClrTx/>
-              <a:buSzTx/>
-              <a:buFontTx/>
-              <a:buNone/>
-              <a:tabLst/>
-              <a:defRPr/>
-            </a:pPr>
-            <a:endParaRPr kumimoji="0" lang="en-US" sz="1800" b="0" i="0" u="none" strike="noStrike" kern="1200" cap="none" spc="0" normalizeH="0" baseline="0" noProof="0">
-              <a:ln>
-                <a:noFill/>
-              </a:ln>
-              <a:solidFill>
-                <a:prstClr val="white"/>
-              </a:solidFill>
-              <a:effectLst/>
-              <a:uLnTx/>
-              <a:uFillTx/>
-              <a:latin typeface="Calibri" panose="020F0502020204030204"/>
-              <a:ea typeface="+mn-ea"/>
-              <a:cs typeface="+mn-cs"/>
-            </a:endParaRPr>
-          </a:p>
-        </p:txBody>
-      </p:sp>
-      <p:sp>
-        <p:nvSpPr>
-          <p:cNvPr id="2" name="Title 1">
-            <a:extLst>
-              <a:ext uri="{FF2B5EF4-FFF2-40B4-BE49-F238E27FC236}">
-                <a16:creationId xmlns:a16="http://schemas.microsoft.com/office/drawing/2014/main" id="{7BFF96D3-167E-4C17-81A1-1DCA31EB0B15}"/>
-              </a:ext>
-            </a:extLst>
-          </p:cNvPr>
-          <p:cNvSpPr>
-            <a:spLocks noGrp="1"/>
-          </p:cNvSpPr>
-          <p:nvPr>
-            <p:ph type="title"/>
-          </p:nvPr>
-        </p:nvSpPr>
-        <p:spPr>
-          <a:xfrm>
-            <a:off x="526073" y="466578"/>
-            <a:ext cx="11139854" cy="930447"/>
-          </a:xfrm>
-        </p:spPr>
-        <p:txBody>
-          <a:bodyPr vert="horz" lIns="91440" tIns="45720" rIns="91440" bIns="45720" rtlCol="0" anchor="b">
-            <a:normAutofit/>
-          </a:bodyPr>
-          <a:lstStyle/>
-          <a:p>
-            <a:pPr algn="ctr"/>
-            <a:r>
-              <a:rPr lang="en-US" sz="5400" kern="1200">
-                <a:solidFill>
-                  <a:srgbClr val="FFFFFF"/>
-                </a:solidFill>
-                <a:latin typeface="+mj-lt"/>
-                <a:ea typeface="+mj-ea"/>
-                <a:cs typeface="+mj-cs"/>
-              </a:rPr>
-              <a:t>Mean IBU by State</a:t>
-            </a:r>
-            <a:endParaRPr lang="en-US" sz="5400" kern="1200" dirty="0">
-              <a:solidFill>
-                <a:srgbClr val="FFFFFF"/>
-              </a:solidFill>
-              <a:latin typeface="+mj-lt"/>
-              <a:ea typeface="+mj-ea"/>
-              <a:cs typeface="+mj-cs"/>
-            </a:endParaRPr>
-          </a:p>
-        </p:txBody>
-      </p:sp>
-      <p:cxnSp>
-        <p:nvCxnSpPr>
-          <p:cNvPr id="23" name="Straight Connector 15">
-            <a:extLst>
-              <a:ext uri="{FF2B5EF4-FFF2-40B4-BE49-F238E27FC236}">
-                <a16:creationId xmlns:a16="http://schemas.microsoft.com/office/drawing/2014/main" id="{7E7C77BC-7138-40B1-A15B-20F57A494629}"/>
-              </a:ext>
-              <a:ext uri="{C183D7F6-B498-43B3-948B-1728B52AA6E4}">
-                <adec:decorative xmlns:adec="http://schemas.microsoft.com/office/drawing/2017/decorative" val="1"/>
-              </a:ext>
-            </a:extLst>
-          </p:cNvPr>
-          <p:cNvCxnSpPr>
-            <a:cxnSpLocks noGrp="1" noRot="1" noChangeAspect="1" noMove="1" noResize="1" noEditPoints="1" noAdjustHandles="1" noChangeArrowheads="1" noChangeShapeType="1"/>
-          </p:cNvCxnSpPr>
-          <p:nvPr>
-            <p:extLst>
-              <p:ext uri="{386F3935-93C4-4BCD-93E2-E3B085C9AB24}">
-                <p16:designElem xmlns:p16="http://schemas.microsoft.com/office/powerpoint/2015/main" val="1"/>
-              </p:ext>
-            </p:extLst>
-          </p:nvPr>
-        </p:nvCxnSpPr>
-        <p:spPr>
-          <a:xfrm>
-            <a:off x="2209800" y="1448631"/>
-            <a:ext cx="7772400" cy="0"/>
-          </a:xfrm>
-          <a:prstGeom prst="line">
-            <a:avLst/>
-          </a:prstGeom>
-          <a:ln w="22225">
-            <a:solidFill>
-              <a:srgbClr val="D9D9D9"/>
-            </a:solidFill>
-          </a:ln>
-        </p:spPr>
-        <p:style>
-          <a:lnRef idx="1">
-            <a:schemeClr val="accent1"/>
-          </a:lnRef>
-          <a:fillRef idx="0">
-            <a:schemeClr val="accent1"/>
-          </a:fillRef>
-          <a:effectRef idx="0">
-            <a:schemeClr val="accent1"/>
-          </a:effectRef>
-          <a:fontRef idx="minor">
-            <a:schemeClr val="tx1"/>
-          </a:fontRef>
-        </p:style>
-      </p:cxnSp>
-      <p:pic>
-        <p:nvPicPr>
-          <p:cNvPr id="9" name="Picture 8">
-            <a:extLst>
-              <a:ext uri="{FF2B5EF4-FFF2-40B4-BE49-F238E27FC236}">
-                <a16:creationId xmlns:a16="http://schemas.microsoft.com/office/drawing/2014/main" id="{597EB854-B189-2542-9C68-C16EEE797E49}"/>
-              </a:ext>
-            </a:extLst>
-          </p:cNvPr>
-          <p:cNvPicPr>
-            <a:picLocks noChangeAspect="1"/>
-          </p:cNvPicPr>
-          <p:nvPr/>
-        </p:nvPicPr>
-        <p:blipFill>
-          <a:blip r:embed="rId2">
-            <a:extLst>
-              <a:ext uri="{28A0092B-C50C-407E-A947-70E740481C1C}">
-                <a14:useLocalDpi xmlns:a14="http://schemas.microsoft.com/office/drawing/2010/main" val="0"/>
-              </a:ext>
-            </a:extLst>
-          </a:blip>
-          <a:stretch>
-            <a:fillRect/>
-          </a:stretch>
-        </p:blipFill>
-        <p:spPr>
-          <a:xfrm>
-            <a:off x="1699449" y="2509911"/>
-            <a:ext cx="8738003" cy="3997637"/>
-          </a:xfrm>
-          <a:prstGeom prst="rect">
-            <a:avLst/>
-          </a:prstGeom>
-        </p:spPr>
-      </p:pic>
-    </p:spTree>
-    <p:extLst>
-      <p:ext uri="{BB962C8B-B14F-4D97-AF65-F5344CB8AC3E}">
-        <p14:creationId xmlns:p14="http://schemas.microsoft.com/office/powerpoint/2010/main" val="416326155"/>
-      </p:ext>
-    </p:extLst>
-  </p:cSld>
-  <p:clrMapOvr>
-    <a:masterClrMapping/>
-  </p:clrMapOvr>
-</p:sld>
-</file>
-
-<file path=ppt/slides/slide7.xml><?xml version="1.0" encoding="utf-8"?>
-<p:sld xmlns:a="http://schemas.openxmlformats.org/drawingml/2006/main" xmlns:r="http://schemas.openxmlformats.org/officeDocument/2006/relationships" xmlns:p="http://schemas.openxmlformats.org/presentationml/2006/main">
-  <p:cSld>
-    <p:bg>
-      <p:bgPr>
-        <a:solidFill>
-          <a:schemeClr val="bg1"/>
-        </a:solidFill>
-        <a:effectLst/>
-      </p:bgPr>
-    </p:bg>
-    <p:spTree>
-      <p:nvGrpSpPr>
-        <p:cNvPr id="1" name=""/>
-        <p:cNvGrpSpPr/>
-        <p:nvPr/>
-      </p:nvGrpSpPr>
-      <p:grpSpPr>
-        <a:xfrm>
-          <a:off x="0" y="0"/>
-          <a:ext cx="0" cy="0"/>
-          <a:chOff x="0" y="0"/>
-          <a:chExt cx="0" cy="0"/>
-        </a:xfrm>
-      </p:grpSpPr>
-      <p:sp>
-        <p:nvSpPr>
           <p:cNvPr id="8" name="Rectangle 7">
             <a:extLst>
               <a:ext uri="{FF2B5EF4-FFF2-40B4-BE49-F238E27FC236}">
@@ -6447,7 +6349,7 @@
 </p:sld>
 </file>
 
-<file path=ppt/slides/slide8.xml><?xml version="1.0" encoding="utf-8"?>
+<file path=ppt/slides/slide7.xml><?xml version="1.0" encoding="utf-8"?>
 <p:sld xmlns:a="http://schemas.openxmlformats.org/drawingml/2006/main" xmlns:r="http://schemas.openxmlformats.org/officeDocument/2006/relationships" xmlns:p="http://schemas.openxmlformats.org/presentationml/2006/main">
   <p:cSld>
     <p:bg>
@@ -6729,7 +6631,7 @@
                   <a:schemeClr val="bg1"/>
                 </a:solidFill>
               </a:rPr>
-              <a:t>While there are ~50 beers at ABV=0, there is a long tail of high-ABV beers.</a:t>
+              <a:t>While the bulk of beers exist within 4.5 – 7 percent ABV, there are outliers with higher ABV percentages (up to 12.8%).</a:t>
             </a:r>
           </a:p>
           <a:p>
@@ -6771,66 +6673,6 @@
           </a:p>
         </p:txBody>
       </p:sp>
-      <p:pic>
-        <p:nvPicPr>
-          <p:cNvPr id="5" name="Picture 4" descr="Chart, bar chart, histogram&#10;&#10;Description automatically generated">
-            <a:extLst>
-              <a:ext uri="{FF2B5EF4-FFF2-40B4-BE49-F238E27FC236}">
-                <a16:creationId xmlns:a16="http://schemas.microsoft.com/office/drawing/2014/main" id="{3A09E736-D7A4-4783-98D4-09BB08CE0C9F}"/>
-              </a:ext>
-            </a:extLst>
-          </p:cNvPr>
-          <p:cNvPicPr>
-            <a:picLocks noChangeAspect="1"/>
-          </p:cNvPicPr>
-          <p:nvPr/>
-        </p:nvPicPr>
-        <p:blipFill>
-          <a:blip r:embed="rId2"/>
-          <a:stretch>
-            <a:fillRect/>
-          </a:stretch>
-        </p:blipFill>
-        <p:spPr>
-          <a:xfrm>
-            <a:off x="393308" y="2439566"/>
-            <a:ext cx="5559480" cy="3432978"/>
-          </a:xfrm>
-          <a:prstGeom prst="rect">
-            <a:avLst/>
-          </a:prstGeom>
-        </p:spPr>
-      </p:pic>
-      <p:pic>
-        <p:nvPicPr>
-          <p:cNvPr id="8" name="Picture 7" descr="Chart, line chart&#10;&#10;Description automatically generated">
-            <a:extLst>
-              <a:ext uri="{FF2B5EF4-FFF2-40B4-BE49-F238E27FC236}">
-                <a16:creationId xmlns:a16="http://schemas.microsoft.com/office/drawing/2014/main" id="{5285A350-421F-4A63-95B4-34F43214E5A5}"/>
-              </a:ext>
-            </a:extLst>
-          </p:cNvPr>
-          <p:cNvPicPr>
-            <a:picLocks noChangeAspect="1"/>
-          </p:cNvPicPr>
-          <p:nvPr/>
-        </p:nvPicPr>
-        <p:blipFill>
-          <a:blip r:embed="rId3"/>
-          <a:stretch>
-            <a:fillRect/>
-          </a:stretch>
-        </p:blipFill>
-        <p:spPr>
-          <a:xfrm>
-            <a:off x="6251737" y="2525961"/>
-            <a:ext cx="5546955" cy="3425244"/>
-          </a:xfrm>
-          <a:prstGeom prst="rect">
-            <a:avLst/>
-          </a:prstGeom>
-        </p:spPr>
-      </p:pic>
       <p:graphicFrame>
         <p:nvGraphicFramePr>
           <p:cNvPr id="15" name="Table 14">
@@ -6846,13 +6688,13 @@
           <p:nvPr>
             <p:extLst>
               <p:ext uri="{D42A27DB-BD31-4B8C-83A1-F6EECF244321}">
-                <p14:modId xmlns:p14="http://schemas.microsoft.com/office/powerpoint/2010/main" val="905084121"/>
+                <p14:modId xmlns:p14="http://schemas.microsoft.com/office/powerpoint/2010/main" val="1714046541"/>
               </p:ext>
             </p:extLst>
           </p:nvPr>
         </p:nvGraphicFramePr>
         <p:xfrm>
-          <a:off x="2633326" y="5980433"/>
+          <a:off x="240761" y="5647344"/>
           <a:ext cx="6925348" cy="741680"/>
         </p:xfrm>
         <a:graphic>
@@ -7084,7 +6926,7 @@
                       <a:pPr algn="ctr"/>
                       <a:r>
                         <a:rPr lang="en-US" dirty="0"/>
-                        <a:t>0</a:t>
+                        <a:t>.01</a:t>
                       </a:r>
                     </a:p>
                   </a:txBody>
@@ -7126,7 +6968,7 @@
                       <a:pPr algn="ctr"/>
                       <a:r>
                         <a:rPr lang="en-US" dirty="0"/>
-                        <a:t>.056</a:t>
+                        <a:t>.057</a:t>
                       </a:r>
                     </a:p>
                   </a:txBody>
@@ -7147,7 +6989,7 @@
                       <a:pPr algn="ctr"/>
                       <a:r>
                         <a:rPr lang="en-US" dirty="0"/>
-                        <a:t>.058</a:t>
+                        <a:t>.06</a:t>
                       </a:r>
                     </a:p>
                   </a:txBody>
@@ -7168,7 +7010,7 @@
                       <a:pPr algn="ctr"/>
                       <a:r>
                         <a:rPr lang="en-US" dirty="0"/>
-                        <a:t>.016</a:t>
+                        <a:t>.013</a:t>
                       </a:r>
                     </a:p>
                   </a:txBody>
@@ -7233,6 +7075,112 @@
           </a:graphicData>
         </a:graphic>
       </p:graphicFrame>
+      <p:pic>
+        <p:nvPicPr>
+          <p:cNvPr id="3" name="Picture 2">
+            <a:extLst>
+              <a:ext uri="{FF2B5EF4-FFF2-40B4-BE49-F238E27FC236}">
+                <a16:creationId xmlns:a16="http://schemas.microsoft.com/office/drawing/2014/main" id="{A2BCE148-D4EC-4DA5-A8AA-382C95B7A50E}"/>
+              </a:ext>
+            </a:extLst>
+          </p:cNvPr>
+          <p:cNvPicPr>
+            <a:picLocks noChangeAspect="1"/>
+          </p:cNvPicPr>
+          <p:nvPr/>
+        </p:nvPicPr>
+        <p:blipFill>
+          <a:blip r:embed="rId2"/>
+          <a:stretch>
+            <a:fillRect/>
+          </a:stretch>
+        </p:blipFill>
+        <p:spPr>
+          <a:xfrm>
+            <a:off x="6239214" y="2308938"/>
+            <a:ext cx="5008675" cy="3091068"/>
+          </a:xfrm>
+          <a:prstGeom prst="rect">
+            <a:avLst/>
+          </a:prstGeom>
+        </p:spPr>
+      </p:pic>
+      <p:pic>
+        <p:nvPicPr>
+          <p:cNvPr id="4" name="Picture 3">
+            <a:extLst>
+              <a:ext uri="{FF2B5EF4-FFF2-40B4-BE49-F238E27FC236}">
+                <a16:creationId xmlns:a16="http://schemas.microsoft.com/office/drawing/2014/main" id="{B0A8AF6E-0151-4A40-9869-AABC58505B8C}"/>
+              </a:ext>
+            </a:extLst>
+          </p:cNvPr>
+          <p:cNvPicPr>
+            <a:picLocks noChangeAspect="1"/>
+          </p:cNvPicPr>
+          <p:nvPr/>
+        </p:nvPicPr>
+        <p:blipFill>
+          <a:blip r:embed="rId3"/>
+          <a:stretch>
+            <a:fillRect/>
+          </a:stretch>
+        </p:blipFill>
+        <p:spPr>
+          <a:xfrm>
+            <a:off x="944111" y="2308938"/>
+            <a:ext cx="5008676" cy="3091068"/>
+          </a:xfrm>
+          <a:prstGeom prst="rect">
+            <a:avLst/>
+          </a:prstGeom>
+        </p:spPr>
+      </p:pic>
+      <p:sp>
+        <p:nvSpPr>
+          <p:cNvPr id="12" name="TextBox 11">
+            <a:extLst>
+              <a:ext uri="{FF2B5EF4-FFF2-40B4-BE49-F238E27FC236}">
+                <a16:creationId xmlns:a16="http://schemas.microsoft.com/office/drawing/2014/main" id="{063D4450-5DCE-4129-AA0A-E7D9C9BE52DB}"/>
+              </a:ext>
+            </a:extLst>
+          </p:cNvPr>
+          <p:cNvSpPr txBox="1"/>
+          <p:nvPr/>
+        </p:nvSpPr>
+        <p:spPr>
+          <a:xfrm>
+            <a:off x="7267073" y="5581739"/>
+            <a:ext cx="4735879" cy="923330"/>
+          </a:xfrm>
+          <a:prstGeom prst="rect">
+            <a:avLst/>
+          </a:prstGeom>
+          <a:solidFill>
+            <a:schemeClr val="accent6">
+              <a:lumMod val="40000"/>
+              <a:lumOff val="60000"/>
+            </a:schemeClr>
+          </a:solidFill>
+          <a:ln w="28575">
+            <a:solidFill>
+              <a:schemeClr val="tx1"/>
+            </a:solidFill>
+          </a:ln>
+        </p:spPr>
+        <p:txBody>
+          <a:bodyPr wrap="square" rtlCol="0">
+            <a:spAutoFit/>
+          </a:bodyPr>
+          <a:lstStyle/>
+          <a:p>
+            <a:pPr algn="ctr"/>
+            <a:r>
+              <a:rPr lang="en-US" dirty="0"/>
+              <a:t>While many of our beers may exist in the popular range of 4.5-7% ABV, there is demand for more alcoholic beverages.</a:t>
+            </a:r>
+          </a:p>
+        </p:txBody>
+      </p:sp>
     </p:spTree>
     <p:extLst>
       <p:ext uri="{BB962C8B-B14F-4D97-AF65-F5344CB8AC3E}">
@@ -7246,7 +7194,7 @@
 </p:sld>
 </file>
 
-<file path=ppt/slides/slide9.xml><?xml version="1.0" encoding="utf-8"?>
+<file path=ppt/slides/slide8.xml><?xml version="1.0" encoding="utf-8"?>
 <p:sld xmlns:a="http://schemas.openxmlformats.org/drawingml/2006/main" xmlns:r="http://schemas.openxmlformats.org/officeDocument/2006/relationships" xmlns:p="http://schemas.openxmlformats.org/presentationml/2006/main">
   <p:cSld>
     <p:bg>
@@ -7499,7 +7447,7 @@
                   <a:schemeClr val="bg1"/>
                 </a:solidFill>
               </a:rPr>
-              <a:t>After filtering out beers with 0 IBU and/or ABV, the correlation between IBU &amp; ABV increases by 78%.</a:t>
+              <a:t>ABV and IBU have a moderate positive correlation.</a:t>
             </a:r>
           </a:p>
           <a:p>
@@ -7510,28 +7458,17 @@
                   <a:schemeClr val="bg1"/>
                 </a:solidFill>
               </a:rPr>
-              <a:t>Full dataset has a weak positive correlation.</a:t>
-            </a:r>
-          </a:p>
-          <a:p>
-            <a:pPr lvl="1"/>
-            <a:r>
-              <a:rPr lang="en-US" sz="1800" dirty="0">
-                <a:solidFill>
-                  <a:schemeClr val="bg1"/>
-                </a:solidFill>
-              </a:rPr>
-              <a:t>Alcoholic dataset has a moderate positive correlation.</a:t>
+              <a:t>As ABV changes, we can moderately expect IBU to move in the same direction.</a:t>
             </a:r>
           </a:p>
         </p:txBody>
       </p:sp>
       <p:pic>
         <p:nvPicPr>
-          <p:cNvPr id="6" name="Picture 5" descr="Chart, scatter chart&#10;&#10;Description automatically generated">
-            <a:extLst>
-              <a:ext uri="{FF2B5EF4-FFF2-40B4-BE49-F238E27FC236}">
-                <a16:creationId xmlns:a16="http://schemas.microsoft.com/office/drawing/2014/main" id="{9401872F-6767-4CB1-8E5B-CE827ED72EEF}"/>
+          <p:cNvPr id="4" name="Picture 3">
+            <a:extLst>
+              <a:ext uri="{FF2B5EF4-FFF2-40B4-BE49-F238E27FC236}">
+                <a16:creationId xmlns:a16="http://schemas.microsoft.com/office/drawing/2014/main" id="{5D3BE780-078D-475D-B3DE-062ACD4F38BD}"/>
               </a:ext>
             </a:extLst>
           </p:cNvPr>
@@ -7548,20 +7485,379 @@
         </p:blipFill>
         <p:spPr>
           <a:xfrm>
-            <a:off x="6272621" y="2833201"/>
-            <a:ext cx="5559480" cy="3432978"/>
+            <a:off x="1128414" y="2661430"/>
+            <a:ext cx="5480050" cy="3381974"/>
           </a:xfrm>
           <a:prstGeom prst="rect">
             <a:avLst/>
           </a:prstGeom>
         </p:spPr>
       </p:pic>
+      <p:sp>
+        <p:nvSpPr>
+          <p:cNvPr id="9" name="TextBox 8">
+            <a:extLst>
+              <a:ext uri="{FF2B5EF4-FFF2-40B4-BE49-F238E27FC236}">
+                <a16:creationId xmlns:a16="http://schemas.microsoft.com/office/drawing/2014/main" id="{94FA7CC9-FA9C-41BE-9A9D-28DC44C207EE}"/>
+              </a:ext>
+            </a:extLst>
+          </p:cNvPr>
+          <p:cNvSpPr txBox="1"/>
+          <p:nvPr/>
+        </p:nvSpPr>
+        <p:spPr>
+          <a:xfrm>
+            <a:off x="7239572" y="3890752"/>
+            <a:ext cx="4735879" cy="1200329"/>
+          </a:xfrm>
+          <a:prstGeom prst="rect">
+            <a:avLst/>
+          </a:prstGeom>
+          <a:solidFill>
+            <a:schemeClr val="accent6">
+              <a:lumMod val="40000"/>
+              <a:lumOff val="60000"/>
+            </a:schemeClr>
+          </a:solidFill>
+          <a:ln w="28575">
+            <a:solidFill>
+              <a:schemeClr val="tx1"/>
+            </a:solidFill>
+          </a:ln>
+        </p:spPr>
+        <p:txBody>
+          <a:bodyPr wrap="square" rtlCol="0">
+            <a:spAutoFit/>
+          </a:bodyPr>
+          <a:lstStyle/>
+          <a:p>
+            <a:pPr algn="ctr"/>
+            <a:r>
+              <a:rPr lang="en-US" dirty="0"/>
+              <a:t>When creating new products, we should aim to have compatible ABV and IBU. For example, a high-ABV and low-IBU beverage would not fit into the market.</a:t>
+            </a:r>
+          </a:p>
+        </p:txBody>
+      </p:sp>
+    </p:spTree>
+    <p:extLst>
+      <p:ext uri="{BB962C8B-B14F-4D97-AF65-F5344CB8AC3E}">
+        <p14:creationId xmlns:p14="http://schemas.microsoft.com/office/powerpoint/2010/main" val="2613469178"/>
+      </p:ext>
+    </p:extLst>
+  </p:cSld>
+  <p:clrMapOvr>
+    <a:masterClrMapping/>
+  </p:clrMapOvr>
+</p:sld>
+</file>
+
+<file path=ppt/slides/slide9.xml><?xml version="1.0" encoding="utf-8"?>
+<p:sld xmlns:a="http://schemas.openxmlformats.org/drawingml/2006/main" xmlns:r="http://schemas.openxmlformats.org/officeDocument/2006/relationships" xmlns:p="http://schemas.openxmlformats.org/presentationml/2006/main">
+  <p:cSld>
+    <p:bg>
+      <p:bgPr>
+        <a:solidFill>
+          <a:schemeClr val="bg1"/>
+        </a:solidFill>
+        <a:effectLst/>
+      </p:bgPr>
+    </p:bg>
+    <p:spTree>
+      <p:nvGrpSpPr>
+        <p:cNvPr id="1" name=""/>
+        <p:cNvGrpSpPr/>
+        <p:nvPr/>
+      </p:nvGrpSpPr>
+      <p:grpSpPr>
+        <a:xfrm>
+          <a:off x="0" y="0"/>
+          <a:ext cx="0" cy="0"/>
+          <a:chOff x="0" y="0"/>
+          <a:chExt cx="0" cy="0"/>
+        </a:xfrm>
+      </p:grpSpPr>
+      <p:sp>
+        <p:nvSpPr>
+          <p:cNvPr id="11" name="Rectangle 10">
+            <a:extLst>
+              <a:ext uri="{FF2B5EF4-FFF2-40B4-BE49-F238E27FC236}">
+                <a16:creationId xmlns:a16="http://schemas.microsoft.com/office/drawing/2014/main" id="{5E52985E-2553-471E-82AA-5ED7A329890A}"/>
+              </a:ext>
+              <a:ext uri="{C183D7F6-B498-43B3-948B-1728B52AA6E4}">
+                <adec:decorative xmlns:adec="http://schemas.microsoft.com/office/drawing/2017/decorative" val="1"/>
+              </a:ext>
+            </a:extLst>
+          </p:cNvPr>
+          <p:cNvSpPr>
+            <a:spLocks noGrp="1" noRot="1" noChangeAspect="1" noMove="1" noResize="1" noEditPoints="1" noAdjustHandles="1" noChangeArrowheads="1" noChangeShapeType="1" noTextEdit="1"/>
+          </p:cNvSpPr>
+          <p:nvPr>
+            <p:extLst>
+              <p:ext uri="{386F3935-93C4-4BCD-93E2-E3B085C9AB24}">
+                <p16:designElem xmlns:p16="http://schemas.microsoft.com/office/powerpoint/2015/main" val="1"/>
+              </p:ext>
+            </p:extLst>
+          </p:nvPr>
+        </p:nvSpPr>
+        <p:spPr bwMode="ltGray">
+          <a:xfrm>
+            <a:off x="393308" y="352931"/>
+            <a:ext cx="11438793" cy="1844256"/>
+          </a:xfrm>
+          <a:prstGeom prst="rect">
+            <a:avLst/>
+          </a:prstGeom>
+          <a:solidFill>
+            <a:schemeClr val="tx1">
+              <a:lumMod val="75000"/>
+              <a:lumOff val="25000"/>
+            </a:schemeClr>
+          </a:solidFill>
+          <a:ln w="127000" cap="sq" cmpd="thinThick">
+            <a:solidFill>
+              <a:schemeClr val="tx1">
+                <a:lumMod val="75000"/>
+                <a:lumOff val="25000"/>
+              </a:schemeClr>
+            </a:solidFill>
+          </a:ln>
+        </p:spPr>
+        <p:style>
+          <a:lnRef idx="2">
+            <a:schemeClr val="accent1">
+              <a:shade val="50000"/>
+            </a:schemeClr>
+          </a:lnRef>
+          <a:fillRef idx="1">
+            <a:schemeClr val="accent1"/>
+          </a:fillRef>
+          <a:effectRef idx="0">
+            <a:schemeClr val="accent1"/>
+          </a:effectRef>
+          <a:fontRef idx="minor">
+            <a:schemeClr val="lt1"/>
+          </a:fontRef>
+        </p:style>
+        <p:txBody>
+          <a:bodyPr rtlCol="0" anchor="ctr"/>
+          <a:lstStyle/>
+          <a:p>
+            <a:pPr marL="0" marR="0" lvl="0" indent="0" algn="ctr" defTabSz="914400" rtl="0" eaLnBrk="1" fontAlgn="auto" latinLnBrk="0" hangingPunct="1">
+              <a:lnSpc>
+                <a:spcPct val="100000"/>
+              </a:lnSpc>
+              <a:spcBef>
+                <a:spcPts val="0"/>
+              </a:spcBef>
+              <a:spcAft>
+                <a:spcPts val="0"/>
+              </a:spcAft>
+              <a:buClrTx/>
+              <a:buSzTx/>
+              <a:buFontTx/>
+              <a:buNone/>
+              <a:tabLst/>
+              <a:defRPr/>
+            </a:pPr>
+            <a:endParaRPr kumimoji="0" lang="en-US" sz="1800" b="0" i="0" u="none" strike="noStrike" kern="1200" cap="none" spc="0" normalizeH="0" baseline="0" noProof="0">
+              <a:ln>
+                <a:noFill/>
+              </a:ln>
+              <a:solidFill>
+                <a:prstClr val="white"/>
+              </a:solidFill>
+              <a:effectLst/>
+              <a:uLnTx/>
+              <a:uFillTx/>
+              <a:latin typeface="Calibri" panose="020F0502020204030204"/>
+              <a:ea typeface="+mn-ea"/>
+              <a:cs typeface="+mn-cs"/>
+            </a:endParaRPr>
+          </a:p>
+        </p:txBody>
+      </p:sp>
+      <p:sp>
+        <p:nvSpPr>
+          <p:cNvPr id="2" name="Title 1">
+            <a:extLst>
+              <a:ext uri="{FF2B5EF4-FFF2-40B4-BE49-F238E27FC236}">
+                <a16:creationId xmlns:a16="http://schemas.microsoft.com/office/drawing/2014/main" id="{EBB20D83-E0FD-436A-8C88-9AC933156A17}"/>
+              </a:ext>
+            </a:extLst>
+          </p:cNvPr>
+          <p:cNvSpPr>
+            <a:spLocks noGrp="1"/>
+          </p:cNvSpPr>
+          <p:nvPr>
+            <p:ph type="title"/>
+          </p:nvPr>
+        </p:nvSpPr>
+        <p:spPr>
+          <a:xfrm>
+            <a:off x="649270" y="506727"/>
+            <a:ext cx="3885141" cy="1526741"/>
+          </a:xfrm>
+        </p:spPr>
+        <p:txBody>
+          <a:bodyPr>
+            <a:normAutofit/>
+          </a:bodyPr>
+          <a:lstStyle/>
+          <a:p>
+            <a:pPr algn="r"/>
+            <a:r>
+              <a:rPr lang="en-US" sz="3000">
+                <a:solidFill>
+                  <a:schemeClr val="bg1"/>
+                </a:solidFill>
+              </a:rPr>
+              <a:t>KNN Modeling</a:t>
+            </a:r>
+          </a:p>
+        </p:txBody>
+      </p:sp>
+      <p:cxnSp>
+        <p:nvCxnSpPr>
+          <p:cNvPr id="13" name="Straight Connector 12">
+            <a:extLst>
+              <a:ext uri="{FF2B5EF4-FFF2-40B4-BE49-F238E27FC236}">
+                <a16:creationId xmlns:a16="http://schemas.microsoft.com/office/drawing/2014/main" id="{DAE3ABC6-4042-4293-A7DF-F01181363B7E}"/>
+              </a:ext>
+              <a:ext uri="{C183D7F6-B498-43B3-948B-1728B52AA6E4}">
+                <adec:decorative xmlns:adec="http://schemas.microsoft.com/office/drawing/2017/decorative" val="1"/>
+              </a:ext>
+            </a:extLst>
+          </p:cNvPr>
+          <p:cNvCxnSpPr>
+            <a:cxnSpLocks noGrp="1" noRot="1" noChangeAspect="1" noMove="1" noResize="1" noEditPoints="1" noAdjustHandles="1" noChangeArrowheads="1" noChangeShapeType="1"/>
+          </p:cNvCxnSpPr>
+          <p:nvPr>
+            <p:extLst>
+              <p:ext uri="{386F3935-93C4-4BCD-93E2-E3B085C9AB24}">
+                <p16:designElem xmlns:p16="http://schemas.microsoft.com/office/powerpoint/2015/main" val="1"/>
+              </p:ext>
+            </p:extLst>
+          </p:nvPr>
+        </p:nvCxnSpPr>
+        <p:spPr>
+          <a:xfrm flipV="1">
+            <a:off x="4739873" y="580963"/>
+            <a:ext cx="0" cy="1371600"/>
+          </a:xfrm>
+          <a:prstGeom prst="line">
+            <a:avLst/>
+          </a:prstGeom>
+          <a:ln w="19050">
+            <a:solidFill>
+              <a:schemeClr val="bg1">
+                <a:alpha val="75000"/>
+              </a:schemeClr>
+            </a:solidFill>
+          </a:ln>
+        </p:spPr>
+        <p:style>
+          <a:lnRef idx="1">
+            <a:schemeClr val="accent1"/>
+          </a:lnRef>
+          <a:fillRef idx="0">
+            <a:schemeClr val="accent1"/>
+          </a:fillRef>
+          <a:effectRef idx="0">
+            <a:schemeClr val="accent1"/>
+          </a:effectRef>
+          <a:fontRef idx="minor">
+            <a:schemeClr val="tx1"/>
+          </a:fontRef>
+        </p:style>
+      </p:cxnSp>
+      <p:sp>
+        <p:nvSpPr>
+          <p:cNvPr id="3" name="Content Placeholder 2">
+            <a:extLst>
+              <a:ext uri="{FF2B5EF4-FFF2-40B4-BE49-F238E27FC236}">
+                <a16:creationId xmlns:a16="http://schemas.microsoft.com/office/drawing/2014/main" id="{0A9D3DDC-DE43-4114-98F3-9FA43B77F618}"/>
+              </a:ext>
+            </a:extLst>
+          </p:cNvPr>
+          <p:cNvSpPr>
+            <a:spLocks noGrp="1"/>
+          </p:cNvSpPr>
+          <p:nvPr>
+            <p:ph idx="1"/>
+          </p:nvPr>
+        </p:nvSpPr>
+        <p:spPr>
+          <a:xfrm>
+            <a:off x="4945336" y="506727"/>
+            <a:ext cx="6609921" cy="1526741"/>
+          </a:xfrm>
+        </p:spPr>
+        <p:txBody>
+          <a:bodyPr anchor="ctr">
+            <a:normAutofit/>
+          </a:bodyPr>
+          <a:lstStyle/>
+          <a:p>
+            <a:r>
+              <a:rPr lang="en-US" sz="1200" dirty="0">
+                <a:solidFill>
+                  <a:schemeClr val="bg1"/>
+                </a:solidFill>
+              </a:rPr>
+              <a:t>Using this modeling, we consider a beer’s K nearest neighbors to determine if they are an Ale or an IPA.</a:t>
+            </a:r>
+          </a:p>
+          <a:p>
+            <a:pPr lvl="1"/>
+            <a:r>
+              <a:rPr lang="en-US" sz="1200" dirty="0">
+                <a:solidFill>
+                  <a:schemeClr val="bg1"/>
+                </a:solidFill>
+              </a:rPr>
+              <a:t>Beers are plotted by their ABV and IBU.</a:t>
+            </a:r>
+          </a:p>
+          <a:p>
+            <a:pPr lvl="1"/>
+            <a:r>
+              <a:rPr lang="en-US" sz="1200" dirty="0">
+                <a:solidFill>
+                  <a:schemeClr val="bg1"/>
+                </a:solidFill>
+              </a:rPr>
+              <a:t>Each neighbor holds 1 vote, majority wins.</a:t>
+            </a:r>
+          </a:p>
+          <a:p>
+            <a:r>
+              <a:rPr lang="en-US" sz="1200" dirty="0">
+                <a:solidFill>
+                  <a:schemeClr val="bg1"/>
+                </a:solidFill>
+              </a:rPr>
+              <a:t>Sensitivity: Proportion of ‘Ale’ predictions that are correct.</a:t>
+            </a:r>
+          </a:p>
+          <a:p>
+            <a:r>
+              <a:rPr lang="en-US" sz="1200" dirty="0">
+                <a:solidFill>
+                  <a:schemeClr val="bg1"/>
+                </a:solidFill>
+              </a:rPr>
+              <a:t>Specificity: Proportion of ‘IPA’ predictions that are correct.</a:t>
+            </a:r>
+          </a:p>
+        </p:txBody>
+      </p:sp>
       <p:pic>
         <p:nvPicPr>
-          <p:cNvPr id="5" name="Picture 4" descr="Chart, scatter chart&#10;&#10;Description automatically generated">
-            <a:extLst>
-              <a:ext uri="{FF2B5EF4-FFF2-40B4-BE49-F238E27FC236}">
-                <a16:creationId xmlns:a16="http://schemas.microsoft.com/office/drawing/2014/main" id="{0EF2880A-BB78-4203-B182-27A2A184B38E}"/>
+          <p:cNvPr id="4" name="Picture 3" descr="Chart, line chart, histogram&#10;&#10;Description automatically generated">
+            <a:extLst>
+              <a:ext uri="{FF2B5EF4-FFF2-40B4-BE49-F238E27FC236}">
+                <a16:creationId xmlns:a16="http://schemas.microsoft.com/office/drawing/2014/main" id="{006B6356-688F-40D0-BA7A-C369E7FE7597}"/>
               </a:ext>
             </a:extLst>
           </p:cNvPr>
@@ -7571,25 +7867,648 @@
           <p:nvPr/>
         </p:nvPicPr>
         <p:blipFill>
-          <a:blip r:embed="rId3"/>
+          <a:blip r:embed="rId2"/>
           <a:stretch>
             <a:fillRect/>
           </a:stretch>
         </p:blipFill>
         <p:spPr>
           <a:xfrm>
-            <a:off x="359899" y="2833201"/>
-            <a:ext cx="5546955" cy="3425244"/>
+            <a:off x="972404" y="2470651"/>
+            <a:ext cx="4488373" cy="2771570"/>
           </a:xfrm>
           <a:prstGeom prst="rect">
             <a:avLst/>
           </a:prstGeom>
         </p:spPr>
       </p:pic>
+      <p:graphicFrame>
+        <p:nvGraphicFramePr>
+          <p:cNvPr id="6" name="Table 6">
+            <a:extLst>
+              <a:ext uri="{FF2B5EF4-FFF2-40B4-BE49-F238E27FC236}">
+                <a16:creationId xmlns:a16="http://schemas.microsoft.com/office/drawing/2014/main" id="{99579B12-F94A-440E-8145-84C0D7443CF4}"/>
+              </a:ext>
+            </a:extLst>
+          </p:cNvPr>
+          <p:cNvGraphicFramePr>
+            <a:graphicFrameLocks noGrp="1"/>
+          </p:cNvGraphicFramePr>
+          <p:nvPr>
+            <p:extLst>
+              <p:ext uri="{D42A27DB-BD31-4B8C-83A1-F6EECF244321}">
+                <p14:modId xmlns:p14="http://schemas.microsoft.com/office/powerpoint/2010/main" val="668098323"/>
+              </p:ext>
+            </p:extLst>
+          </p:nvPr>
+        </p:nvGraphicFramePr>
+        <p:xfrm>
+          <a:off x="6079297" y="2565144"/>
+          <a:ext cx="5546956" cy="1727712"/>
+        </p:xfrm>
+        <a:graphic>
+          <a:graphicData uri="http://schemas.openxmlformats.org/drawingml/2006/table">
+            <a:tbl>
+              <a:tblPr firstRow="1" bandRow="1">
+                <a:tableStyleId>{93296810-A885-4BE3-A3E7-6D5BEEA58F35}</a:tableStyleId>
+              </a:tblPr>
+              <a:tblGrid>
+                <a:gridCol w="2315974">
+                  <a:extLst>
+                    <a:ext uri="{9D8B030D-6E8A-4147-A177-3AD203B41FA5}">
+                      <a16:colId xmlns:a16="http://schemas.microsoft.com/office/drawing/2014/main" val="3146153261"/>
+                    </a:ext>
+                  </a:extLst>
+                </a:gridCol>
+                <a:gridCol w="2250304">
+                  <a:extLst>
+                    <a:ext uri="{9D8B030D-6E8A-4147-A177-3AD203B41FA5}">
+                      <a16:colId xmlns:a16="http://schemas.microsoft.com/office/drawing/2014/main" val="2940848280"/>
+                    </a:ext>
+                  </a:extLst>
+                </a:gridCol>
+                <a:gridCol w="980678">
+                  <a:extLst>
+                    <a:ext uri="{9D8B030D-6E8A-4147-A177-3AD203B41FA5}">
+                      <a16:colId xmlns:a16="http://schemas.microsoft.com/office/drawing/2014/main" val="1326506330"/>
+                    </a:ext>
+                  </a:extLst>
+                </a:gridCol>
+              </a:tblGrid>
+              <a:tr h="424170">
+                <a:tc>
+                  <a:txBody>
+                    <a:bodyPr/>
+                    <a:lstStyle/>
+                    <a:p>
+                      <a:pPr algn="ctr"/>
+                      <a:r>
+                        <a:rPr lang="en-US" sz="1800" dirty="0"/>
+                        <a:t>Statistic</a:t>
+                      </a:r>
+                    </a:p>
+                  </a:txBody>
+                  <a:tcPr marL="157609" marR="157609" marT="78804" marB="78804">
+                    <a:solidFill>
+                      <a:schemeClr val="accent6">
+                        <a:lumMod val="75000"/>
+                      </a:schemeClr>
+                    </a:solidFill>
+                  </a:tcPr>
+                </a:tc>
+                <a:tc>
+                  <a:txBody>
+                    <a:bodyPr/>
+                    <a:lstStyle/>
+                    <a:p>
+                      <a:pPr algn="ctr"/>
+                      <a:r>
+                        <a:rPr lang="en-US" sz="1800"/>
+                        <a:t>Maximum Value</a:t>
+                      </a:r>
+                    </a:p>
+                  </a:txBody>
+                  <a:tcPr marL="157609" marR="157609" marT="78804" marB="78804">
+                    <a:solidFill>
+                      <a:schemeClr val="accent6">
+                        <a:lumMod val="75000"/>
+                      </a:schemeClr>
+                    </a:solidFill>
+                  </a:tcPr>
+                </a:tc>
+                <a:tc>
+                  <a:txBody>
+                    <a:bodyPr/>
+                    <a:lstStyle/>
+                    <a:p>
+                      <a:pPr algn="ctr"/>
+                      <a:r>
+                        <a:rPr lang="en-US" sz="1800"/>
+                        <a:t>K</a:t>
+                      </a:r>
+                    </a:p>
+                  </a:txBody>
+                  <a:tcPr marL="157609" marR="157609" marT="78804" marB="78804">
+                    <a:solidFill>
+                      <a:schemeClr val="accent6">
+                        <a:lumMod val="75000"/>
+                      </a:schemeClr>
+                    </a:solidFill>
+                  </a:tcPr>
+                </a:tc>
+                <a:extLst>
+                  <a:ext uri="{0D108BD9-81ED-4DB2-BD59-A6C34878D82A}">
+                    <a16:rowId xmlns:a16="http://schemas.microsoft.com/office/drawing/2014/main" val="3449803977"/>
+                  </a:ext>
+                </a:extLst>
+              </a:tr>
+              <a:tr h="242404">
+                <a:tc>
+                  <a:txBody>
+                    <a:bodyPr/>
+                    <a:lstStyle/>
+                    <a:p>
+                      <a:pPr algn="ctr"/>
+                      <a:r>
+                        <a:rPr lang="en-US" sz="1800"/>
+                        <a:t>Accuracy</a:t>
+                      </a:r>
+                    </a:p>
+                  </a:txBody>
+                  <a:tcPr marL="157609" marR="157609" marT="78804" marB="78804"/>
+                </a:tc>
+                <a:tc>
+                  <a:txBody>
+                    <a:bodyPr/>
+                    <a:lstStyle/>
+                    <a:p>
+                      <a:pPr algn="ctr"/>
+                      <a:r>
+                        <a:rPr lang="en-US" sz="1800"/>
+                        <a:t>91.2%</a:t>
+                      </a:r>
+                    </a:p>
+                  </a:txBody>
+                  <a:tcPr marL="157609" marR="157609" marT="78804" marB="78804"/>
+                </a:tc>
+                <a:tc>
+                  <a:txBody>
+                    <a:bodyPr/>
+                    <a:lstStyle/>
+                    <a:p>
+                      <a:pPr algn="ctr"/>
+                      <a:r>
+                        <a:rPr lang="en-US" sz="1800"/>
+                        <a:t>5</a:t>
+                      </a:r>
+                    </a:p>
+                  </a:txBody>
+                  <a:tcPr marL="157609" marR="157609" marT="78804" marB="78804"/>
+                </a:tc>
+                <a:extLst>
+                  <a:ext uri="{0D108BD9-81ED-4DB2-BD59-A6C34878D82A}">
+                    <a16:rowId xmlns:a16="http://schemas.microsoft.com/office/drawing/2014/main" val="1456734244"/>
+                  </a:ext>
+                </a:extLst>
+              </a:tr>
+              <a:tr h="242404">
+                <a:tc>
+                  <a:txBody>
+                    <a:bodyPr/>
+                    <a:lstStyle/>
+                    <a:p>
+                      <a:pPr algn="ctr"/>
+                      <a:r>
+                        <a:rPr lang="en-US" sz="1800"/>
+                        <a:t>Sensitivity</a:t>
+                      </a:r>
+                    </a:p>
+                  </a:txBody>
+                  <a:tcPr marL="157609" marR="157609" marT="78804" marB="78804"/>
+                </a:tc>
+                <a:tc>
+                  <a:txBody>
+                    <a:bodyPr/>
+                    <a:lstStyle/>
+                    <a:p>
+                      <a:pPr algn="ctr"/>
+                      <a:r>
+                        <a:rPr lang="en-US" sz="1800"/>
+                        <a:t>95.0%</a:t>
+                      </a:r>
+                    </a:p>
+                  </a:txBody>
+                  <a:tcPr marL="157609" marR="157609" marT="78804" marB="78804"/>
+                </a:tc>
+                <a:tc>
+                  <a:txBody>
+                    <a:bodyPr/>
+                    <a:lstStyle/>
+                    <a:p>
+                      <a:pPr algn="ctr"/>
+                      <a:r>
+                        <a:rPr lang="en-US" sz="1800"/>
+                        <a:t>13</a:t>
+                      </a:r>
+                    </a:p>
+                  </a:txBody>
+                  <a:tcPr marL="157609" marR="157609" marT="78804" marB="78804"/>
+                </a:tc>
+                <a:extLst>
+                  <a:ext uri="{0D108BD9-81ED-4DB2-BD59-A6C34878D82A}">
+                    <a16:rowId xmlns:a16="http://schemas.microsoft.com/office/drawing/2014/main" val="2343149834"/>
+                  </a:ext>
+                </a:extLst>
+              </a:tr>
+              <a:tr h="242404">
+                <a:tc>
+                  <a:txBody>
+                    <a:bodyPr/>
+                    <a:lstStyle/>
+                    <a:p>
+                      <a:pPr algn="ctr"/>
+                      <a:r>
+                        <a:rPr lang="en-US" sz="1800"/>
+                        <a:t>Specificity</a:t>
+                      </a:r>
+                    </a:p>
+                  </a:txBody>
+                  <a:tcPr marL="157609" marR="157609" marT="78804" marB="78804"/>
+                </a:tc>
+                <a:tc>
+                  <a:txBody>
+                    <a:bodyPr/>
+                    <a:lstStyle/>
+                    <a:p>
+                      <a:pPr algn="ctr"/>
+                      <a:r>
+                        <a:rPr lang="en-US" sz="1800"/>
+                        <a:t>88.2%</a:t>
+                      </a:r>
+                    </a:p>
+                  </a:txBody>
+                  <a:tcPr marL="157609" marR="157609" marT="78804" marB="78804"/>
+                </a:tc>
+                <a:tc>
+                  <a:txBody>
+                    <a:bodyPr/>
+                    <a:lstStyle/>
+                    <a:p>
+                      <a:pPr algn="ctr"/>
+                      <a:r>
+                        <a:rPr lang="en-US" sz="1800" dirty="0"/>
+                        <a:t>97</a:t>
+                      </a:r>
+                    </a:p>
+                  </a:txBody>
+                  <a:tcPr marL="157609" marR="157609" marT="78804" marB="78804"/>
+                </a:tc>
+                <a:extLst>
+                  <a:ext uri="{0D108BD9-81ED-4DB2-BD59-A6C34878D82A}">
+                    <a16:rowId xmlns:a16="http://schemas.microsoft.com/office/drawing/2014/main" val="1933025217"/>
+                  </a:ext>
+                </a:extLst>
+              </a:tr>
+            </a:tbl>
+          </a:graphicData>
+        </a:graphic>
+      </p:graphicFrame>
+      <p:graphicFrame>
+        <p:nvGraphicFramePr>
+          <p:cNvPr id="9" name="Table 6">
+            <a:extLst>
+              <a:ext uri="{FF2B5EF4-FFF2-40B4-BE49-F238E27FC236}">
+                <a16:creationId xmlns:a16="http://schemas.microsoft.com/office/drawing/2014/main" id="{ECE4BF74-EA05-4614-B017-30D902D32DB0}"/>
+              </a:ext>
+            </a:extLst>
+          </p:cNvPr>
+          <p:cNvGraphicFramePr>
+            <a:graphicFrameLocks noGrp="1"/>
+          </p:cNvGraphicFramePr>
+          <p:nvPr>
+            <p:extLst>
+              <p:ext uri="{D42A27DB-BD31-4B8C-83A1-F6EECF244321}">
+                <p14:modId xmlns:p14="http://schemas.microsoft.com/office/powerpoint/2010/main" val="3280851136"/>
+              </p:ext>
+            </p:extLst>
+          </p:nvPr>
+        </p:nvGraphicFramePr>
+        <p:xfrm>
+          <a:off x="6112704" y="4660813"/>
+          <a:ext cx="5546956" cy="1727712"/>
+        </p:xfrm>
+        <a:graphic>
+          <a:graphicData uri="http://schemas.openxmlformats.org/drawingml/2006/table">
+            <a:tbl>
+              <a:tblPr firstRow="1" bandRow="1">
+                <a:tableStyleId>{93296810-A885-4BE3-A3E7-6D5BEEA58F35}</a:tableStyleId>
+              </a:tblPr>
+              <a:tblGrid>
+                <a:gridCol w="2315974">
+                  <a:extLst>
+                    <a:ext uri="{9D8B030D-6E8A-4147-A177-3AD203B41FA5}">
+                      <a16:colId xmlns:a16="http://schemas.microsoft.com/office/drawing/2014/main" val="3146153261"/>
+                    </a:ext>
+                  </a:extLst>
+                </a:gridCol>
+                <a:gridCol w="2250304">
+                  <a:extLst>
+                    <a:ext uri="{9D8B030D-6E8A-4147-A177-3AD203B41FA5}">
+                      <a16:colId xmlns:a16="http://schemas.microsoft.com/office/drawing/2014/main" val="2940848280"/>
+                    </a:ext>
+                  </a:extLst>
+                </a:gridCol>
+                <a:gridCol w="980678">
+                  <a:extLst>
+                    <a:ext uri="{9D8B030D-6E8A-4147-A177-3AD203B41FA5}">
+                      <a16:colId xmlns:a16="http://schemas.microsoft.com/office/drawing/2014/main" val="1326506330"/>
+                    </a:ext>
+                  </a:extLst>
+                </a:gridCol>
+              </a:tblGrid>
+              <a:tr h="424170">
+                <a:tc>
+                  <a:txBody>
+                    <a:bodyPr/>
+                    <a:lstStyle/>
+                    <a:p>
+                      <a:pPr algn="ctr"/>
+                      <a:r>
+                        <a:rPr lang="en-US" sz="1800" dirty="0"/>
+                        <a:t>Statistic</a:t>
+                      </a:r>
+                    </a:p>
+                  </a:txBody>
+                  <a:tcPr marL="157609" marR="157609" marT="78804" marB="78804">
+                    <a:solidFill>
+                      <a:schemeClr val="accent6">
+                        <a:lumMod val="75000"/>
+                      </a:schemeClr>
+                    </a:solidFill>
+                  </a:tcPr>
+                </a:tc>
+                <a:tc>
+                  <a:txBody>
+                    <a:bodyPr/>
+                    <a:lstStyle/>
+                    <a:p>
+                      <a:pPr algn="ctr"/>
+                      <a:r>
+                        <a:rPr lang="en-US" sz="1800" dirty="0"/>
+                        <a:t>Value</a:t>
+                      </a:r>
+                    </a:p>
+                  </a:txBody>
+                  <a:tcPr marL="157609" marR="157609" marT="78804" marB="78804">
+                    <a:solidFill>
+                      <a:schemeClr val="accent6">
+                        <a:lumMod val="75000"/>
+                      </a:schemeClr>
+                    </a:solidFill>
+                  </a:tcPr>
+                </a:tc>
+                <a:tc>
+                  <a:txBody>
+                    <a:bodyPr/>
+                    <a:lstStyle/>
+                    <a:p>
+                      <a:pPr algn="ctr"/>
+                      <a:r>
+                        <a:rPr lang="en-US" sz="1800"/>
+                        <a:t>K</a:t>
+                      </a:r>
+                    </a:p>
+                  </a:txBody>
+                  <a:tcPr marL="157609" marR="157609" marT="78804" marB="78804">
+                    <a:solidFill>
+                      <a:schemeClr val="accent6">
+                        <a:lumMod val="75000"/>
+                      </a:schemeClr>
+                    </a:solidFill>
+                  </a:tcPr>
+                </a:tc>
+                <a:extLst>
+                  <a:ext uri="{0D108BD9-81ED-4DB2-BD59-A6C34878D82A}">
+                    <a16:rowId xmlns:a16="http://schemas.microsoft.com/office/drawing/2014/main" val="3449803977"/>
+                  </a:ext>
+                </a:extLst>
+              </a:tr>
+              <a:tr h="242404">
+                <a:tc>
+                  <a:txBody>
+                    <a:bodyPr/>
+                    <a:lstStyle/>
+                    <a:p>
+                      <a:pPr algn="ctr"/>
+                      <a:r>
+                        <a:rPr lang="en-US" sz="1800"/>
+                        <a:t>Accuracy</a:t>
+                      </a:r>
+                    </a:p>
+                  </a:txBody>
+                  <a:tcPr marL="157609" marR="157609" marT="78804" marB="78804"/>
+                </a:tc>
+                <a:tc>
+                  <a:txBody>
+                    <a:bodyPr/>
+                    <a:lstStyle/>
+                    <a:p>
+                      <a:pPr algn="ctr"/>
+                      <a:r>
+                        <a:rPr lang="en-US" sz="1800" dirty="0"/>
+                        <a:t>91.7%</a:t>
+                      </a:r>
+                    </a:p>
+                  </a:txBody>
+                  <a:tcPr marL="157609" marR="157609" marT="78804" marB="78804"/>
+                </a:tc>
+                <a:tc>
+                  <a:txBody>
+                    <a:bodyPr/>
+                    <a:lstStyle/>
+                    <a:p>
+                      <a:pPr algn="ctr"/>
+                      <a:r>
+                        <a:rPr lang="en-US" sz="1800"/>
+                        <a:t>5</a:t>
+                      </a:r>
+                    </a:p>
+                  </a:txBody>
+                  <a:tcPr marL="157609" marR="157609" marT="78804" marB="78804"/>
+                </a:tc>
+                <a:extLst>
+                  <a:ext uri="{0D108BD9-81ED-4DB2-BD59-A6C34878D82A}">
+                    <a16:rowId xmlns:a16="http://schemas.microsoft.com/office/drawing/2014/main" val="1456734244"/>
+                  </a:ext>
+                </a:extLst>
+              </a:tr>
+              <a:tr h="242404">
+                <a:tc>
+                  <a:txBody>
+                    <a:bodyPr/>
+                    <a:lstStyle/>
+                    <a:p>
+                      <a:pPr algn="ctr"/>
+                      <a:r>
+                        <a:rPr lang="en-US" sz="1800"/>
+                        <a:t>Sensitivity</a:t>
+                      </a:r>
+                    </a:p>
+                  </a:txBody>
+                  <a:tcPr marL="157609" marR="157609" marT="78804" marB="78804"/>
+                </a:tc>
+                <a:tc>
+                  <a:txBody>
+                    <a:bodyPr/>
+                    <a:lstStyle/>
+                    <a:p>
+                      <a:pPr algn="ctr"/>
+                      <a:r>
+                        <a:rPr lang="en-US" sz="1800" dirty="0"/>
+                        <a:t>95.1%</a:t>
+                      </a:r>
+                    </a:p>
+                  </a:txBody>
+                  <a:tcPr marL="157609" marR="157609" marT="78804" marB="78804"/>
+                </a:tc>
+                <a:tc>
+                  <a:txBody>
+                    <a:bodyPr/>
+                    <a:lstStyle/>
+                    <a:p>
+                      <a:pPr algn="ctr"/>
+                      <a:r>
+                        <a:rPr lang="en-US" sz="1800" dirty="0"/>
+                        <a:t>5</a:t>
+                      </a:r>
+                    </a:p>
+                  </a:txBody>
+                  <a:tcPr marL="157609" marR="157609" marT="78804" marB="78804"/>
+                </a:tc>
+                <a:extLst>
+                  <a:ext uri="{0D108BD9-81ED-4DB2-BD59-A6C34878D82A}">
+                    <a16:rowId xmlns:a16="http://schemas.microsoft.com/office/drawing/2014/main" val="2343149834"/>
+                  </a:ext>
+                </a:extLst>
+              </a:tr>
+              <a:tr h="242404">
+                <a:tc>
+                  <a:txBody>
+                    <a:bodyPr/>
+                    <a:lstStyle/>
+                    <a:p>
+                      <a:pPr algn="ctr"/>
+                      <a:r>
+                        <a:rPr lang="en-US" sz="1800" dirty="0"/>
+                        <a:t>Specificity</a:t>
+                      </a:r>
+                    </a:p>
+                  </a:txBody>
+                  <a:tcPr marL="157609" marR="157609" marT="78804" marB="78804"/>
+                </a:tc>
+                <a:tc>
+                  <a:txBody>
+                    <a:bodyPr/>
+                    <a:lstStyle/>
+                    <a:p>
+                      <a:pPr algn="ctr"/>
+                      <a:r>
+                        <a:rPr lang="en-US" sz="1800" dirty="0"/>
+                        <a:t>86.2%</a:t>
+                      </a:r>
+                    </a:p>
+                  </a:txBody>
+                  <a:tcPr marL="157609" marR="157609" marT="78804" marB="78804"/>
+                </a:tc>
+                <a:tc>
+                  <a:txBody>
+                    <a:bodyPr/>
+                    <a:lstStyle/>
+                    <a:p>
+                      <a:pPr algn="ctr"/>
+                      <a:r>
+                        <a:rPr lang="en-US" sz="1800" dirty="0"/>
+                        <a:t>5</a:t>
+                      </a:r>
+                    </a:p>
+                  </a:txBody>
+                  <a:tcPr marL="157609" marR="157609" marT="78804" marB="78804"/>
+                </a:tc>
+                <a:extLst>
+                  <a:ext uri="{0D108BD9-81ED-4DB2-BD59-A6C34878D82A}">
+                    <a16:rowId xmlns:a16="http://schemas.microsoft.com/office/drawing/2014/main" val="1933025217"/>
+                  </a:ext>
+                </a:extLst>
+              </a:tr>
+            </a:tbl>
+          </a:graphicData>
+        </a:graphic>
+      </p:graphicFrame>
+      <p:sp>
+        <p:nvSpPr>
+          <p:cNvPr id="7" name="TextBox 6">
+            <a:extLst>
+              <a:ext uri="{FF2B5EF4-FFF2-40B4-BE49-F238E27FC236}">
+                <a16:creationId xmlns:a16="http://schemas.microsoft.com/office/drawing/2014/main" id="{C56264E9-F87D-47C0-83F3-ABFD24EF8790}"/>
+              </a:ext>
+            </a:extLst>
+          </p:cNvPr>
+          <p:cNvSpPr txBox="1"/>
+          <p:nvPr/>
+        </p:nvSpPr>
+        <p:spPr>
+          <a:xfrm>
+            <a:off x="1420923" y="2373011"/>
+            <a:ext cx="3797346" cy="338554"/>
+          </a:xfrm>
+          <a:prstGeom prst="rect">
+            <a:avLst/>
+          </a:prstGeom>
+          <a:noFill/>
+        </p:spPr>
+        <p:txBody>
+          <a:bodyPr wrap="square" rtlCol="0">
+            <a:spAutoFit/>
+          </a:bodyPr>
+          <a:lstStyle/>
+          <a:p>
+            <a:r>
+              <a:rPr lang="en-US" sz="1600" dirty="0"/>
+              <a:t>Mean Accuracy of 100 Models by K-value</a:t>
+            </a:r>
+          </a:p>
+        </p:txBody>
+      </p:sp>
+      <p:sp>
+        <p:nvSpPr>
+          <p:cNvPr id="12" name="TextBox 11">
+            <a:extLst>
+              <a:ext uri="{FF2B5EF4-FFF2-40B4-BE49-F238E27FC236}">
+                <a16:creationId xmlns:a16="http://schemas.microsoft.com/office/drawing/2014/main" id="{9036F28D-C077-4413-A64C-EDB447F2A9DA}"/>
+              </a:ext>
+            </a:extLst>
+          </p:cNvPr>
+          <p:cNvSpPr txBox="1"/>
+          <p:nvPr/>
+        </p:nvSpPr>
+        <p:spPr>
+          <a:xfrm>
+            <a:off x="805108" y="5224538"/>
+            <a:ext cx="4735879" cy="1477328"/>
+          </a:xfrm>
+          <a:prstGeom prst="rect">
+            <a:avLst/>
+          </a:prstGeom>
+          <a:solidFill>
+            <a:schemeClr val="accent6">
+              <a:lumMod val="40000"/>
+              <a:lumOff val="60000"/>
+            </a:schemeClr>
+          </a:solidFill>
+          <a:ln w="28575">
+            <a:solidFill>
+              <a:schemeClr val="tx1"/>
+            </a:solidFill>
+          </a:ln>
+        </p:spPr>
+        <p:txBody>
+          <a:bodyPr wrap="square" rtlCol="0">
+            <a:spAutoFit/>
+          </a:bodyPr>
+          <a:lstStyle/>
+          <a:p>
+            <a:pPr algn="ctr"/>
+            <a:r>
+              <a:rPr lang="en-US" dirty="0"/>
+              <a:t>When considering only ABV and IBU, a KNN model can identify whether a beer is an Ale or IPA with &gt;90% accuracy. Therefore, we can conclude that ABV and IBU do not vary extremely within Styles.</a:t>
+            </a:r>
+          </a:p>
+        </p:txBody>
+      </p:sp>
     </p:spTree>
     <p:extLst>
       <p:ext uri="{BB962C8B-B14F-4D97-AF65-F5344CB8AC3E}">
-        <p14:creationId xmlns:p14="http://schemas.microsoft.com/office/powerpoint/2010/main" val="2613469178"/>
+        <p14:creationId xmlns:p14="http://schemas.microsoft.com/office/powerpoint/2010/main" val="489885532"/>
       </p:ext>
     </p:extLst>
   </p:cSld>

--- a/EDA_Presentation.pptx
+++ b/EDA_Presentation.pptx
@@ -5922,7 +5922,7 @@
                   <a:schemeClr val="bg1"/>
                 </a:solidFill>
               </a:rPr>
-              <a:t>While there is a large range of mean IBUs, the majority of states exist within 30-40 IBU.</a:t>
+              <a:t>While there is a large range of mean IBUs, most states exist within 30-40 IBU.</a:t>
             </a:r>
           </a:p>
           <a:p>
@@ -6038,7 +6038,7 @@
             <a:pPr algn="ctr"/>
             <a:r>
               <a:rPr lang="en-US" dirty="0"/>
-              <a:t>Our mean IBU and ABV should ideally be within the range of 30-40 IBU and 5%-6% ABV.</a:t>
+              <a:t>Our median IBU and ABV should ideally be within the range of 30-40 IBU and 5%-6% ABV.</a:t>
             </a:r>
           </a:p>
         </p:txBody>
@@ -7507,7 +7507,7 @@
         </p:nvSpPr>
         <p:spPr>
           <a:xfrm>
-            <a:off x="7239572" y="3890752"/>
+            <a:off x="6819378" y="3752252"/>
             <a:ext cx="4735879" cy="1200329"/>
           </a:xfrm>
           <a:prstGeom prst="rect">
@@ -7837,7 +7837,7 @@
                   <a:schemeClr val="bg1"/>
                 </a:solidFill>
               </a:rPr>
-              <a:t>Sensitivity: Proportion of ‘Ale’ predictions that are correct.</a:t>
+              <a:t>Sensitivity: The percentage of Ales that were identified correctly. </a:t>
             </a:r>
           </a:p>
           <a:p>
@@ -7847,7 +7847,7 @@
                   <a:schemeClr val="bg1"/>
                 </a:solidFill>
               </a:rPr>
-              <a:t>Specificity: Proportion of ‘IPA’ predictions that are correct.</a:t>
+              <a:t>Specificity: The percentage of IPA’s that were identified correctly.</a:t>
             </a:r>
           </a:p>
         </p:txBody>
@@ -7897,7 +7897,7 @@
           <p:nvPr>
             <p:extLst>
               <p:ext uri="{D42A27DB-BD31-4B8C-83A1-F6EECF244321}">
-                <p14:modId xmlns:p14="http://schemas.microsoft.com/office/powerpoint/2010/main" val="668098323"/>
+                <p14:modId xmlns:p14="http://schemas.microsoft.com/office/powerpoint/2010/main" val="1078635642"/>
               </p:ext>
             </p:extLst>
           </p:nvPr>
@@ -7983,7 +7983,7 @@
                     <a:p>
                       <a:pPr algn="ctr"/>
                       <a:r>
-                        <a:rPr lang="en-US" sz="1800"/>
+                        <a:rPr lang="en-US" sz="1800" dirty="0"/>
                         <a:t>K</a:t>
                       </a:r>
                     </a:p>
@@ -8059,8 +8059,8 @@
                     <a:p>
                       <a:pPr algn="ctr"/>
                       <a:r>
-                        <a:rPr lang="en-US" sz="1800"/>
-                        <a:t>Sensitivity</a:t>
+                        <a:rPr lang="en-US" sz="1800" dirty="0"/>
+                        <a:t>Sensitivity (Ale)</a:t>
                       </a:r>
                     </a:p>
                   </a:txBody>
@@ -8108,8 +8108,8 @@
                     <a:p>
                       <a:pPr algn="ctr"/>
                       <a:r>
-                        <a:rPr lang="en-US" sz="1800"/>
-                        <a:t>Specificity</a:t>
+                        <a:rPr lang="en-US" sz="1800" dirty="0"/>
+                        <a:t>Specificity (IPA)</a:t>
                       </a:r>
                     </a:p>
                   </a:txBody>
@@ -8168,7 +8168,7 @@
           <p:nvPr>
             <p:extLst>
               <p:ext uri="{D42A27DB-BD31-4B8C-83A1-F6EECF244321}">
-                <p14:modId xmlns:p14="http://schemas.microsoft.com/office/powerpoint/2010/main" val="3280851136"/>
+                <p14:modId xmlns:p14="http://schemas.microsoft.com/office/powerpoint/2010/main" val="1507523953"/>
               </p:ext>
             </p:extLst>
           </p:nvPr>
@@ -8330,8 +8330,8 @@
                     <a:p>
                       <a:pPr algn="ctr"/>
                       <a:r>
-                        <a:rPr lang="en-US" sz="1800"/>
-                        <a:t>Sensitivity</a:t>
+                        <a:rPr lang="en-US" sz="1800" dirty="0"/>
+                        <a:t>Sensitivity (Ale)</a:t>
                       </a:r>
                     </a:p>
                   </a:txBody>
@@ -8380,7 +8380,7 @@
                       <a:pPr algn="ctr"/>
                       <a:r>
                         <a:rPr lang="en-US" sz="1800" dirty="0"/>
-                        <a:t>Specificity</a:t>
+                        <a:t>Specificity (IPA)</a:t>
                       </a:r>
                     </a:p>
                   </a:txBody>

--- a/EDA_Presentation.pptx
+++ b/EDA_Presentation.pptx
@@ -5,7 +5,7 @@
     <p:sldMasterId id="2147483648" r:id="rId1"/>
   </p:sldMasterIdLst>
   <p:notesMasterIdLst>
-    <p:notesMasterId r:id="rId14"/>
+    <p:notesMasterId r:id="rId16"/>
   </p:notesMasterIdLst>
   <p:sldIdLst>
     <p:sldId id="256" r:id="rId2"/>
@@ -18,8 +18,10 @@
     <p:sldId id="263" r:id="rId9"/>
     <p:sldId id="272" r:id="rId10"/>
     <p:sldId id="273" r:id="rId11"/>
-    <p:sldId id="264" r:id="rId12"/>
-    <p:sldId id="271" r:id="rId13"/>
+    <p:sldId id="276" r:id="rId12"/>
+    <p:sldId id="275" r:id="rId13"/>
+    <p:sldId id="264" r:id="rId14"/>
+    <p:sldId id="271" r:id="rId15"/>
   </p:sldIdLst>
   <p:sldSz cx="12192000" cy="6858000"/>
   <p:notesSz cx="6858000" cy="9144000"/>
@@ -4061,6 +4063,1454 @@
 <file path=ppt/slides/slide11.xml><?xml version="1.0" encoding="utf-8"?>
 <p:sld xmlns:a="http://schemas.openxmlformats.org/drawingml/2006/main" xmlns:r="http://schemas.openxmlformats.org/officeDocument/2006/relationships" xmlns:p="http://schemas.openxmlformats.org/presentationml/2006/main">
   <p:cSld>
+    <p:spTree>
+      <p:nvGrpSpPr>
+        <p:cNvPr id="1" name=""/>
+        <p:cNvGrpSpPr/>
+        <p:nvPr/>
+      </p:nvGrpSpPr>
+      <p:grpSpPr>
+        <a:xfrm>
+          <a:off x="0" y="0"/>
+          <a:ext cx="0" cy="0"/>
+          <a:chOff x="0" y="0"/>
+          <a:chExt cx="0" cy="0"/>
+        </a:xfrm>
+      </p:grpSpPr>
+      <p:sp>
+        <p:nvSpPr>
+          <p:cNvPr id="2" name="Title 1">
+            <a:extLst>
+              <a:ext uri="{FF2B5EF4-FFF2-40B4-BE49-F238E27FC236}">
+                <a16:creationId xmlns:a16="http://schemas.microsoft.com/office/drawing/2014/main" id="{20FDEE60-E8C5-4C1D-8F74-C3A1BFD96C23}"/>
+              </a:ext>
+            </a:extLst>
+          </p:cNvPr>
+          <p:cNvSpPr>
+            <a:spLocks noGrp="1"/>
+          </p:cNvSpPr>
+          <p:nvPr>
+            <p:ph type="title"/>
+          </p:nvPr>
+        </p:nvSpPr>
+        <p:spPr/>
+        <p:txBody>
+          <a:bodyPr/>
+          <a:lstStyle/>
+          <a:p>
+            <a:r>
+              <a:rPr lang="en-US" dirty="0"/>
+              <a:t>Kruskal Wallis – Rank Sum Test Results</a:t>
+            </a:r>
+          </a:p>
+        </p:txBody>
+      </p:sp>
+      <p:sp>
+        <p:nvSpPr>
+          <p:cNvPr id="3" name="Content Placeholder 2">
+            <a:extLst>
+              <a:ext uri="{FF2B5EF4-FFF2-40B4-BE49-F238E27FC236}">
+                <a16:creationId xmlns:a16="http://schemas.microsoft.com/office/drawing/2014/main" id="{B76479C2-F10B-4B38-A564-DCCBB5BE03C4}"/>
+              </a:ext>
+            </a:extLst>
+          </p:cNvPr>
+          <p:cNvSpPr>
+            <a:spLocks noGrp="1"/>
+          </p:cNvSpPr>
+          <p:nvPr>
+            <p:ph idx="1"/>
+          </p:nvPr>
+        </p:nvSpPr>
+        <p:spPr/>
+        <p:txBody>
+          <a:bodyPr/>
+          <a:lstStyle/>
+          <a:p>
+            <a:endParaRPr lang="en-US"/>
+          </a:p>
+        </p:txBody>
+      </p:sp>
+    </p:spTree>
+    <p:extLst>
+      <p:ext uri="{BB962C8B-B14F-4D97-AF65-F5344CB8AC3E}">
+        <p14:creationId xmlns:p14="http://schemas.microsoft.com/office/powerpoint/2010/main" val="2853897444"/>
+      </p:ext>
+    </p:extLst>
+  </p:cSld>
+  <p:clrMapOvr>
+    <a:masterClrMapping/>
+  </p:clrMapOvr>
+</p:sld>
+</file>
+
+<file path=ppt/slides/slide12.xml><?xml version="1.0" encoding="utf-8"?>
+<p:sld xmlns:a="http://schemas.openxmlformats.org/drawingml/2006/main" xmlns:r="http://schemas.openxmlformats.org/officeDocument/2006/relationships" xmlns:p="http://schemas.openxmlformats.org/presentationml/2006/main">
+  <p:cSld>
+    <p:bg>
+      <p:bgPr>
+        <a:solidFill>
+          <a:schemeClr val="bg1"/>
+        </a:solidFill>
+        <a:effectLst/>
+      </p:bgPr>
+    </p:bg>
+    <p:spTree>
+      <p:nvGrpSpPr>
+        <p:cNvPr id="1" name=""/>
+        <p:cNvGrpSpPr/>
+        <p:nvPr/>
+      </p:nvGrpSpPr>
+      <p:grpSpPr>
+        <a:xfrm>
+          <a:off x="0" y="0"/>
+          <a:ext cx="0" cy="0"/>
+          <a:chOff x="0" y="0"/>
+          <a:chExt cx="0" cy="0"/>
+        </a:xfrm>
+      </p:grpSpPr>
+      <p:sp>
+        <p:nvSpPr>
+          <p:cNvPr id="5" name="Rectangle 4">
+            <a:extLst>
+              <a:ext uri="{FF2B5EF4-FFF2-40B4-BE49-F238E27FC236}">
+                <a16:creationId xmlns:a16="http://schemas.microsoft.com/office/drawing/2014/main" id="{5B74AB37-B27C-407D-B75A-09D0E09A491F}"/>
+              </a:ext>
+            </a:extLst>
+          </p:cNvPr>
+          <p:cNvSpPr/>
+          <p:nvPr/>
+        </p:nvSpPr>
+        <p:spPr>
+          <a:xfrm>
+            <a:off x="6352674" y="3135086"/>
+            <a:ext cx="5202583" cy="2729449"/>
+          </a:xfrm>
+          <a:prstGeom prst="rect">
+            <a:avLst/>
+          </a:prstGeom>
+          <a:solidFill>
+            <a:schemeClr val="accent6">
+              <a:lumMod val="60000"/>
+              <a:lumOff val="40000"/>
+            </a:schemeClr>
+          </a:solidFill>
+          <a:ln w="28575">
+            <a:solidFill>
+              <a:schemeClr val="tx1"/>
+            </a:solidFill>
+          </a:ln>
+        </p:spPr>
+        <p:style>
+          <a:lnRef idx="2">
+            <a:schemeClr val="accent1">
+              <a:shade val="50000"/>
+            </a:schemeClr>
+          </a:lnRef>
+          <a:fillRef idx="1">
+            <a:schemeClr val="accent1"/>
+          </a:fillRef>
+          <a:effectRef idx="0">
+            <a:schemeClr val="accent1"/>
+          </a:effectRef>
+          <a:fontRef idx="minor">
+            <a:schemeClr val="lt1"/>
+          </a:fontRef>
+        </p:style>
+        <p:txBody>
+          <a:bodyPr rtlCol="0" anchor="ctr"/>
+          <a:lstStyle/>
+          <a:p>
+            <a:pPr algn="ctr"/>
+            <a:endParaRPr lang="en-US"/>
+          </a:p>
+        </p:txBody>
+      </p:sp>
+      <p:sp>
+        <p:nvSpPr>
+          <p:cNvPr id="22" name="Rectangle 21">
+            <a:extLst>
+              <a:ext uri="{FF2B5EF4-FFF2-40B4-BE49-F238E27FC236}">
+                <a16:creationId xmlns:a16="http://schemas.microsoft.com/office/drawing/2014/main" id="{5E52985E-2553-471E-82AA-5ED7A329890A}"/>
+              </a:ext>
+              <a:ext uri="{C183D7F6-B498-43B3-948B-1728B52AA6E4}">
+                <adec:decorative xmlns:adec="http://schemas.microsoft.com/office/drawing/2017/decorative" val="1"/>
+              </a:ext>
+            </a:extLst>
+          </p:cNvPr>
+          <p:cNvSpPr>
+            <a:spLocks noGrp="1" noRot="1" noChangeAspect="1" noMove="1" noResize="1" noEditPoints="1" noAdjustHandles="1" noChangeArrowheads="1" noChangeShapeType="1" noTextEdit="1"/>
+          </p:cNvSpPr>
+          <p:nvPr>
+            <p:extLst>
+              <p:ext uri="{386F3935-93C4-4BCD-93E2-E3B085C9AB24}">
+                <p16:designElem xmlns:p16="http://schemas.microsoft.com/office/powerpoint/2015/main" val="1"/>
+              </p:ext>
+            </p:extLst>
+          </p:nvPr>
+        </p:nvSpPr>
+        <p:spPr bwMode="ltGray">
+          <a:xfrm>
+            <a:off x="393308" y="352931"/>
+            <a:ext cx="11438793" cy="1844256"/>
+          </a:xfrm>
+          <a:prstGeom prst="rect">
+            <a:avLst/>
+          </a:prstGeom>
+          <a:solidFill>
+            <a:schemeClr val="tx1">
+              <a:lumMod val="75000"/>
+              <a:lumOff val="25000"/>
+            </a:schemeClr>
+          </a:solidFill>
+          <a:ln w="127000" cap="sq" cmpd="thinThick">
+            <a:solidFill>
+              <a:schemeClr val="tx1">
+                <a:lumMod val="75000"/>
+                <a:lumOff val="25000"/>
+              </a:schemeClr>
+            </a:solidFill>
+          </a:ln>
+        </p:spPr>
+        <p:style>
+          <a:lnRef idx="2">
+            <a:schemeClr val="accent1">
+              <a:shade val="50000"/>
+            </a:schemeClr>
+          </a:lnRef>
+          <a:fillRef idx="1">
+            <a:schemeClr val="accent1"/>
+          </a:fillRef>
+          <a:effectRef idx="0">
+            <a:schemeClr val="accent1"/>
+          </a:effectRef>
+          <a:fontRef idx="minor">
+            <a:schemeClr val="lt1"/>
+          </a:fontRef>
+        </p:style>
+        <p:txBody>
+          <a:bodyPr rtlCol="0" anchor="ctr"/>
+          <a:lstStyle/>
+          <a:p>
+            <a:pPr marL="0" marR="0" lvl="0" indent="0" algn="ctr" defTabSz="914400" rtl="0" eaLnBrk="1" fontAlgn="auto" latinLnBrk="0" hangingPunct="1">
+              <a:lnSpc>
+                <a:spcPct val="100000"/>
+              </a:lnSpc>
+              <a:spcBef>
+                <a:spcPts val="0"/>
+              </a:spcBef>
+              <a:spcAft>
+                <a:spcPts val="0"/>
+              </a:spcAft>
+              <a:buClrTx/>
+              <a:buSzTx/>
+              <a:buFontTx/>
+              <a:buNone/>
+              <a:tabLst/>
+              <a:defRPr/>
+            </a:pPr>
+            <a:endParaRPr kumimoji="0" lang="en-US" sz="1800" b="0" i="0" u="none" strike="noStrike" kern="1200" cap="none" spc="0" normalizeH="0" baseline="0" noProof="0">
+              <a:ln>
+                <a:noFill/>
+              </a:ln>
+              <a:solidFill>
+                <a:prstClr val="white"/>
+              </a:solidFill>
+              <a:effectLst/>
+              <a:uLnTx/>
+              <a:uFillTx/>
+              <a:latin typeface="Calibri" panose="020F0502020204030204"/>
+              <a:ea typeface="+mn-ea"/>
+              <a:cs typeface="+mn-cs"/>
+            </a:endParaRPr>
+          </a:p>
+        </p:txBody>
+      </p:sp>
+      <p:sp>
+        <p:nvSpPr>
+          <p:cNvPr id="2" name="Title 1">
+            <a:extLst>
+              <a:ext uri="{FF2B5EF4-FFF2-40B4-BE49-F238E27FC236}">
+                <a16:creationId xmlns:a16="http://schemas.microsoft.com/office/drawing/2014/main" id="{12881954-DB60-4972-A47B-D14161CB8D25}"/>
+              </a:ext>
+            </a:extLst>
+          </p:cNvPr>
+          <p:cNvSpPr>
+            <a:spLocks noGrp="1"/>
+          </p:cNvSpPr>
+          <p:nvPr>
+            <p:ph type="title"/>
+          </p:nvPr>
+        </p:nvSpPr>
+        <p:spPr>
+          <a:xfrm>
+            <a:off x="649270" y="506727"/>
+            <a:ext cx="3885141" cy="1526741"/>
+          </a:xfrm>
+        </p:spPr>
+        <p:txBody>
+          <a:bodyPr>
+            <a:normAutofit/>
+          </a:bodyPr>
+          <a:lstStyle/>
+          <a:p>
+            <a:pPr algn="ctr"/>
+            <a:r>
+              <a:rPr lang="en-US" sz="3000" dirty="0">
+                <a:solidFill>
+                  <a:schemeClr val="bg1"/>
+                </a:solidFill>
+              </a:rPr>
+              <a:t>Rank Sum Test – Adjacency Matrix</a:t>
+            </a:r>
+          </a:p>
+        </p:txBody>
+      </p:sp>
+      <p:cxnSp>
+        <p:nvCxnSpPr>
+          <p:cNvPr id="24" name="Straight Connector 23">
+            <a:extLst>
+              <a:ext uri="{FF2B5EF4-FFF2-40B4-BE49-F238E27FC236}">
+                <a16:creationId xmlns:a16="http://schemas.microsoft.com/office/drawing/2014/main" id="{DAE3ABC6-4042-4293-A7DF-F01181363B7E}"/>
+              </a:ext>
+              <a:ext uri="{C183D7F6-B498-43B3-948B-1728B52AA6E4}">
+                <adec:decorative xmlns:adec="http://schemas.microsoft.com/office/drawing/2017/decorative" val="1"/>
+              </a:ext>
+            </a:extLst>
+          </p:cNvPr>
+          <p:cNvCxnSpPr>
+            <a:cxnSpLocks noGrp="1" noRot="1" noChangeAspect="1" noMove="1" noResize="1" noEditPoints="1" noAdjustHandles="1" noChangeArrowheads="1" noChangeShapeType="1"/>
+          </p:cNvCxnSpPr>
+          <p:nvPr>
+            <p:extLst>
+              <p:ext uri="{386F3935-93C4-4BCD-93E2-E3B085C9AB24}">
+                <p16:designElem xmlns:p16="http://schemas.microsoft.com/office/powerpoint/2015/main" val="1"/>
+              </p:ext>
+            </p:extLst>
+          </p:nvPr>
+        </p:nvCxnSpPr>
+        <p:spPr>
+          <a:xfrm flipV="1">
+            <a:off x="4739873" y="580963"/>
+            <a:ext cx="0" cy="1371600"/>
+          </a:xfrm>
+          <a:prstGeom prst="line">
+            <a:avLst/>
+          </a:prstGeom>
+          <a:ln w="19050">
+            <a:solidFill>
+              <a:schemeClr val="bg1">
+                <a:alpha val="75000"/>
+              </a:schemeClr>
+            </a:solidFill>
+          </a:ln>
+        </p:spPr>
+        <p:style>
+          <a:lnRef idx="1">
+            <a:schemeClr val="accent1"/>
+          </a:lnRef>
+          <a:fillRef idx="0">
+            <a:schemeClr val="accent1"/>
+          </a:fillRef>
+          <a:effectRef idx="0">
+            <a:schemeClr val="accent1"/>
+          </a:effectRef>
+          <a:fontRef idx="minor">
+            <a:schemeClr val="tx1"/>
+          </a:fontRef>
+        </p:style>
+      </p:cxnSp>
+      <p:sp>
+        <p:nvSpPr>
+          <p:cNvPr id="3" name="Content Placeholder 2">
+            <a:extLst>
+              <a:ext uri="{FF2B5EF4-FFF2-40B4-BE49-F238E27FC236}">
+                <a16:creationId xmlns:a16="http://schemas.microsoft.com/office/drawing/2014/main" id="{D710C547-3AB5-4BD3-B1F3-879EF2DA9704}"/>
+              </a:ext>
+            </a:extLst>
+          </p:cNvPr>
+          <p:cNvSpPr>
+            <a:spLocks noGrp="1"/>
+          </p:cNvSpPr>
+          <p:nvPr>
+            <p:ph idx="1"/>
+          </p:nvPr>
+        </p:nvSpPr>
+        <p:spPr>
+          <a:xfrm>
+            <a:off x="4945336" y="506727"/>
+            <a:ext cx="6609921" cy="1526741"/>
+          </a:xfrm>
+        </p:spPr>
+        <p:txBody>
+          <a:bodyPr anchor="ctr">
+            <a:normAutofit/>
+          </a:bodyPr>
+          <a:lstStyle/>
+          <a:p>
+            <a:r>
+              <a:rPr lang="en-US" sz="2200" dirty="0">
+                <a:solidFill>
+                  <a:schemeClr val="bg1"/>
+                </a:solidFill>
+              </a:rPr>
+              <a:t>‘South’ is the least unique region, connecting with all others.</a:t>
+            </a:r>
+          </a:p>
+          <a:p>
+            <a:r>
+              <a:rPr lang="en-US" sz="2200" dirty="0">
+                <a:solidFill>
+                  <a:schemeClr val="bg1"/>
+                </a:solidFill>
+              </a:rPr>
+              <a:t>‘Great Lakes’ is the most unique, only connecting with 2 regions (South, Mountain).</a:t>
+            </a:r>
+          </a:p>
+        </p:txBody>
+      </p:sp>
+      <p:pic>
+        <p:nvPicPr>
+          <p:cNvPr id="19" name="Picture 18">
+            <a:extLst>
+              <a:ext uri="{FF2B5EF4-FFF2-40B4-BE49-F238E27FC236}">
+                <a16:creationId xmlns:a16="http://schemas.microsoft.com/office/drawing/2014/main" id="{9EEB2445-71B9-4575-8316-4163F73A3F1B}"/>
+              </a:ext>
+            </a:extLst>
+          </p:cNvPr>
+          <p:cNvPicPr>
+            <a:picLocks noChangeAspect="1"/>
+          </p:cNvPicPr>
+          <p:nvPr/>
+        </p:nvPicPr>
+        <p:blipFill>
+          <a:blip r:embed="rId2"/>
+          <a:stretch>
+            <a:fillRect/>
+          </a:stretch>
+        </p:blipFill>
+        <p:spPr>
+          <a:xfrm>
+            <a:off x="243184" y="2573790"/>
+            <a:ext cx="6000633" cy="3703247"/>
+          </a:xfrm>
+          <a:prstGeom prst="rect">
+            <a:avLst/>
+          </a:prstGeom>
+        </p:spPr>
+      </p:pic>
+      <p:grpSp>
+        <p:nvGrpSpPr>
+          <p:cNvPr id="27" name="Group 26">
+            <a:extLst>
+              <a:ext uri="{FF2B5EF4-FFF2-40B4-BE49-F238E27FC236}">
+                <a16:creationId xmlns:a16="http://schemas.microsoft.com/office/drawing/2014/main" id="{2D72DE61-C828-45BF-ACDF-76914F20E234}"/>
+              </a:ext>
+            </a:extLst>
+          </p:cNvPr>
+          <p:cNvGrpSpPr/>
+          <p:nvPr/>
+        </p:nvGrpSpPr>
+        <p:grpSpPr>
+          <a:xfrm>
+            <a:off x="6096136" y="3440504"/>
+            <a:ext cx="5697239" cy="2068304"/>
+            <a:chOff x="3277173" y="2394848"/>
+            <a:chExt cx="5697239" cy="2068304"/>
+          </a:xfrm>
+        </p:grpSpPr>
+        <p:sp>
+          <p:nvSpPr>
+            <p:cNvPr id="28" name="TextBox 27">
+              <a:extLst>
+                <a:ext uri="{FF2B5EF4-FFF2-40B4-BE49-F238E27FC236}">
+                  <a16:creationId xmlns:a16="http://schemas.microsoft.com/office/drawing/2014/main" id="{6A497787-F096-4559-9ADF-D929A31D52D5}"/>
+                </a:ext>
+              </a:extLst>
+            </p:cNvPr>
+            <p:cNvSpPr txBox="1"/>
+            <p:nvPr/>
+          </p:nvSpPr>
+          <p:spPr>
+            <a:xfrm>
+              <a:off x="4164072" y="2394848"/>
+              <a:ext cx="1773799" cy="369332"/>
+            </a:xfrm>
+            <a:prstGeom prst="rect">
+              <a:avLst/>
+            </a:prstGeom>
+            <a:noFill/>
+          </p:spPr>
+          <p:txBody>
+            <a:bodyPr wrap="square" rtlCol="0">
+              <a:spAutoFit/>
+            </a:bodyPr>
+            <a:lstStyle/>
+            <a:p>
+              <a:pPr algn="ctr"/>
+              <a:r>
+                <a:rPr lang="en-US" b="1" dirty="0">
+                  <a:solidFill>
+                    <a:srgbClr val="00B050"/>
+                  </a:solidFill>
+                </a:rPr>
+                <a:t>Midwest</a:t>
+              </a:r>
+            </a:p>
+          </p:txBody>
+        </p:sp>
+        <p:sp>
+          <p:nvSpPr>
+            <p:cNvPr id="29" name="TextBox 28">
+              <a:extLst>
+                <a:ext uri="{FF2B5EF4-FFF2-40B4-BE49-F238E27FC236}">
+                  <a16:creationId xmlns:a16="http://schemas.microsoft.com/office/drawing/2014/main" id="{53EE6BF0-B92D-4A31-B352-081EE7479CCA}"/>
+                </a:ext>
+              </a:extLst>
+            </p:cNvPr>
+            <p:cNvSpPr txBox="1"/>
+            <p:nvPr/>
+          </p:nvSpPr>
+          <p:spPr>
+            <a:xfrm>
+              <a:off x="7200613" y="3244334"/>
+              <a:ext cx="1773799" cy="369332"/>
+            </a:xfrm>
+            <a:prstGeom prst="rect">
+              <a:avLst/>
+            </a:prstGeom>
+            <a:noFill/>
+          </p:spPr>
+          <p:txBody>
+            <a:bodyPr wrap="square" rtlCol="0">
+              <a:spAutoFit/>
+            </a:bodyPr>
+            <a:lstStyle/>
+            <a:p>
+              <a:pPr algn="ctr"/>
+              <a:r>
+                <a:rPr lang="en-US" b="1" dirty="0">
+                  <a:solidFill>
+                    <a:srgbClr val="7030A0"/>
+                  </a:solidFill>
+                </a:rPr>
+                <a:t>Mountain</a:t>
+              </a:r>
+            </a:p>
+          </p:txBody>
+        </p:sp>
+        <p:sp>
+          <p:nvSpPr>
+            <p:cNvPr id="30" name="TextBox 29">
+              <a:extLst>
+                <a:ext uri="{FF2B5EF4-FFF2-40B4-BE49-F238E27FC236}">
+                  <a16:creationId xmlns:a16="http://schemas.microsoft.com/office/drawing/2014/main" id="{CD955ABF-FEDA-4F06-A856-3E64ACC37C63}"/>
+                </a:ext>
+              </a:extLst>
+            </p:cNvPr>
+            <p:cNvSpPr txBox="1"/>
+            <p:nvPr/>
+          </p:nvSpPr>
+          <p:spPr>
+            <a:xfrm>
+              <a:off x="5209100" y="3244334"/>
+              <a:ext cx="1773799" cy="369332"/>
+            </a:xfrm>
+            <a:prstGeom prst="rect">
+              <a:avLst/>
+            </a:prstGeom>
+            <a:noFill/>
+          </p:spPr>
+          <p:txBody>
+            <a:bodyPr wrap="square" rtlCol="0">
+              <a:spAutoFit/>
+            </a:bodyPr>
+            <a:lstStyle/>
+            <a:p>
+              <a:pPr algn="ctr"/>
+              <a:r>
+                <a:rPr lang="en-US" b="1" dirty="0">
+                  <a:solidFill>
+                    <a:schemeClr val="accent2">
+                      <a:lumMod val="50000"/>
+                    </a:schemeClr>
+                  </a:solidFill>
+                </a:rPr>
+                <a:t>South</a:t>
+              </a:r>
+            </a:p>
+          </p:txBody>
+        </p:sp>
+        <p:sp>
+          <p:nvSpPr>
+            <p:cNvPr id="31" name="TextBox 30">
+              <a:extLst>
+                <a:ext uri="{FF2B5EF4-FFF2-40B4-BE49-F238E27FC236}">
+                  <a16:creationId xmlns:a16="http://schemas.microsoft.com/office/drawing/2014/main" id="{3F387C19-8425-47D6-B97E-A34DF144B0C3}"/>
+                </a:ext>
+              </a:extLst>
+            </p:cNvPr>
+            <p:cNvSpPr txBox="1"/>
+            <p:nvPr/>
+          </p:nvSpPr>
+          <p:spPr>
+            <a:xfrm>
+              <a:off x="6254130" y="4093820"/>
+              <a:ext cx="1773799" cy="369332"/>
+            </a:xfrm>
+            <a:prstGeom prst="rect">
+              <a:avLst/>
+            </a:prstGeom>
+            <a:noFill/>
+          </p:spPr>
+          <p:txBody>
+            <a:bodyPr wrap="square" rtlCol="0">
+              <a:spAutoFit/>
+            </a:bodyPr>
+            <a:lstStyle/>
+            <a:p>
+              <a:pPr algn="ctr"/>
+              <a:r>
+                <a:rPr lang="en-US" b="1" dirty="0">
+                  <a:solidFill>
+                    <a:srgbClr val="0070C0"/>
+                  </a:solidFill>
+                </a:rPr>
+                <a:t>Great Lakes</a:t>
+              </a:r>
+            </a:p>
+          </p:txBody>
+        </p:sp>
+        <p:sp>
+          <p:nvSpPr>
+            <p:cNvPr id="32" name="TextBox 31">
+              <a:extLst>
+                <a:ext uri="{FF2B5EF4-FFF2-40B4-BE49-F238E27FC236}">
+                  <a16:creationId xmlns:a16="http://schemas.microsoft.com/office/drawing/2014/main" id="{69D51FF5-6ADE-4822-A341-E5D9DFFDF48B}"/>
+                </a:ext>
+              </a:extLst>
+            </p:cNvPr>
+            <p:cNvSpPr txBox="1"/>
+            <p:nvPr/>
+          </p:nvSpPr>
+          <p:spPr>
+            <a:xfrm>
+              <a:off x="4164072" y="4093820"/>
+              <a:ext cx="1773799" cy="369332"/>
+            </a:xfrm>
+            <a:prstGeom prst="rect">
+              <a:avLst/>
+            </a:prstGeom>
+            <a:noFill/>
+          </p:spPr>
+          <p:txBody>
+            <a:bodyPr wrap="square" rtlCol="0">
+              <a:spAutoFit/>
+            </a:bodyPr>
+            <a:lstStyle/>
+            <a:p>
+              <a:pPr algn="ctr"/>
+              <a:r>
+                <a:rPr lang="en-US" b="1" dirty="0">
+                  <a:solidFill>
+                    <a:schemeClr val="accent2"/>
+                  </a:solidFill>
+                </a:rPr>
+                <a:t>New England</a:t>
+              </a:r>
+            </a:p>
+          </p:txBody>
+        </p:sp>
+        <p:sp>
+          <p:nvSpPr>
+            <p:cNvPr id="33" name="TextBox 32">
+              <a:extLst>
+                <a:ext uri="{FF2B5EF4-FFF2-40B4-BE49-F238E27FC236}">
+                  <a16:creationId xmlns:a16="http://schemas.microsoft.com/office/drawing/2014/main" id="{E0795B70-0592-4324-90EF-3BBB35AAE152}"/>
+                </a:ext>
+              </a:extLst>
+            </p:cNvPr>
+            <p:cNvSpPr txBox="1"/>
+            <p:nvPr/>
+          </p:nvSpPr>
+          <p:spPr>
+            <a:xfrm>
+              <a:off x="3277173" y="3244334"/>
+              <a:ext cx="1773799" cy="369332"/>
+            </a:xfrm>
+            <a:prstGeom prst="rect">
+              <a:avLst/>
+            </a:prstGeom>
+            <a:noFill/>
+          </p:spPr>
+          <p:txBody>
+            <a:bodyPr wrap="square" rtlCol="0">
+              <a:spAutoFit/>
+            </a:bodyPr>
+            <a:lstStyle/>
+            <a:p>
+              <a:pPr algn="ctr"/>
+              <a:r>
+                <a:rPr lang="en-US" b="1" dirty="0">
+                  <a:solidFill>
+                    <a:srgbClr val="FFFF00"/>
+                  </a:solidFill>
+                </a:rPr>
+                <a:t>Pacific</a:t>
+              </a:r>
+            </a:p>
+          </p:txBody>
+        </p:sp>
+        <p:sp>
+          <p:nvSpPr>
+            <p:cNvPr id="34" name="TextBox 33">
+              <a:extLst>
+                <a:ext uri="{FF2B5EF4-FFF2-40B4-BE49-F238E27FC236}">
+                  <a16:creationId xmlns:a16="http://schemas.microsoft.com/office/drawing/2014/main" id="{709FEADE-FE5D-4EE2-8F5A-9C4B0AD72ECA}"/>
+                </a:ext>
+              </a:extLst>
+            </p:cNvPr>
+            <p:cNvSpPr txBox="1"/>
+            <p:nvPr/>
+          </p:nvSpPr>
+          <p:spPr>
+            <a:xfrm>
+              <a:off x="6254131" y="2394848"/>
+              <a:ext cx="1773799" cy="369332"/>
+            </a:xfrm>
+            <a:prstGeom prst="rect">
+              <a:avLst/>
+            </a:prstGeom>
+            <a:noFill/>
+          </p:spPr>
+          <p:txBody>
+            <a:bodyPr wrap="square" rtlCol="0">
+              <a:spAutoFit/>
+            </a:bodyPr>
+            <a:lstStyle/>
+            <a:p>
+              <a:pPr algn="ctr"/>
+              <a:r>
+                <a:rPr lang="en-US" b="1" dirty="0">
+                  <a:solidFill>
+                    <a:srgbClr val="FF0000"/>
+                  </a:solidFill>
+                </a:rPr>
+                <a:t>Atlantic</a:t>
+              </a:r>
+            </a:p>
+          </p:txBody>
+        </p:sp>
+        <p:sp>
+          <p:nvSpPr>
+            <p:cNvPr id="35" name="Arrow: Left-Right 34">
+              <a:extLst>
+                <a:ext uri="{FF2B5EF4-FFF2-40B4-BE49-F238E27FC236}">
+                  <a16:creationId xmlns:a16="http://schemas.microsoft.com/office/drawing/2014/main" id="{033A377E-16C3-4AF3-BFF6-347DF78A8B80}"/>
+                </a:ext>
+              </a:extLst>
+            </p:cNvPr>
+            <p:cNvSpPr/>
+            <p:nvPr/>
+          </p:nvSpPr>
+          <p:spPr>
+            <a:xfrm>
+              <a:off x="4662523" y="3379932"/>
+              <a:ext cx="935026" cy="88408"/>
+            </a:xfrm>
+            <a:prstGeom prst="leftRightArrow">
+              <a:avLst/>
+            </a:prstGeom>
+            <a:solidFill>
+              <a:schemeClr val="tx1"/>
+            </a:solidFill>
+            <a:ln>
+              <a:solidFill>
+                <a:schemeClr val="tx1"/>
+              </a:solidFill>
+            </a:ln>
+          </p:spPr>
+          <p:style>
+            <a:lnRef idx="2">
+              <a:schemeClr val="accent1">
+                <a:shade val="50000"/>
+              </a:schemeClr>
+            </a:lnRef>
+            <a:fillRef idx="1">
+              <a:schemeClr val="accent1"/>
+            </a:fillRef>
+            <a:effectRef idx="0">
+              <a:schemeClr val="accent1"/>
+            </a:effectRef>
+            <a:fontRef idx="minor">
+              <a:schemeClr val="lt1"/>
+            </a:fontRef>
+          </p:style>
+          <p:txBody>
+            <a:bodyPr rtlCol="0" anchor="ctr"/>
+            <a:lstStyle/>
+            <a:p>
+              <a:pPr algn="ctr"/>
+              <a:endParaRPr lang="en-US"/>
+            </a:p>
+          </p:txBody>
+        </p:sp>
+        <p:sp>
+          <p:nvSpPr>
+            <p:cNvPr id="36" name="Arrow: Left-Right 35">
+              <a:extLst>
+                <a:ext uri="{FF2B5EF4-FFF2-40B4-BE49-F238E27FC236}">
+                  <a16:creationId xmlns:a16="http://schemas.microsoft.com/office/drawing/2014/main" id="{5964CA82-5FE5-4DAB-A42E-FEE1AB02E261}"/>
+                </a:ext>
+              </a:extLst>
+            </p:cNvPr>
+            <p:cNvSpPr/>
+            <p:nvPr/>
+          </p:nvSpPr>
+          <p:spPr>
+            <a:xfrm>
+              <a:off x="6515386" y="3379932"/>
+              <a:ext cx="935026" cy="88408"/>
+            </a:xfrm>
+            <a:prstGeom prst="leftRightArrow">
+              <a:avLst/>
+            </a:prstGeom>
+            <a:solidFill>
+              <a:schemeClr val="tx1"/>
+            </a:solidFill>
+            <a:ln>
+              <a:solidFill>
+                <a:schemeClr val="tx1"/>
+              </a:solidFill>
+            </a:ln>
+          </p:spPr>
+          <p:style>
+            <a:lnRef idx="2">
+              <a:schemeClr val="accent1">
+                <a:shade val="50000"/>
+              </a:schemeClr>
+            </a:lnRef>
+            <a:fillRef idx="1">
+              <a:schemeClr val="accent1"/>
+            </a:fillRef>
+            <a:effectRef idx="0">
+              <a:schemeClr val="accent1"/>
+            </a:effectRef>
+            <a:fontRef idx="minor">
+              <a:schemeClr val="lt1"/>
+            </a:fontRef>
+          </p:style>
+          <p:txBody>
+            <a:bodyPr rtlCol="0" anchor="ctr"/>
+            <a:lstStyle/>
+            <a:p>
+              <a:pPr algn="ctr"/>
+              <a:endParaRPr lang="en-US"/>
+            </a:p>
+          </p:txBody>
+        </p:sp>
+        <p:sp>
+          <p:nvSpPr>
+            <p:cNvPr id="37" name="Arrow: Left-Right 36">
+              <a:extLst>
+                <a:ext uri="{FF2B5EF4-FFF2-40B4-BE49-F238E27FC236}">
+                  <a16:creationId xmlns:a16="http://schemas.microsoft.com/office/drawing/2014/main" id="{A0E7C3AA-5B14-4BA8-BAC9-5D70AD26D2ED}"/>
+                </a:ext>
+              </a:extLst>
+            </p:cNvPr>
+            <p:cNvSpPr/>
+            <p:nvPr/>
+          </p:nvSpPr>
+          <p:spPr>
+            <a:xfrm rot="1946956">
+              <a:off x="5168999" y="2961385"/>
+              <a:ext cx="935026" cy="88408"/>
+            </a:xfrm>
+            <a:prstGeom prst="leftRightArrow">
+              <a:avLst/>
+            </a:prstGeom>
+            <a:solidFill>
+              <a:schemeClr val="tx1"/>
+            </a:solidFill>
+            <a:ln>
+              <a:solidFill>
+                <a:schemeClr val="tx1"/>
+              </a:solidFill>
+            </a:ln>
+          </p:spPr>
+          <p:style>
+            <a:lnRef idx="2">
+              <a:schemeClr val="accent1">
+                <a:shade val="50000"/>
+              </a:schemeClr>
+            </a:lnRef>
+            <a:fillRef idx="1">
+              <a:schemeClr val="accent1"/>
+            </a:fillRef>
+            <a:effectRef idx="0">
+              <a:schemeClr val="accent1"/>
+            </a:effectRef>
+            <a:fontRef idx="minor">
+              <a:schemeClr val="lt1"/>
+            </a:fontRef>
+          </p:style>
+          <p:txBody>
+            <a:bodyPr rtlCol="0" anchor="ctr"/>
+            <a:lstStyle/>
+            <a:p>
+              <a:pPr algn="ctr"/>
+              <a:endParaRPr lang="en-US"/>
+            </a:p>
+          </p:txBody>
+        </p:sp>
+        <p:sp>
+          <p:nvSpPr>
+            <p:cNvPr id="38" name="Arrow: Left-Right 37">
+              <a:extLst>
+                <a:ext uri="{FF2B5EF4-FFF2-40B4-BE49-F238E27FC236}">
+                  <a16:creationId xmlns:a16="http://schemas.microsoft.com/office/drawing/2014/main" id="{EACD48FB-FFC6-440D-8281-2C9E6033311C}"/>
+                </a:ext>
+              </a:extLst>
+            </p:cNvPr>
+            <p:cNvSpPr/>
+            <p:nvPr/>
+          </p:nvSpPr>
+          <p:spPr>
+            <a:xfrm rot="19648283">
+              <a:off x="6117572" y="2962781"/>
+              <a:ext cx="935026" cy="88408"/>
+            </a:xfrm>
+            <a:prstGeom prst="leftRightArrow">
+              <a:avLst/>
+            </a:prstGeom>
+            <a:solidFill>
+              <a:schemeClr val="tx1"/>
+            </a:solidFill>
+            <a:ln>
+              <a:solidFill>
+                <a:schemeClr val="tx1"/>
+              </a:solidFill>
+            </a:ln>
+          </p:spPr>
+          <p:style>
+            <a:lnRef idx="2">
+              <a:schemeClr val="accent1">
+                <a:shade val="50000"/>
+              </a:schemeClr>
+            </a:lnRef>
+            <a:fillRef idx="1">
+              <a:schemeClr val="accent1"/>
+            </a:fillRef>
+            <a:effectRef idx="0">
+              <a:schemeClr val="accent1"/>
+            </a:effectRef>
+            <a:fontRef idx="minor">
+              <a:schemeClr val="lt1"/>
+            </a:fontRef>
+          </p:style>
+          <p:txBody>
+            <a:bodyPr rtlCol="0" anchor="ctr"/>
+            <a:lstStyle/>
+            <a:p>
+              <a:pPr algn="ctr"/>
+              <a:endParaRPr lang="en-US"/>
+            </a:p>
+          </p:txBody>
+        </p:sp>
+        <p:sp>
+          <p:nvSpPr>
+            <p:cNvPr id="39" name="Arrow: Left-Right 38">
+              <a:extLst>
+                <a:ext uri="{FF2B5EF4-FFF2-40B4-BE49-F238E27FC236}">
+                  <a16:creationId xmlns:a16="http://schemas.microsoft.com/office/drawing/2014/main" id="{1F2DE2E4-289C-460D-A1C4-BCB6DDFF3026}"/>
+                </a:ext>
+              </a:extLst>
+            </p:cNvPr>
+            <p:cNvSpPr/>
+            <p:nvPr/>
+          </p:nvSpPr>
+          <p:spPr>
+            <a:xfrm rot="19498926">
+              <a:off x="5119723" y="3816804"/>
+              <a:ext cx="935026" cy="88408"/>
+            </a:xfrm>
+            <a:prstGeom prst="leftRightArrow">
+              <a:avLst/>
+            </a:prstGeom>
+            <a:solidFill>
+              <a:schemeClr val="tx1"/>
+            </a:solidFill>
+            <a:ln>
+              <a:solidFill>
+                <a:schemeClr val="tx1"/>
+              </a:solidFill>
+            </a:ln>
+          </p:spPr>
+          <p:style>
+            <a:lnRef idx="2">
+              <a:schemeClr val="accent1">
+                <a:shade val="50000"/>
+              </a:schemeClr>
+            </a:lnRef>
+            <a:fillRef idx="1">
+              <a:schemeClr val="accent1"/>
+            </a:fillRef>
+            <a:effectRef idx="0">
+              <a:schemeClr val="accent1"/>
+            </a:effectRef>
+            <a:fontRef idx="minor">
+              <a:schemeClr val="lt1"/>
+            </a:fontRef>
+          </p:style>
+          <p:txBody>
+            <a:bodyPr rtlCol="0" anchor="ctr"/>
+            <a:lstStyle/>
+            <a:p>
+              <a:pPr algn="ctr"/>
+              <a:endParaRPr lang="en-US"/>
+            </a:p>
+          </p:txBody>
+        </p:sp>
+        <p:sp>
+          <p:nvSpPr>
+            <p:cNvPr id="40" name="Arrow: Left-Right 39">
+              <a:extLst>
+                <a:ext uri="{FF2B5EF4-FFF2-40B4-BE49-F238E27FC236}">
+                  <a16:creationId xmlns:a16="http://schemas.microsoft.com/office/drawing/2014/main" id="{1E47A2C0-18B3-4AF7-918B-F6AB841D3BCF}"/>
+                </a:ext>
+              </a:extLst>
+            </p:cNvPr>
+            <p:cNvSpPr/>
+            <p:nvPr/>
+          </p:nvSpPr>
+          <p:spPr>
+            <a:xfrm rot="2320208">
+              <a:off x="6117572" y="3841493"/>
+              <a:ext cx="935026" cy="88408"/>
+            </a:xfrm>
+            <a:prstGeom prst="leftRightArrow">
+              <a:avLst/>
+            </a:prstGeom>
+            <a:solidFill>
+              <a:schemeClr val="tx1"/>
+            </a:solidFill>
+            <a:ln>
+              <a:solidFill>
+                <a:schemeClr val="tx1"/>
+              </a:solidFill>
+            </a:ln>
+          </p:spPr>
+          <p:style>
+            <a:lnRef idx="2">
+              <a:schemeClr val="accent1">
+                <a:shade val="50000"/>
+              </a:schemeClr>
+            </a:lnRef>
+            <a:fillRef idx="1">
+              <a:schemeClr val="accent1"/>
+            </a:fillRef>
+            <a:effectRef idx="0">
+              <a:schemeClr val="accent1"/>
+            </a:effectRef>
+            <a:fontRef idx="minor">
+              <a:schemeClr val="lt1"/>
+            </a:fontRef>
+          </p:style>
+          <p:txBody>
+            <a:bodyPr rtlCol="0" anchor="ctr"/>
+            <a:lstStyle/>
+            <a:p>
+              <a:pPr algn="ctr"/>
+              <a:endParaRPr lang="en-US"/>
+            </a:p>
+          </p:txBody>
+        </p:sp>
+        <p:sp>
+          <p:nvSpPr>
+            <p:cNvPr id="41" name="Arrow: Left-Right 40">
+              <a:extLst>
+                <a:ext uri="{FF2B5EF4-FFF2-40B4-BE49-F238E27FC236}">
+                  <a16:creationId xmlns:a16="http://schemas.microsoft.com/office/drawing/2014/main" id="{72653902-2033-42F4-AAFF-DFEC4B6F9B6A}"/>
+                </a:ext>
+              </a:extLst>
+            </p:cNvPr>
+            <p:cNvSpPr/>
+            <p:nvPr/>
+          </p:nvSpPr>
+          <p:spPr>
+            <a:xfrm>
+              <a:off x="5584994" y="2535310"/>
+              <a:ext cx="935026" cy="88408"/>
+            </a:xfrm>
+            <a:prstGeom prst="leftRightArrow">
+              <a:avLst/>
+            </a:prstGeom>
+            <a:solidFill>
+              <a:schemeClr val="tx1"/>
+            </a:solidFill>
+            <a:ln>
+              <a:solidFill>
+                <a:schemeClr val="tx1"/>
+              </a:solidFill>
+            </a:ln>
+          </p:spPr>
+          <p:style>
+            <a:lnRef idx="2">
+              <a:schemeClr val="accent1">
+                <a:shade val="50000"/>
+              </a:schemeClr>
+            </a:lnRef>
+            <a:fillRef idx="1">
+              <a:schemeClr val="accent1"/>
+            </a:fillRef>
+            <a:effectRef idx="0">
+              <a:schemeClr val="accent1"/>
+            </a:effectRef>
+            <a:fontRef idx="minor">
+              <a:schemeClr val="lt1"/>
+            </a:fontRef>
+          </p:style>
+          <p:txBody>
+            <a:bodyPr rtlCol="0" anchor="ctr"/>
+            <a:lstStyle/>
+            <a:p>
+              <a:pPr algn="ctr"/>
+              <a:endParaRPr lang="en-US" dirty="0"/>
+            </a:p>
+          </p:txBody>
+        </p:sp>
+        <p:sp>
+          <p:nvSpPr>
+            <p:cNvPr id="42" name="Arrow: Left-Right 41">
+              <a:extLst>
+                <a:ext uri="{FF2B5EF4-FFF2-40B4-BE49-F238E27FC236}">
+                  <a16:creationId xmlns:a16="http://schemas.microsoft.com/office/drawing/2014/main" id="{FAF2E9F3-8872-4994-8533-1ECEF0C15624}"/>
+                </a:ext>
+              </a:extLst>
+            </p:cNvPr>
+            <p:cNvSpPr/>
+            <p:nvPr/>
+          </p:nvSpPr>
+          <p:spPr>
+            <a:xfrm rot="19248005">
+              <a:off x="7155022" y="3830023"/>
+              <a:ext cx="935026" cy="88408"/>
+            </a:xfrm>
+            <a:prstGeom prst="leftRightArrow">
+              <a:avLst/>
+            </a:prstGeom>
+            <a:solidFill>
+              <a:schemeClr val="tx1"/>
+            </a:solidFill>
+            <a:ln>
+              <a:solidFill>
+                <a:schemeClr val="tx1"/>
+              </a:solidFill>
+            </a:ln>
+          </p:spPr>
+          <p:style>
+            <a:lnRef idx="2">
+              <a:schemeClr val="accent1">
+                <a:shade val="50000"/>
+              </a:schemeClr>
+            </a:lnRef>
+            <a:fillRef idx="1">
+              <a:schemeClr val="accent1"/>
+            </a:fillRef>
+            <a:effectRef idx="0">
+              <a:schemeClr val="accent1"/>
+            </a:effectRef>
+            <a:fontRef idx="minor">
+              <a:schemeClr val="lt1"/>
+            </a:fontRef>
+          </p:style>
+          <p:txBody>
+            <a:bodyPr rtlCol="0" anchor="ctr"/>
+            <a:lstStyle/>
+            <a:p>
+              <a:pPr algn="ctr"/>
+              <a:endParaRPr lang="en-US"/>
+            </a:p>
+          </p:txBody>
+        </p:sp>
+        <p:sp>
+          <p:nvSpPr>
+            <p:cNvPr id="43" name="Arrow: Left-Right 42">
+              <a:extLst>
+                <a:ext uri="{FF2B5EF4-FFF2-40B4-BE49-F238E27FC236}">
+                  <a16:creationId xmlns:a16="http://schemas.microsoft.com/office/drawing/2014/main" id="{BAB37131-1BA4-48FB-B9DD-6E4FA494BD84}"/>
+                </a:ext>
+              </a:extLst>
+            </p:cNvPr>
+            <p:cNvSpPr/>
+            <p:nvPr/>
+          </p:nvSpPr>
+          <p:spPr>
+            <a:xfrm rot="2320208">
+              <a:off x="4101128" y="3819662"/>
+              <a:ext cx="935026" cy="88408"/>
+            </a:xfrm>
+            <a:prstGeom prst="leftRightArrow">
+              <a:avLst/>
+            </a:prstGeom>
+            <a:solidFill>
+              <a:schemeClr val="tx1"/>
+            </a:solidFill>
+            <a:ln>
+              <a:solidFill>
+                <a:schemeClr val="tx1"/>
+              </a:solidFill>
+            </a:ln>
+          </p:spPr>
+          <p:style>
+            <a:lnRef idx="2">
+              <a:schemeClr val="accent1">
+                <a:shade val="50000"/>
+              </a:schemeClr>
+            </a:lnRef>
+            <a:fillRef idx="1">
+              <a:schemeClr val="accent1"/>
+            </a:fillRef>
+            <a:effectRef idx="0">
+              <a:schemeClr val="accent1"/>
+            </a:effectRef>
+            <a:fontRef idx="minor">
+              <a:schemeClr val="lt1"/>
+            </a:fontRef>
+          </p:style>
+          <p:txBody>
+            <a:bodyPr rtlCol="0" anchor="ctr"/>
+            <a:lstStyle/>
+            <a:p>
+              <a:pPr algn="ctr"/>
+              <a:endParaRPr lang="en-US"/>
+            </a:p>
+          </p:txBody>
+        </p:sp>
+        <p:sp>
+          <p:nvSpPr>
+            <p:cNvPr id="44" name="Arrow: Left-Right 43">
+              <a:extLst>
+                <a:ext uri="{FF2B5EF4-FFF2-40B4-BE49-F238E27FC236}">
+                  <a16:creationId xmlns:a16="http://schemas.microsoft.com/office/drawing/2014/main" id="{8D4CA174-11AF-4007-8108-1C9EC6E9E9B5}"/>
+                </a:ext>
+              </a:extLst>
+            </p:cNvPr>
+            <p:cNvSpPr/>
+            <p:nvPr/>
+          </p:nvSpPr>
+          <p:spPr>
+            <a:xfrm rot="19392490">
+              <a:off x="4097425" y="2988634"/>
+              <a:ext cx="935026" cy="88408"/>
+            </a:xfrm>
+            <a:prstGeom prst="leftRightArrow">
+              <a:avLst/>
+            </a:prstGeom>
+            <a:solidFill>
+              <a:schemeClr val="tx1"/>
+            </a:solidFill>
+            <a:ln>
+              <a:solidFill>
+                <a:schemeClr val="tx1"/>
+              </a:solidFill>
+            </a:ln>
+          </p:spPr>
+          <p:style>
+            <a:lnRef idx="2">
+              <a:schemeClr val="accent1">
+                <a:shade val="50000"/>
+              </a:schemeClr>
+            </a:lnRef>
+            <a:fillRef idx="1">
+              <a:schemeClr val="accent1"/>
+            </a:fillRef>
+            <a:effectRef idx="0">
+              <a:schemeClr val="accent1"/>
+            </a:effectRef>
+            <a:fontRef idx="minor">
+              <a:schemeClr val="lt1"/>
+            </a:fontRef>
+          </p:style>
+          <p:txBody>
+            <a:bodyPr rtlCol="0" anchor="ctr"/>
+            <a:lstStyle/>
+            <a:p>
+              <a:pPr algn="ctr"/>
+              <a:endParaRPr lang="en-US"/>
+            </a:p>
+          </p:txBody>
+        </p:sp>
+        <p:sp>
+          <p:nvSpPr>
+            <p:cNvPr id="45" name="Arrow: Left-Right 44">
+              <a:extLst>
+                <a:ext uri="{FF2B5EF4-FFF2-40B4-BE49-F238E27FC236}">
+                  <a16:creationId xmlns:a16="http://schemas.microsoft.com/office/drawing/2014/main" id="{3D21ACD0-8985-4A8B-9957-A8BEE1726D18}"/>
+                </a:ext>
+              </a:extLst>
+            </p:cNvPr>
+            <p:cNvSpPr/>
+            <p:nvPr/>
+          </p:nvSpPr>
+          <p:spPr>
+            <a:xfrm rot="2320208">
+              <a:off x="7258007" y="2968635"/>
+              <a:ext cx="935026" cy="88408"/>
+            </a:xfrm>
+            <a:prstGeom prst="leftRightArrow">
+              <a:avLst/>
+            </a:prstGeom>
+            <a:solidFill>
+              <a:schemeClr val="tx1"/>
+            </a:solidFill>
+            <a:ln>
+              <a:solidFill>
+                <a:schemeClr val="tx1"/>
+              </a:solidFill>
+            </a:ln>
+          </p:spPr>
+          <p:style>
+            <a:lnRef idx="2">
+              <a:schemeClr val="accent1">
+                <a:shade val="50000"/>
+              </a:schemeClr>
+            </a:lnRef>
+            <a:fillRef idx="1">
+              <a:schemeClr val="accent1"/>
+            </a:fillRef>
+            <a:effectRef idx="0">
+              <a:schemeClr val="accent1"/>
+            </a:effectRef>
+            <a:fontRef idx="minor">
+              <a:schemeClr val="lt1"/>
+            </a:fontRef>
+          </p:style>
+          <p:txBody>
+            <a:bodyPr rtlCol="0" anchor="ctr"/>
+            <a:lstStyle/>
+            <a:p>
+              <a:pPr algn="ctr"/>
+              <a:endParaRPr lang="en-US"/>
+            </a:p>
+          </p:txBody>
+        </p:sp>
+        <p:sp>
+          <p:nvSpPr>
+            <p:cNvPr id="46" name="Arrow: Left-Right 45">
+              <a:extLst>
+                <a:ext uri="{FF2B5EF4-FFF2-40B4-BE49-F238E27FC236}">
+                  <a16:creationId xmlns:a16="http://schemas.microsoft.com/office/drawing/2014/main" id="{F654C6ED-A78C-4E4D-9DCD-7A99158FF697}"/>
+                </a:ext>
+              </a:extLst>
+            </p:cNvPr>
+            <p:cNvSpPr/>
+            <p:nvPr/>
+          </p:nvSpPr>
+          <p:spPr>
+            <a:xfrm rot="16200000">
+              <a:off x="4457449" y="3422620"/>
+              <a:ext cx="1280160" cy="91440"/>
+            </a:xfrm>
+            <a:prstGeom prst="leftRightArrow">
+              <a:avLst/>
+            </a:prstGeom>
+            <a:solidFill>
+              <a:schemeClr val="tx1"/>
+            </a:solidFill>
+            <a:ln>
+              <a:solidFill>
+                <a:schemeClr val="tx1"/>
+              </a:solidFill>
+            </a:ln>
+          </p:spPr>
+          <p:style>
+            <a:lnRef idx="2">
+              <a:schemeClr val="accent1">
+                <a:shade val="50000"/>
+              </a:schemeClr>
+            </a:lnRef>
+            <a:fillRef idx="1">
+              <a:schemeClr val="accent1"/>
+            </a:fillRef>
+            <a:effectRef idx="0">
+              <a:schemeClr val="accent1"/>
+            </a:effectRef>
+            <a:fontRef idx="minor">
+              <a:schemeClr val="lt1"/>
+            </a:fontRef>
+          </p:style>
+          <p:txBody>
+            <a:bodyPr rtlCol="0" anchor="ctr"/>
+            <a:lstStyle/>
+            <a:p>
+              <a:pPr algn="ctr"/>
+              <a:endParaRPr lang="en-US"/>
+            </a:p>
+          </p:txBody>
+        </p:sp>
+        <p:cxnSp>
+          <p:nvCxnSpPr>
+            <p:cNvPr id="47" name="Connector: Curved 46">
+              <a:extLst>
+                <a:ext uri="{FF2B5EF4-FFF2-40B4-BE49-F238E27FC236}">
+                  <a16:creationId xmlns:a16="http://schemas.microsoft.com/office/drawing/2014/main" id="{43E9404D-0DAB-4513-A744-E6DFD7EF4506}"/>
+                </a:ext>
+              </a:extLst>
+            </p:cNvPr>
+            <p:cNvCxnSpPr>
+              <a:cxnSpLocks/>
+              <a:stCxn id="34" idx="2"/>
+              <a:endCxn id="39" idx="2"/>
+            </p:cNvCxnSpPr>
+            <p:nvPr/>
+          </p:nvCxnSpPr>
+          <p:spPr>
+            <a:xfrm rot="5400000">
+              <a:off x="5538032" y="2441340"/>
+              <a:ext cx="1280160" cy="1925839"/>
+            </a:xfrm>
+            <a:prstGeom prst="curvedConnector3">
+              <a:avLst>
+                <a:gd name="adj1" fmla="val 16772"/>
+              </a:avLst>
+            </a:prstGeom>
+            <a:ln w="38100">
+              <a:headEnd type="triangle"/>
+              <a:tailEnd type="triangle"/>
+            </a:ln>
+          </p:spPr>
+          <p:style>
+            <a:lnRef idx="3">
+              <a:schemeClr val="dk1"/>
+            </a:lnRef>
+            <a:fillRef idx="0">
+              <a:schemeClr val="dk1"/>
+            </a:fillRef>
+            <a:effectRef idx="2">
+              <a:schemeClr val="dk1"/>
+            </a:effectRef>
+            <a:fontRef idx="minor">
+              <a:schemeClr val="tx1"/>
+            </a:fontRef>
+          </p:style>
+        </p:cxnSp>
+      </p:grpSp>
+    </p:spTree>
+    <p:extLst>
+      <p:ext uri="{BB962C8B-B14F-4D97-AF65-F5344CB8AC3E}">
+        <p14:creationId xmlns:p14="http://schemas.microsoft.com/office/powerpoint/2010/main" val="450282309"/>
+      </p:ext>
+    </p:extLst>
+  </p:cSld>
+  <p:clrMapOvr>
+    <a:masterClrMapping/>
+  </p:clrMapOvr>
+</p:sld>
+</file>
+
+<file path=ppt/slides/slide13.xml><?xml version="1.0" encoding="utf-8"?>
+<p:sld xmlns:a="http://schemas.openxmlformats.org/drawingml/2006/main" xmlns:r="http://schemas.openxmlformats.org/officeDocument/2006/relationships" xmlns:p="http://schemas.openxmlformats.org/presentationml/2006/main">
+  <p:cSld>
     <p:bg>
       <p:bgPr>
         <a:solidFill>
@@ -4410,7 +5860,7 @@
 </p:sld>
 </file>
 
-<file path=ppt/slides/slide12.xml><?xml version="1.0" encoding="utf-8"?>
+<file path=ppt/slides/slide14.xml><?xml version="1.0" encoding="utf-8"?>
 <p:sld xmlns:a="http://schemas.openxmlformats.org/drawingml/2006/main" xmlns:r="http://schemas.openxmlformats.org/officeDocument/2006/relationships" xmlns:p="http://schemas.openxmlformats.org/presentationml/2006/main">
   <p:cSld>
     <p:bg>

--- a/EDA_Presentation.pptx
+++ b/EDA_Presentation.pptx
@@ -17,7 +17,7 @@
     <p:sldId id="262" r:id="rId8"/>
     <p:sldId id="263" r:id="rId9"/>
     <p:sldId id="272" r:id="rId10"/>
-    <p:sldId id="273" r:id="rId11"/>
+    <p:sldId id="281" r:id="rId11"/>
     <p:sldId id="276" r:id="rId12"/>
     <p:sldId id="275" r:id="rId13"/>
     <p:sldId id="264" r:id="rId14"/>
@@ -210,7 +210,7 @@
           <a:p>
             <a:fld id="{19553C96-C507-48DD-9B82-D32AAE9F79FE}" type="datetimeFigureOut">
               <a:rPr lang="en-US" smtClean="0"/>
-              <a:t>10/20/2021</a:t>
+              <a:t>10/21/2021</a:t>
             </a:fld>
             <a:endParaRPr lang="en-US"/>
           </a:p>
@@ -624,7 +624,7 @@
           <a:p>
             <a:fld id="{AB7F5EDC-EE88-4A1F-BCD4-A74576B5EBDA}" type="datetimeFigureOut">
               <a:rPr lang="en-US" smtClean="0"/>
-              <a:t>10/20/2021</a:t>
+              <a:t>10/21/2021</a:t>
             </a:fld>
             <a:endParaRPr lang="en-US"/>
           </a:p>
@@ -822,7 +822,7 @@
           <a:p>
             <a:fld id="{AB7F5EDC-EE88-4A1F-BCD4-A74576B5EBDA}" type="datetimeFigureOut">
               <a:rPr lang="en-US" smtClean="0"/>
-              <a:t>10/20/2021</a:t>
+              <a:t>10/21/2021</a:t>
             </a:fld>
             <a:endParaRPr lang="en-US"/>
           </a:p>
@@ -1030,7 +1030,7 @@
           <a:p>
             <a:fld id="{AB7F5EDC-EE88-4A1F-BCD4-A74576B5EBDA}" type="datetimeFigureOut">
               <a:rPr lang="en-US" smtClean="0"/>
-              <a:t>10/20/2021</a:t>
+              <a:t>10/21/2021</a:t>
             </a:fld>
             <a:endParaRPr lang="en-US"/>
           </a:p>
@@ -1228,7 +1228,7 @@
           <a:p>
             <a:fld id="{AB7F5EDC-EE88-4A1F-BCD4-A74576B5EBDA}" type="datetimeFigureOut">
               <a:rPr lang="en-US" smtClean="0"/>
-              <a:t>10/20/2021</a:t>
+              <a:t>10/21/2021</a:t>
             </a:fld>
             <a:endParaRPr lang="en-US"/>
           </a:p>
@@ -1503,7 +1503,7 @@
           <a:p>
             <a:fld id="{AB7F5EDC-EE88-4A1F-BCD4-A74576B5EBDA}" type="datetimeFigureOut">
               <a:rPr lang="en-US" smtClean="0"/>
-              <a:t>10/20/2021</a:t>
+              <a:t>10/21/2021</a:t>
             </a:fld>
             <a:endParaRPr lang="en-US"/>
           </a:p>
@@ -1768,7 +1768,7 @@
           <a:p>
             <a:fld id="{AB7F5EDC-EE88-4A1F-BCD4-A74576B5EBDA}" type="datetimeFigureOut">
               <a:rPr lang="en-US" smtClean="0"/>
-              <a:t>10/20/2021</a:t>
+              <a:t>10/21/2021</a:t>
             </a:fld>
             <a:endParaRPr lang="en-US"/>
           </a:p>
@@ -2180,7 +2180,7 @@
           <a:p>
             <a:fld id="{AB7F5EDC-EE88-4A1F-BCD4-A74576B5EBDA}" type="datetimeFigureOut">
               <a:rPr lang="en-US" smtClean="0"/>
-              <a:t>10/20/2021</a:t>
+              <a:t>10/21/2021</a:t>
             </a:fld>
             <a:endParaRPr lang="en-US"/>
           </a:p>
@@ -2321,7 +2321,7 @@
           <a:p>
             <a:fld id="{AB7F5EDC-EE88-4A1F-BCD4-A74576B5EBDA}" type="datetimeFigureOut">
               <a:rPr lang="en-US" smtClean="0"/>
-              <a:t>10/20/2021</a:t>
+              <a:t>10/21/2021</a:t>
             </a:fld>
             <a:endParaRPr lang="en-US"/>
           </a:p>
@@ -2434,7 +2434,7 @@
           <a:p>
             <a:fld id="{AB7F5EDC-EE88-4A1F-BCD4-A74576B5EBDA}" type="datetimeFigureOut">
               <a:rPr lang="en-US" smtClean="0"/>
-              <a:t>10/20/2021</a:t>
+              <a:t>10/21/2021</a:t>
             </a:fld>
             <a:endParaRPr lang="en-US"/>
           </a:p>
@@ -2745,7 +2745,7 @@
           <a:p>
             <a:fld id="{AB7F5EDC-EE88-4A1F-BCD4-A74576B5EBDA}" type="datetimeFigureOut">
               <a:rPr lang="en-US" smtClean="0"/>
-              <a:t>10/20/2021</a:t>
+              <a:t>10/21/2021</a:t>
             </a:fld>
             <a:endParaRPr lang="en-US"/>
           </a:p>
@@ -3033,7 +3033,7 @@
           <a:p>
             <a:fld id="{AB7F5EDC-EE88-4A1F-BCD4-A74576B5EBDA}" type="datetimeFigureOut">
               <a:rPr lang="en-US" smtClean="0"/>
-              <a:t>10/20/2021</a:t>
+              <a:t>10/21/2021</a:t>
             </a:fld>
             <a:endParaRPr lang="en-US"/>
           </a:p>
@@ -3274,7 +3274,7 @@
           <a:p>
             <a:fld id="{AB7F5EDC-EE88-4A1F-BCD4-A74576B5EBDA}" type="datetimeFigureOut">
               <a:rPr lang="en-US" smtClean="0"/>
-              <a:t>10/20/2021</a:t>
+              <a:t>10/21/2021</a:t>
             </a:fld>
             <a:endParaRPr lang="en-US"/>
           </a:p>
@@ -3980,172 +3980,6 @@
 <file path=ppt/slides/slide10.xml><?xml version="1.0" encoding="utf-8"?>
 <p:sld xmlns:a="http://schemas.openxmlformats.org/drawingml/2006/main" xmlns:r="http://schemas.openxmlformats.org/officeDocument/2006/relationships" xmlns:p="http://schemas.openxmlformats.org/presentationml/2006/main">
   <p:cSld>
-    <p:spTree>
-      <p:nvGrpSpPr>
-        <p:cNvPr id="1" name=""/>
-        <p:cNvGrpSpPr/>
-        <p:nvPr/>
-      </p:nvGrpSpPr>
-      <p:grpSpPr>
-        <a:xfrm>
-          <a:off x="0" y="0"/>
-          <a:ext cx="0" cy="0"/>
-          <a:chOff x="0" y="0"/>
-          <a:chExt cx="0" cy="0"/>
-        </a:xfrm>
-      </p:grpSpPr>
-      <p:sp>
-        <p:nvSpPr>
-          <p:cNvPr id="2" name="Title 1">
-            <a:extLst>
-              <a:ext uri="{FF2B5EF4-FFF2-40B4-BE49-F238E27FC236}">
-                <a16:creationId xmlns:a16="http://schemas.microsoft.com/office/drawing/2014/main" id="{2E0A7252-2608-4B86-A7CB-798804A33465}"/>
-              </a:ext>
-            </a:extLst>
-          </p:cNvPr>
-          <p:cNvSpPr>
-            <a:spLocks noGrp="1"/>
-          </p:cNvSpPr>
-          <p:nvPr>
-            <p:ph type="title"/>
-          </p:nvPr>
-        </p:nvSpPr>
-        <p:spPr/>
-        <p:txBody>
-          <a:bodyPr/>
-          <a:lstStyle/>
-          <a:p>
-            <a:r>
-              <a:rPr lang="en-US" dirty="0"/>
-              <a:t>Naïve Bayes Modeling</a:t>
-            </a:r>
-          </a:p>
-        </p:txBody>
-      </p:sp>
-      <p:sp>
-        <p:nvSpPr>
-          <p:cNvPr id="3" name="Content Placeholder 2">
-            <a:extLst>
-              <a:ext uri="{FF2B5EF4-FFF2-40B4-BE49-F238E27FC236}">
-                <a16:creationId xmlns:a16="http://schemas.microsoft.com/office/drawing/2014/main" id="{684B06DE-2CC5-4C0D-A13D-0BCB701FF5AF}"/>
-              </a:ext>
-            </a:extLst>
-          </p:cNvPr>
-          <p:cNvSpPr>
-            <a:spLocks noGrp="1"/>
-          </p:cNvSpPr>
-          <p:nvPr>
-            <p:ph idx="1"/>
-          </p:nvPr>
-        </p:nvSpPr>
-        <p:spPr/>
-        <p:txBody>
-          <a:bodyPr/>
-          <a:lstStyle/>
-          <a:p>
-            <a:endParaRPr lang="en-US" dirty="0"/>
-          </a:p>
-        </p:txBody>
-      </p:sp>
-    </p:spTree>
-    <p:extLst>
-      <p:ext uri="{BB962C8B-B14F-4D97-AF65-F5344CB8AC3E}">
-        <p14:creationId xmlns:p14="http://schemas.microsoft.com/office/powerpoint/2010/main" val="2921698211"/>
-      </p:ext>
-    </p:extLst>
-  </p:cSld>
-  <p:clrMapOvr>
-    <a:masterClrMapping/>
-  </p:clrMapOvr>
-</p:sld>
-</file>
-
-<file path=ppt/slides/slide11.xml><?xml version="1.0" encoding="utf-8"?>
-<p:sld xmlns:a="http://schemas.openxmlformats.org/drawingml/2006/main" xmlns:r="http://schemas.openxmlformats.org/officeDocument/2006/relationships" xmlns:p="http://schemas.openxmlformats.org/presentationml/2006/main">
-  <p:cSld>
-    <p:spTree>
-      <p:nvGrpSpPr>
-        <p:cNvPr id="1" name=""/>
-        <p:cNvGrpSpPr/>
-        <p:nvPr/>
-      </p:nvGrpSpPr>
-      <p:grpSpPr>
-        <a:xfrm>
-          <a:off x="0" y="0"/>
-          <a:ext cx="0" cy="0"/>
-          <a:chOff x="0" y="0"/>
-          <a:chExt cx="0" cy="0"/>
-        </a:xfrm>
-      </p:grpSpPr>
-      <p:sp>
-        <p:nvSpPr>
-          <p:cNvPr id="2" name="Title 1">
-            <a:extLst>
-              <a:ext uri="{FF2B5EF4-FFF2-40B4-BE49-F238E27FC236}">
-                <a16:creationId xmlns:a16="http://schemas.microsoft.com/office/drawing/2014/main" id="{20FDEE60-E8C5-4C1D-8F74-C3A1BFD96C23}"/>
-              </a:ext>
-            </a:extLst>
-          </p:cNvPr>
-          <p:cNvSpPr>
-            <a:spLocks noGrp="1"/>
-          </p:cNvSpPr>
-          <p:nvPr>
-            <p:ph type="title"/>
-          </p:nvPr>
-        </p:nvSpPr>
-        <p:spPr/>
-        <p:txBody>
-          <a:bodyPr/>
-          <a:lstStyle/>
-          <a:p>
-            <a:r>
-              <a:rPr lang="en-US" dirty="0"/>
-              <a:t>Kruskal Wallis – Rank Sum Test Results</a:t>
-            </a:r>
-          </a:p>
-        </p:txBody>
-      </p:sp>
-      <p:sp>
-        <p:nvSpPr>
-          <p:cNvPr id="3" name="Content Placeholder 2">
-            <a:extLst>
-              <a:ext uri="{FF2B5EF4-FFF2-40B4-BE49-F238E27FC236}">
-                <a16:creationId xmlns:a16="http://schemas.microsoft.com/office/drawing/2014/main" id="{B76479C2-F10B-4B38-A564-DCCBB5BE03C4}"/>
-              </a:ext>
-            </a:extLst>
-          </p:cNvPr>
-          <p:cNvSpPr>
-            <a:spLocks noGrp="1"/>
-          </p:cNvSpPr>
-          <p:nvPr>
-            <p:ph idx="1"/>
-          </p:nvPr>
-        </p:nvSpPr>
-        <p:spPr/>
-        <p:txBody>
-          <a:bodyPr/>
-          <a:lstStyle/>
-          <a:p>
-            <a:endParaRPr lang="en-US"/>
-          </a:p>
-        </p:txBody>
-      </p:sp>
-    </p:spTree>
-    <p:extLst>
-      <p:ext uri="{BB962C8B-B14F-4D97-AF65-F5344CB8AC3E}">
-        <p14:creationId xmlns:p14="http://schemas.microsoft.com/office/powerpoint/2010/main" val="2853897444"/>
-      </p:ext>
-    </p:extLst>
-  </p:cSld>
-  <p:clrMapOvr>
-    <a:masterClrMapping/>
-  </p:clrMapOvr>
-</p:sld>
-</file>
-
-<file path=ppt/slides/slide12.xml><?xml version="1.0" encoding="utf-8"?>
-<p:sld xmlns:a="http://schemas.openxmlformats.org/drawingml/2006/main" xmlns:r="http://schemas.openxmlformats.org/officeDocument/2006/relationships" xmlns:p="http://schemas.openxmlformats.org/presentationml/2006/main">
-  <p:cSld>
     <p:bg>
       <p:bgPr>
         <a:solidFill>
@@ -4170,64 +4004,7 @@
       </p:grpSpPr>
       <p:sp>
         <p:nvSpPr>
-          <p:cNvPr id="5" name="Rectangle 4">
-            <a:extLst>
-              <a:ext uri="{FF2B5EF4-FFF2-40B4-BE49-F238E27FC236}">
-                <a16:creationId xmlns:a16="http://schemas.microsoft.com/office/drawing/2014/main" id="{5B74AB37-B27C-407D-B75A-09D0E09A491F}"/>
-              </a:ext>
-            </a:extLst>
-          </p:cNvPr>
-          <p:cNvSpPr/>
-          <p:nvPr/>
-        </p:nvSpPr>
-        <p:spPr>
-          <a:xfrm>
-            <a:off x="6352674" y="3135086"/>
-            <a:ext cx="5202583" cy="2729449"/>
-          </a:xfrm>
-          <a:prstGeom prst="rect">
-            <a:avLst/>
-          </a:prstGeom>
-          <a:solidFill>
-            <a:schemeClr val="accent6">
-              <a:lumMod val="60000"/>
-              <a:lumOff val="40000"/>
-            </a:schemeClr>
-          </a:solidFill>
-          <a:ln w="28575">
-            <a:solidFill>
-              <a:schemeClr val="tx1"/>
-            </a:solidFill>
-          </a:ln>
-        </p:spPr>
-        <p:style>
-          <a:lnRef idx="2">
-            <a:schemeClr val="accent1">
-              <a:shade val="50000"/>
-            </a:schemeClr>
-          </a:lnRef>
-          <a:fillRef idx="1">
-            <a:schemeClr val="accent1"/>
-          </a:fillRef>
-          <a:effectRef idx="0">
-            <a:schemeClr val="accent1"/>
-          </a:effectRef>
-          <a:fontRef idx="minor">
-            <a:schemeClr val="lt1"/>
-          </a:fontRef>
-        </p:style>
-        <p:txBody>
-          <a:bodyPr rtlCol="0" anchor="ctr"/>
-          <a:lstStyle/>
-          <a:p>
-            <a:pPr algn="ctr"/>
-            <a:endParaRPr lang="en-US"/>
-          </a:p>
-        </p:txBody>
-      </p:sp>
-      <p:sp>
-        <p:nvSpPr>
-          <p:cNvPr id="22" name="Rectangle 21">
+          <p:cNvPr id="13" name="Rectangle 12">
             <a:extLst>
               <a:ext uri="{FF2B5EF4-FFF2-40B4-BE49-F238E27FC236}">
                 <a16:creationId xmlns:a16="http://schemas.microsoft.com/office/drawing/2014/main" id="{5E52985E-2553-471E-82AA-5ED7A329890A}"/>
@@ -4330,7 +4107,7 @@
           <p:cNvPr id="2" name="Title 1">
             <a:extLst>
               <a:ext uri="{FF2B5EF4-FFF2-40B4-BE49-F238E27FC236}">
-                <a16:creationId xmlns:a16="http://schemas.microsoft.com/office/drawing/2014/main" id="{12881954-DB60-4972-A47B-D14161CB8D25}"/>
+                <a16:creationId xmlns:a16="http://schemas.microsoft.com/office/drawing/2014/main" id="{7BFF96D3-167E-4C17-81A1-1DCA31EB0B15}"/>
               </a:ext>
             </a:extLst>
           </p:cNvPr>
@@ -4353,21 +4130,26 @@
           </a:bodyPr>
           <a:lstStyle/>
           <a:p>
-            <a:pPr algn="ctr"/>
-            <a:r>
-              <a:rPr lang="en-US" sz="3000" dirty="0">
+            <a:pPr algn="r"/>
+            <a:r>
+              <a:rPr lang="en-US" sz="2800" dirty="0">
                 <a:solidFill>
                   <a:schemeClr val="bg1"/>
                 </a:solidFill>
               </a:rPr>
-              <a:t>Rank Sum Test – Adjacency Matrix</a:t>
-            </a:r>
+              <a:t>Naïve Bayes Modeling</a:t>
+            </a:r>
+            <a:endParaRPr lang="en-US" sz="3000" dirty="0">
+              <a:solidFill>
+                <a:schemeClr val="bg1"/>
+              </a:solidFill>
+            </a:endParaRPr>
           </a:p>
         </p:txBody>
       </p:sp>
       <p:cxnSp>
         <p:nvCxnSpPr>
-          <p:cNvPr id="24" name="Straight Connector 23">
+          <p:cNvPr id="15" name="Straight Connector 14">
             <a:extLst>
               <a:ext uri="{FF2B5EF4-FFF2-40B4-BE49-F238E27FC236}">
                 <a16:creationId xmlns:a16="http://schemas.microsoft.com/office/drawing/2014/main" id="{DAE3ABC6-4042-4293-A7DF-F01181363B7E}"/>
@@ -4424,7 +4206,7 @@
           <p:cNvPr id="3" name="Content Placeholder 2">
             <a:extLst>
               <a:ext uri="{FF2B5EF4-FFF2-40B4-BE49-F238E27FC236}">
-                <a16:creationId xmlns:a16="http://schemas.microsoft.com/office/drawing/2014/main" id="{D710C547-3AB5-4BD3-B1F3-879EF2DA9704}"/>
+                <a16:creationId xmlns:a16="http://schemas.microsoft.com/office/drawing/2014/main" id="{C6FA888D-9D53-4108-9BA0-0D91E9A97987}"/>
               </a:ext>
             </a:extLst>
           </p:cNvPr>
@@ -4448,6 +4230,1323 @@
           <a:lstStyle/>
           <a:p>
             <a:r>
+              <a:rPr lang="en-US" sz="1200" dirty="0">
+                <a:solidFill>
+                  <a:schemeClr val="bg1"/>
+                </a:solidFill>
+              </a:rPr>
+              <a:t>Using this modeling, we will consider IBU and ABV are conditionally independent and then find the probability for a beer being either an Ale or IPA.</a:t>
+            </a:r>
+          </a:p>
+          <a:p>
+            <a:pPr lvl="1"/>
+            <a:r>
+              <a:rPr lang="en-US" sz="1200" dirty="0">
+                <a:solidFill>
+                  <a:schemeClr val="bg1"/>
+                </a:solidFill>
+              </a:rPr>
+              <a:t>ABV and IBU are continuous variables.</a:t>
+            </a:r>
+          </a:p>
+          <a:p>
+            <a:r>
+              <a:rPr lang="en-US" sz="1200" dirty="0">
+                <a:solidFill>
+                  <a:schemeClr val="bg1"/>
+                </a:solidFill>
+              </a:rPr>
+              <a:t>Sensitivity: The percentage of Ales that were identified correctly. </a:t>
+            </a:r>
+          </a:p>
+          <a:p>
+            <a:r>
+              <a:rPr lang="en-US" sz="1200" dirty="0">
+                <a:solidFill>
+                  <a:schemeClr val="bg1"/>
+                </a:solidFill>
+              </a:rPr>
+              <a:t>Specificity: The percentage of IPA’s that were identified correctly.</a:t>
+            </a:r>
+          </a:p>
+        </p:txBody>
+      </p:sp>
+      <p:graphicFrame>
+        <p:nvGraphicFramePr>
+          <p:cNvPr id="11" name="Table 6">
+            <a:extLst>
+              <a:ext uri="{FF2B5EF4-FFF2-40B4-BE49-F238E27FC236}">
+                <a16:creationId xmlns:a16="http://schemas.microsoft.com/office/drawing/2014/main" id="{582FCF3E-F9D4-4A44-A3C2-951F3F09E44A}"/>
+              </a:ext>
+            </a:extLst>
+          </p:cNvPr>
+          <p:cNvGraphicFramePr>
+            <a:graphicFrameLocks noGrp="1"/>
+          </p:cNvGraphicFramePr>
+          <p:nvPr>
+            <p:extLst>
+              <p:ext uri="{D42A27DB-BD31-4B8C-83A1-F6EECF244321}">
+                <p14:modId xmlns:p14="http://schemas.microsoft.com/office/powerpoint/2010/main" val="2682343452"/>
+              </p:ext>
+            </p:extLst>
+          </p:nvPr>
+        </p:nvGraphicFramePr>
+        <p:xfrm>
+          <a:off x="5550423" y="3453920"/>
+          <a:ext cx="5890102" cy="2293696"/>
+        </p:xfrm>
+        <a:graphic>
+          <a:graphicData uri="http://schemas.openxmlformats.org/drawingml/2006/table">
+            <a:tbl>
+              <a:tblPr firstRow="1" bandRow="1">
+                <a:tableStyleId>{93296810-A885-4BE3-A3E7-6D5BEEA58F35}</a:tableStyleId>
+              </a:tblPr>
+              <a:tblGrid>
+                <a:gridCol w="2987405">
+                  <a:extLst>
+                    <a:ext uri="{9D8B030D-6E8A-4147-A177-3AD203B41FA5}">
+                      <a16:colId xmlns:a16="http://schemas.microsoft.com/office/drawing/2014/main" val="3146153261"/>
+                    </a:ext>
+                  </a:extLst>
+                </a:gridCol>
+                <a:gridCol w="2902697">
+                  <a:extLst>
+                    <a:ext uri="{9D8B030D-6E8A-4147-A177-3AD203B41FA5}">
+                      <a16:colId xmlns:a16="http://schemas.microsoft.com/office/drawing/2014/main" val="2940848280"/>
+                    </a:ext>
+                  </a:extLst>
+                </a:gridCol>
+              </a:tblGrid>
+              <a:tr h="573424">
+                <a:tc>
+                  <a:txBody>
+                    <a:bodyPr/>
+                    <a:lstStyle/>
+                    <a:p>
+                      <a:pPr algn="ctr"/>
+                      <a:r>
+                        <a:rPr lang="en-US" sz="1800" dirty="0"/>
+                        <a:t>Statistic</a:t>
+                      </a:r>
+                    </a:p>
+                  </a:txBody>
+                  <a:tcPr marL="157609" marR="157609" marT="78804" marB="78804">
+                    <a:solidFill>
+                      <a:schemeClr val="accent6">
+                        <a:lumMod val="75000"/>
+                      </a:schemeClr>
+                    </a:solidFill>
+                  </a:tcPr>
+                </a:tc>
+                <a:tc>
+                  <a:txBody>
+                    <a:bodyPr/>
+                    <a:lstStyle/>
+                    <a:p>
+                      <a:pPr algn="ctr"/>
+                      <a:r>
+                        <a:rPr lang="en-US" sz="1800" dirty="0"/>
+                        <a:t>Value</a:t>
+                      </a:r>
+                    </a:p>
+                  </a:txBody>
+                  <a:tcPr marL="157609" marR="157609" marT="78804" marB="78804">
+                    <a:solidFill>
+                      <a:schemeClr val="accent6">
+                        <a:lumMod val="75000"/>
+                      </a:schemeClr>
+                    </a:solidFill>
+                  </a:tcPr>
+                </a:tc>
+                <a:extLst>
+                  <a:ext uri="{0D108BD9-81ED-4DB2-BD59-A6C34878D82A}">
+                    <a16:rowId xmlns:a16="http://schemas.microsoft.com/office/drawing/2014/main" val="3449803977"/>
+                  </a:ext>
+                </a:extLst>
+              </a:tr>
+              <a:tr h="573424">
+                <a:tc>
+                  <a:txBody>
+                    <a:bodyPr/>
+                    <a:lstStyle/>
+                    <a:p>
+                      <a:pPr algn="ctr"/>
+                      <a:r>
+                        <a:rPr lang="en-US" sz="1800" dirty="0"/>
+                        <a:t>Accuracy</a:t>
+                      </a:r>
+                    </a:p>
+                  </a:txBody>
+                  <a:tcPr marL="157609" marR="157609" marT="78804" marB="78804"/>
+                </a:tc>
+                <a:tc>
+                  <a:txBody>
+                    <a:bodyPr/>
+                    <a:lstStyle/>
+                    <a:p>
+                      <a:pPr algn="ctr"/>
+                      <a:r>
+                        <a:rPr lang="en-US" sz="1800" dirty="0"/>
+                        <a:t>91.1%</a:t>
+                      </a:r>
+                    </a:p>
+                  </a:txBody>
+                  <a:tcPr marL="157609" marR="157609" marT="78804" marB="78804"/>
+                </a:tc>
+                <a:extLst>
+                  <a:ext uri="{0D108BD9-81ED-4DB2-BD59-A6C34878D82A}">
+                    <a16:rowId xmlns:a16="http://schemas.microsoft.com/office/drawing/2014/main" val="1456734244"/>
+                  </a:ext>
+                </a:extLst>
+              </a:tr>
+              <a:tr h="573424">
+                <a:tc>
+                  <a:txBody>
+                    <a:bodyPr/>
+                    <a:lstStyle/>
+                    <a:p>
+                      <a:pPr algn="ctr"/>
+                      <a:r>
+                        <a:rPr lang="en-US" sz="1800" dirty="0"/>
+                        <a:t>Sensitivity (Ale)</a:t>
+                      </a:r>
+                    </a:p>
+                  </a:txBody>
+                  <a:tcPr marL="157609" marR="157609" marT="78804" marB="78804"/>
+                </a:tc>
+                <a:tc>
+                  <a:txBody>
+                    <a:bodyPr/>
+                    <a:lstStyle/>
+                    <a:p>
+                      <a:pPr algn="ctr"/>
+                      <a:r>
+                        <a:rPr lang="en-US" sz="1800" dirty="0"/>
+                        <a:t>92.7%</a:t>
+                      </a:r>
+                    </a:p>
+                  </a:txBody>
+                  <a:tcPr marL="157609" marR="157609" marT="78804" marB="78804"/>
+                </a:tc>
+                <a:extLst>
+                  <a:ext uri="{0D108BD9-81ED-4DB2-BD59-A6C34878D82A}">
+                    <a16:rowId xmlns:a16="http://schemas.microsoft.com/office/drawing/2014/main" val="2343149834"/>
+                  </a:ext>
+                </a:extLst>
+              </a:tr>
+              <a:tr h="573424">
+                <a:tc>
+                  <a:txBody>
+                    <a:bodyPr/>
+                    <a:lstStyle/>
+                    <a:p>
+                      <a:pPr algn="ctr"/>
+                      <a:r>
+                        <a:rPr lang="en-US" sz="1800" dirty="0"/>
+                        <a:t>Specificity (IPA)</a:t>
+                      </a:r>
+                    </a:p>
+                  </a:txBody>
+                  <a:tcPr marL="157609" marR="157609" marT="78804" marB="78804"/>
+                </a:tc>
+                <a:tc>
+                  <a:txBody>
+                    <a:bodyPr/>
+                    <a:lstStyle/>
+                    <a:p>
+                      <a:pPr algn="ctr"/>
+                      <a:r>
+                        <a:rPr lang="en-US" sz="1800" dirty="0"/>
+                        <a:t>88.3%</a:t>
+                      </a:r>
+                    </a:p>
+                  </a:txBody>
+                  <a:tcPr marL="157609" marR="157609" marT="78804" marB="78804"/>
+                </a:tc>
+                <a:extLst>
+                  <a:ext uri="{0D108BD9-81ED-4DB2-BD59-A6C34878D82A}">
+                    <a16:rowId xmlns:a16="http://schemas.microsoft.com/office/drawing/2014/main" val="1933025217"/>
+                  </a:ext>
+                </a:extLst>
+              </a:tr>
+            </a:tbl>
+          </a:graphicData>
+        </a:graphic>
+      </p:graphicFrame>
+      <p:sp>
+        <p:nvSpPr>
+          <p:cNvPr id="12" name="TextBox 11">
+            <a:extLst>
+              <a:ext uri="{FF2B5EF4-FFF2-40B4-BE49-F238E27FC236}">
+                <a16:creationId xmlns:a16="http://schemas.microsoft.com/office/drawing/2014/main" id="{9BCDA314-5C0C-4950-8875-917E3B30D23D}"/>
+              </a:ext>
+            </a:extLst>
+          </p:cNvPr>
+          <p:cNvSpPr txBox="1"/>
+          <p:nvPr/>
+        </p:nvSpPr>
+        <p:spPr>
+          <a:xfrm>
+            <a:off x="1059677" y="4252212"/>
+            <a:ext cx="4058856" cy="1490248"/>
+          </a:xfrm>
+          <a:prstGeom prst="rect">
+            <a:avLst/>
+          </a:prstGeom>
+          <a:solidFill>
+            <a:schemeClr val="accent6">
+              <a:lumMod val="40000"/>
+              <a:lumOff val="60000"/>
+            </a:schemeClr>
+          </a:solidFill>
+          <a:ln w="28575">
+            <a:solidFill>
+              <a:schemeClr val="tx1"/>
+            </a:solidFill>
+          </a:ln>
+        </p:spPr>
+        <p:txBody>
+          <a:bodyPr wrap="square" rtlCol="0">
+            <a:spAutoFit/>
+          </a:bodyPr>
+          <a:lstStyle/>
+          <a:p>
+            <a:pPr algn="ctr"/>
+            <a:r>
+              <a:rPr lang="en-US" dirty="0"/>
+              <a:t>Like the KNN model, the Naïve Bayes model can identify whether a beer is an Ale or IPA with &gt;90% accuracy. </a:t>
+            </a:r>
+          </a:p>
+          <a:p>
+            <a:pPr algn="ctr"/>
+            <a:r>
+              <a:rPr lang="en-US" dirty="0"/>
+              <a:t>Both models suggest that more alcoholic beers will likely be more bitter. </a:t>
+            </a:r>
+          </a:p>
+        </p:txBody>
+      </p:sp>
+      <mc:AlternateContent xmlns:mc="http://schemas.openxmlformats.org/markup-compatibility/2006">
+        <mc:Choice xmlns:a14="http://schemas.microsoft.com/office/drawing/2010/main" Requires="a14">
+          <p:sp>
+            <p:nvSpPr>
+              <p:cNvPr id="4" name="TextBox 3">
+                <a:extLst>
+                  <a:ext uri="{FF2B5EF4-FFF2-40B4-BE49-F238E27FC236}">
+                    <a16:creationId xmlns:a16="http://schemas.microsoft.com/office/drawing/2014/main" id="{3BB11A93-665B-433C-A47C-F74967E87BC8}"/>
+                  </a:ext>
+                </a:extLst>
+              </p:cNvPr>
+              <p:cNvSpPr txBox="1"/>
+              <p:nvPr/>
+            </p:nvSpPr>
+            <p:spPr>
+              <a:xfrm>
+                <a:off x="971546" y="3443833"/>
+                <a:ext cx="4235118" cy="569002"/>
+              </a:xfrm>
+              <a:prstGeom prst="rect">
+                <a:avLst/>
+              </a:prstGeom>
+              <a:noFill/>
+            </p:spPr>
+            <p:txBody>
+              <a:bodyPr wrap="square" lIns="0" tIns="0" rIns="0" bIns="0" rtlCol="0">
+                <a:spAutoFit/>
+              </a:bodyPr>
+              <a:lstStyle/>
+              <a:p>
+                <a:pPr algn="ctr"/>
+                <a14:m>
+                  <m:oMath xmlns:m="http://schemas.openxmlformats.org/officeDocument/2006/math">
+                    <m:r>
+                      <a:rPr lang="en-US" sz="2000" b="0" i="1" smtClean="0">
+                        <a:latin typeface="Cambria Math" panose="02040503050406030204" pitchFamily="18" charset="0"/>
+                      </a:rPr>
+                      <m:t>𝑃</m:t>
+                    </m:r>
+                    <m:d>
+                      <m:dPr>
+                        <m:ctrlPr>
+                          <a:rPr lang="en-US" sz="2000" b="0" i="1" smtClean="0">
+                            <a:latin typeface="Cambria Math" panose="02040503050406030204" pitchFamily="18" charset="0"/>
+                          </a:rPr>
+                        </m:ctrlPr>
+                      </m:dPr>
+                      <m:e>
+                        <m:r>
+                          <a:rPr lang="en-US" sz="2000" b="0" i="1" smtClean="0">
+                            <a:latin typeface="Cambria Math" panose="02040503050406030204" pitchFamily="18" charset="0"/>
+                          </a:rPr>
+                          <m:t>𝐴</m:t>
+                        </m:r>
+                      </m:e>
+                      <m:e>
+                        <m:r>
+                          <a:rPr lang="en-US" sz="2000" b="0" i="1" smtClean="0">
+                            <a:latin typeface="Cambria Math" panose="02040503050406030204" pitchFamily="18" charset="0"/>
+                          </a:rPr>
+                          <m:t>𝐵</m:t>
+                        </m:r>
+                      </m:e>
+                    </m:d>
+                  </m:oMath>
+                </a14:m>
+                <a:r>
+                  <a:rPr lang="en-US" sz="2000" dirty="0"/>
+                  <a:t> = </a:t>
+                </a:r>
+                <a14:m>
+                  <m:oMath xmlns:m="http://schemas.openxmlformats.org/officeDocument/2006/math">
+                    <m:f>
+                      <m:fPr>
+                        <m:ctrlPr>
+                          <a:rPr lang="en-US" sz="2000" i="1" smtClean="0">
+                            <a:latin typeface="Cambria Math" panose="02040503050406030204" pitchFamily="18" charset="0"/>
+                          </a:rPr>
+                        </m:ctrlPr>
+                      </m:fPr>
+                      <m:num>
+                        <m:r>
+                          <m:rPr>
+                            <m:nor/>
+                          </m:rPr>
+                          <a:rPr lang="en-US" sz="2000" dirty="0">
+                            <a:latin typeface="Helvetica" pitchFamily="2" charset="0"/>
+                          </a:rPr>
+                          <m:t>𝑃</m:t>
+                        </m:r>
+                        <m:r>
+                          <m:rPr>
+                            <m:nor/>
+                          </m:rPr>
+                          <a:rPr lang="en-US" sz="2000" dirty="0">
+                            <a:latin typeface="Helvetica" pitchFamily="2" charset="0"/>
+                          </a:rPr>
+                          <m:t> (</m:t>
+                        </m:r>
+                        <m:r>
+                          <m:rPr>
+                            <m:nor/>
+                          </m:rPr>
+                          <a:rPr lang="en-US" sz="2000" dirty="0">
+                            <a:latin typeface="Helvetica" pitchFamily="2" charset="0"/>
+                          </a:rPr>
+                          <m:t>𝐵</m:t>
+                        </m:r>
+                        <m:r>
+                          <m:rPr>
+                            <m:nor/>
+                          </m:rPr>
+                          <a:rPr lang="en-US" sz="2000" dirty="0">
+                            <a:latin typeface="Helvetica" pitchFamily="2" charset="0"/>
+                          </a:rPr>
+                          <m:t>|</m:t>
+                        </m:r>
+                        <m:r>
+                          <m:rPr>
+                            <m:nor/>
+                          </m:rPr>
+                          <a:rPr lang="en-US" sz="2000" dirty="0">
+                            <a:latin typeface="Helvetica" pitchFamily="2" charset="0"/>
+                          </a:rPr>
+                          <m:t>𝐴</m:t>
+                        </m:r>
+                        <m:r>
+                          <m:rPr>
+                            <m:nor/>
+                          </m:rPr>
+                          <a:rPr lang="en-US" sz="2000" dirty="0">
+                            <a:latin typeface="Helvetica" pitchFamily="2" charset="0"/>
+                          </a:rPr>
+                          <m:t>) </m:t>
+                        </m:r>
+                        <m:r>
+                          <m:rPr>
+                            <m:nor/>
+                          </m:rPr>
+                          <a:rPr lang="en-US" sz="2000" dirty="0">
+                            <a:latin typeface="Helvetica" pitchFamily="2" charset="0"/>
+                          </a:rPr>
+                          <m:t>𝑃</m:t>
+                        </m:r>
+                        <m:r>
+                          <m:rPr>
+                            <m:nor/>
+                          </m:rPr>
+                          <a:rPr lang="en-US" sz="2000" dirty="0">
+                            <a:latin typeface="Helvetica" pitchFamily="2" charset="0"/>
+                          </a:rPr>
+                          <m:t>(</m:t>
+                        </m:r>
+                        <m:r>
+                          <m:rPr>
+                            <m:nor/>
+                          </m:rPr>
+                          <a:rPr lang="en-US" sz="2000" dirty="0">
+                            <a:latin typeface="Helvetica" pitchFamily="2" charset="0"/>
+                          </a:rPr>
+                          <m:t>𝐴</m:t>
+                        </m:r>
+                        <m:r>
+                          <m:rPr>
+                            <m:nor/>
+                          </m:rPr>
+                          <a:rPr lang="en-US" sz="2000" b="0" i="0" dirty="0" smtClean="0">
+                            <a:latin typeface="Helvetica" pitchFamily="2" charset="0"/>
+                          </a:rPr>
+                          <m:t>)</m:t>
+                        </m:r>
+                      </m:num>
+                      <m:den>
+                        <m:r>
+                          <m:rPr>
+                            <m:nor/>
+                          </m:rPr>
+                          <a:rPr lang="en-US" sz="2000" dirty="0">
+                            <a:latin typeface="Helvetica" pitchFamily="2" charset="0"/>
+                          </a:rPr>
+                          <m:t>𝑃</m:t>
+                        </m:r>
+                        <m:r>
+                          <m:rPr>
+                            <m:nor/>
+                          </m:rPr>
+                          <a:rPr lang="en-US" sz="2000" dirty="0">
+                            <a:latin typeface="Helvetica" pitchFamily="2" charset="0"/>
+                          </a:rPr>
+                          <m:t> (</m:t>
+                        </m:r>
+                        <m:r>
+                          <m:rPr>
+                            <m:nor/>
+                          </m:rPr>
+                          <a:rPr lang="en-US" sz="2000" dirty="0">
+                            <a:latin typeface="Helvetica" pitchFamily="2" charset="0"/>
+                          </a:rPr>
+                          <m:t>𝐵</m:t>
+                        </m:r>
+                        <m:r>
+                          <m:rPr>
+                            <m:nor/>
+                          </m:rPr>
+                          <a:rPr lang="en-US" sz="2000" dirty="0">
+                            <a:latin typeface="Helvetica" pitchFamily="2" charset="0"/>
+                          </a:rPr>
+                          <m:t>|</m:t>
+                        </m:r>
+                        <m:r>
+                          <m:rPr>
+                            <m:nor/>
+                          </m:rPr>
+                          <a:rPr lang="en-US" sz="2000" dirty="0">
+                            <a:latin typeface="Helvetica" pitchFamily="2" charset="0"/>
+                          </a:rPr>
+                          <m:t>𝐴</m:t>
+                        </m:r>
+                        <m:r>
+                          <m:rPr>
+                            <m:nor/>
+                          </m:rPr>
+                          <a:rPr lang="en-US" sz="2000" dirty="0">
+                            <a:latin typeface="Helvetica" pitchFamily="2" charset="0"/>
+                          </a:rPr>
+                          <m:t>) </m:t>
+                        </m:r>
+                        <m:r>
+                          <m:rPr>
+                            <m:nor/>
+                          </m:rPr>
+                          <a:rPr lang="en-US" sz="2000" dirty="0">
+                            <a:latin typeface="Helvetica" pitchFamily="2" charset="0"/>
+                          </a:rPr>
+                          <m:t>𝑃</m:t>
+                        </m:r>
+                        <m:r>
+                          <m:rPr>
+                            <m:nor/>
+                          </m:rPr>
+                          <a:rPr lang="en-US" sz="2000" dirty="0">
+                            <a:latin typeface="Helvetica" pitchFamily="2" charset="0"/>
+                          </a:rPr>
+                          <m:t>(</m:t>
+                        </m:r>
+                        <m:r>
+                          <m:rPr>
+                            <m:nor/>
+                          </m:rPr>
+                          <a:rPr lang="en-US" sz="2000" dirty="0">
+                            <a:latin typeface="Helvetica" pitchFamily="2" charset="0"/>
+                          </a:rPr>
+                          <m:t>𝐴</m:t>
+                        </m:r>
+                        <m:r>
+                          <m:rPr>
+                            <m:nor/>
+                          </m:rPr>
+                          <a:rPr lang="en-US" sz="2000" dirty="0">
+                            <a:latin typeface="Helvetica" pitchFamily="2" charset="0"/>
+                          </a:rPr>
+                          <m:t>) + </m:t>
+                        </m:r>
+                        <m:r>
+                          <m:rPr>
+                            <m:nor/>
+                          </m:rPr>
+                          <a:rPr lang="en-US" sz="2000" dirty="0">
+                            <a:latin typeface="Helvetica" pitchFamily="2" charset="0"/>
+                          </a:rPr>
+                          <m:t>𝑃</m:t>
+                        </m:r>
+                        <m:r>
+                          <m:rPr>
+                            <m:nor/>
+                          </m:rPr>
+                          <a:rPr lang="en-US" sz="2000" dirty="0">
+                            <a:latin typeface="Helvetica" pitchFamily="2" charset="0"/>
+                          </a:rPr>
+                          <m:t> (</m:t>
+                        </m:r>
+                        <m:r>
+                          <m:rPr>
+                            <m:nor/>
+                          </m:rPr>
+                          <a:rPr lang="en-US" sz="2000" dirty="0">
+                            <a:latin typeface="Helvetica" pitchFamily="2" charset="0"/>
+                          </a:rPr>
+                          <m:t>𝐵</m:t>
+                        </m:r>
+                        <m:r>
+                          <m:rPr>
+                            <m:nor/>
+                          </m:rPr>
+                          <a:rPr lang="en-US" sz="2000" dirty="0">
+                            <a:latin typeface="Helvetica" pitchFamily="2" charset="0"/>
+                          </a:rPr>
+                          <m:t>|′</m:t>
+                        </m:r>
+                        <m:r>
+                          <m:rPr>
+                            <m:nor/>
+                          </m:rPr>
+                          <a:rPr lang="en-US" sz="2000" dirty="0">
+                            <a:latin typeface="Helvetica" pitchFamily="2" charset="0"/>
+                          </a:rPr>
+                          <m:t>𝐴</m:t>
+                        </m:r>
+                        <m:r>
+                          <m:rPr>
+                            <m:nor/>
+                          </m:rPr>
+                          <a:rPr lang="en-US" sz="2000" dirty="0">
+                            <a:latin typeface="Helvetica" pitchFamily="2" charset="0"/>
+                          </a:rPr>
+                          <m:t>) </m:t>
+                        </m:r>
+                        <m:r>
+                          <m:rPr>
+                            <m:nor/>
+                          </m:rPr>
+                          <a:rPr lang="en-US" sz="2000" dirty="0">
+                            <a:latin typeface="Helvetica" pitchFamily="2" charset="0"/>
+                          </a:rPr>
+                          <m:t>𝑃</m:t>
+                        </m:r>
+                        <m:r>
+                          <m:rPr>
+                            <m:nor/>
+                          </m:rPr>
+                          <a:rPr lang="en-US" sz="2000" dirty="0">
+                            <a:latin typeface="Helvetica" pitchFamily="2" charset="0"/>
+                          </a:rPr>
+                          <m:t>(′</m:t>
+                        </m:r>
+                        <m:r>
+                          <m:rPr>
+                            <m:nor/>
+                          </m:rPr>
+                          <a:rPr lang="en-US" sz="2000" dirty="0">
+                            <a:latin typeface="Helvetica" pitchFamily="2" charset="0"/>
+                          </a:rPr>
+                          <m:t>𝐴</m:t>
+                        </m:r>
+                        <m:r>
+                          <m:rPr>
+                            <m:nor/>
+                          </m:rPr>
+                          <a:rPr lang="en-US" sz="2000" dirty="0">
+                            <a:latin typeface="Helvetica" pitchFamily="2" charset="0"/>
+                          </a:rPr>
+                          <m:t>)</m:t>
+                        </m:r>
+                      </m:den>
+                    </m:f>
+                  </m:oMath>
+                </a14:m>
+                <a:endParaRPr lang="en-US" dirty="0"/>
+              </a:p>
+            </p:txBody>
+          </p:sp>
+        </mc:Choice>
+        <mc:Fallback>
+          <p:sp>
+            <p:nvSpPr>
+              <p:cNvPr id="4" name="TextBox 3">
+                <a:extLst>
+                  <a:ext uri="{FF2B5EF4-FFF2-40B4-BE49-F238E27FC236}">
+                    <a16:creationId xmlns:a16="http://schemas.microsoft.com/office/drawing/2014/main" id="{3BB11A93-665B-433C-A47C-F74967E87BC8}"/>
+                  </a:ext>
+                </a:extLst>
+              </p:cNvPr>
+              <p:cNvSpPr txBox="1">
+                <a:spLocks noRot="1" noChangeAspect="1" noMove="1" noResize="1" noEditPoints="1" noAdjustHandles="1" noChangeArrowheads="1" noChangeShapeType="1" noTextEdit="1"/>
+              </p:cNvSpPr>
+              <p:nvPr/>
+            </p:nvSpPr>
+            <p:spPr>
+              <a:xfrm>
+                <a:off x="971546" y="3443833"/>
+                <a:ext cx="4235118" cy="569002"/>
+              </a:xfrm>
+              <a:prstGeom prst="rect">
+                <a:avLst/>
+              </a:prstGeom>
+              <a:blipFill>
+                <a:blip r:embed="rId2"/>
+                <a:stretch>
+                  <a:fillRect b="-4301"/>
+                </a:stretch>
+              </a:blipFill>
+            </p:spPr>
+            <p:txBody>
+              <a:bodyPr/>
+              <a:lstStyle/>
+              <a:p>
+                <a:r>
+                  <a:rPr lang="en-US">
+                    <a:noFill/>
+                  </a:rPr>
+                  <a:t> </a:t>
+                </a:r>
+              </a:p>
+            </p:txBody>
+          </p:sp>
+        </mc:Fallback>
+      </mc:AlternateContent>
+    </p:spTree>
+    <p:extLst>
+      <p:ext uri="{BB962C8B-B14F-4D97-AF65-F5344CB8AC3E}">
+        <p14:creationId xmlns:p14="http://schemas.microsoft.com/office/powerpoint/2010/main" val="4181376144"/>
+      </p:ext>
+    </p:extLst>
+  </p:cSld>
+  <p:clrMapOvr>
+    <a:masterClrMapping/>
+  </p:clrMapOvr>
+</p:sld>
+</file>
+
+<file path=ppt/slides/slide11.xml><?xml version="1.0" encoding="utf-8"?>
+<p:sld xmlns:a="http://schemas.openxmlformats.org/drawingml/2006/main" xmlns:r="http://schemas.openxmlformats.org/officeDocument/2006/relationships" xmlns:p="http://schemas.openxmlformats.org/presentationml/2006/main">
+  <p:cSld>
+    <p:bg>
+      <p:bgPr>
+        <a:solidFill>
+          <a:schemeClr val="bg1"/>
+        </a:solidFill>
+        <a:effectLst/>
+      </p:bgPr>
+    </p:bg>
+    <p:spTree>
+      <p:nvGrpSpPr>
+        <p:cNvPr id="1" name=""/>
+        <p:cNvGrpSpPr/>
+        <p:nvPr/>
+      </p:nvGrpSpPr>
+      <p:grpSpPr>
+        <a:xfrm>
+          <a:off x="0" y="0"/>
+          <a:ext cx="0" cy="0"/>
+          <a:chOff x="0" y="0"/>
+          <a:chExt cx="0" cy="0"/>
+        </a:xfrm>
+      </p:grpSpPr>
+      <p:sp>
+        <p:nvSpPr>
+          <p:cNvPr id="8" name="Rectangle 7">
+            <a:extLst>
+              <a:ext uri="{FF2B5EF4-FFF2-40B4-BE49-F238E27FC236}">
+                <a16:creationId xmlns:a16="http://schemas.microsoft.com/office/drawing/2014/main" id="{F98ED85F-DCEE-4B50-802E-71A6E3E12B04}"/>
+              </a:ext>
+              <a:ext uri="{C183D7F6-B498-43B3-948B-1728B52AA6E4}">
+                <adec:decorative xmlns:adec="http://schemas.microsoft.com/office/drawing/2017/decorative" val="1"/>
+              </a:ext>
+            </a:extLst>
+          </p:cNvPr>
+          <p:cNvSpPr>
+            <a:spLocks noGrp="1" noRot="1" noChangeAspect="1" noMove="1" noResize="1" noEditPoints="1" noAdjustHandles="1" noChangeArrowheads="1" noChangeShapeType="1" noTextEdit="1"/>
+          </p:cNvSpPr>
+          <p:nvPr>
+            <p:extLst>
+              <p:ext uri="{386F3935-93C4-4BCD-93E2-E3B085C9AB24}">
+                <p16:designElem xmlns:p16="http://schemas.microsoft.com/office/powerpoint/2015/main" val="1"/>
+              </p:ext>
+            </p:extLst>
+          </p:nvPr>
+        </p:nvSpPr>
+        <p:spPr bwMode="ltGray">
+          <a:xfrm>
+            <a:off x="321564" y="320040"/>
+            <a:ext cx="11548872" cy="6217920"/>
+          </a:xfrm>
+          <a:prstGeom prst="rect">
+            <a:avLst/>
+          </a:prstGeom>
+          <a:solidFill>
+            <a:schemeClr val="tx1">
+              <a:lumMod val="75000"/>
+              <a:lumOff val="25000"/>
+            </a:schemeClr>
+          </a:solidFill>
+          <a:ln w="127000" cap="sq" cmpd="thinThick">
+            <a:solidFill>
+              <a:schemeClr val="tx1">
+                <a:lumMod val="75000"/>
+                <a:lumOff val="25000"/>
+              </a:schemeClr>
+            </a:solidFill>
+          </a:ln>
+        </p:spPr>
+        <p:style>
+          <a:lnRef idx="2">
+            <a:schemeClr val="accent1">
+              <a:shade val="50000"/>
+            </a:schemeClr>
+          </a:lnRef>
+          <a:fillRef idx="1">
+            <a:schemeClr val="accent1"/>
+          </a:fillRef>
+          <a:effectRef idx="0">
+            <a:schemeClr val="accent1"/>
+          </a:effectRef>
+          <a:fontRef idx="minor">
+            <a:schemeClr val="lt1"/>
+          </a:fontRef>
+        </p:style>
+        <p:txBody>
+          <a:bodyPr rtlCol="0" anchor="ctr"/>
+          <a:lstStyle/>
+          <a:p>
+            <a:pPr algn="ctr"/>
+            <a:endParaRPr lang="en-US"/>
+          </a:p>
+        </p:txBody>
+      </p:sp>
+      <p:sp>
+        <p:nvSpPr>
+          <p:cNvPr id="2" name="Title 1">
+            <a:extLst>
+              <a:ext uri="{FF2B5EF4-FFF2-40B4-BE49-F238E27FC236}">
+                <a16:creationId xmlns:a16="http://schemas.microsoft.com/office/drawing/2014/main" id="{20FDEE60-E8C5-4C1D-8F74-C3A1BFD96C23}"/>
+              </a:ext>
+            </a:extLst>
+          </p:cNvPr>
+          <p:cNvSpPr>
+            <a:spLocks noGrp="1"/>
+          </p:cNvSpPr>
+          <p:nvPr>
+            <p:ph type="title"/>
+          </p:nvPr>
+        </p:nvSpPr>
+        <p:spPr>
+          <a:xfrm>
+            <a:off x="838200" y="631825"/>
+            <a:ext cx="10515600" cy="1325563"/>
+          </a:xfrm>
+        </p:spPr>
+        <p:txBody>
+          <a:bodyPr>
+            <a:normAutofit/>
+          </a:bodyPr>
+          <a:lstStyle/>
+          <a:p>
+            <a:r>
+              <a:rPr lang="en-US">
+                <a:solidFill>
+                  <a:schemeClr val="bg1"/>
+                </a:solidFill>
+              </a:rPr>
+              <a:t>Kruskal Wallis – Rank Sum Test Results</a:t>
+            </a:r>
+          </a:p>
+        </p:txBody>
+      </p:sp>
+      <p:cxnSp>
+        <p:nvCxnSpPr>
+          <p:cNvPr id="10" name="Straight Connector 9">
+            <a:extLst>
+              <a:ext uri="{FF2B5EF4-FFF2-40B4-BE49-F238E27FC236}">
+                <a16:creationId xmlns:a16="http://schemas.microsoft.com/office/drawing/2014/main" id="{E8E35B83-1EC3-4F87-9D54-D863463351B9}"/>
+              </a:ext>
+              <a:ext uri="{C183D7F6-B498-43B3-948B-1728B52AA6E4}">
+                <adec:decorative xmlns:adec="http://schemas.microsoft.com/office/drawing/2017/decorative" val="1"/>
+              </a:ext>
+            </a:extLst>
+          </p:cNvPr>
+          <p:cNvCxnSpPr>
+            <a:cxnSpLocks noGrp="1" noRot="1" noChangeAspect="1" noMove="1" noResize="1" noEditPoints="1" noAdjustHandles="1" noChangeArrowheads="1" noChangeShapeType="1"/>
+          </p:cNvCxnSpPr>
+          <p:nvPr>
+            <p:extLst>
+              <p:ext uri="{386F3935-93C4-4BCD-93E2-E3B085C9AB24}">
+                <p16:designElem xmlns:p16="http://schemas.microsoft.com/office/powerpoint/2015/main" val="1"/>
+              </p:ext>
+            </p:extLst>
+          </p:nvPr>
+        </p:nvCxnSpPr>
+        <p:spPr>
+          <a:xfrm>
+            <a:off x="897636" y="1957388"/>
+            <a:ext cx="10396728" cy="0"/>
+          </a:xfrm>
+          <a:prstGeom prst="line">
+            <a:avLst/>
+          </a:prstGeom>
+          <a:ln w="22225">
+            <a:solidFill>
+              <a:schemeClr val="bg1"/>
+            </a:solidFill>
+          </a:ln>
+        </p:spPr>
+        <p:style>
+          <a:lnRef idx="1">
+            <a:schemeClr val="accent1"/>
+          </a:lnRef>
+          <a:fillRef idx="0">
+            <a:schemeClr val="accent1"/>
+          </a:fillRef>
+          <a:effectRef idx="0">
+            <a:schemeClr val="accent1"/>
+          </a:effectRef>
+          <a:fontRef idx="minor">
+            <a:schemeClr val="tx1"/>
+          </a:fontRef>
+        </p:style>
+      </p:cxnSp>
+      <p:sp>
+        <p:nvSpPr>
+          <p:cNvPr id="3" name="Content Placeholder 2">
+            <a:extLst>
+              <a:ext uri="{FF2B5EF4-FFF2-40B4-BE49-F238E27FC236}">
+                <a16:creationId xmlns:a16="http://schemas.microsoft.com/office/drawing/2014/main" id="{B76479C2-F10B-4B38-A564-DCCBB5BE03C4}"/>
+              </a:ext>
+            </a:extLst>
+          </p:cNvPr>
+          <p:cNvSpPr>
+            <a:spLocks noGrp="1"/>
+          </p:cNvSpPr>
+          <p:nvPr>
+            <p:ph idx="1"/>
+          </p:nvPr>
+        </p:nvSpPr>
+        <p:spPr>
+          <a:xfrm>
+            <a:off x="838200" y="2269173"/>
+            <a:ext cx="10515600" cy="3659988"/>
+          </a:xfrm>
+        </p:spPr>
+        <p:txBody>
+          <a:bodyPr>
+            <a:normAutofit fontScale="92500" lnSpcReduction="20000"/>
+          </a:bodyPr>
+          <a:lstStyle/>
+          <a:p>
+            <a:r>
+              <a:rPr lang="en-US" sz="2400" dirty="0">
+                <a:solidFill>
+                  <a:schemeClr val="bg1"/>
+                </a:solidFill>
+              </a:rPr>
+              <a:t>This test compares a variable’s distribution between 2+ groups.</a:t>
+            </a:r>
+          </a:p>
+          <a:p>
+            <a:pPr lvl="1"/>
+            <a:r>
+              <a:rPr lang="en-US" sz="2000" dirty="0">
+                <a:solidFill>
+                  <a:schemeClr val="bg1"/>
+                </a:solidFill>
+              </a:rPr>
+              <a:t>The results will either provide or not provide evidence to say that at least one group has a significantly different variable distribution.</a:t>
+            </a:r>
+          </a:p>
+          <a:p>
+            <a:pPr marL="457200" lvl="1" indent="0">
+              <a:buNone/>
+            </a:pPr>
+            <a:endParaRPr lang="en-US" sz="2000" dirty="0">
+              <a:solidFill>
+                <a:schemeClr val="bg1"/>
+              </a:solidFill>
+            </a:endParaRPr>
+          </a:p>
+          <a:p>
+            <a:r>
+              <a:rPr lang="en-US" sz="2400" dirty="0">
+                <a:solidFill>
+                  <a:schemeClr val="bg1"/>
+                </a:solidFill>
+              </a:rPr>
+              <a:t>ABV:</a:t>
+            </a:r>
+          </a:p>
+          <a:p>
+            <a:pPr lvl="1"/>
+            <a:r>
+              <a:rPr lang="en-US" sz="2000" dirty="0">
+                <a:solidFill>
+                  <a:schemeClr val="bg1"/>
+                </a:solidFill>
+              </a:rPr>
+              <a:t>This test provides overwhelming evidence to suggest that at least one region has a significantly different mean ABV (p-value = .00035).</a:t>
+            </a:r>
+          </a:p>
+          <a:p>
+            <a:pPr lvl="2"/>
+            <a:r>
+              <a:rPr lang="en-US" sz="1600" dirty="0">
+                <a:solidFill>
+                  <a:schemeClr val="bg1"/>
+                </a:solidFill>
+              </a:rPr>
+              <a:t>Further exploration is detailed on the next slide.</a:t>
+            </a:r>
+          </a:p>
+          <a:p>
+            <a:pPr lvl="2"/>
+            <a:endParaRPr lang="en-US" sz="1600" dirty="0">
+              <a:solidFill>
+                <a:schemeClr val="bg1"/>
+              </a:solidFill>
+            </a:endParaRPr>
+          </a:p>
+          <a:p>
+            <a:r>
+              <a:rPr lang="en-US" sz="2400" dirty="0">
+                <a:solidFill>
+                  <a:schemeClr val="bg1"/>
+                </a:solidFill>
+              </a:rPr>
+              <a:t>IBU:</a:t>
+            </a:r>
+          </a:p>
+          <a:p>
+            <a:pPr lvl="1"/>
+            <a:r>
+              <a:rPr lang="en-US" sz="2000" dirty="0">
+                <a:solidFill>
+                  <a:schemeClr val="bg1"/>
+                </a:solidFill>
+              </a:rPr>
+              <a:t>This test does not provide sufficient evidence to say if any of the regions have a significantly different mean IBU (p-value = .0778).</a:t>
+            </a:r>
+          </a:p>
+          <a:p>
+            <a:pPr lvl="2"/>
+            <a:r>
+              <a:rPr lang="en-US" sz="1600" dirty="0">
+                <a:solidFill>
+                  <a:schemeClr val="bg1"/>
+                </a:solidFill>
+              </a:rPr>
+              <a:t>No further exploration needed.</a:t>
+            </a:r>
+          </a:p>
+        </p:txBody>
+      </p:sp>
+    </p:spTree>
+    <p:extLst>
+      <p:ext uri="{BB962C8B-B14F-4D97-AF65-F5344CB8AC3E}">
+        <p14:creationId xmlns:p14="http://schemas.microsoft.com/office/powerpoint/2010/main" val="2853897444"/>
+      </p:ext>
+    </p:extLst>
+  </p:cSld>
+  <p:clrMapOvr>
+    <a:masterClrMapping/>
+  </p:clrMapOvr>
+</p:sld>
+</file>
+
+<file path=ppt/slides/slide12.xml><?xml version="1.0" encoding="utf-8"?>
+<p:sld xmlns:a="http://schemas.openxmlformats.org/drawingml/2006/main" xmlns:r="http://schemas.openxmlformats.org/officeDocument/2006/relationships" xmlns:p="http://schemas.openxmlformats.org/presentationml/2006/main">
+  <p:cSld>
+    <p:bg>
+      <p:bgPr>
+        <a:solidFill>
+          <a:schemeClr val="bg1"/>
+        </a:solidFill>
+        <a:effectLst/>
+      </p:bgPr>
+    </p:bg>
+    <p:spTree>
+      <p:nvGrpSpPr>
+        <p:cNvPr id="1" name=""/>
+        <p:cNvGrpSpPr/>
+        <p:nvPr/>
+      </p:nvGrpSpPr>
+      <p:grpSpPr>
+        <a:xfrm>
+          <a:off x="0" y="0"/>
+          <a:ext cx="0" cy="0"/>
+          <a:chOff x="0" y="0"/>
+          <a:chExt cx="0" cy="0"/>
+        </a:xfrm>
+      </p:grpSpPr>
+      <p:sp>
+        <p:nvSpPr>
+          <p:cNvPr id="22" name="Rectangle 21">
+            <a:extLst>
+              <a:ext uri="{FF2B5EF4-FFF2-40B4-BE49-F238E27FC236}">
+                <a16:creationId xmlns:a16="http://schemas.microsoft.com/office/drawing/2014/main" id="{5E52985E-2553-471E-82AA-5ED7A329890A}"/>
+              </a:ext>
+              <a:ext uri="{C183D7F6-B498-43B3-948B-1728B52AA6E4}">
+                <adec:decorative xmlns:adec="http://schemas.microsoft.com/office/drawing/2017/decorative" val="1"/>
+              </a:ext>
+            </a:extLst>
+          </p:cNvPr>
+          <p:cNvSpPr>
+            <a:spLocks noGrp="1" noRot="1" noChangeAspect="1" noMove="1" noResize="1" noEditPoints="1" noAdjustHandles="1" noChangeArrowheads="1" noChangeShapeType="1" noTextEdit="1"/>
+          </p:cNvSpPr>
+          <p:nvPr>
+            <p:extLst>
+              <p:ext uri="{386F3935-93C4-4BCD-93E2-E3B085C9AB24}">
+                <p16:designElem xmlns:p16="http://schemas.microsoft.com/office/powerpoint/2015/main" val="1"/>
+              </p:ext>
+            </p:extLst>
+          </p:nvPr>
+        </p:nvSpPr>
+        <p:spPr bwMode="ltGray">
+          <a:xfrm>
+            <a:off x="393308" y="352931"/>
+            <a:ext cx="11438793" cy="1844256"/>
+          </a:xfrm>
+          <a:prstGeom prst="rect">
+            <a:avLst/>
+          </a:prstGeom>
+          <a:solidFill>
+            <a:schemeClr val="tx1">
+              <a:lumMod val="75000"/>
+              <a:lumOff val="25000"/>
+            </a:schemeClr>
+          </a:solidFill>
+          <a:ln w="127000" cap="sq" cmpd="thinThick">
+            <a:solidFill>
+              <a:schemeClr val="tx1">
+                <a:lumMod val="75000"/>
+                <a:lumOff val="25000"/>
+              </a:schemeClr>
+            </a:solidFill>
+          </a:ln>
+        </p:spPr>
+        <p:style>
+          <a:lnRef idx="2">
+            <a:schemeClr val="accent1">
+              <a:shade val="50000"/>
+            </a:schemeClr>
+          </a:lnRef>
+          <a:fillRef idx="1">
+            <a:schemeClr val="accent1"/>
+          </a:fillRef>
+          <a:effectRef idx="0">
+            <a:schemeClr val="accent1"/>
+          </a:effectRef>
+          <a:fontRef idx="minor">
+            <a:schemeClr val="lt1"/>
+          </a:fontRef>
+        </p:style>
+        <p:txBody>
+          <a:bodyPr rtlCol="0" anchor="ctr"/>
+          <a:lstStyle/>
+          <a:p>
+            <a:pPr marL="0" marR="0" lvl="0" indent="0" algn="ctr" defTabSz="914400" rtl="0" eaLnBrk="1" fontAlgn="auto" latinLnBrk="0" hangingPunct="1">
+              <a:lnSpc>
+                <a:spcPct val="100000"/>
+              </a:lnSpc>
+              <a:spcBef>
+                <a:spcPts val="0"/>
+              </a:spcBef>
+              <a:spcAft>
+                <a:spcPts val="0"/>
+              </a:spcAft>
+              <a:buClrTx/>
+              <a:buSzTx/>
+              <a:buFontTx/>
+              <a:buNone/>
+              <a:tabLst/>
+              <a:defRPr/>
+            </a:pPr>
+            <a:endParaRPr kumimoji="0" lang="en-US" sz="1800" b="0" i="0" u="none" strike="noStrike" kern="1200" cap="none" spc="0" normalizeH="0" baseline="0" noProof="0">
+              <a:ln>
+                <a:noFill/>
+              </a:ln>
+              <a:solidFill>
+                <a:prstClr val="white"/>
+              </a:solidFill>
+              <a:effectLst/>
+              <a:uLnTx/>
+              <a:uFillTx/>
+              <a:latin typeface="Calibri" panose="020F0502020204030204"/>
+              <a:ea typeface="+mn-ea"/>
+              <a:cs typeface="+mn-cs"/>
+            </a:endParaRPr>
+          </a:p>
+        </p:txBody>
+      </p:sp>
+      <p:sp>
+        <p:nvSpPr>
+          <p:cNvPr id="2" name="Title 1">
+            <a:extLst>
+              <a:ext uri="{FF2B5EF4-FFF2-40B4-BE49-F238E27FC236}">
+                <a16:creationId xmlns:a16="http://schemas.microsoft.com/office/drawing/2014/main" id="{12881954-DB60-4972-A47B-D14161CB8D25}"/>
+              </a:ext>
+            </a:extLst>
+          </p:cNvPr>
+          <p:cNvSpPr>
+            <a:spLocks noGrp="1"/>
+          </p:cNvSpPr>
+          <p:nvPr>
+            <p:ph type="title"/>
+          </p:nvPr>
+        </p:nvSpPr>
+        <p:spPr>
+          <a:xfrm>
+            <a:off x="649270" y="506727"/>
+            <a:ext cx="3885141" cy="1526741"/>
+          </a:xfrm>
+        </p:spPr>
+        <p:txBody>
+          <a:bodyPr>
+            <a:normAutofit/>
+          </a:bodyPr>
+          <a:lstStyle/>
+          <a:p>
+            <a:pPr algn="ctr"/>
+            <a:r>
+              <a:rPr lang="en-US" sz="3000" dirty="0">
+                <a:solidFill>
+                  <a:schemeClr val="bg1"/>
+                </a:solidFill>
+              </a:rPr>
+              <a:t>Rank Sum Test – Adjacency Matrix</a:t>
+            </a:r>
+          </a:p>
+        </p:txBody>
+      </p:sp>
+      <p:cxnSp>
+        <p:nvCxnSpPr>
+          <p:cNvPr id="24" name="Straight Connector 23">
+            <a:extLst>
+              <a:ext uri="{FF2B5EF4-FFF2-40B4-BE49-F238E27FC236}">
+                <a16:creationId xmlns:a16="http://schemas.microsoft.com/office/drawing/2014/main" id="{DAE3ABC6-4042-4293-A7DF-F01181363B7E}"/>
+              </a:ext>
+              <a:ext uri="{C183D7F6-B498-43B3-948B-1728B52AA6E4}">
+                <adec:decorative xmlns:adec="http://schemas.microsoft.com/office/drawing/2017/decorative" val="1"/>
+              </a:ext>
+            </a:extLst>
+          </p:cNvPr>
+          <p:cNvCxnSpPr>
+            <a:cxnSpLocks noGrp="1" noRot="1" noChangeAspect="1" noMove="1" noResize="1" noEditPoints="1" noAdjustHandles="1" noChangeArrowheads="1" noChangeShapeType="1"/>
+          </p:cNvCxnSpPr>
+          <p:nvPr>
+            <p:extLst>
+              <p:ext uri="{386F3935-93C4-4BCD-93E2-E3B085C9AB24}">
+                <p16:designElem xmlns:p16="http://schemas.microsoft.com/office/powerpoint/2015/main" val="1"/>
+              </p:ext>
+            </p:extLst>
+          </p:nvPr>
+        </p:nvCxnSpPr>
+        <p:spPr>
+          <a:xfrm flipV="1">
+            <a:off x="4739873" y="580963"/>
+            <a:ext cx="0" cy="1371600"/>
+          </a:xfrm>
+          <a:prstGeom prst="line">
+            <a:avLst/>
+          </a:prstGeom>
+          <a:ln w="19050">
+            <a:solidFill>
+              <a:schemeClr val="bg1">
+                <a:alpha val="75000"/>
+              </a:schemeClr>
+            </a:solidFill>
+          </a:ln>
+        </p:spPr>
+        <p:style>
+          <a:lnRef idx="1">
+            <a:schemeClr val="accent1"/>
+          </a:lnRef>
+          <a:fillRef idx="0">
+            <a:schemeClr val="accent1"/>
+          </a:fillRef>
+          <a:effectRef idx="0">
+            <a:schemeClr val="accent1"/>
+          </a:effectRef>
+          <a:fontRef idx="minor">
+            <a:schemeClr val="tx1"/>
+          </a:fontRef>
+        </p:style>
+      </p:cxnSp>
+      <p:sp>
+        <p:nvSpPr>
+          <p:cNvPr id="3" name="Content Placeholder 2">
+            <a:extLst>
+              <a:ext uri="{FF2B5EF4-FFF2-40B4-BE49-F238E27FC236}">
+                <a16:creationId xmlns:a16="http://schemas.microsoft.com/office/drawing/2014/main" id="{D710C547-3AB5-4BD3-B1F3-879EF2DA9704}"/>
+              </a:ext>
+            </a:extLst>
+          </p:cNvPr>
+          <p:cNvSpPr>
+            <a:spLocks noGrp="1"/>
+          </p:cNvSpPr>
+          <p:nvPr>
+            <p:ph idx="1"/>
+          </p:nvPr>
+        </p:nvSpPr>
+        <p:spPr>
+          <a:xfrm>
+            <a:off x="4945336" y="506727"/>
+            <a:ext cx="6609921" cy="1526741"/>
+          </a:xfrm>
+        </p:spPr>
+        <p:txBody>
+          <a:bodyPr anchor="ctr">
+            <a:normAutofit fontScale="85000" lnSpcReduction="10000"/>
+          </a:bodyPr>
+          <a:lstStyle/>
+          <a:p>
+            <a:r>
+              <a:rPr lang="en-US" sz="2200" dirty="0">
+                <a:solidFill>
+                  <a:schemeClr val="bg1"/>
+                </a:solidFill>
+              </a:rPr>
+              <a:t>All region combinations were tested for different mean ABVs.</a:t>
+            </a:r>
+          </a:p>
+          <a:p>
+            <a:pPr lvl="1"/>
+            <a:r>
+              <a:rPr lang="en-US" sz="1800" dirty="0">
+                <a:solidFill>
+                  <a:schemeClr val="bg1"/>
+                </a:solidFill>
+              </a:rPr>
+              <a:t>8 combinations were found to have a significant difference (p-value &lt; .05).</a:t>
+            </a:r>
+          </a:p>
+          <a:p>
+            <a:r>
               <a:rPr lang="en-US" sz="2200" dirty="0">
                 <a:solidFill>
                   <a:schemeClr val="bg1"/>
@@ -4482,16 +5581,15 @@
           </p:cNvPicPr>
           <p:nvPr/>
         </p:nvPicPr>
-        <p:blipFill>
+        <p:blipFill rotWithShape="1">
           <a:blip r:embed="rId2"/>
-          <a:stretch>
-            <a:fillRect/>
-          </a:stretch>
+          <a:srcRect t="10776" b="11992"/>
+          <a:stretch/>
         </p:blipFill>
         <p:spPr>
           <a:xfrm>
-            <a:off x="243184" y="2573790"/>
-            <a:ext cx="6000633" cy="3703247"/>
+            <a:off x="363441" y="2960625"/>
+            <a:ext cx="6000633" cy="2860078"/>
           </a:xfrm>
           <a:prstGeom prst="rect">
             <a:avLst/>
@@ -4500,10 +5598,10 @@
       </p:pic>
       <p:grpSp>
         <p:nvGrpSpPr>
-          <p:cNvPr id="27" name="Group 26">
-            <a:extLst>
-              <a:ext uri="{FF2B5EF4-FFF2-40B4-BE49-F238E27FC236}">
-                <a16:creationId xmlns:a16="http://schemas.microsoft.com/office/drawing/2014/main" id="{2D72DE61-C828-45BF-ACDF-76914F20E234}"/>
+          <p:cNvPr id="7" name="Group 6">
+            <a:extLst>
+              <a:ext uri="{FF2B5EF4-FFF2-40B4-BE49-F238E27FC236}">
+                <a16:creationId xmlns:a16="http://schemas.microsoft.com/office/drawing/2014/main" id="{90BED8E9-3B1E-47E5-A7B4-E05FA360A351}"/>
               </a:ext>
             </a:extLst>
           </p:cNvPr>
@@ -4512,300 +5610,18 @@
         </p:nvGrpSpPr>
         <p:grpSpPr>
           <a:xfrm>
-            <a:off x="6096136" y="3440504"/>
-            <a:ext cx="5697239" cy="2068304"/>
-            <a:chOff x="3277173" y="2394848"/>
-            <a:chExt cx="5697239" cy="2068304"/>
+            <a:off x="6634552" y="2406314"/>
+            <a:ext cx="5202583" cy="2750076"/>
+            <a:chOff x="6352674" y="2406314"/>
+            <a:chExt cx="5202583" cy="2750076"/>
           </a:xfrm>
         </p:grpSpPr>
         <p:sp>
           <p:nvSpPr>
-            <p:cNvPr id="28" name="TextBox 27">
+            <p:cNvPr id="5" name="Rectangle 4">
               <a:extLst>
                 <a:ext uri="{FF2B5EF4-FFF2-40B4-BE49-F238E27FC236}">
-                  <a16:creationId xmlns:a16="http://schemas.microsoft.com/office/drawing/2014/main" id="{6A497787-F096-4559-9ADF-D929A31D52D5}"/>
-                </a:ext>
-              </a:extLst>
-            </p:cNvPr>
-            <p:cNvSpPr txBox="1"/>
-            <p:nvPr/>
-          </p:nvSpPr>
-          <p:spPr>
-            <a:xfrm>
-              <a:off x="4164072" y="2394848"/>
-              <a:ext cx="1773799" cy="369332"/>
-            </a:xfrm>
-            <a:prstGeom prst="rect">
-              <a:avLst/>
-            </a:prstGeom>
-            <a:noFill/>
-          </p:spPr>
-          <p:txBody>
-            <a:bodyPr wrap="square" rtlCol="0">
-              <a:spAutoFit/>
-            </a:bodyPr>
-            <a:lstStyle/>
-            <a:p>
-              <a:pPr algn="ctr"/>
-              <a:r>
-                <a:rPr lang="en-US" b="1" dirty="0">
-                  <a:solidFill>
-                    <a:srgbClr val="00B050"/>
-                  </a:solidFill>
-                </a:rPr>
-                <a:t>Midwest</a:t>
-              </a:r>
-            </a:p>
-          </p:txBody>
-        </p:sp>
-        <p:sp>
-          <p:nvSpPr>
-            <p:cNvPr id="29" name="TextBox 28">
-              <a:extLst>
-                <a:ext uri="{FF2B5EF4-FFF2-40B4-BE49-F238E27FC236}">
-                  <a16:creationId xmlns:a16="http://schemas.microsoft.com/office/drawing/2014/main" id="{53EE6BF0-B92D-4A31-B352-081EE7479CCA}"/>
-                </a:ext>
-              </a:extLst>
-            </p:cNvPr>
-            <p:cNvSpPr txBox="1"/>
-            <p:nvPr/>
-          </p:nvSpPr>
-          <p:spPr>
-            <a:xfrm>
-              <a:off x="7200613" y="3244334"/>
-              <a:ext cx="1773799" cy="369332"/>
-            </a:xfrm>
-            <a:prstGeom prst="rect">
-              <a:avLst/>
-            </a:prstGeom>
-            <a:noFill/>
-          </p:spPr>
-          <p:txBody>
-            <a:bodyPr wrap="square" rtlCol="0">
-              <a:spAutoFit/>
-            </a:bodyPr>
-            <a:lstStyle/>
-            <a:p>
-              <a:pPr algn="ctr"/>
-              <a:r>
-                <a:rPr lang="en-US" b="1" dirty="0">
-                  <a:solidFill>
-                    <a:srgbClr val="7030A0"/>
-                  </a:solidFill>
-                </a:rPr>
-                <a:t>Mountain</a:t>
-              </a:r>
-            </a:p>
-          </p:txBody>
-        </p:sp>
-        <p:sp>
-          <p:nvSpPr>
-            <p:cNvPr id="30" name="TextBox 29">
-              <a:extLst>
-                <a:ext uri="{FF2B5EF4-FFF2-40B4-BE49-F238E27FC236}">
-                  <a16:creationId xmlns:a16="http://schemas.microsoft.com/office/drawing/2014/main" id="{CD955ABF-FEDA-4F06-A856-3E64ACC37C63}"/>
-                </a:ext>
-              </a:extLst>
-            </p:cNvPr>
-            <p:cNvSpPr txBox="1"/>
-            <p:nvPr/>
-          </p:nvSpPr>
-          <p:spPr>
-            <a:xfrm>
-              <a:off x="5209100" y="3244334"/>
-              <a:ext cx="1773799" cy="369332"/>
-            </a:xfrm>
-            <a:prstGeom prst="rect">
-              <a:avLst/>
-            </a:prstGeom>
-            <a:noFill/>
-          </p:spPr>
-          <p:txBody>
-            <a:bodyPr wrap="square" rtlCol="0">
-              <a:spAutoFit/>
-            </a:bodyPr>
-            <a:lstStyle/>
-            <a:p>
-              <a:pPr algn="ctr"/>
-              <a:r>
-                <a:rPr lang="en-US" b="1" dirty="0">
-                  <a:solidFill>
-                    <a:schemeClr val="accent2">
-                      <a:lumMod val="50000"/>
-                    </a:schemeClr>
-                  </a:solidFill>
-                </a:rPr>
-                <a:t>South</a:t>
-              </a:r>
-            </a:p>
-          </p:txBody>
-        </p:sp>
-        <p:sp>
-          <p:nvSpPr>
-            <p:cNvPr id="31" name="TextBox 30">
-              <a:extLst>
-                <a:ext uri="{FF2B5EF4-FFF2-40B4-BE49-F238E27FC236}">
-                  <a16:creationId xmlns:a16="http://schemas.microsoft.com/office/drawing/2014/main" id="{3F387C19-8425-47D6-B97E-A34DF144B0C3}"/>
-                </a:ext>
-              </a:extLst>
-            </p:cNvPr>
-            <p:cNvSpPr txBox="1"/>
-            <p:nvPr/>
-          </p:nvSpPr>
-          <p:spPr>
-            <a:xfrm>
-              <a:off x="6254130" y="4093820"/>
-              <a:ext cx="1773799" cy="369332"/>
-            </a:xfrm>
-            <a:prstGeom prst="rect">
-              <a:avLst/>
-            </a:prstGeom>
-            <a:noFill/>
-          </p:spPr>
-          <p:txBody>
-            <a:bodyPr wrap="square" rtlCol="0">
-              <a:spAutoFit/>
-            </a:bodyPr>
-            <a:lstStyle/>
-            <a:p>
-              <a:pPr algn="ctr"/>
-              <a:r>
-                <a:rPr lang="en-US" b="1" dirty="0">
-                  <a:solidFill>
-                    <a:srgbClr val="0070C0"/>
-                  </a:solidFill>
-                </a:rPr>
-                <a:t>Great Lakes</a:t>
-              </a:r>
-            </a:p>
-          </p:txBody>
-        </p:sp>
-        <p:sp>
-          <p:nvSpPr>
-            <p:cNvPr id="32" name="TextBox 31">
-              <a:extLst>
-                <a:ext uri="{FF2B5EF4-FFF2-40B4-BE49-F238E27FC236}">
-                  <a16:creationId xmlns:a16="http://schemas.microsoft.com/office/drawing/2014/main" id="{69D51FF5-6ADE-4822-A341-E5D9DFFDF48B}"/>
-                </a:ext>
-              </a:extLst>
-            </p:cNvPr>
-            <p:cNvSpPr txBox="1"/>
-            <p:nvPr/>
-          </p:nvSpPr>
-          <p:spPr>
-            <a:xfrm>
-              <a:off x="4164072" y="4093820"/>
-              <a:ext cx="1773799" cy="369332"/>
-            </a:xfrm>
-            <a:prstGeom prst="rect">
-              <a:avLst/>
-            </a:prstGeom>
-            <a:noFill/>
-          </p:spPr>
-          <p:txBody>
-            <a:bodyPr wrap="square" rtlCol="0">
-              <a:spAutoFit/>
-            </a:bodyPr>
-            <a:lstStyle/>
-            <a:p>
-              <a:pPr algn="ctr"/>
-              <a:r>
-                <a:rPr lang="en-US" b="1" dirty="0">
-                  <a:solidFill>
-                    <a:schemeClr val="accent2"/>
-                  </a:solidFill>
-                </a:rPr>
-                <a:t>New England</a:t>
-              </a:r>
-            </a:p>
-          </p:txBody>
-        </p:sp>
-        <p:sp>
-          <p:nvSpPr>
-            <p:cNvPr id="33" name="TextBox 32">
-              <a:extLst>
-                <a:ext uri="{FF2B5EF4-FFF2-40B4-BE49-F238E27FC236}">
-                  <a16:creationId xmlns:a16="http://schemas.microsoft.com/office/drawing/2014/main" id="{E0795B70-0592-4324-90EF-3BBB35AAE152}"/>
-                </a:ext>
-              </a:extLst>
-            </p:cNvPr>
-            <p:cNvSpPr txBox="1"/>
-            <p:nvPr/>
-          </p:nvSpPr>
-          <p:spPr>
-            <a:xfrm>
-              <a:off x="3277173" y="3244334"/>
-              <a:ext cx="1773799" cy="369332"/>
-            </a:xfrm>
-            <a:prstGeom prst="rect">
-              <a:avLst/>
-            </a:prstGeom>
-            <a:noFill/>
-          </p:spPr>
-          <p:txBody>
-            <a:bodyPr wrap="square" rtlCol="0">
-              <a:spAutoFit/>
-            </a:bodyPr>
-            <a:lstStyle/>
-            <a:p>
-              <a:pPr algn="ctr"/>
-              <a:r>
-                <a:rPr lang="en-US" b="1" dirty="0">
-                  <a:solidFill>
-                    <a:srgbClr val="FFFF00"/>
-                  </a:solidFill>
-                </a:rPr>
-                <a:t>Pacific</a:t>
-              </a:r>
-            </a:p>
-          </p:txBody>
-        </p:sp>
-        <p:sp>
-          <p:nvSpPr>
-            <p:cNvPr id="34" name="TextBox 33">
-              <a:extLst>
-                <a:ext uri="{FF2B5EF4-FFF2-40B4-BE49-F238E27FC236}">
-                  <a16:creationId xmlns:a16="http://schemas.microsoft.com/office/drawing/2014/main" id="{709FEADE-FE5D-4EE2-8F5A-9C4B0AD72ECA}"/>
-                </a:ext>
-              </a:extLst>
-            </p:cNvPr>
-            <p:cNvSpPr txBox="1"/>
-            <p:nvPr/>
-          </p:nvSpPr>
-          <p:spPr>
-            <a:xfrm>
-              <a:off x="6254131" y="2394848"/>
-              <a:ext cx="1773799" cy="369332"/>
-            </a:xfrm>
-            <a:prstGeom prst="rect">
-              <a:avLst/>
-            </a:prstGeom>
-            <a:noFill/>
-          </p:spPr>
-          <p:txBody>
-            <a:bodyPr wrap="square" rtlCol="0">
-              <a:spAutoFit/>
-            </a:bodyPr>
-            <a:lstStyle/>
-            <a:p>
-              <a:pPr algn="ctr"/>
-              <a:r>
-                <a:rPr lang="en-US" b="1" dirty="0">
-                  <a:solidFill>
-                    <a:srgbClr val="FF0000"/>
-                  </a:solidFill>
-                </a:rPr>
-                <a:t>Atlantic</a:t>
-              </a:r>
-            </a:p>
-          </p:txBody>
-        </p:sp>
-        <p:sp>
-          <p:nvSpPr>
-            <p:cNvPr id="35" name="Arrow: Left-Right 34">
-              <a:extLst>
-                <a:ext uri="{FF2B5EF4-FFF2-40B4-BE49-F238E27FC236}">
-                  <a16:creationId xmlns:a16="http://schemas.microsoft.com/office/drawing/2014/main" id="{033A377E-16C3-4AF3-BFF6-347DF78A8B80}"/>
+                  <a16:creationId xmlns:a16="http://schemas.microsoft.com/office/drawing/2014/main" id="{5B74AB37-B27C-407D-B75A-09D0E09A491F}"/>
                 </a:ext>
               </a:extLst>
             </p:cNvPr>
@@ -4814,16 +5630,19 @@
           </p:nvSpPr>
           <p:spPr>
             <a:xfrm>
-              <a:off x="4662523" y="3379932"/>
-              <a:ext cx="935026" cy="88408"/>
+              <a:off x="6352674" y="2406314"/>
+              <a:ext cx="5202583" cy="2750076"/>
             </a:xfrm>
-            <a:prstGeom prst="leftRightArrow">
+            <a:prstGeom prst="rect">
               <a:avLst/>
             </a:prstGeom>
             <a:solidFill>
-              <a:schemeClr val="tx1"/>
+              <a:schemeClr val="accent6">
+                <a:lumMod val="60000"/>
+                <a:lumOff val="40000"/>
+              </a:schemeClr>
             </a:solidFill>
-            <a:ln>
+            <a:ln w="28575">
               <a:solidFill>
                 <a:schemeClr val="tx1"/>
               </a:solidFill>
@@ -4854,647 +5673,1086 @@
             </a:p>
           </p:txBody>
         </p:sp>
-        <p:sp>
-          <p:nvSpPr>
-            <p:cNvPr id="36" name="Arrow: Left-Right 35">
+        <p:grpSp>
+          <p:nvGrpSpPr>
+            <p:cNvPr id="27" name="Group 26">
               <a:extLst>
                 <a:ext uri="{FF2B5EF4-FFF2-40B4-BE49-F238E27FC236}">
-                  <a16:creationId xmlns:a16="http://schemas.microsoft.com/office/drawing/2014/main" id="{5964CA82-5FE5-4DAB-A42E-FEE1AB02E261}"/>
+                  <a16:creationId xmlns:a16="http://schemas.microsoft.com/office/drawing/2014/main" id="{2D72DE61-C828-45BF-ACDF-76914F20E234}"/>
                 </a:ext>
               </a:extLst>
             </p:cNvPr>
-            <p:cNvSpPr/>
+            <p:cNvGrpSpPr/>
+            <p:nvPr/>
+          </p:nvGrpSpPr>
+          <p:grpSpPr>
+            <a:xfrm>
+              <a:off x="6352674" y="2924504"/>
+              <a:ext cx="5202583" cy="2068304"/>
+              <a:chOff x="3277173" y="2394848"/>
+              <a:chExt cx="5697239" cy="2068304"/>
+            </a:xfrm>
+          </p:grpSpPr>
+          <p:sp>
+            <p:nvSpPr>
+              <p:cNvPr id="28" name="TextBox 27">
+                <a:extLst>
+                  <a:ext uri="{FF2B5EF4-FFF2-40B4-BE49-F238E27FC236}">
+                    <a16:creationId xmlns:a16="http://schemas.microsoft.com/office/drawing/2014/main" id="{6A497787-F096-4559-9ADF-D929A31D52D5}"/>
+                  </a:ext>
+                </a:extLst>
+              </p:cNvPr>
+              <p:cNvSpPr txBox="1"/>
+              <p:nvPr/>
+            </p:nvSpPr>
+            <p:spPr>
+              <a:xfrm>
+                <a:off x="4164072" y="2394848"/>
+                <a:ext cx="1773799" cy="369332"/>
+              </a:xfrm>
+              <a:prstGeom prst="rect">
+                <a:avLst/>
+              </a:prstGeom>
+              <a:noFill/>
+            </p:spPr>
+            <p:txBody>
+              <a:bodyPr wrap="square" rtlCol="0">
+                <a:spAutoFit/>
+              </a:bodyPr>
+              <a:lstStyle/>
+              <a:p>
+                <a:pPr algn="ctr"/>
+                <a:r>
+                  <a:rPr lang="en-US" b="1" dirty="0">
+                    <a:solidFill>
+                      <a:srgbClr val="00B050"/>
+                    </a:solidFill>
+                  </a:rPr>
+                  <a:t>Midwest</a:t>
+                </a:r>
+              </a:p>
+            </p:txBody>
+          </p:sp>
+          <p:sp>
+            <p:nvSpPr>
+              <p:cNvPr id="29" name="TextBox 28">
+                <a:extLst>
+                  <a:ext uri="{FF2B5EF4-FFF2-40B4-BE49-F238E27FC236}">
+                    <a16:creationId xmlns:a16="http://schemas.microsoft.com/office/drawing/2014/main" id="{53EE6BF0-B92D-4A31-B352-081EE7479CCA}"/>
+                  </a:ext>
+                </a:extLst>
+              </p:cNvPr>
+              <p:cNvSpPr txBox="1"/>
+              <p:nvPr/>
+            </p:nvSpPr>
+            <p:spPr>
+              <a:xfrm>
+                <a:off x="7200613" y="3244334"/>
+                <a:ext cx="1773799" cy="369332"/>
+              </a:xfrm>
+              <a:prstGeom prst="rect">
+                <a:avLst/>
+              </a:prstGeom>
+              <a:noFill/>
+            </p:spPr>
+            <p:txBody>
+              <a:bodyPr wrap="square" rtlCol="0">
+                <a:spAutoFit/>
+              </a:bodyPr>
+              <a:lstStyle/>
+              <a:p>
+                <a:pPr algn="ctr"/>
+                <a:r>
+                  <a:rPr lang="en-US" b="1" dirty="0">
+                    <a:solidFill>
+                      <a:srgbClr val="7030A0"/>
+                    </a:solidFill>
+                  </a:rPr>
+                  <a:t>Mountain</a:t>
+                </a:r>
+              </a:p>
+            </p:txBody>
+          </p:sp>
+          <p:sp>
+            <p:nvSpPr>
+              <p:cNvPr id="30" name="TextBox 29">
+                <a:extLst>
+                  <a:ext uri="{FF2B5EF4-FFF2-40B4-BE49-F238E27FC236}">
+                    <a16:creationId xmlns:a16="http://schemas.microsoft.com/office/drawing/2014/main" id="{CD955ABF-FEDA-4F06-A856-3E64ACC37C63}"/>
+                  </a:ext>
+                </a:extLst>
+              </p:cNvPr>
+              <p:cNvSpPr txBox="1"/>
+              <p:nvPr/>
+            </p:nvSpPr>
+            <p:spPr>
+              <a:xfrm>
+                <a:off x="5209100" y="3244334"/>
+                <a:ext cx="1773799" cy="369332"/>
+              </a:xfrm>
+              <a:prstGeom prst="rect">
+                <a:avLst/>
+              </a:prstGeom>
+              <a:noFill/>
+            </p:spPr>
+            <p:txBody>
+              <a:bodyPr wrap="square" rtlCol="0">
+                <a:spAutoFit/>
+              </a:bodyPr>
+              <a:lstStyle/>
+              <a:p>
+                <a:pPr algn="ctr"/>
+                <a:r>
+                  <a:rPr lang="en-US" b="1" dirty="0">
+                    <a:solidFill>
+                      <a:schemeClr val="accent2">
+                        <a:lumMod val="50000"/>
+                      </a:schemeClr>
+                    </a:solidFill>
+                  </a:rPr>
+                  <a:t>South</a:t>
+                </a:r>
+              </a:p>
+            </p:txBody>
+          </p:sp>
+          <p:sp>
+            <p:nvSpPr>
+              <p:cNvPr id="31" name="TextBox 30">
+                <a:extLst>
+                  <a:ext uri="{FF2B5EF4-FFF2-40B4-BE49-F238E27FC236}">
+                    <a16:creationId xmlns:a16="http://schemas.microsoft.com/office/drawing/2014/main" id="{3F387C19-8425-47D6-B97E-A34DF144B0C3}"/>
+                  </a:ext>
+                </a:extLst>
+              </p:cNvPr>
+              <p:cNvSpPr txBox="1"/>
+              <p:nvPr/>
+            </p:nvSpPr>
+            <p:spPr>
+              <a:xfrm>
+                <a:off x="6254130" y="4093820"/>
+                <a:ext cx="1773799" cy="369332"/>
+              </a:xfrm>
+              <a:prstGeom prst="rect">
+                <a:avLst/>
+              </a:prstGeom>
+              <a:noFill/>
+            </p:spPr>
+            <p:txBody>
+              <a:bodyPr wrap="square" rtlCol="0">
+                <a:spAutoFit/>
+              </a:bodyPr>
+              <a:lstStyle/>
+              <a:p>
+                <a:pPr algn="ctr"/>
+                <a:r>
+                  <a:rPr lang="en-US" b="1" dirty="0">
+                    <a:solidFill>
+                      <a:srgbClr val="0070C0"/>
+                    </a:solidFill>
+                  </a:rPr>
+                  <a:t>Great Lakes</a:t>
+                </a:r>
+              </a:p>
+            </p:txBody>
+          </p:sp>
+          <p:sp>
+            <p:nvSpPr>
+              <p:cNvPr id="32" name="TextBox 31">
+                <a:extLst>
+                  <a:ext uri="{FF2B5EF4-FFF2-40B4-BE49-F238E27FC236}">
+                    <a16:creationId xmlns:a16="http://schemas.microsoft.com/office/drawing/2014/main" id="{69D51FF5-6ADE-4822-A341-E5D9DFFDF48B}"/>
+                  </a:ext>
+                </a:extLst>
+              </p:cNvPr>
+              <p:cNvSpPr txBox="1"/>
+              <p:nvPr/>
+            </p:nvSpPr>
+            <p:spPr>
+              <a:xfrm>
+                <a:off x="4164072" y="4093820"/>
+                <a:ext cx="1773799" cy="369332"/>
+              </a:xfrm>
+              <a:prstGeom prst="rect">
+                <a:avLst/>
+              </a:prstGeom>
+              <a:noFill/>
+            </p:spPr>
+            <p:txBody>
+              <a:bodyPr wrap="square" rtlCol="0">
+                <a:spAutoFit/>
+              </a:bodyPr>
+              <a:lstStyle/>
+              <a:p>
+                <a:pPr algn="ctr"/>
+                <a:r>
+                  <a:rPr lang="en-US" b="1" dirty="0">
+                    <a:solidFill>
+                      <a:schemeClr val="accent2"/>
+                    </a:solidFill>
+                  </a:rPr>
+                  <a:t>New England</a:t>
+                </a:r>
+              </a:p>
+            </p:txBody>
+          </p:sp>
+          <p:sp>
+            <p:nvSpPr>
+              <p:cNvPr id="33" name="TextBox 32">
+                <a:extLst>
+                  <a:ext uri="{FF2B5EF4-FFF2-40B4-BE49-F238E27FC236}">
+                    <a16:creationId xmlns:a16="http://schemas.microsoft.com/office/drawing/2014/main" id="{E0795B70-0592-4324-90EF-3BBB35AAE152}"/>
+                  </a:ext>
+                </a:extLst>
+              </p:cNvPr>
+              <p:cNvSpPr txBox="1"/>
+              <p:nvPr/>
+            </p:nvSpPr>
+            <p:spPr>
+              <a:xfrm>
+                <a:off x="3277173" y="3244334"/>
+                <a:ext cx="1773799" cy="369332"/>
+              </a:xfrm>
+              <a:prstGeom prst="rect">
+                <a:avLst/>
+              </a:prstGeom>
+              <a:noFill/>
+            </p:spPr>
+            <p:txBody>
+              <a:bodyPr wrap="square" rtlCol="0">
+                <a:spAutoFit/>
+              </a:bodyPr>
+              <a:lstStyle/>
+              <a:p>
+                <a:pPr algn="ctr"/>
+                <a:r>
+                  <a:rPr lang="en-US" b="1" dirty="0">
+                    <a:solidFill>
+                      <a:srgbClr val="FFFF00"/>
+                    </a:solidFill>
+                  </a:rPr>
+                  <a:t>Pacific</a:t>
+                </a:r>
+              </a:p>
+            </p:txBody>
+          </p:sp>
+          <p:sp>
+            <p:nvSpPr>
+              <p:cNvPr id="34" name="TextBox 33">
+                <a:extLst>
+                  <a:ext uri="{FF2B5EF4-FFF2-40B4-BE49-F238E27FC236}">
+                    <a16:creationId xmlns:a16="http://schemas.microsoft.com/office/drawing/2014/main" id="{709FEADE-FE5D-4EE2-8F5A-9C4B0AD72ECA}"/>
+                  </a:ext>
+                </a:extLst>
+              </p:cNvPr>
+              <p:cNvSpPr txBox="1"/>
+              <p:nvPr/>
+            </p:nvSpPr>
+            <p:spPr>
+              <a:xfrm>
+                <a:off x="6254131" y="2394848"/>
+                <a:ext cx="1773799" cy="369332"/>
+              </a:xfrm>
+              <a:prstGeom prst="rect">
+                <a:avLst/>
+              </a:prstGeom>
+              <a:noFill/>
+            </p:spPr>
+            <p:txBody>
+              <a:bodyPr wrap="square" rtlCol="0">
+                <a:spAutoFit/>
+              </a:bodyPr>
+              <a:lstStyle/>
+              <a:p>
+                <a:pPr algn="ctr"/>
+                <a:r>
+                  <a:rPr lang="en-US" b="1" dirty="0">
+                    <a:solidFill>
+                      <a:srgbClr val="FF0000"/>
+                    </a:solidFill>
+                  </a:rPr>
+                  <a:t>Atlantic</a:t>
+                </a:r>
+              </a:p>
+            </p:txBody>
+          </p:sp>
+          <p:sp>
+            <p:nvSpPr>
+              <p:cNvPr id="35" name="Arrow: Left-Right 34">
+                <a:extLst>
+                  <a:ext uri="{FF2B5EF4-FFF2-40B4-BE49-F238E27FC236}">
+                    <a16:creationId xmlns:a16="http://schemas.microsoft.com/office/drawing/2014/main" id="{033A377E-16C3-4AF3-BFF6-347DF78A8B80}"/>
+                  </a:ext>
+                </a:extLst>
+              </p:cNvPr>
+              <p:cNvSpPr/>
+              <p:nvPr/>
+            </p:nvSpPr>
+            <p:spPr>
+              <a:xfrm>
+                <a:off x="4662523" y="3379932"/>
+                <a:ext cx="935026" cy="88408"/>
+              </a:xfrm>
+              <a:prstGeom prst="leftRightArrow">
+                <a:avLst/>
+              </a:prstGeom>
+              <a:solidFill>
+                <a:schemeClr val="tx1"/>
+              </a:solidFill>
+              <a:ln>
+                <a:solidFill>
+                  <a:schemeClr val="tx1"/>
+                </a:solidFill>
+              </a:ln>
+            </p:spPr>
+            <p:style>
+              <a:lnRef idx="2">
+                <a:schemeClr val="accent1">
+                  <a:shade val="50000"/>
+                </a:schemeClr>
+              </a:lnRef>
+              <a:fillRef idx="1">
+                <a:schemeClr val="accent1"/>
+              </a:fillRef>
+              <a:effectRef idx="0">
+                <a:schemeClr val="accent1"/>
+              </a:effectRef>
+              <a:fontRef idx="minor">
+                <a:schemeClr val="lt1"/>
+              </a:fontRef>
+            </p:style>
+            <p:txBody>
+              <a:bodyPr rtlCol="0" anchor="ctr"/>
+              <a:lstStyle/>
+              <a:p>
+                <a:pPr algn="ctr"/>
+                <a:endParaRPr lang="en-US"/>
+              </a:p>
+            </p:txBody>
+          </p:sp>
+          <p:sp>
+            <p:nvSpPr>
+              <p:cNvPr id="36" name="Arrow: Left-Right 35">
+                <a:extLst>
+                  <a:ext uri="{FF2B5EF4-FFF2-40B4-BE49-F238E27FC236}">
+                    <a16:creationId xmlns:a16="http://schemas.microsoft.com/office/drawing/2014/main" id="{5964CA82-5FE5-4DAB-A42E-FEE1AB02E261}"/>
+                  </a:ext>
+                </a:extLst>
+              </p:cNvPr>
+              <p:cNvSpPr/>
+              <p:nvPr/>
+            </p:nvSpPr>
+            <p:spPr>
+              <a:xfrm>
+                <a:off x="6515386" y="3379932"/>
+                <a:ext cx="935026" cy="88408"/>
+              </a:xfrm>
+              <a:prstGeom prst="leftRightArrow">
+                <a:avLst/>
+              </a:prstGeom>
+              <a:solidFill>
+                <a:schemeClr val="tx1"/>
+              </a:solidFill>
+              <a:ln>
+                <a:solidFill>
+                  <a:schemeClr val="tx1"/>
+                </a:solidFill>
+              </a:ln>
+            </p:spPr>
+            <p:style>
+              <a:lnRef idx="2">
+                <a:schemeClr val="accent1">
+                  <a:shade val="50000"/>
+                </a:schemeClr>
+              </a:lnRef>
+              <a:fillRef idx="1">
+                <a:schemeClr val="accent1"/>
+              </a:fillRef>
+              <a:effectRef idx="0">
+                <a:schemeClr val="accent1"/>
+              </a:effectRef>
+              <a:fontRef idx="minor">
+                <a:schemeClr val="lt1"/>
+              </a:fontRef>
+            </p:style>
+            <p:txBody>
+              <a:bodyPr rtlCol="0" anchor="ctr"/>
+              <a:lstStyle/>
+              <a:p>
+                <a:pPr algn="ctr"/>
+                <a:endParaRPr lang="en-US"/>
+              </a:p>
+            </p:txBody>
+          </p:sp>
+          <p:sp>
+            <p:nvSpPr>
+              <p:cNvPr id="37" name="Arrow: Left-Right 36">
+                <a:extLst>
+                  <a:ext uri="{FF2B5EF4-FFF2-40B4-BE49-F238E27FC236}">
+                    <a16:creationId xmlns:a16="http://schemas.microsoft.com/office/drawing/2014/main" id="{A0E7C3AA-5B14-4BA8-BAC9-5D70AD26D2ED}"/>
+                  </a:ext>
+                </a:extLst>
+              </p:cNvPr>
+              <p:cNvSpPr/>
+              <p:nvPr/>
+            </p:nvSpPr>
+            <p:spPr>
+              <a:xfrm rot="1946956">
+                <a:off x="5168999" y="2961385"/>
+                <a:ext cx="935026" cy="88408"/>
+              </a:xfrm>
+              <a:prstGeom prst="leftRightArrow">
+                <a:avLst/>
+              </a:prstGeom>
+              <a:solidFill>
+                <a:schemeClr val="tx1"/>
+              </a:solidFill>
+              <a:ln>
+                <a:solidFill>
+                  <a:schemeClr val="tx1"/>
+                </a:solidFill>
+              </a:ln>
+            </p:spPr>
+            <p:style>
+              <a:lnRef idx="2">
+                <a:schemeClr val="accent1">
+                  <a:shade val="50000"/>
+                </a:schemeClr>
+              </a:lnRef>
+              <a:fillRef idx="1">
+                <a:schemeClr val="accent1"/>
+              </a:fillRef>
+              <a:effectRef idx="0">
+                <a:schemeClr val="accent1"/>
+              </a:effectRef>
+              <a:fontRef idx="minor">
+                <a:schemeClr val="lt1"/>
+              </a:fontRef>
+            </p:style>
+            <p:txBody>
+              <a:bodyPr rtlCol="0" anchor="ctr"/>
+              <a:lstStyle/>
+              <a:p>
+                <a:pPr algn="ctr"/>
+                <a:endParaRPr lang="en-US"/>
+              </a:p>
+            </p:txBody>
+          </p:sp>
+          <p:sp>
+            <p:nvSpPr>
+              <p:cNvPr id="38" name="Arrow: Left-Right 37">
+                <a:extLst>
+                  <a:ext uri="{FF2B5EF4-FFF2-40B4-BE49-F238E27FC236}">
+                    <a16:creationId xmlns:a16="http://schemas.microsoft.com/office/drawing/2014/main" id="{EACD48FB-FFC6-440D-8281-2C9E6033311C}"/>
+                  </a:ext>
+                </a:extLst>
+              </p:cNvPr>
+              <p:cNvSpPr/>
+              <p:nvPr/>
+            </p:nvSpPr>
+            <p:spPr>
+              <a:xfrm rot="19648283">
+                <a:off x="6117572" y="2962781"/>
+                <a:ext cx="935026" cy="88408"/>
+              </a:xfrm>
+              <a:prstGeom prst="leftRightArrow">
+                <a:avLst/>
+              </a:prstGeom>
+              <a:solidFill>
+                <a:schemeClr val="tx1"/>
+              </a:solidFill>
+              <a:ln>
+                <a:solidFill>
+                  <a:schemeClr val="tx1"/>
+                </a:solidFill>
+              </a:ln>
+            </p:spPr>
+            <p:style>
+              <a:lnRef idx="2">
+                <a:schemeClr val="accent1">
+                  <a:shade val="50000"/>
+                </a:schemeClr>
+              </a:lnRef>
+              <a:fillRef idx="1">
+                <a:schemeClr val="accent1"/>
+              </a:fillRef>
+              <a:effectRef idx="0">
+                <a:schemeClr val="accent1"/>
+              </a:effectRef>
+              <a:fontRef idx="minor">
+                <a:schemeClr val="lt1"/>
+              </a:fontRef>
+            </p:style>
+            <p:txBody>
+              <a:bodyPr rtlCol="0" anchor="ctr"/>
+              <a:lstStyle/>
+              <a:p>
+                <a:pPr algn="ctr"/>
+                <a:endParaRPr lang="en-US"/>
+              </a:p>
+            </p:txBody>
+          </p:sp>
+          <p:sp>
+            <p:nvSpPr>
+              <p:cNvPr id="39" name="Arrow: Left-Right 38">
+                <a:extLst>
+                  <a:ext uri="{FF2B5EF4-FFF2-40B4-BE49-F238E27FC236}">
+                    <a16:creationId xmlns:a16="http://schemas.microsoft.com/office/drawing/2014/main" id="{1F2DE2E4-289C-460D-A1C4-BCB6DDFF3026}"/>
+                  </a:ext>
+                </a:extLst>
+              </p:cNvPr>
+              <p:cNvSpPr/>
+              <p:nvPr/>
+            </p:nvSpPr>
+            <p:spPr>
+              <a:xfrm rot="19498926">
+                <a:off x="5119723" y="3816804"/>
+                <a:ext cx="935026" cy="88408"/>
+              </a:xfrm>
+              <a:prstGeom prst="leftRightArrow">
+                <a:avLst/>
+              </a:prstGeom>
+              <a:solidFill>
+                <a:schemeClr val="tx1"/>
+              </a:solidFill>
+              <a:ln>
+                <a:solidFill>
+                  <a:schemeClr val="tx1"/>
+                </a:solidFill>
+              </a:ln>
+            </p:spPr>
+            <p:style>
+              <a:lnRef idx="2">
+                <a:schemeClr val="accent1">
+                  <a:shade val="50000"/>
+                </a:schemeClr>
+              </a:lnRef>
+              <a:fillRef idx="1">
+                <a:schemeClr val="accent1"/>
+              </a:fillRef>
+              <a:effectRef idx="0">
+                <a:schemeClr val="accent1"/>
+              </a:effectRef>
+              <a:fontRef idx="minor">
+                <a:schemeClr val="lt1"/>
+              </a:fontRef>
+            </p:style>
+            <p:txBody>
+              <a:bodyPr rtlCol="0" anchor="ctr"/>
+              <a:lstStyle/>
+              <a:p>
+                <a:pPr algn="ctr"/>
+                <a:endParaRPr lang="en-US"/>
+              </a:p>
+            </p:txBody>
+          </p:sp>
+          <p:sp>
+            <p:nvSpPr>
+              <p:cNvPr id="40" name="Arrow: Left-Right 39">
+                <a:extLst>
+                  <a:ext uri="{FF2B5EF4-FFF2-40B4-BE49-F238E27FC236}">
+                    <a16:creationId xmlns:a16="http://schemas.microsoft.com/office/drawing/2014/main" id="{1E47A2C0-18B3-4AF7-918B-F6AB841D3BCF}"/>
+                  </a:ext>
+                </a:extLst>
+              </p:cNvPr>
+              <p:cNvSpPr/>
+              <p:nvPr/>
+            </p:nvSpPr>
+            <p:spPr>
+              <a:xfrm rot="2320208">
+                <a:off x="6117572" y="3841493"/>
+                <a:ext cx="935026" cy="88408"/>
+              </a:xfrm>
+              <a:prstGeom prst="leftRightArrow">
+                <a:avLst/>
+              </a:prstGeom>
+              <a:solidFill>
+                <a:schemeClr val="tx1"/>
+              </a:solidFill>
+              <a:ln>
+                <a:solidFill>
+                  <a:schemeClr val="tx1"/>
+                </a:solidFill>
+              </a:ln>
+            </p:spPr>
+            <p:style>
+              <a:lnRef idx="2">
+                <a:schemeClr val="accent1">
+                  <a:shade val="50000"/>
+                </a:schemeClr>
+              </a:lnRef>
+              <a:fillRef idx="1">
+                <a:schemeClr val="accent1"/>
+              </a:fillRef>
+              <a:effectRef idx="0">
+                <a:schemeClr val="accent1"/>
+              </a:effectRef>
+              <a:fontRef idx="minor">
+                <a:schemeClr val="lt1"/>
+              </a:fontRef>
+            </p:style>
+            <p:txBody>
+              <a:bodyPr rtlCol="0" anchor="ctr"/>
+              <a:lstStyle/>
+              <a:p>
+                <a:pPr algn="ctr"/>
+                <a:endParaRPr lang="en-US"/>
+              </a:p>
+            </p:txBody>
+          </p:sp>
+          <p:sp>
+            <p:nvSpPr>
+              <p:cNvPr id="41" name="Arrow: Left-Right 40">
+                <a:extLst>
+                  <a:ext uri="{FF2B5EF4-FFF2-40B4-BE49-F238E27FC236}">
+                    <a16:creationId xmlns:a16="http://schemas.microsoft.com/office/drawing/2014/main" id="{72653902-2033-42F4-AAFF-DFEC4B6F9B6A}"/>
+                  </a:ext>
+                </a:extLst>
+              </p:cNvPr>
+              <p:cNvSpPr/>
+              <p:nvPr/>
+            </p:nvSpPr>
+            <p:spPr>
+              <a:xfrm>
+                <a:off x="5584994" y="2535310"/>
+                <a:ext cx="935026" cy="88408"/>
+              </a:xfrm>
+              <a:prstGeom prst="leftRightArrow">
+                <a:avLst/>
+              </a:prstGeom>
+              <a:solidFill>
+                <a:schemeClr val="tx1"/>
+              </a:solidFill>
+              <a:ln>
+                <a:solidFill>
+                  <a:schemeClr val="tx1"/>
+                </a:solidFill>
+              </a:ln>
+            </p:spPr>
+            <p:style>
+              <a:lnRef idx="2">
+                <a:schemeClr val="accent1">
+                  <a:shade val="50000"/>
+                </a:schemeClr>
+              </a:lnRef>
+              <a:fillRef idx="1">
+                <a:schemeClr val="accent1"/>
+              </a:fillRef>
+              <a:effectRef idx="0">
+                <a:schemeClr val="accent1"/>
+              </a:effectRef>
+              <a:fontRef idx="minor">
+                <a:schemeClr val="lt1"/>
+              </a:fontRef>
+            </p:style>
+            <p:txBody>
+              <a:bodyPr rtlCol="0" anchor="ctr"/>
+              <a:lstStyle/>
+              <a:p>
+                <a:pPr algn="ctr"/>
+                <a:endParaRPr lang="en-US" dirty="0"/>
+              </a:p>
+            </p:txBody>
+          </p:sp>
+          <p:sp>
+            <p:nvSpPr>
+              <p:cNvPr id="42" name="Arrow: Left-Right 41">
+                <a:extLst>
+                  <a:ext uri="{FF2B5EF4-FFF2-40B4-BE49-F238E27FC236}">
+                    <a16:creationId xmlns:a16="http://schemas.microsoft.com/office/drawing/2014/main" id="{FAF2E9F3-8872-4994-8533-1ECEF0C15624}"/>
+                  </a:ext>
+                </a:extLst>
+              </p:cNvPr>
+              <p:cNvSpPr/>
+              <p:nvPr/>
+            </p:nvSpPr>
+            <p:spPr>
+              <a:xfrm rot="19248005">
+                <a:off x="7155022" y="3830023"/>
+                <a:ext cx="935026" cy="88408"/>
+              </a:xfrm>
+              <a:prstGeom prst="leftRightArrow">
+                <a:avLst/>
+              </a:prstGeom>
+              <a:solidFill>
+                <a:schemeClr val="tx1"/>
+              </a:solidFill>
+              <a:ln>
+                <a:solidFill>
+                  <a:schemeClr val="tx1"/>
+                </a:solidFill>
+              </a:ln>
+            </p:spPr>
+            <p:style>
+              <a:lnRef idx="2">
+                <a:schemeClr val="accent1">
+                  <a:shade val="50000"/>
+                </a:schemeClr>
+              </a:lnRef>
+              <a:fillRef idx="1">
+                <a:schemeClr val="accent1"/>
+              </a:fillRef>
+              <a:effectRef idx="0">
+                <a:schemeClr val="accent1"/>
+              </a:effectRef>
+              <a:fontRef idx="minor">
+                <a:schemeClr val="lt1"/>
+              </a:fontRef>
+            </p:style>
+            <p:txBody>
+              <a:bodyPr rtlCol="0" anchor="ctr"/>
+              <a:lstStyle/>
+              <a:p>
+                <a:pPr algn="ctr"/>
+                <a:endParaRPr lang="en-US"/>
+              </a:p>
+            </p:txBody>
+          </p:sp>
+          <p:sp>
+            <p:nvSpPr>
+              <p:cNvPr id="43" name="Arrow: Left-Right 42">
+                <a:extLst>
+                  <a:ext uri="{FF2B5EF4-FFF2-40B4-BE49-F238E27FC236}">
+                    <a16:creationId xmlns:a16="http://schemas.microsoft.com/office/drawing/2014/main" id="{BAB37131-1BA4-48FB-B9DD-6E4FA494BD84}"/>
+                  </a:ext>
+                </a:extLst>
+              </p:cNvPr>
+              <p:cNvSpPr/>
+              <p:nvPr/>
+            </p:nvSpPr>
+            <p:spPr>
+              <a:xfrm rot="2320208">
+                <a:off x="4101128" y="3819662"/>
+                <a:ext cx="935026" cy="88408"/>
+              </a:xfrm>
+              <a:prstGeom prst="leftRightArrow">
+                <a:avLst/>
+              </a:prstGeom>
+              <a:solidFill>
+                <a:schemeClr val="tx1"/>
+              </a:solidFill>
+              <a:ln>
+                <a:solidFill>
+                  <a:schemeClr val="tx1"/>
+                </a:solidFill>
+              </a:ln>
+            </p:spPr>
+            <p:style>
+              <a:lnRef idx="2">
+                <a:schemeClr val="accent1">
+                  <a:shade val="50000"/>
+                </a:schemeClr>
+              </a:lnRef>
+              <a:fillRef idx="1">
+                <a:schemeClr val="accent1"/>
+              </a:fillRef>
+              <a:effectRef idx="0">
+                <a:schemeClr val="accent1"/>
+              </a:effectRef>
+              <a:fontRef idx="minor">
+                <a:schemeClr val="lt1"/>
+              </a:fontRef>
+            </p:style>
+            <p:txBody>
+              <a:bodyPr rtlCol="0" anchor="ctr"/>
+              <a:lstStyle/>
+              <a:p>
+                <a:pPr algn="ctr"/>
+                <a:endParaRPr lang="en-US"/>
+              </a:p>
+            </p:txBody>
+          </p:sp>
+          <p:sp>
+            <p:nvSpPr>
+              <p:cNvPr id="44" name="Arrow: Left-Right 43">
+                <a:extLst>
+                  <a:ext uri="{FF2B5EF4-FFF2-40B4-BE49-F238E27FC236}">
+                    <a16:creationId xmlns:a16="http://schemas.microsoft.com/office/drawing/2014/main" id="{8D4CA174-11AF-4007-8108-1C9EC6E9E9B5}"/>
+                  </a:ext>
+                </a:extLst>
+              </p:cNvPr>
+              <p:cNvSpPr/>
+              <p:nvPr/>
+            </p:nvSpPr>
+            <p:spPr>
+              <a:xfrm rot="19392490">
+                <a:off x="4097425" y="2988634"/>
+                <a:ext cx="935026" cy="88408"/>
+              </a:xfrm>
+              <a:prstGeom prst="leftRightArrow">
+                <a:avLst/>
+              </a:prstGeom>
+              <a:solidFill>
+                <a:schemeClr val="tx1"/>
+              </a:solidFill>
+              <a:ln>
+                <a:solidFill>
+                  <a:schemeClr val="tx1"/>
+                </a:solidFill>
+              </a:ln>
+            </p:spPr>
+            <p:style>
+              <a:lnRef idx="2">
+                <a:schemeClr val="accent1">
+                  <a:shade val="50000"/>
+                </a:schemeClr>
+              </a:lnRef>
+              <a:fillRef idx="1">
+                <a:schemeClr val="accent1"/>
+              </a:fillRef>
+              <a:effectRef idx="0">
+                <a:schemeClr val="accent1"/>
+              </a:effectRef>
+              <a:fontRef idx="minor">
+                <a:schemeClr val="lt1"/>
+              </a:fontRef>
+            </p:style>
+            <p:txBody>
+              <a:bodyPr rtlCol="0" anchor="ctr"/>
+              <a:lstStyle/>
+              <a:p>
+                <a:pPr algn="ctr"/>
+                <a:endParaRPr lang="en-US"/>
+              </a:p>
+            </p:txBody>
+          </p:sp>
+          <p:sp>
+            <p:nvSpPr>
+              <p:cNvPr id="45" name="Arrow: Left-Right 44">
+                <a:extLst>
+                  <a:ext uri="{FF2B5EF4-FFF2-40B4-BE49-F238E27FC236}">
+                    <a16:creationId xmlns:a16="http://schemas.microsoft.com/office/drawing/2014/main" id="{3D21ACD0-8985-4A8B-9957-A8BEE1726D18}"/>
+                  </a:ext>
+                </a:extLst>
+              </p:cNvPr>
+              <p:cNvSpPr/>
+              <p:nvPr/>
+            </p:nvSpPr>
+            <p:spPr>
+              <a:xfrm rot="2320208">
+                <a:off x="7258007" y="2968635"/>
+                <a:ext cx="935026" cy="88408"/>
+              </a:xfrm>
+              <a:prstGeom prst="leftRightArrow">
+                <a:avLst/>
+              </a:prstGeom>
+              <a:solidFill>
+                <a:schemeClr val="tx1"/>
+              </a:solidFill>
+              <a:ln>
+                <a:solidFill>
+                  <a:schemeClr val="tx1"/>
+                </a:solidFill>
+              </a:ln>
+            </p:spPr>
+            <p:style>
+              <a:lnRef idx="2">
+                <a:schemeClr val="accent1">
+                  <a:shade val="50000"/>
+                </a:schemeClr>
+              </a:lnRef>
+              <a:fillRef idx="1">
+                <a:schemeClr val="accent1"/>
+              </a:fillRef>
+              <a:effectRef idx="0">
+                <a:schemeClr val="accent1"/>
+              </a:effectRef>
+              <a:fontRef idx="minor">
+                <a:schemeClr val="lt1"/>
+              </a:fontRef>
+            </p:style>
+            <p:txBody>
+              <a:bodyPr rtlCol="0" anchor="ctr"/>
+              <a:lstStyle/>
+              <a:p>
+                <a:pPr algn="ctr"/>
+                <a:endParaRPr lang="en-US"/>
+              </a:p>
+            </p:txBody>
+          </p:sp>
+          <p:sp>
+            <p:nvSpPr>
+              <p:cNvPr id="46" name="Arrow: Left-Right 45">
+                <a:extLst>
+                  <a:ext uri="{FF2B5EF4-FFF2-40B4-BE49-F238E27FC236}">
+                    <a16:creationId xmlns:a16="http://schemas.microsoft.com/office/drawing/2014/main" id="{F654C6ED-A78C-4E4D-9DCD-7A99158FF697}"/>
+                  </a:ext>
+                </a:extLst>
+              </p:cNvPr>
+              <p:cNvSpPr/>
+              <p:nvPr/>
+            </p:nvSpPr>
+            <p:spPr>
+              <a:xfrm rot="16200000">
+                <a:off x="4457449" y="3422620"/>
+                <a:ext cx="1280160" cy="91440"/>
+              </a:xfrm>
+              <a:prstGeom prst="leftRightArrow">
+                <a:avLst/>
+              </a:prstGeom>
+              <a:solidFill>
+                <a:schemeClr val="tx1"/>
+              </a:solidFill>
+              <a:ln>
+                <a:solidFill>
+                  <a:schemeClr val="tx1"/>
+                </a:solidFill>
+              </a:ln>
+            </p:spPr>
+            <p:style>
+              <a:lnRef idx="2">
+                <a:schemeClr val="accent1">
+                  <a:shade val="50000"/>
+                </a:schemeClr>
+              </a:lnRef>
+              <a:fillRef idx="1">
+                <a:schemeClr val="accent1"/>
+              </a:fillRef>
+              <a:effectRef idx="0">
+                <a:schemeClr val="accent1"/>
+              </a:effectRef>
+              <a:fontRef idx="minor">
+                <a:schemeClr val="lt1"/>
+              </a:fontRef>
+            </p:style>
+            <p:txBody>
+              <a:bodyPr rtlCol="0" anchor="ctr"/>
+              <a:lstStyle/>
+              <a:p>
+                <a:pPr algn="ctr"/>
+                <a:endParaRPr lang="en-US"/>
+              </a:p>
+            </p:txBody>
+          </p:sp>
+          <p:cxnSp>
+            <p:nvCxnSpPr>
+              <p:cNvPr id="47" name="Connector: Curved 46">
+                <a:extLst>
+                  <a:ext uri="{FF2B5EF4-FFF2-40B4-BE49-F238E27FC236}">
+                    <a16:creationId xmlns:a16="http://schemas.microsoft.com/office/drawing/2014/main" id="{43E9404D-0DAB-4513-A744-E6DFD7EF4506}"/>
+                  </a:ext>
+                </a:extLst>
+              </p:cNvPr>
+              <p:cNvCxnSpPr>
+                <a:cxnSpLocks/>
+                <a:stCxn id="34" idx="2"/>
+                <a:endCxn id="39" idx="2"/>
+              </p:cNvCxnSpPr>
+              <p:nvPr/>
+            </p:nvCxnSpPr>
+            <p:spPr>
+              <a:xfrm rot="5400000">
+                <a:off x="5538032" y="2441340"/>
+                <a:ext cx="1280160" cy="1925839"/>
+              </a:xfrm>
+              <a:prstGeom prst="curvedConnector3">
+                <a:avLst>
+                  <a:gd name="adj1" fmla="val 16772"/>
+                </a:avLst>
+              </a:prstGeom>
+              <a:ln w="38100">
+                <a:headEnd type="triangle"/>
+                <a:tailEnd type="triangle"/>
+              </a:ln>
+            </p:spPr>
+            <p:style>
+              <a:lnRef idx="3">
+                <a:schemeClr val="dk1"/>
+              </a:lnRef>
+              <a:fillRef idx="0">
+                <a:schemeClr val="dk1"/>
+              </a:fillRef>
+              <a:effectRef idx="2">
+                <a:schemeClr val="dk1"/>
+              </a:effectRef>
+              <a:fontRef idx="minor">
+                <a:schemeClr val="tx1"/>
+              </a:fontRef>
+            </p:style>
+          </p:cxnSp>
+        </p:grpSp>
+        <p:sp>
+          <p:nvSpPr>
+            <p:cNvPr id="4" name="TextBox 3">
+              <a:extLst>
+                <a:ext uri="{FF2B5EF4-FFF2-40B4-BE49-F238E27FC236}">
+                  <a16:creationId xmlns:a16="http://schemas.microsoft.com/office/drawing/2014/main" id="{9FBCDC65-9DCD-48E2-B1F0-4FA4CDBBA013}"/>
+                </a:ext>
+              </a:extLst>
+            </p:cNvPr>
+            <p:cNvSpPr txBox="1"/>
             <p:nvPr/>
           </p:nvSpPr>
           <p:spPr>
             <a:xfrm>
-              <a:off x="6515386" y="3379932"/>
-              <a:ext cx="935026" cy="88408"/>
+              <a:off x="6352674" y="2422368"/>
+              <a:ext cx="5202583" cy="338554"/>
             </a:xfrm>
-            <a:prstGeom prst="leftRightArrow">
+            <a:prstGeom prst="rect">
               <a:avLst/>
             </a:prstGeom>
+            <a:noFill/>
+          </p:spPr>
+          <p:txBody>
+            <a:bodyPr wrap="square" rtlCol="0">
+              <a:spAutoFit/>
+            </a:bodyPr>
+            <a:lstStyle/>
+            <a:p>
+              <a:pPr algn="ctr"/>
+              <a:r>
+                <a:rPr lang="en-US" sz="1600" dirty="0"/>
+                <a:t>Adjacency Matrix – Connection indicates a similar mean ABV.</a:t>
+              </a:r>
+            </a:p>
+          </p:txBody>
+        </p:sp>
+      </p:grpSp>
+      <p:sp>
+        <p:nvSpPr>
+          <p:cNvPr id="48" name="TextBox 47">
+            <a:extLst>
+              <a:ext uri="{FF2B5EF4-FFF2-40B4-BE49-F238E27FC236}">
+                <a16:creationId xmlns:a16="http://schemas.microsoft.com/office/drawing/2014/main" id="{9EB92B2D-44AB-4C67-8982-CCFB1458EFD1}"/>
+              </a:ext>
+            </a:extLst>
+          </p:cNvPr>
+          <p:cNvSpPr txBox="1"/>
+          <p:nvPr/>
+        </p:nvSpPr>
+        <p:spPr>
+          <a:xfrm>
+            <a:off x="6634552" y="5291988"/>
+            <a:ext cx="5208684" cy="1200329"/>
+          </a:xfrm>
+          <a:prstGeom prst="rect">
+            <a:avLst/>
+          </a:prstGeom>
+          <a:solidFill>
+            <a:schemeClr val="accent6">
+              <a:lumMod val="40000"/>
+              <a:lumOff val="60000"/>
+            </a:schemeClr>
+          </a:solidFill>
+          <a:ln w="28575">
             <a:solidFill>
               <a:schemeClr val="tx1"/>
             </a:solidFill>
-            <a:ln>
-              <a:solidFill>
-                <a:schemeClr val="tx1"/>
-              </a:solidFill>
-            </a:ln>
-          </p:spPr>
-          <p:style>
-            <a:lnRef idx="2">
-              <a:schemeClr val="accent1">
-                <a:shade val="50000"/>
-              </a:schemeClr>
-            </a:lnRef>
-            <a:fillRef idx="1">
-              <a:schemeClr val="accent1"/>
-            </a:fillRef>
-            <a:effectRef idx="0">
-              <a:schemeClr val="accent1"/>
-            </a:effectRef>
-            <a:fontRef idx="minor">
-              <a:schemeClr val="lt1"/>
-            </a:fontRef>
-          </p:style>
-          <p:txBody>
-            <a:bodyPr rtlCol="0" anchor="ctr"/>
-            <a:lstStyle/>
-            <a:p>
-              <a:pPr algn="ctr"/>
-              <a:endParaRPr lang="en-US"/>
-            </a:p>
-          </p:txBody>
-        </p:sp>
-        <p:sp>
-          <p:nvSpPr>
-            <p:cNvPr id="37" name="Arrow: Left-Right 36">
-              <a:extLst>
-                <a:ext uri="{FF2B5EF4-FFF2-40B4-BE49-F238E27FC236}">
-                  <a16:creationId xmlns:a16="http://schemas.microsoft.com/office/drawing/2014/main" id="{A0E7C3AA-5B14-4BA8-BAC9-5D70AD26D2ED}"/>
-                </a:ext>
-              </a:extLst>
-            </p:cNvPr>
-            <p:cNvSpPr/>
-            <p:nvPr/>
-          </p:nvSpPr>
-          <p:spPr>
-            <a:xfrm rot="1946956">
-              <a:off x="5168999" y="2961385"/>
-              <a:ext cx="935026" cy="88408"/>
-            </a:xfrm>
-            <a:prstGeom prst="leftRightArrow">
-              <a:avLst/>
-            </a:prstGeom>
-            <a:solidFill>
-              <a:schemeClr val="tx1"/>
-            </a:solidFill>
-            <a:ln>
-              <a:solidFill>
-                <a:schemeClr val="tx1"/>
-              </a:solidFill>
-            </a:ln>
-          </p:spPr>
-          <p:style>
-            <a:lnRef idx="2">
-              <a:schemeClr val="accent1">
-                <a:shade val="50000"/>
-              </a:schemeClr>
-            </a:lnRef>
-            <a:fillRef idx="1">
-              <a:schemeClr val="accent1"/>
-            </a:fillRef>
-            <a:effectRef idx="0">
-              <a:schemeClr val="accent1"/>
-            </a:effectRef>
-            <a:fontRef idx="minor">
-              <a:schemeClr val="lt1"/>
-            </a:fontRef>
-          </p:style>
-          <p:txBody>
-            <a:bodyPr rtlCol="0" anchor="ctr"/>
-            <a:lstStyle/>
-            <a:p>
-              <a:pPr algn="ctr"/>
-              <a:endParaRPr lang="en-US"/>
-            </a:p>
-          </p:txBody>
-        </p:sp>
-        <p:sp>
-          <p:nvSpPr>
-            <p:cNvPr id="38" name="Arrow: Left-Right 37">
-              <a:extLst>
-                <a:ext uri="{FF2B5EF4-FFF2-40B4-BE49-F238E27FC236}">
-                  <a16:creationId xmlns:a16="http://schemas.microsoft.com/office/drawing/2014/main" id="{EACD48FB-FFC6-440D-8281-2C9E6033311C}"/>
-                </a:ext>
-              </a:extLst>
-            </p:cNvPr>
-            <p:cNvSpPr/>
-            <p:nvPr/>
-          </p:nvSpPr>
-          <p:spPr>
-            <a:xfrm rot="19648283">
-              <a:off x="6117572" y="2962781"/>
-              <a:ext cx="935026" cy="88408"/>
-            </a:xfrm>
-            <a:prstGeom prst="leftRightArrow">
-              <a:avLst/>
-            </a:prstGeom>
-            <a:solidFill>
-              <a:schemeClr val="tx1"/>
-            </a:solidFill>
-            <a:ln>
-              <a:solidFill>
-                <a:schemeClr val="tx1"/>
-              </a:solidFill>
-            </a:ln>
-          </p:spPr>
-          <p:style>
-            <a:lnRef idx="2">
-              <a:schemeClr val="accent1">
-                <a:shade val="50000"/>
-              </a:schemeClr>
-            </a:lnRef>
-            <a:fillRef idx="1">
-              <a:schemeClr val="accent1"/>
-            </a:fillRef>
-            <a:effectRef idx="0">
-              <a:schemeClr val="accent1"/>
-            </a:effectRef>
-            <a:fontRef idx="minor">
-              <a:schemeClr val="lt1"/>
-            </a:fontRef>
-          </p:style>
-          <p:txBody>
-            <a:bodyPr rtlCol="0" anchor="ctr"/>
-            <a:lstStyle/>
-            <a:p>
-              <a:pPr algn="ctr"/>
-              <a:endParaRPr lang="en-US"/>
-            </a:p>
-          </p:txBody>
-        </p:sp>
-        <p:sp>
-          <p:nvSpPr>
-            <p:cNvPr id="39" name="Arrow: Left-Right 38">
-              <a:extLst>
-                <a:ext uri="{FF2B5EF4-FFF2-40B4-BE49-F238E27FC236}">
-                  <a16:creationId xmlns:a16="http://schemas.microsoft.com/office/drawing/2014/main" id="{1F2DE2E4-289C-460D-A1C4-BCB6DDFF3026}"/>
-                </a:ext>
-              </a:extLst>
-            </p:cNvPr>
-            <p:cNvSpPr/>
-            <p:nvPr/>
-          </p:nvSpPr>
-          <p:spPr>
-            <a:xfrm rot="19498926">
-              <a:off x="5119723" y="3816804"/>
-              <a:ext cx="935026" cy="88408"/>
-            </a:xfrm>
-            <a:prstGeom prst="leftRightArrow">
-              <a:avLst/>
-            </a:prstGeom>
-            <a:solidFill>
-              <a:schemeClr val="tx1"/>
-            </a:solidFill>
-            <a:ln>
-              <a:solidFill>
-                <a:schemeClr val="tx1"/>
-              </a:solidFill>
-            </a:ln>
-          </p:spPr>
-          <p:style>
-            <a:lnRef idx="2">
-              <a:schemeClr val="accent1">
-                <a:shade val="50000"/>
-              </a:schemeClr>
-            </a:lnRef>
-            <a:fillRef idx="1">
-              <a:schemeClr val="accent1"/>
-            </a:fillRef>
-            <a:effectRef idx="0">
-              <a:schemeClr val="accent1"/>
-            </a:effectRef>
-            <a:fontRef idx="minor">
-              <a:schemeClr val="lt1"/>
-            </a:fontRef>
-          </p:style>
-          <p:txBody>
-            <a:bodyPr rtlCol="0" anchor="ctr"/>
-            <a:lstStyle/>
-            <a:p>
-              <a:pPr algn="ctr"/>
-              <a:endParaRPr lang="en-US"/>
-            </a:p>
-          </p:txBody>
-        </p:sp>
-        <p:sp>
-          <p:nvSpPr>
-            <p:cNvPr id="40" name="Arrow: Left-Right 39">
-              <a:extLst>
-                <a:ext uri="{FF2B5EF4-FFF2-40B4-BE49-F238E27FC236}">
-                  <a16:creationId xmlns:a16="http://schemas.microsoft.com/office/drawing/2014/main" id="{1E47A2C0-18B3-4AF7-918B-F6AB841D3BCF}"/>
-                </a:ext>
-              </a:extLst>
-            </p:cNvPr>
-            <p:cNvSpPr/>
-            <p:nvPr/>
-          </p:nvSpPr>
-          <p:spPr>
-            <a:xfrm rot="2320208">
-              <a:off x="6117572" y="3841493"/>
-              <a:ext cx="935026" cy="88408"/>
-            </a:xfrm>
-            <a:prstGeom prst="leftRightArrow">
-              <a:avLst/>
-            </a:prstGeom>
-            <a:solidFill>
-              <a:schemeClr val="tx1"/>
-            </a:solidFill>
-            <a:ln>
-              <a:solidFill>
-                <a:schemeClr val="tx1"/>
-              </a:solidFill>
-            </a:ln>
-          </p:spPr>
-          <p:style>
-            <a:lnRef idx="2">
-              <a:schemeClr val="accent1">
-                <a:shade val="50000"/>
-              </a:schemeClr>
-            </a:lnRef>
-            <a:fillRef idx="1">
-              <a:schemeClr val="accent1"/>
-            </a:fillRef>
-            <a:effectRef idx="0">
-              <a:schemeClr val="accent1"/>
-            </a:effectRef>
-            <a:fontRef idx="minor">
-              <a:schemeClr val="lt1"/>
-            </a:fontRef>
-          </p:style>
-          <p:txBody>
-            <a:bodyPr rtlCol="0" anchor="ctr"/>
-            <a:lstStyle/>
-            <a:p>
-              <a:pPr algn="ctr"/>
-              <a:endParaRPr lang="en-US"/>
-            </a:p>
-          </p:txBody>
-        </p:sp>
-        <p:sp>
-          <p:nvSpPr>
-            <p:cNvPr id="41" name="Arrow: Left-Right 40">
-              <a:extLst>
-                <a:ext uri="{FF2B5EF4-FFF2-40B4-BE49-F238E27FC236}">
-                  <a16:creationId xmlns:a16="http://schemas.microsoft.com/office/drawing/2014/main" id="{72653902-2033-42F4-AAFF-DFEC4B6F9B6A}"/>
-                </a:ext>
-              </a:extLst>
-            </p:cNvPr>
-            <p:cNvSpPr/>
-            <p:nvPr/>
-          </p:nvSpPr>
-          <p:spPr>
-            <a:xfrm>
-              <a:off x="5584994" y="2535310"/>
-              <a:ext cx="935026" cy="88408"/>
-            </a:xfrm>
-            <a:prstGeom prst="leftRightArrow">
-              <a:avLst/>
-            </a:prstGeom>
-            <a:solidFill>
-              <a:schemeClr val="tx1"/>
-            </a:solidFill>
-            <a:ln>
-              <a:solidFill>
-                <a:schemeClr val="tx1"/>
-              </a:solidFill>
-            </a:ln>
-          </p:spPr>
-          <p:style>
-            <a:lnRef idx="2">
-              <a:schemeClr val="accent1">
-                <a:shade val="50000"/>
-              </a:schemeClr>
-            </a:lnRef>
-            <a:fillRef idx="1">
-              <a:schemeClr val="accent1"/>
-            </a:fillRef>
-            <a:effectRef idx="0">
-              <a:schemeClr val="accent1"/>
-            </a:effectRef>
-            <a:fontRef idx="minor">
-              <a:schemeClr val="lt1"/>
-            </a:fontRef>
-          </p:style>
-          <p:txBody>
-            <a:bodyPr rtlCol="0" anchor="ctr"/>
-            <a:lstStyle/>
-            <a:p>
-              <a:pPr algn="ctr"/>
-              <a:endParaRPr lang="en-US" dirty="0"/>
-            </a:p>
-          </p:txBody>
-        </p:sp>
-        <p:sp>
-          <p:nvSpPr>
-            <p:cNvPr id="42" name="Arrow: Left-Right 41">
-              <a:extLst>
-                <a:ext uri="{FF2B5EF4-FFF2-40B4-BE49-F238E27FC236}">
-                  <a16:creationId xmlns:a16="http://schemas.microsoft.com/office/drawing/2014/main" id="{FAF2E9F3-8872-4994-8533-1ECEF0C15624}"/>
-                </a:ext>
-              </a:extLst>
-            </p:cNvPr>
-            <p:cNvSpPr/>
-            <p:nvPr/>
-          </p:nvSpPr>
-          <p:spPr>
-            <a:xfrm rot="19248005">
-              <a:off x="7155022" y="3830023"/>
-              <a:ext cx="935026" cy="88408"/>
-            </a:xfrm>
-            <a:prstGeom prst="leftRightArrow">
-              <a:avLst/>
-            </a:prstGeom>
-            <a:solidFill>
-              <a:schemeClr val="tx1"/>
-            </a:solidFill>
-            <a:ln>
-              <a:solidFill>
-                <a:schemeClr val="tx1"/>
-              </a:solidFill>
-            </a:ln>
-          </p:spPr>
-          <p:style>
-            <a:lnRef idx="2">
-              <a:schemeClr val="accent1">
-                <a:shade val="50000"/>
-              </a:schemeClr>
-            </a:lnRef>
-            <a:fillRef idx="1">
-              <a:schemeClr val="accent1"/>
-            </a:fillRef>
-            <a:effectRef idx="0">
-              <a:schemeClr val="accent1"/>
-            </a:effectRef>
-            <a:fontRef idx="minor">
-              <a:schemeClr val="lt1"/>
-            </a:fontRef>
-          </p:style>
-          <p:txBody>
-            <a:bodyPr rtlCol="0" anchor="ctr"/>
-            <a:lstStyle/>
-            <a:p>
-              <a:pPr algn="ctr"/>
-              <a:endParaRPr lang="en-US"/>
-            </a:p>
-          </p:txBody>
-        </p:sp>
-        <p:sp>
-          <p:nvSpPr>
-            <p:cNvPr id="43" name="Arrow: Left-Right 42">
-              <a:extLst>
-                <a:ext uri="{FF2B5EF4-FFF2-40B4-BE49-F238E27FC236}">
-                  <a16:creationId xmlns:a16="http://schemas.microsoft.com/office/drawing/2014/main" id="{BAB37131-1BA4-48FB-B9DD-6E4FA494BD84}"/>
-                </a:ext>
-              </a:extLst>
-            </p:cNvPr>
-            <p:cNvSpPr/>
-            <p:nvPr/>
-          </p:nvSpPr>
-          <p:spPr>
-            <a:xfrm rot="2320208">
-              <a:off x="4101128" y="3819662"/>
-              <a:ext cx="935026" cy="88408"/>
-            </a:xfrm>
-            <a:prstGeom prst="leftRightArrow">
-              <a:avLst/>
-            </a:prstGeom>
-            <a:solidFill>
-              <a:schemeClr val="tx1"/>
-            </a:solidFill>
-            <a:ln>
-              <a:solidFill>
-                <a:schemeClr val="tx1"/>
-              </a:solidFill>
-            </a:ln>
-          </p:spPr>
-          <p:style>
-            <a:lnRef idx="2">
-              <a:schemeClr val="accent1">
-                <a:shade val="50000"/>
-              </a:schemeClr>
-            </a:lnRef>
-            <a:fillRef idx="1">
-              <a:schemeClr val="accent1"/>
-            </a:fillRef>
-            <a:effectRef idx="0">
-              <a:schemeClr val="accent1"/>
-            </a:effectRef>
-            <a:fontRef idx="minor">
-              <a:schemeClr val="lt1"/>
-            </a:fontRef>
-          </p:style>
-          <p:txBody>
-            <a:bodyPr rtlCol="0" anchor="ctr"/>
-            <a:lstStyle/>
-            <a:p>
-              <a:pPr algn="ctr"/>
-              <a:endParaRPr lang="en-US"/>
-            </a:p>
-          </p:txBody>
-        </p:sp>
-        <p:sp>
-          <p:nvSpPr>
-            <p:cNvPr id="44" name="Arrow: Left-Right 43">
-              <a:extLst>
-                <a:ext uri="{FF2B5EF4-FFF2-40B4-BE49-F238E27FC236}">
-                  <a16:creationId xmlns:a16="http://schemas.microsoft.com/office/drawing/2014/main" id="{8D4CA174-11AF-4007-8108-1C9EC6E9E9B5}"/>
-                </a:ext>
-              </a:extLst>
-            </p:cNvPr>
-            <p:cNvSpPr/>
-            <p:nvPr/>
-          </p:nvSpPr>
-          <p:spPr>
-            <a:xfrm rot="19392490">
-              <a:off x="4097425" y="2988634"/>
-              <a:ext cx="935026" cy="88408"/>
-            </a:xfrm>
-            <a:prstGeom prst="leftRightArrow">
-              <a:avLst/>
-            </a:prstGeom>
-            <a:solidFill>
-              <a:schemeClr val="tx1"/>
-            </a:solidFill>
-            <a:ln>
-              <a:solidFill>
-                <a:schemeClr val="tx1"/>
-              </a:solidFill>
-            </a:ln>
-          </p:spPr>
-          <p:style>
-            <a:lnRef idx="2">
-              <a:schemeClr val="accent1">
-                <a:shade val="50000"/>
-              </a:schemeClr>
-            </a:lnRef>
-            <a:fillRef idx="1">
-              <a:schemeClr val="accent1"/>
-            </a:fillRef>
-            <a:effectRef idx="0">
-              <a:schemeClr val="accent1"/>
-            </a:effectRef>
-            <a:fontRef idx="minor">
-              <a:schemeClr val="lt1"/>
-            </a:fontRef>
-          </p:style>
-          <p:txBody>
-            <a:bodyPr rtlCol="0" anchor="ctr"/>
-            <a:lstStyle/>
-            <a:p>
-              <a:pPr algn="ctr"/>
-              <a:endParaRPr lang="en-US"/>
-            </a:p>
-          </p:txBody>
-        </p:sp>
-        <p:sp>
-          <p:nvSpPr>
-            <p:cNvPr id="45" name="Arrow: Left-Right 44">
-              <a:extLst>
-                <a:ext uri="{FF2B5EF4-FFF2-40B4-BE49-F238E27FC236}">
-                  <a16:creationId xmlns:a16="http://schemas.microsoft.com/office/drawing/2014/main" id="{3D21ACD0-8985-4A8B-9957-A8BEE1726D18}"/>
-                </a:ext>
-              </a:extLst>
-            </p:cNvPr>
-            <p:cNvSpPr/>
-            <p:nvPr/>
-          </p:nvSpPr>
-          <p:spPr>
-            <a:xfrm rot="2320208">
-              <a:off x="7258007" y="2968635"/>
-              <a:ext cx="935026" cy="88408"/>
-            </a:xfrm>
-            <a:prstGeom prst="leftRightArrow">
-              <a:avLst/>
-            </a:prstGeom>
-            <a:solidFill>
-              <a:schemeClr val="tx1"/>
-            </a:solidFill>
-            <a:ln>
-              <a:solidFill>
-                <a:schemeClr val="tx1"/>
-              </a:solidFill>
-            </a:ln>
-          </p:spPr>
-          <p:style>
-            <a:lnRef idx="2">
-              <a:schemeClr val="accent1">
-                <a:shade val="50000"/>
-              </a:schemeClr>
-            </a:lnRef>
-            <a:fillRef idx="1">
-              <a:schemeClr val="accent1"/>
-            </a:fillRef>
-            <a:effectRef idx="0">
-              <a:schemeClr val="accent1"/>
-            </a:effectRef>
-            <a:fontRef idx="minor">
-              <a:schemeClr val="lt1"/>
-            </a:fontRef>
-          </p:style>
-          <p:txBody>
-            <a:bodyPr rtlCol="0" anchor="ctr"/>
-            <a:lstStyle/>
-            <a:p>
-              <a:pPr algn="ctr"/>
-              <a:endParaRPr lang="en-US"/>
-            </a:p>
-          </p:txBody>
-        </p:sp>
-        <p:sp>
-          <p:nvSpPr>
-            <p:cNvPr id="46" name="Arrow: Left-Right 45">
-              <a:extLst>
-                <a:ext uri="{FF2B5EF4-FFF2-40B4-BE49-F238E27FC236}">
-                  <a16:creationId xmlns:a16="http://schemas.microsoft.com/office/drawing/2014/main" id="{F654C6ED-A78C-4E4D-9DCD-7A99158FF697}"/>
-                </a:ext>
-              </a:extLst>
-            </p:cNvPr>
-            <p:cNvSpPr/>
-            <p:nvPr/>
-          </p:nvSpPr>
-          <p:spPr>
-            <a:xfrm rot="16200000">
-              <a:off x="4457449" y="3422620"/>
-              <a:ext cx="1280160" cy="91440"/>
-            </a:xfrm>
-            <a:prstGeom prst="leftRightArrow">
-              <a:avLst/>
-            </a:prstGeom>
-            <a:solidFill>
-              <a:schemeClr val="tx1"/>
-            </a:solidFill>
-            <a:ln>
-              <a:solidFill>
-                <a:schemeClr val="tx1"/>
-              </a:solidFill>
-            </a:ln>
-          </p:spPr>
-          <p:style>
-            <a:lnRef idx="2">
-              <a:schemeClr val="accent1">
-                <a:shade val="50000"/>
-              </a:schemeClr>
-            </a:lnRef>
-            <a:fillRef idx="1">
-              <a:schemeClr val="accent1"/>
-            </a:fillRef>
-            <a:effectRef idx="0">
-              <a:schemeClr val="accent1"/>
-            </a:effectRef>
-            <a:fontRef idx="minor">
-              <a:schemeClr val="lt1"/>
-            </a:fontRef>
-          </p:style>
-          <p:txBody>
-            <a:bodyPr rtlCol="0" anchor="ctr"/>
-            <a:lstStyle/>
-            <a:p>
-              <a:pPr algn="ctr"/>
-              <a:endParaRPr lang="en-US"/>
-            </a:p>
-          </p:txBody>
-        </p:sp>
-        <p:cxnSp>
-          <p:nvCxnSpPr>
-            <p:cNvPr id="47" name="Connector: Curved 46">
-              <a:extLst>
-                <a:ext uri="{FF2B5EF4-FFF2-40B4-BE49-F238E27FC236}">
-                  <a16:creationId xmlns:a16="http://schemas.microsoft.com/office/drawing/2014/main" id="{43E9404D-0DAB-4513-A744-E6DFD7EF4506}"/>
-                </a:ext>
-              </a:extLst>
-            </p:cNvPr>
-            <p:cNvCxnSpPr>
-              <a:cxnSpLocks/>
-              <a:stCxn id="34" idx="2"/>
-              <a:endCxn id="39" idx="2"/>
-            </p:cNvCxnSpPr>
-            <p:nvPr/>
-          </p:nvCxnSpPr>
-          <p:spPr>
-            <a:xfrm rot="5400000">
-              <a:off x="5538032" y="2441340"/>
-              <a:ext cx="1280160" cy="1925839"/>
-            </a:xfrm>
-            <a:prstGeom prst="curvedConnector3">
-              <a:avLst>
-                <a:gd name="adj1" fmla="val 16772"/>
-              </a:avLst>
-            </a:prstGeom>
-            <a:ln w="38100">
-              <a:headEnd type="triangle"/>
-              <a:tailEnd type="triangle"/>
-            </a:ln>
-          </p:spPr>
-          <p:style>
-            <a:lnRef idx="3">
-              <a:schemeClr val="dk1"/>
-            </a:lnRef>
-            <a:fillRef idx="0">
-              <a:schemeClr val="dk1"/>
-            </a:fillRef>
-            <a:effectRef idx="2">
-              <a:schemeClr val="dk1"/>
-            </a:effectRef>
-            <a:fontRef idx="minor">
-              <a:schemeClr val="tx1"/>
-            </a:fontRef>
-          </p:style>
-        </p:cxnSp>
-      </p:grpSp>
+          </a:ln>
+        </p:spPr>
+        <p:txBody>
+          <a:bodyPr wrap="square" rtlCol="0">
+            <a:spAutoFit/>
+          </a:bodyPr>
+          <a:lstStyle/>
+          <a:p>
+            <a:pPr algn="ctr"/>
+            <a:r>
+              <a:rPr lang="en-US" dirty="0"/>
+              <a:t>Budweiser can use this evidence to determine where a new product’s ABV may land in each region. For instance, a more alcoholic beer in the Pacific region may stack up differently in the Great Lakes region.</a:t>
+            </a:r>
+          </a:p>
+        </p:txBody>
+      </p:sp>
     </p:spTree>
     <p:extLst>
       <p:ext uri="{BB962C8B-B14F-4D97-AF65-F5344CB8AC3E}">

--- a/EDA_Presentation.pptx
+++ b/EDA_Presentation.pptx
@@ -5,7 +5,7 @@
     <p:sldMasterId id="2147483648" r:id="rId1"/>
   </p:sldMasterIdLst>
   <p:notesMasterIdLst>
-    <p:notesMasterId r:id="rId16"/>
+    <p:notesMasterId r:id="rId17"/>
   </p:notesMasterIdLst>
   <p:sldIdLst>
     <p:sldId id="256" r:id="rId2"/>
@@ -21,7 +21,8 @@
     <p:sldId id="276" r:id="rId12"/>
     <p:sldId id="275" r:id="rId13"/>
     <p:sldId id="264" r:id="rId14"/>
-    <p:sldId id="271" r:id="rId15"/>
+    <p:sldId id="282" r:id="rId15"/>
+    <p:sldId id="271" r:id="rId16"/>
   </p:sldIdLst>
   <p:sldSz cx="12192000" cy="6858000"/>
   <p:notesSz cx="6858000" cy="9144000"/>
@@ -210,7 +211,7 @@
           <a:p>
             <a:fld id="{19553C96-C507-48DD-9B82-D32AAE9F79FE}" type="datetimeFigureOut">
               <a:rPr lang="en-US" smtClean="0"/>
-              <a:t>10/21/2021</a:t>
+              <a:t>10/22/2021</a:t>
             </a:fld>
             <a:endParaRPr lang="en-US"/>
           </a:p>
@@ -624,7 +625,7 @@
           <a:p>
             <a:fld id="{AB7F5EDC-EE88-4A1F-BCD4-A74576B5EBDA}" type="datetimeFigureOut">
               <a:rPr lang="en-US" smtClean="0"/>
-              <a:t>10/21/2021</a:t>
+              <a:t>10/22/2021</a:t>
             </a:fld>
             <a:endParaRPr lang="en-US"/>
           </a:p>
@@ -822,7 +823,7 @@
           <a:p>
             <a:fld id="{AB7F5EDC-EE88-4A1F-BCD4-A74576B5EBDA}" type="datetimeFigureOut">
               <a:rPr lang="en-US" smtClean="0"/>
-              <a:t>10/21/2021</a:t>
+              <a:t>10/22/2021</a:t>
             </a:fld>
             <a:endParaRPr lang="en-US"/>
           </a:p>
@@ -1030,7 +1031,7 @@
           <a:p>
             <a:fld id="{AB7F5EDC-EE88-4A1F-BCD4-A74576B5EBDA}" type="datetimeFigureOut">
               <a:rPr lang="en-US" smtClean="0"/>
-              <a:t>10/21/2021</a:t>
+              <a:t>10/22/2021</a:t>
             </a:fld>
             <a:endParaRPr lang="en-US"/>
           </a:p>
@@ -1228,7 +1229,7 @@
           <a:p>
             <a:fld id="{AB7F5EDC-EE88-4A1F-BCD4-A74576B5EBDA}" type="datetimeFigureOut">
               <a:rPr lang="en-US" smtClean="0"/>
-              <a:t>10/21/2021</a:t>
+              <a:t>10/22/2021</a:t>
             </a:fld>
             <a:endParaRPr lang="en-US"/>
           </a:p>
@@ -1503,7 +1504,7 @@
           <a:p>
             <a:fld id="{AB7F5EDC-EE88-4A1F-BCD4-A74576B5EBDA}" type="datetimeFigureOut">
               <a:rPr lang="en-US" smtClean="0"/>
-              <a:t>10/21/2021</a:t>
+              <a:t>10/22/2021</a:t>
             </a:fld>
             <a:endParaRPr lang="en-US"/>
           </a:p>
@@ -1768,7 +1769,7 @@
           <a:p>
             <a:fld id="{AB7F5EDC-EE88-4A1F-BCD4-A74576B5EBDA}" type="datetimeFigureOut">
               <a:rPr lang="en-US" smtClean="0"/>
-              <a:t>10/21/2021</a:t>
+              <a:t>10/22/2021</a:t>
             </a:fld>
             <a:endParaRPr lang="en-US"/>
           </a:p>
@@ -2180,7 +2181,7 @@
           <a:p>
             <a:fld id="{AB7F5EDC-EE88-4A1F-BCD4-A74576B5EBDA}" type="datetimeFigureOut">
               <a:rPr lang="en-US" smtClean="0"/>
-              <a:t>10/21/2021</a:t>
+              <a:t>10/22/2021</a:t>
             </a:fld>
             <a:endParaRPr lang="en-US"/>
           </a:p>
@@ -2321,7 +2322,7 @@
           <a:p>
             <a:fld id="{AB7F5EDC-EE88-4A1F-BCD4-A74576B5EBDA}" type="datetimeFigureOut">
               <a:rPr lang="en-US" smtClean="0"/>
-              <a:t>10/21/2021</a:t>
+              <a:t>10/22/2021</a:t>
             </a:fld>
             <a:endParaRPr lang="en-US"/>
           </a:p>
@@ -2434,7 +2435,7 @@
           <a:p>
             <a:fld id="{AB7F5EDC-EE88-4A1F-BCD4-A74576B5EBDA}" type="datetimeFigureOut">
               <a:rPr lang="en-US" smtClean="0"/>
-              <a:t>10/21/2021</a:t>
+              <a:t>10/22/2021</a:t>
             </a:fld>
             <a:endParaRPr lang="en-US"/>
           </a:p>
@@ -2745,7 +2746,7 @@
           <a:p>
             <a:fld id="{AB7F5EDC-EE88-4A1F-BCD4-A74576B5EBDA}" type="datetimeFigureOut">
               <a:rPr lang="en-US" smtClean="0"/>
-              <a:t>10/21/2021</a:t>
+              <a:t>10/22/2021</a:t>
             </a:fld>
             <a:endParaRPr lang="en-US"/>
           </a:p>
@@ -3033,7 +3034,7 @@
           <a:p>
             <a:fld id="{AB7F5EDC-EE88-4A1F-BCD4-A74576B5EBDA}" type="datetimeFigureOut">
               <a:rPr lang="en-US" smtClean="0"/>
-              <a:t>10/21/2021</a:t>
+              <a:t>10/22/2021</a:t>
             </a:fld>
             <a:endParaRPr lang="en-US"/>
           </a:p>
@@ -3274,7 +3275,7 @@
           <a:p>
             <a:fld id="{AB7F5EDC-EE88-4A1F-BCD4-A74576B5EBDA}" type="datetimeFigureOut">
               <a:rPr lang="en-US" smtClean="0"/>
-              <a:t>10/21/2021</a:t>
+              <a:t>10/22/2021</a:t>
             </a:fld>
             <a:endParaRPr lang="en-US"/>
           </a:p>
@@ -4526,8 +4527,8 @@
           </a:p>
         </p:txBody>
       </p:sp>
-      <mc:AlternateContent xmlns:mc="http://schemas.openxmlformats.org/markup-compatibility/2006">
-        <mc:Choice xmlns:a14="http://schemas.microsoft.com/office/drawing/2010/main" Requires="a14">
+      <mc:AlternateContent xmlns:mc="http://schemas.openxmlformats.org/markup-compatibility/2006" xmlns:a14="http://schemas.microsoft.com/office/drawing/2010/main">
+        <mc:Choice Requires="a14">
           <p:sp>
             <p:nvSpPr>
               <p:cNvPr id="4" name="TextBox 3">
@@ -4888,7 +4889,7 @@
             </p:txBody>
           </p:sp>
         </mc:Choice>
-        <mc:Fallback>
+        <mc:Fallback xmlns="">
           <p:sp>
             <p:nvSpPr>
               <p:cNvPr id="4" name="TextBox 3">
@@ -7145,6 +7146,337 @@
       </p:grpSpPr>
       <p:sp>
         <p:nvSpPr>
+          <p:cNvPr id="8" name="Rectangle 7">
+            <a:extLst>
+              <a:ext uri="{FF2B5EF4-FFF2-40B4-BE49-F238E27FC236}">
+                <a16:creationId xmlns:a16="http://schemas.microsoft.com/office/drawing/2014/main" id="{6D6CDB20-394C-4D51-9C5B-8751E21338DC}"/>
+              </a:ext>
+              <a:ext uri="{C183D7F6-B498-43B3-948B-1728B52AA6E4}">
+                <adec:decorative xmlns:adec="http://schemas.microsoft.com/office/drawing/2017/decorative" val="1"/>
+              </a:ext>
+            </a:extLst>
+          </p:cNvPr>
+          <p:cNvSpPr>
+            <a:spLocks noGrp="1" noRot="1" noChangeAspect="1" noMove="1" noResize="1" noEditPoints="1" noAdjustHandles="1" noChangeArrowheads="1" noChangeShapeType="1" noTextEdit="1"/>
+          </p:cNvSpPr>
+          <p:nvPr>
+            <p:extLst>
+              <p:ext uri="{386F3935-93C4-4BCD-93E2-E3B085C9AB24}">
+                <p16:designElem xmlns:p16="http://schemas.microsoft.com/office/powerpoint/2015/main" val="1"/>
+              </p:ext>
+            </p:extLst>
+          </p:nvPr>
+        </p:nvSpPr>
+        <p:spPr>
+          <a:xfrm>
+            <a:off x="0" y="-3324"/>
+            <a:ext cx="12192000" cy="6861324"/>
+          </a:xfrm>
+          <a:prstGeom prst="rect">
+            <a:avLst/>
+          </a:prstGeom>
+          <a:solidFill>
+            <a:schemeClr val="tx1">
+              <a:alpha val="15000"/>
+            </a:schemeClr>
+          </a:solidFill>
+          <a:ln>
+            <a:noFill/>
+          </a:ln>
+        </p:spPr>
+        <p:style>
+          <a:lnRef idx="2">
+            <a:schemeClr val="accent1">
+              <a:shade val="50000"/>
+            </a:schemeClr>
+          </a:lnRef>
+          <a:fillRef idx="1">
+            <a:schemeClr val="accent1"/>
+          </a:fillRef>
+          <a:effectRef idx="0">
+            <a:schemeClr val="accent1"/>
+          </a:effectRef>
+          <a:fontRef idx="minor">
+            <a:schemeClr val="lt1"/>
+          </a:fontRef>
+        </p:style>
+        <p:txBody>
+          <a:bodyPr rot="0" spcFirstLastPara="0" vertOverflow="overflow" horzOverflow="overflow" vert="horz" wrap="square" lIns="91440" tIns="45720" rIns="91440" bIns="45720" numCol="1" spcCol="0" rtlCol="0" fromWordArt="0" anchor="ctr" anchorCtr="0" forceAA="0" compatLnSpc="1">
+            <a:prstTxWarp prst="textNoShape">
+              <a:avLst/>
+            </a:prstTxWarp>
+            <a:noAutofit/>
+          </a:bodyPr>
+          <a:lstStyle/>
+          <a:p>
+            <a:pPr algn="ctr"/>
+            <a:endParaRPr lang="en-US"/>
+          </a:p>
+        </p:txBody>
+      </p:sp>
+      <p:sp>
+        <p:nvSpPr>
+          <p:cNvPr id="10" name="Rounded Rectangle 3">
+            <a:extLst>
+              <a:ext uri="{FF2B5EF4-FFF2-40B4-BE49-F238E27FC236}">
+                <a16:creationId xmlns:a16="http://schemas.microsoft.com/office/drawing/2014/main" id="{46DFD1E0-DCA7-47E6-B78B-6ECDDF873DD6}"/>
+              </a:ext>
+              <a:ext uri="{C183D7F6-B498-43B3-948B-1728B52AA6E4}">
+                <adec:decorative xmlns:adec="http://schemas.microsoft.com/office/drawing/2017/decorative" val="1"/>
+              </a:ext>
+            </a:extLst>
+          </p:cNvPr>
+          <p:cNvSpPr>
+            <a:spLocks noGrp="1" noRot="1" noChangeAspect="1" noMove="1" noResize="1" noEditPoints="1" noAdjustHandles="1" noChangeArrowheads="1" noChangeShapeType="1" noTextEdit="1"/>
+          </p:cNvSpPr>
+          <p:nvPr>
+            <p:extLst>
+              <p:ext uri="{386F3935-93C4-4BCD-93E2-E3B085C9AB24}">
+                <p16:designElem xmlns:p16="http://schemas.microsoft.com/office/powerpoint/2015/main" val="1"/>
+              </p:ext>
+            </p:extLst>
+          </p:nvPr>
+        </p:nvSpPr>
+        <p:spPr>
+          <a:xfrm>
+            <a:off x="646745" y="640080"/>
+            <a:ext cx="10920415" cy="5577818"/>
+          </a:xfrm>
+          <a:prstGeom prst="roundRect">
+            <a:avLst>
+              <a:gd name="adj" fmla="val 0"/>
+            </a:avLst>
+          </a:prstGeom>
+          <a:solidFill>
+            <a:srgbClr val="FFFFFF"/>
+          </a:solidFill>
+          <a:ln w="9525">
+            <a:solidFill>
+              <a:schemeClr val="tx1">
+                <a:lumMod val="50000"/>
+                <a:lumOff val="50000"/>
+              </a:schemeClr>
+            </a:solidFill>
+          </a:ln>
+          <a:effectLst>
+            <a:outerShdw blurRad="57150" dist="19050" dir="5400000" algn="t" rotWithShape="0">
+              <a:prstClr val="black">
+                <a:alpha val="63000"/>
+              </a:prstClr>
+            </a:outerShdw>
+          </a:effectLst>
+        </p:spPr>
+        <p:style>
+          <a:lnRef idx="2">
+            <a:schemeClr val="accent1">
+              <a:shade val="50000"/>
+            </a:schemeClr>
+          </a:lnRef>
+          <a:fillRef idx="1">
+            <a:schemeClr val="accent1"/>
+          </a:fillRef>
+          <a:effectRef idx="0">
+            <a:schemeClr val="accent1"/>
+          </a:effectRef>
+          <a:fontRef idx="minor">
+            <a:schemeClr val="lt1"/>
+          </a:fontRef>
+        </p:style>
+        <p:txBody>
+          <a:bodyPr rtlCol="0" anchor="ctr"/>
+          <a:lstStyle/>
+          <a:p>
+            <a:pPr algn="ctr"/>
+            <a:endParaRPr lang="en-US"/>
+          </a:p>
+        </p:txBody>
+      </p:sp>
+      <p:sp>
+        <p:nvSpPr>
+          <p:cNvPr id="12" name="Rectangle 11">
+            <a:extLst>
+              <a:ext uri="{FF2B5EF4-FFF2-40B4-BE49-F238E27FC236}">
+                <a16:creationId xmlns:a16="http://schemas.microsoft.com/office/drawing/2014/main" id="{8AAB0B1E-BB97-40E0-8DCD-D1197A0E1D6A}"/>
+              </a:ext>
+              <a:ext uri="{C183D7F6-B498-43B3-948B-1728B52AA6E4}">
+                <adec:decorative xmlns:adec="http://schemas.microsoft.com/office/drawing/2017/decorative" val="1"/>
+              </a:ext>
+            </a:extLst>
+          </p:cNvPr>
+          <p:cNvSpPr>
+            <a:spLocks noGrp="1" noRot="1" noChangeAspect="1" noMove="1" noResize="1" noEditPoints="1" noAdjustHandles="1" noChangeArrowheads="1" noChangeShapeType="1" noTextEdit="1"/>
+          </p:cNvSpPr>
+          <p:nvPr>
+            <p:extLst>
+              <p:ext uri="{386F3935-93C4-4BCD-93E2-E3B085C9AB24}">
+                <p16:designElem xmlns:p16="http://schemas.microsoft.com/office/powerpoint/2015/main" val="1"/>
+              </p:ext>
+            </p:extLst>
+          </p:nvPr>
+        </p:nvSpPr>
+        <p:spPr>
+          <a:xfrm>
+            <a:off x="968024" y="960109"/>
+            <a:ext cx="10277856" cy="4937760"/>
+          </a:xfrm>
+          <a:prstGeom prst="rect">
+            <a:avLst/>
+          </a:prstGeom>
+          <a:solidFill>
+            <a:schemeClr val="bg2"/>
+          </a:solidFill>
+          <a:ln>
+            <a:noFill/>
+          </a:ln>
+        </p:spPr>
+        <p:style>
+          <a:lnRef idx="2">
+            <a:schemeClr val="accent1">
+              <a:shade val="50000"/>
+            </a:schemeClr>
+          </a:lnRef>
+          <a:fillRef idx="1">
+            <a:schemeClr val="accent1"/>
+          </a:fillRef>
+          <a:effectRef idx="0">
+            <a:schemeClr val="accent1"/>
+          </a:effectRef>
+          <a:fontRef idx="minor">
+            <a:schemeClr val="lt1"/>
+          </a:fontRef>
+        </p:style>
+        <p:txBody>
+          <a:bodyPr rtlCol="0" anchor="ctr"/>
+          <a:lstStyle/>
+          <a:p>
+            <a:pPr algn="ctr"/>
+            <a:endParaRPr lang="en-US"/>
+          </a:p>
+        </p:txBody>
+      </p:sp>
+      <p:sp>
+        <p:nvSpPr>
+          <p:cNvPr id="2" name="Title 1">
+            <a:extLst>
+              <a:ext uri="{FF2B5EF4-FFF2-40B4-BE49-F238E27FC236}">
+                <a16:creationId xmlns:a16="http://schemas.microsoft.com/office/drawing/2014/main" id="{44A484D3-1237-44DC-B6B6-DACCF1F78C69}"/>
+              </a:ext>
+            </a:extLst>
+          </p:cNvPr>
+          <p:cNvSpPr>
+            <a:spLocks noGrp="1"/>
+          </p:cNvSpPr>
+          <p:nvPr>
+            <p:ph type="title"/>
+          </p:nvPr>
+        </p:nvSpPr>
+        <p:spPr>
+          <a:xfrm>
+            <a:off x="1288064" y="1284731"/>
+            <a:ext cx="9637776" cy="1430696"/>
+          </a:xfrm>
+        </p:spPr>
+        <p:txBody>
+          <a:bodyPr>
+            <a:normAutofit/>
+          </a:bodyPr>
+          <a:lstStyle/>
+          <a:p>
+            <a:r>
+              <a:rPr lang="en-US" dirty="0"/>
+              <a:t>YouTube Links</a:t>
+            </a:r>
+          </a:p>
+        </p:txBody>
+      </p:sp>
+      <p:sp>
+        <p:nvSpPr>
+          <p:cNvPr id="3" name="Content Placeholder 2">
+            <a:extLst>
+              <a:ext uri="{FF2B5EF4-FFF2-40B4-BE49-F238E27FC236}">
+                <a16:creationId xmlns:a16="http://schemas.microsoft.com/office/drawing/2014/main" id="{E1189957-3837-4A4A-8CA2-F009FA043E28}"/>
+              </a:ext>
+            </a:extLst>
+          </p:cNvPr>
+          <p:cNvSpPr>
+            <a:spLocks noGrp="1"/>
+          </p:cNvSpPr>
+          <p:nvPr>
+            <p:ph idx="1"/>
+          </p:nvPr>
+        </p:nvSpPr>
+        <p:spPr>
+          <a:xfrm>
+            <a:off x="1288064" y="2853879"/>
+            <a:ext cx="9637776" cy="2714771"/>
+          </a:xfrm>
+        </p:spPr>
+        <p:txBody>
+          <a:bodyPr>
+            <a:normAutofit/>
+          </a:bodyPr>
+          <a:lstStyle/>
+          <a:p>
+            <a:r>
+              <a:rPr lang="en-US" sz="2000"/>
+              <a:t>Eric Laigaie</a:t>
+            </a:r>
+          </a:p>
+          <a:p>
+            <a:pPr lvl="1"/>
+            <a:r>
+              <a:rPr lang="en-US" sz="2000">
+                <a:hlinkClick r:id="rId2"/>
+              </a:rPr>
+              <a:t>https://www.youtube.com/watch?v=E8X-htVDYic&amp;ab_channel=EricLaigaie</a:t>
+            </a:r>
+            <a:r>
+              <a:rPr lang="en-US" sz="2000"/>
+              <a:t> </a:t>
+            </a:r>
+          </a:p>
+        </p:txBody>
+      </p:sp>
+    </p:spTree>
+    <p:extLst>
+      <p:ext uri="{BB962C8B-B14F-4D97-AF65-F5344CB8AC3E}">
+        <p14:creationId xmlns:p14="http://schemas.microsoft.com/office/powerpoint/2010/main" val="1402439582"/>
+      </p:ext>
+    </p:extLst>
+  </p:cSld>
+  <p:clrMapOvr>
+    <a:masterClrMapping/>
+  </p:clrMapOvr>
+</p:sld>
+</file>
+
+<file path=ppt/slides/slide15.xml><?xml version="1.0" encoding="utf-8"?>
+<p:sld xmlns:a="http://schemas.openxmlformats.org/drawingml/2006/main" xmlns:r="http://schemas.openxmlformats.org/officeDocument/2006/relationships" xmlns:p="http://schemas.openxmlformats.org/presentationml/2006/main">
+  <p:cSld>
+    <p:bg>
+      <p:bgPr>
+        <a:solidFill>
+          <a:schemeClr val="bg1"/>
+        </a:solidFill>
+        <a:effectLst/>
+      </p:bgPr>
+    </p:bg>
+    <p:spTree>
+      <p:nvGrpSpPr>
+        <p:cNvPr id="1" name=""/>
+        <p:cNvGrpSpPr/>
+        <p:nvPr/>
+      </p:nvGrpSpPr>
+      <p:grpSpPr>
+        <a:xfrm>
+          <a:off x="0" y="0"/>
+          <a:ext cx="0" cy="0"/>
+          <a:chOff x="0" y="0"/>
+          <a:chExt cx="0" cy="0"/>
+        </a:xfrm>
+      </p:grpSpPr>
+      <p:sp>
+        <p:nvSpPr>
           <p:cNvPr id="18" name="Rectangle 17">
             <a:extLst>
               <a:ext uri="{FF2B5EF4-FFF2-40B4-BE49-F238E27FC236}">
@@ -8056,7 +8388,7 @@
             <a:pPr algn="ctr"/>
             <a:r>
               <a:rPr lang="en-US" dirty="0"/>
-              <a:t>With many breweries already in high-population areas such as Texas &amp; California, expansion into Georgia &amp; Florida may be ideal.</a:t>
+              <a:t>With many breweries already in high-population areas such as Texas &amp; California, expansion into NV/UT and TN/GA may be ideal.</a:t>
             </a:r>
           </a:p>
         </p:txBody>
@@ -9006,7 +9338,7 @@
             <a:pPr lvl="1"/>
             <a:r>
               <a:rPr lang="en-US" sz="2200" dirty="0"/>
-              <a:t>Notes : This beer has an IBU of 0.</a:t>
+              <a:t>Notes : This beer has an IBU of 26.6.</a:t>
             </a:r>
           </a:p>
           <a:p>

--- a/EDA_Presentation.pptx
+++ b/EDA_Presentation.pptx
@@ -211,7 +211,7 @@
           <a:p>
             <a:fld id="{19553C96-C507-48DD-9B82-D32AAE9F79FE}" type="datetimeFigureOut">
               <a:rPr lang="en-US" smtClean="0"/>
-              <a:t>10/22/2021</a:t>
+              <a:t>10/22/21</a:t>
             </a:fld>
             <a:endParaRPr lang="en-US"/>
           </a:p>
@@ -625,7 +625,7 @@
           <a:p>
             <a:fld id="{AB7F5EDC-EE88-4A1F-BCD4-A74576B5EBDA}" type="datetimeFigureOut">
               <a:rPr lang="en-US" smtClean="0"/>
-              <a:t>10/22/2021</a:t>
+              <a:t>10/22/21</a:t>
             </a:fld>
             <a:endParaRPr lang="en-US"/>
           </a:p>
@@ -823,7 +823,7 @@
           <a:p>
             <a:fld id="{AB7F5EDC-EE88-4A1F-BCD4-A74576B5EBDA}" type="datetimeFigureOut">
               <a:rPr lang="en-US" smtClean="0"/>
-              <a:t>10/22/2021</a:t>
+              <a:t>10/22/21</a:t>
             </a:fld>
             <a:endParaRPr lang="en-US"/>
           </a:p>
@@ -1031,7 +1031,7 @@
           <a:p>
             <a:fld id="{AB7F5EDC-EE88-4A1F-BCD4-A74576B5EBDA}" type="datetimeFigureOut">
               <a:rPr lang="en-US" smtClean="0"/>
-              <a:t>10/22/2021</a:t>
+              <a:t>10/22/21</a:t>
             </a:fld>
             <a:endParaRPr lang="en-US"/>
           </a:p>
@@ -1229,7 +1229,7 @@
           <a:p>
             <a:fld id="{AB7F5EDC-EE88-4A1F-BCD4-A74576B5EBDA}" type="datetimeFigureOut">
               <a:rPr lang="en-US" smtClean="0"/>
-              <a:t>10/22/2021</a:t>
+              <a:t>10/22/21</a:t>
             </a:fld>
             <a:endParaRPr lang="en-US"/>
           </a:p>
@@ -1504,7 +1504,7 @@
           <a:p>
             <a:fld id="{AB7F5EDC-EE88-4A1F-BCD4-A74576B5EBDA}" type="datetimeFigureOut">
               <a:rPr lang="en-US" smtClean="0"/>
-              <a:t>10/22/2021</a:t>
+              <a:t>10/22/21</a:t>
             </a:fld>
             <a:endParaRPr lang="en-US"/>
           </a:p>
@@ -1769,7 +1769,7 @@
           <a:p>
             <a:fld id="{AB7F5EDC-EE88-4A1F-BCD4-A74576B5EBDA}" type="datetimeFigureOut">
               <a:rPr lang="en-US" smtClean="0"/>
-              <a:t>10/22/2021</a:t>
+              <a:t>10/22/21</a:t>
             </a:fld>
             <a:endParaRPr lang="en-US"/>
           </a:p>
@@ -2181,7 +2181,7 @@
           <a:p>
             <a:fld id="{AB7F5EDC-EE88-4A1F-BCD4-A74576B5EBDA}" type="datetimeFigureOut">
               <a:rPr lang="en-US" smtClean="0"/>
-              <a:t>10/22/2021</a:t>
+              <a:t>10/22/21</a:t>
             </a:fld>
             <a:endParaRPr lang="en-US"/>
           </a:p>
@@ -2322,7 +2322,7 @@
           <a:p>
             <a:fld id="{AB7F5EDC-EE88-4A1F-BCD4-A74576B5EBDA}" type="datetimeFigureOut">
               <a:rPr lang="en-US" smtClean="0"/>
-              <a:t>10/22/2021</a:t>
+              <a:t>10/22/21</a:t>
             </a:fld>
             <a:endParaRPr lang="en-US"/>
           </a:p>
@@ -2435,7 +2435,7 @@
           <a:p>
             <a:fld id="{AB7F5EDC-EE88-4A1F-BCD4-A74576B5EBDA}" type="datetimeFigureOut">
               <a:rPr lang="en-US" smtClean="0"/>
-              <a:t>10/22/2021</a:t>
+              <a:t>10/22/21</a:t>
             </a:fld>
             <a:endParaRPr lang="en-US"/>
           </a:p>
@@ -2746,7 +2746,7 @@
           <a:p>
             <a:fld id="{AB7F5EDC-EE88-4A1F-BCD4-A74576B5EBDA}" type="datetimeFigureOut">
               <a:rPr lang="en-US" smtClean="0"/>
-              <a:t>10/22/2021</a:t>
+              <a:t>10/22/21</a:t>
             </a:fld>
             <a:endParaRPr lang="en-US"/>
           </a:p>
@@ -3034,7 +3034,7 @@
           <a:p>
             <a:fld id="{AB7F5EDC-EE88-4A1F-BCD4-A74576B5EBDA}" type="datetimeFigureOut">
               <a:rPr lang="en-US" smtClean="0"/>
-              <a:t>10/22/2021</a:t>
+              <a:t>10/22/21</a:t>
             </a:fld>
             <a:endParaRPr lang="en-US"/>
           </a:p>
@@ -3275,7 +3275,7 @@
           <a:p>
             <a:fld id="{AB7F5EDC-EE88-4A1F-BCD4-A74576B5EBDA}" type="datetimeFigureOut">
               <a:rPr lang="en-US" smtClean="0"/>
-              <a:t>10/22/2021</a:t>
+              <a:t>10/22/21</a:t>
             </a:fld>
             <a:endParaRPr lang="en-US"/>
           </a:p>
@@ -7418,22 +7418,40 @@
           <a:lstStyle/>
           <a:p>
             <a:r>
-              <a:rPr lang="en-US" sz="2000"/>
-              <a:t>Eric Laigaie</a:t>
-            </a:r>
+              <a:rPr lang="en-US" sz="2000" dirty="0"/>
+              <a:t>Eric </a:t>
+            </a:r>
+            <a:r>
+              <a:rPr lang="en-US" sz="2000" dirty="0" err="1"/>
+              <a:t>Laigaie</a:t>
+            </a:r>
+            <a:endParaRPr lang="en-US" sz="2000" dirty="0"/>
           </a:p>
           <a:p>
             <a:pPr lvl="1"/>
             <a:r>
-              <a:rPr lang="en-US" sz="2000">
+              <a:rPr lang="en-US" sz="2000" dirty="0">
                 <a:hlinkClick r:id="rId2"/>
               </a:rPr>
               <a:t>https://www.youtube.com/watch?v=E8X-htVDYic&amp;ab_channel=EricLaigaie</a:t>
             </a:r>
-            <a:r>
-              <a:rPr lang="en-US" sz="2000"/>
-              <a:t> </a:t>
-            </a:r>
+            <a:endParaRPr lang="en-US" sz="2000" dirty="0"/>
+          </a:p>
+          <a:p>
+            <a:r>
+              <a:rPr lang="en-US" sz="2000" dirty="0"/>
+              <a:t>Alex Lopez</a:t>
+            </a:r>
+          </a:p>
+          <a:p>
+            <a:pPr lvl="1"/>
+            <a:r>
+              <a:rPr lang="en-US" sz="2000" dirty="0">
+                <a:hlinkClick r:id="rId3"/>
+              </a:rPr>
+              <a:t>https://youtu.be/C8lKekMA_rw</a:t>
+            </a:r>
+            <a:endParaRPr lang="en-US" sz="2000" dirty="0"/>
           </a:p>
         </p:txBody>
       </p:sp>
